--- a/15 - Arquitetura de Negócio para cada Cenário.pptx
+++ b/15 - Arquitetura de Negócio para cada Cenário.pptx
@@ -5740,7 +5740,7 @@
         <p:spPr>
           <a:xfrm>
             <a:off x="609480" y="273600"/>
-            <a:ext cx="10972440" cy="1144800"/>
+            <a:ext cx="10972080" cy="1144440"/>
           </a:xfrm>
           <a:prstGeom prst="rect">
             <a:avLst/>
@@ -5753,12 +5753,12 @@
           <a:p>
             <a:pPr algn="ctr"/>
             <a:r>
-              <a:rPr b="0" lang="pt-BR" sz="4400" spc="-1" strike="noStrike">
+              <a:rPr b="0" lang="pt-BR" sz="1800" spc="-1" strike="noStrike">
                 <a:latin typeface="Arial"/>
               </a:rPr>
               <a:t>Clique para editar o formato do texto do título</a:t>
             </a:r>
-            <a:endParaRPr b="0" lang="pt-BR" sz="4400" spc="-1" strike="noStrike">
+            <a:endParaRPr b="0" lang="pt-BR" sz="1800" spc="-1" strike="noStrike">
               <a:latin typeface="Arial"/>
             </a:endParaRPr>
           </a:p>
@@ -6508,8 +6508,8 @@
         </p:nvSpPr>
         <p:spPr>
           <a:xfrm>
-            <a:off x="1523880" y="1122480"/>
-            <a:ext cx="9142560" cy="2386080"/>
+            <a:off x="838080" y="365040"/>
+            <a:ext cx="10512000" cy="1321920"/>
           </a:xfrm>
           <a:prstGeom prst="rect">
             <a:avLst/>
@@ -6526,26 +6526,26 @@
           <a:fontRef idx="minor"/>
         </p:style>
         <p:txBody>
-          <a:bodyPr lIns="90000" rIns="90000" tIns="45000" bIns="45000" anchor="b">
+          <a:bodyPr lIns="90000" rIns="90000" tIns="45000" bIns="45000" anchor="ctr">
             <a:noAutofit/>
           </a:bodyPr>
           <a:p>
-            <a:pPr algn="ctr">
+            <a:pPr>
               <a:lnSpc>
                 <a:spcPct val="90000"/>
               </a:lnSpc>
             </a:pPr>
             <a:r>
-              <a:rPr b="0" lang="pt-BR" sz="6000" spc="-1" strike="noStrike">
+              <a:rPr b="0" lang="pt-BR" sz="4400" spc="-1" strike="noStrike">
                 <a:solidFill>
                   <a:srgbClr val="000000"/>
                 </a:solidFill>
                 <a:latin typeface="Calibri Light"/>
                 <a:ea typeface="DejaVu Sans"/>
               </a:rPr>
-              <a:t>SMARTGATO</a:t>
+              <a:t>Locação de Ternos</a:t>
             </a:r>
-            <a:endParaRPr b="0" lang="pt-BR" sz="6000" spc="-1" strike="noStrike">
+            <a:endParaRPr b="0" lang="pt-BR" sz="4400" spc="-1" strike="noStrike">
               <a:latin typeface="Arial"/>
             </a:endParaRPr>
           </a:p>
@@ -6559,8 +6559,8 @@
         </p:nvSpPr>
         <p:spPr>
           <a:xfrm>
-            <a:off x="1523880" y="3602160"/>
-            <a:ext cx="9142560" cy="1654200"/>
+            <a:off x="838080" y="1825560"/>
+            <a:ext cx="10512000" cy="4347720"/>
           </a:xfrm>
           <a:prstGeom prst="rect">
             <a:avLst/>
@@ -6578,10 +6578,178 @@
         </p:style>
         <p:txBody>
           <a:bodyPr lIns="90000" rIns="90000" tIns="45000" bIns="45000">
-            <a:noAutofit/>
-          </a:bodyPr>
-          <a:p>
-            <a:pPr algn="ctr">
+            <a:normAutofit fontScale="82000"/>
+          </a:bodyPr>
+          <a:p>
+            <a:pPr marL="228600" indent="-225000">
+              <a:lnSpc>
+                <a:spcPct val="90000"/>
+              </a:lnSpc>
+              <a:spcBef>
+                <a:spcPts val="1001"/>
+              </a:spcBef>
+              <a:buClr>
+                <a:srgbClr val="000000"/>
+              </a:buClr>
+              <a:buFont typeface="Arial"/>
+              <a:buChar char="•"/>
+            </a:pPr>
+            <a:r>
+              <a:rPr b="0" lang="pt-BR" sz="2800" spc="-1" strike="noStrike">
+                <a:solidFill>
+                  <a:srgbClr val="000000"/>
+                </a:solidFill>
+                <a:latin typeface="Calibri"/>
+                <a:ea typeface="DejaVu Sans"/>
+              </a:rPr>
+              <a:t>Deseja-se, a locação de um terno, dentro as condições solicitadas pelo cliente.</a:t>
+            </a:r>
+            <a:endParaRPr b="0" lang="pt-BR" sz="2800" spc="-1" strike="noStrike">
+              <a:latin typeface="Arial"/>
+            </a:endParaRPr>
+          </a:p>
+          <a:p>
+            <a:pPr marL="228600" indent="-225000">
+              <a:lnSpc>
+                <a:spcPct val="90000"/>
+              </a:lnSpc>
+              <a:spcBef>
+                <a:spcPts val="1001"/>
+              </a:spcBef>
+              <a:buClr>
+                <a:srgbClr val="000000"/>
+              </a:buClr>
+              <a:buFont typeface="Arial"/>
+              <a:buChar char="•"/>
+            </a:pPr>
+            <a:r>
+              <a:rPr b="0" lang="pt-BR" sz="2800" spc="-1" strike="noStrike">
+                <a:solidFill>
+                  <a:srgbClr val="000000"/>
+                </a:solidFill>
+                <a:latin typeface="Calibri"/>
+                <a:ea typeface="DejaVu Sans"/>
+              </a:rPr>
+              <a:t>O atendente deve coletar as condições solicitadas pelo cliente, e lhe apresentar os ternos disponíveis no momento.</a:t>
+            </a:r>
+            <a:endParaRPr b="0" lang="pt-BR" sz="2800" spc="-1" strike="noStrike">
+              <a:latin typeface="Arial"/>
+            </a:endParaRPr>
+          </a:p>
+          <a:p>
+            <a:pPr marL="228600" indent="-225000">
+              <a:lnSpc>
+                <a:spcPct val="90000"/>
+              </a:lnSpc>
+              <a:spcBef>
+                <a:spcPts val="1001"/>
+              </a:spcBef>
+              <a:buClr>
+                <a:srgbClr val="000000"/>
+              </a:buClr>
+              <a:buFont typeface="Arial"/>
+              <a:buChar char="•"/>
+            </a:pPr>
+            <a:r>
+              <a:rPr b="0" lang="pt-BR" sz="2800" spc="-1" strike="noStrike">
+                <a:solidFill>
+                  <a:srgbClr val="000000"/>
+                </a:solidFill>
+                <a:latin typeface="Calibri"/>
+                <a:ea typeface="DejaVu Sans"/>
+              </a:rPr>
+              <a:t>Caso necessário, será efetuado ajustes no terno escolhido pelo cliente.</a:t>
+            </a:r>
+            <a:endParaRPr b="0" lang="pt-BR" sz="2800" spc="-1" strike="noStrike">
+              <a:latin typeface="Arial"/>
+            </a:endParaRPr>
+          </a:p>
+          <a:p>
+            <a:pPr marL="228600" indent="-225000">
+              <a:lnSpc>
+                <a:spcPct val="90000"/>
+              </a:lnSpc>
+              <a:spcBef>
+                <a:spcPts val="1001"/>
+              </a:spcBef>
+              <a:buClr>
+                <a:srgbClr val="000000"/>
+              </a:buClr>
+              <a:buFont typeface="Arial"/>
+              <a:buChar char="•"/>
+            </a:pPr>
+            <a:r>
+              <a:rPr b="0" lang="pt-BR" sz="2800" spc="-1" strike="noStrike">
+                <a:solidFill>
+                  <a:srgbClr val="000000"/>
+                </a:solidFill>
+                <a:latin typeface="Calibri"/>
+                <a:ea typeface="DejaVu Sans"/>
+              </a:rPr>
+              <a:t>Será emitida a ficha de medidas com um identificador único emitido pelo atendente (número em vermelho), medidas, data da retirada e devolução, valor de pagamento e outras observações. </a:t>
+            </a:r>
+            <a:endParaRPr b="0" lang="pt-BR" sz="2800" spc="-1" strike="noStrike">
+              <a:latin typeface="Arial"/>
+            </a:endParaRPr>
+          </a:p>
+          <a:p>
+            <a:pPr marL="228600" indent="-225000">
+              <a:lnSpc>
+                <a:spcPct val="90000"/>
+              </a:lnSpc>
+              <a:spcBef>
+                <a:spcPts val="1001"/>
+              </a:spcBef>
+              <a:buClr>
+                <a:srgbClr val="000000"/>
+              </a:buClr>
+              <a:buFont typeface="Arial"/>
+              <a:buChar char="•"/>
+            </a:pPr>
+            <a:r>
+              <a:rPr b="0" lang="pt-BR" sz="2800" spc="-1" strike="noStrike">
+                <a:solidFill>
+                  <a:srgbClr val="000000"/>
+                </a:solidFill>
+                <a:latin typeface="Calibri"/>
+                <a:ea typeface="DejaVu Sans"/>
+              </a:rPr>
+              <a:t>O cliente, apresenta a ficha de medidas ao caixa que verifica a forma e recolhe o pagamento, o caixa da baixa na ficha e a devolve para o cliente.</a:t>
+            </a:r>
+            <a:endParaRPr b="0" lang="pt-BR" sz="2800" spc="-1" strike="noStrike">
+              <a:latin typeface="Arial"/>
+            </a:endParaRPr>
+          </a:p>
+          <a:p>
+            <a:pPr marL="228600" indent="-225000">
+              <a:lnSpc>
+                <a:spcPct val="90000"/>
+              </a:lnSpc>
+              <a:spcBef>
+                <a:spcPts val="1001"/>
+              </a:spcBef>
+              <a:buClr>
+                <a:srgbClr val="000000"/>
+              </a:buClr>
+              <a:buFont typeface="Arial"/>
+              <a:buChar char="•"/>
+            </a:pPr>
+            <a:r>
+              <a:rPr b="0" lang="pt-BR" sz="2800" spc="-1" strike="noStrike">
+                <a:solidFill>
+                  <a:srgbClr val="000000"/>
+                </a:solidFill>
+                <a:latin typeface="Calibri"/>
+                <a:ea typeface="DejaVu Sans"/>
+              </a:rPr>
+              <a:t>O cliente retira o terno locado com o caixa. </a:t>
+            </a:r>
+            <a:endParaRPr b="0" lang="pt-BR" sz="2800" spc="-1" strike="noStrike">
+              <a:latin typeface="Arial"/>
+            </a:endParaRPr>
+          </a:p>
+          <a:p>
+            <a:pPr>
               <a:lnSpc>
                 <a:spcPct val="90000"/>
               </a:lnSpc>
@@ -6589,17 +6757,7 @@
                 <a:spcPts val="1001"/>
               </a:spcBef>
             </a:pPr>
-            <a:r>
-              <a:rPr b="0" lang="pt-BR" sz="2400" spc="-1" strike="noStrike">
-                <a:solidFill>
-                  <a:srgbClr val="000000"/>
-                </a:solidFill>
-                <a:latin typeface="Calibri"/>
-                <a:ea typeface="DejaVu Sans"/>
-              </a:rPr>
-              <a:t>Sistema de Luminosidade Residencial Inteligente</a:t>
-            </a:r>
-            <a:endParaRPr b="0" lang="pt-BR" sz="2400" spc="-1" strike="noStrike">
+            <a:endParaRPr b="0" lang="pt-BR" sz="2800" spc="-1" strike="noStrike">
               <a:latin typeface="Arial"/>
             </a:endParaRPr>
           </a:p>
@@ -6643,8 +6801,8 @@
         </p:nvSpPr>
         <p:spPr>
           <a:xfrm>
-            <a:off x="838080" y="365040"/>
-            <a:ext cx="10514160" cy="1324080"/>
+            <a:off x="838080" y="444960"/>
+            <a:ext cx="10512000" cy="1321920"/>
           </a:xfrm>
           <a:prstGeom prst="rect">
             <a:avLst/>
@@ -6678,7 +6836,7 @@
                 <a:latin typeface="Calibri Light"/>
                 <a:ea typeface="DejaVu Sans"/>
               </a:rPr>
-              <a:t>Controle de Luminosidade</a:t>
+              <a:t>Contexto de Negócio</a:t>
             </a:r>
             <a:endParaRPr b="0" lang="pt-BR" sz="4400" spc="-1" strike="noStrike">
               <a:latin typeface="Arial"/>
@@ -6694,8 +6852,100 @@
         </p:nvSpPr>
         <p:spPr>
           <a:xfrm>
-            <a:off x="838080" y="1825560"/>
-            <a:ext cx="10514160" cy="4349880"/>
+            <a:off x="1744560" y="3378600"/>
+            <a:ext cx="1332720" cy="910800"/>
+          </a:xfrm>
+          <a:prstGeom prst="rect">
+            <a:avLst/>
+          </a:prstGeom>
+          <a:ln/>
+        </p:spPr>
+        <p:style>
+          <a:lnRef idx="2">
+            <a:schemeClr val="accent1">
+              <a:shade val="50000"/>
+            </a:schemeClr>
+          </a:lnRef>
+          <a:fillRef idx="1">
+            <a:schemeClr val="accent1"/>
+          </a:fillRef>
+          <a:effectRef idx="0">
+            <a:schemeClr val="accent1"/>
+          </a:effectRef>
+          <a:fontRef idx="minor"/>
+        </p:style>
+        <p:txBody>
+          <a:bodyPr lIns="90000" rIns="90000" tIns="45000" bIns="45000" anchor="ctr">
+            <a:noAutofit/>
+          </a:bodyPr>
+          <a:p>
+            <a:pPr algn="ctr">
+              <a:lnSpc>
+                <a:spcPct val="100000"/>
+              </a:lnSpc>
+            </a:pPr>
+            <a:r>
+              <a:rPr b="0" lang="pt-BR" sz="1800" spc="-1" strike="noStrike">
+                <a:solidFill>
+                  <a:srgbClr val="ffffff"/>
+                </a:solidFill>
+                <a:latin typeface="Calibri"/>
+                <a:ea typeface="DejaVu Sans"/>
+              </a:rPr>
+              <a:t>Cliente</a:t>
+            </a:r>
+            <a:endParaRPr b="0" lang="pt-BR" sz="1800" spc="-1" strike="noStrike">
+              <a:latin typeface="Arial"/>
+            </a:endParaRPr>
+          </a:p>
+        </p:txBody>
+      </p:sp>
+      <p:sp>
+        <p:nvSpPr>
+          <p:cNvPr id="156" name="CustomShape 3"/>
+          <p:cNvSpPr/>
+          <p:nvPr/>
+        </p:nvSpPr>
+        <p:spPr>
+          <a:xfrm>
+            <a:off x="3080880" y="3835800"/>
+            <a:ext cx="3461760" cy="9000"/>
+          </a:xfrm>
+          <a:prstGeom prst="curvedConnector3">
+            <a:avLst>
+              <a:gd name="adj1" fmla="val 50000"/>
+            </a:avLst>
+          </a:prstGeom>
+          <a:noFill/>
+          <a:ln>
+            <a:solidFill>
+              <a:srgbClr val="3f6ec2"/>
+            </a:solidFill>
+          </a:ln>
+        </p:spPr>
+        <p:style>
+          <a:lnRef idx="1">
+            <a:schemeClr val="accent1"/>
+          </a:lnRef>
+          <a:fillRef idx="0">
+            <a:schemeClr val="accent1"/>
+          </a:fillRef>
+          <a:effectRef idx="0">
+            <a:schemeClr val="accent1"/>
+          </a:effectRef>
+          <a:fontRef idx="minor"/>
+        </p:style>
+      </p:sp>
+      <p:sp>
+        <p:nvSpPr>
+          <p:cNvPr id="157" name="CustomShape 4"/>
+          <p:cNvSpPr/>
+          <p:nvPr/>
+        </p:nvSpPr>
+        <p:spPr>
+          <a:xfrm>
+            <a:off x="3693600" y="3168000"/>
+            <a:ext cx="2080080" cy="912600"/>
           </a:xfrm>
           <a:prstGeom prst="rect">
             <a:avLst/>
@@ -6712,103 +6962,128 @@
           <a:fontRef idx="minor"/>
         </p:style>
         <p:txBody>
-          <a:bodyPr lIns="90000" rIns="90000" tIns="45000" bIns="45000">
-            <a:normAutofit/>
-          </a:bodyPr>
-          <a:p>
-            <a:pPr marL="228600" indent="-227160">
+          <a:bodyPr wrap="none" lIns="90000" rIns="90000" tIns="45000" bIns="45000">
+            <a:spAutoFit/>
+          </a:bodyPr>
+          <a:p>
+            <a:pPr marL="343080" indent="-339480">
               <a:lnSpc>
-                <a:spcPct val="90000"/>
+                <a:spcPct val="100000"/>
               </a:lnSpc>
-              <a:spcBef>
-                <a:spcPts val="1001"/>
-              </a:spcBef>
               <a:buClr>
                 <a:srgbClr val="000000"/>
               </a:buClr>
-              <a:buFont typeface="Arial"/>
-              <a:buChar char="•"/>
+              <a:buFont typeface="Calibri Light"/>
+              <a:buAutoNum type="arabicPeriod"/>
             </a:pPr>
             <a:r>
-              <a:rPr b="0" lang="pt-BR" sz="2800" spc="-1" strike="noStrike">
+              <a:rPr b="0" lang="pt-BR" sz="1800" spc="-1" strike="noStrike">
                 <a:solidFill>
                   <a:srgbClr val="000000"/>
                 </a:solidFill>
                 <a:latin typeface="Calibri"/>
                 <a:ea typeface="DejaVu Sans"/>
               </a:rPr>
-              <a:t>Deseja-se, controlar a luminosidade residencial a distância. </a:t>
+              <a:t>Locar um Terno</a:t>
             </a:r>
-            <a:endParaRPr b="0" lang="pt-BR" sz="2800" spc="-1" strike="noStrike">
-              <a:latin typeface="Arial"/>
-            </a:endParaRPr>
-          </a:p>
-          <a:p>
-            <a:pPr marL="228600" indent="-227160">
+            <a:endParaRPr b="0" lang="pt-BR" sz="1800" spc="-1" strike="noStrike">
+              <a:latin typeface="Arial"/>
+            </a:endParaRPr>
+          </a:p>
+          <a:p>
+            <a:pPr marL="343080" indent="-339480">
               <a:lnSpc>
-                <a:spcPct val="90000"/>
+                <a:spcPct val="100000"/>
               </a:lnSpc>
-              <a:spcBef>
-                <a:spcPts val="1001"/>
-              </a:spcBef>
               <a:buClr>
                 <a:srgbClr val="000000"/>
               </a:buClr>
-              <a:buFont typeface="Arial"/>
-              <a:buChar char="•"/>
+              <a:buFont typeface="Calibri Light"/>
+              <a:buAutoNum type="arabicPeriod"/>
             </a:pPr>
             <a:r>
-              <a:rPr b="0" lang="pt-BR" sz="2800" spc="-1" strike="noStrike">
+              <a:rPr b="0" lang="pt-BR" sz="1800" spc="-1" strike="noStrike">
                 <a:solidFill>
                   <a:srgbClr val="000000"/>
                 </a:solidFill>
                 <a:latin typeface="Calibri"/>
                 <a:ea typeface="DejaVu Sans"/>
               </a:rPr>
-              <a:t>Quando ativado o botão liga/desliga, um conjunto de lampadas predefinido devem ser acionadas.</a:t>
+              <a:t>Retirar um Terno</a:t>
             </a:r>
-            <a:endParaRPr b="0" lang="pt-BR" sz="2800" spc="-1" strike="noStrike">
-              <a:latin typeface="Arial"/>
-            </a:endParaRPr>
-          </a:p>
-          <a:p>
-            <a:pPr marL="228600" indent="-227160">
+            <a:endParaRPr b="0" lang="pt-BR" sz="1800" spc="-1" strike="noStrike">
+              <a:latin typeface="Arial"/>
+            </a:endParaRPr>
+          </a:p>
+          <a:p>
+            <a:pPr>
               <a:lnSpc>
-                <a:spcPct val="90000"/>
+                <a:spcPct val="100000"/>
               </a:lnSpc>
-              <a:spcBef>
-                <a:spcPts val="1001"/>
-              </a:spcBef>
-              <a:buClr>
-                <a:srgbClr val="000000"/>
-              </a:buClr>
-              <a:buFont typeface="Arial"/>
-              <a:buChar char="•"/>
             </a:pPr>
+            <a:endParaRPr b="0" lang="pt-BR" sz="1800" spc="-1" strike="noStrike">
+              <a:latin typeface="Arial"/>
+            </a:endParaRPr>
+          </a:p>
+        </p:txBody>
+      </p:sp>
+      <p:sp>
+        <p:nvSpPr>
+          <p:cNvPr id="158" name="CustomShape 5"/>
+          <p:cNvSpPr/>
+          <p:nvPr/>
+        </p:nvSpPr>
+        <p:spPr>
+          <a:xfrm>
+            <a:off x="6546240" y="2397960"/>
+            <a:ext cx="3607200" cy="2872080"/>
+          </a:xfrm>
+          <a:prstGeom prst="roundRect">
+            <a:avLst>
+              <a:gd name="adj" fmla="val 16667"/>
+            </a:avLst>
+          </a:prstGeom>
+          <a:noFill/>
+          <a:ln/>
+        </p:spPr>
+        <p:style>
+          <a:lnRef idx="2">
+            <a:schemeClr val="accent1">
+              <a:shade val="50000"/>
+            </a:schemeClr>
+          </a:lnRef>
+          <a:fillRef idx="1">
+            <a:schemeClr val="accent1"/>
+          </a:fillRef>
+          <a:effectRef idx="0">
+            <a:schemeClr val="accent1"/>
+          </a:effectRef>
+          <a:fontRef idx="minor"/>
+        </p:style>
+        <p:txBody>
+          <a:bodyPr lIns="90000" rIns="90000" tIns="45000" bIns="45000">
+            <a:noAutofit/>
+          </a:bodyPr>
+          <a:p>
+            <a:pPr algn="ctr">
+              <a:lnSpc>
+                <a:spcPct val="100000"/>
+              </a:lnSpc>
+            </a:pPr>
+            <a:br/>
+            <a:br/>
+            <a:br/>
             <a:r>
-              <a:rPr b="0" lang="pt-BR" sz="2800" spc="-1" strike="noStrike">
+              <a:rPr b="1" lang="pt-BR" sz="2600" spc="-1" strike="noStrike">
                 <a:solidFill>
                   <a:srgbClr val="000000"/>
                 </a:solidFill>
                 <a:latin typeface="Calibri"/>
                 <a:ea typeface="DejaVu Sans"/>
               </a:rPr>
-              <a:t>O administrador deve receber um aviso em seu email contendo a identificação de quais lampadas foram acionadas, data, hora e nome do usuário acionador. </a:t>
+              <a:t>JLima Collection</a:t>
             </a:r>
-            <a:endParaRPr b="0" lang="pt-BR" sz="2800" spc="-1" strike="noStrike">
-              <a:latin typeface="Arial"/>
-            </a:endParaRPr>
-          </a:p>
-          <a:p>
-            <a:pPr>
-              <a:lnSpc>
-                <a:spcPct val="90000"/>
-              </a:lnSpc>
-              <a:spcBef>
-                <a:spcPts val="1001"/>
-              </a:spcBef>
-            </a:pPr>
-            <a:endParaRPr b="0" lang="pt-BR" sz="2800" spc="-1" strike="noStrike">
+            <a:endParaRPr b="0" lang="pt-BR" sz="2600" spc="-1" strike="noStrike">
               <a:latin typeface="Arial"/>
             </a:endParaRPr>
           </a:p>
@@ -6846,13 +7121,13 @@
       </p:grpSpPr>
       <p:sp>
         <p:nvSpPr>
-          <p:cNvPr id="156" name="CustomShape 1"/>
+          <p:cNvPr id="159" name="CustomShape 1"/>
           <p:cNvSpPr/>
           <p:nvPr/>
         </p:nvSpPr>
         <p:spPr>
           <a:xfrm>
-            <a:off x="838080" y="444960"/>
+            <a:off x="838080" y="365040"/>
             <a:ext cx="10514160" cy="1324080"/>
           </a:xfrm>
           <a:prstGeom prst="rect">
@@ -6887,7 +7162,7 @@
                 <a:latin typeface="Calibri Light"/>
                 <a:ea typeface="DejaVu Sans"/>
               </a:rPr>
-              <a:t>Contexto de Negócio</a:t>
+              <a:t>Cenário: Locar Terno</a:t>
             </a:r>
             <a:endParaRPr b="0" lang="pt-BR" sz="4400" spc="-1" strike="noStrike">
               <a:latin typeface="Arial"/>
@@ -6897,13 +7172,194 @@
       </p:sp>
       <p:sp>
         <p:nvSpPr>
-          <p:cNvPr id="157" name="CustomShape 2"/>
+          <p:cNvPr id="160" name="CustomShape 2"/>
           <p:cNvSpPr/>
           <p:nvPr/>
         </p:nvSpPr>
         <p:spPr>
           <a:xfrm>
-            <a:off x="1744560" y="3378600"/>
+            <a:off x="7537680" y="3189600"/>
+            <a:ext cx="1626120" cy="582840"/>
+          </a:xfrm>
+          <a:prstGeom prst="cube">
+            <a:avLst>
+              <a:gd name="adj" fmla="val 25000"/>
+            </a:avLst>
+          </a:prstGeom>
+          <a:solidFill>
+            <a:srgbClr val="ffc000"/>
+          </a:solidFill>
+          <a:ln/>
+        </p:spPr>
+        <p:style>
+          <a:lnRef idx="2">
+            <a:schemeClr val="accent1"/>
+          </a:lnRef>
+          <a:fillRef idx="1">
+            <a:schemeClr val="lt1"/>
+          </a:fillRef>
+          <a:effectRef idx="0">
+            <a:schemeClr val="accent1"/>
+          </a:effectRef>
+          <a:fontRef idx="minor"/>
+        </p:style>
+        <p:txBody>
+          <a:bodyPr lIns="90000" rIns="90000" tIns="45000" bIns="45000">
+            <a:noAutofit/>
+          </a:bodyPr>
+          <a:p>
+            <a:pPr algn="ctr">
+              <a:lnSpc>
+                <a:spcPct val="100000"/>
+              </a:lnSpc>
+            </a:pPr>
+            <a:r>
+              <a:rPr b="0" lang="pt-BR" sz="1000" spc="-1" strike="noStrike">
+                <a:solidFill>
+                  <a:srgbClr val="000000"/>
+                </a:solidFill>
+                <a:latin typeface="Calibri"/>
+                <a:ea typeface="DejaVu Sans"/>
+              </a:rPr>
+              <a:t>Atendente</a:t>
+            </a:r>
+            <a:endParaRPr b="0" lang="pt-BR" sz="1000" spc="-1" strike="noStrike">
+              <a:latin typeface="Arial"/>
+            </a:endParaRPr>
+          </a:p>
+          <a:p>
+            <a:pPr algn="ctr">
+              <a:lnSpc>
+                <a:spcPct val="100000"/>
+              </a:lnSpc>
+            </a:pPr>
+            <a:r>
+              <a:rPr b="1" lang="pt-BR" sz="1000" spc="-1" strike="noStrike">
+                <a:solidFill>
+                  <a:srgbClr val="000000"/>
+                </a:solidFill>
+                <a:latin typeface="Calibri"/>
+                <a:ea typeface="DejaVu Sans"/>
+              </a:rPr>
+              <a:t>(Nó Operacional)</a:t>
+            </a:r>
+            <a:endParaRPr b="0" lang="pt-BR" sz="1000" spc="-1" strike="noStrike">
+              <a:latin typeface="Arial"/>
+            </a:endParaRPr>
+          </a:p>
+          <a:p>
+            <a:pPr>
+              <a:lnSpc>
+                <a:spcPct val="100000"/>
+              </a:lnSpc>
+            </a:pPr>
+            <a:endParaRPr b="0" lang="pt-BR" sz="1000" spc="-1" strike="noStrike">
+              <a:latin typeface="Arial"/>
+            </a:endParaRPr>
+          </a:p>
+        </p:txBody>
+      </p:sp>
+      <p:sp>
+        <p:nvSpPr>
+          <p:cNvPr id="161" name="CustomShape 3"/>
+          <p:cNvSpPr/>
+          <p:nvPr/>
+        </p:nvSpPr>
+        <p:spPr>
+          <a:xfrm>
+            <a:off x="7642080" y="3936240"/>
+            <a:ext cx="1276920" cy="537120"/>
+          </a:xfrm>
+          <a:prstGeom prst="roundRect">
+            <a:avLst>
+              <a:gd name="adj" fmla="val 16667"/>
+            </a:avLst>
+          </a:prstGeom>
+          <a:ln>
+            <a:noFill/>
+          </a:ln>
+          <a:effectLst>
+            <a:outerShdw blurRad="40000" dir="5400000" dist="20160" rotWithShape="0">
+              <a:srgbClr val="000000">
+                <a:alpha val="38000"/>
+              </a:srgbClr>
+            </a:outerShdw>
+          </a:effectLst>
+          <a:scene3d>
+            <a:camera prst="orthographicFront">
+              <a:rot lat="0" lon="0" rev="0"/>
+            </a:camera>
+            <a:lightRig dir="t" rig="contrasting">
+              <a:rot lat="0" lon="0" rev="1200000"/>
+            </a:lightRig>
+          </a:scene3d>
+          <a:sp3d contourW="19050" prstMaterial="metal">
+            <a:bevelT w="88900" h="203200"/>
+            <a:bevelB w="165100" h="254000"/>
+          </a:sp3d>
+        </p:spPr>
+        <p:style>
+          <a:lnRef idx="0">
+            <a:schemeClr val="lt1">
+              <a:hueOff val="0"/>
+              <a:satOff val="0"/>
+              <a:lumOff val="0"/>
+              <a:alphaOff val="0"/>
+            </a:schemeClr>
+          </a:lnRef>
+          <a:fillRef idx="1">
+            <a:schemeClr val="accent6">
+              <a:hueOff val="0"/>
+              <a:satOff val="0"/>
+              <a:lumOff val="0"/>
+              <a:alphaOff val="0"/>
+            </a:schemeClr>
+          </a:fillRef>
+          <a:effectRef idx="1">
+            <a:schemeClr val="accent6">
+              <a:hueOff val="0"/>
+              <a:satOff val="0"/>
+              <a:lumOff val="0"/>
+              <a:alphaOff val="0"/>
+            </a:schemeClr>
+          </a:effectRef>
+          <a:fontRef idx="minor"/>
+        </p:style>
+        <p:txBody>
+          <a:bodyPr lIns="90000" rIns="90000" tIns="45000" bIns="45000" anchor="ctr">
+            <a:noAutofit/>
+          </a:bodyPr>
+          <a:p>
+            <a:pPr algn="ctr">
+              <a:lnSpc>
+                <a:spcPct val="100000"/>
+              </a:lnSpc>
+            </a:pPr>
+            <a:r>
+              <a:rPr b="1" lang="pt-BR" sz="1200" spc="-1" strike="noStrike">
+                <a:solidFill>
+                  <a:srgbClr val="ffffff"/>
+                </a:solidFill>
+                <a:latin typeface="Calibri"/>
+                <a:ea typeface="DejaVu Sans"/>
+              </a:rPr>
+              <a:t>Tratar escolha do Terno</a:t>
+            </a:r>
+            <a:endParaRPr b="0" lang="pt-BR" sz="1200" spc="-1" strike="noStrike">
+              <a:latin typeface="Arial"/>
+            </a:endParaRPr>
+          </a:p>
+        </p:txBody>
+      </p:sp>
+      <p:sp>
+        <p:nvSpPr>
+          <p:cNvPr id="162" name="CustomShape 4"/>
+          <p:cNvSpPr/>
+          <p:nvPr/>
+        </p:nvSpPr>
+        <p:spPr>
+          <a:xfrm>
+            <a:off x="2035080" y="3097800"/>
             <a:ext cx="1334880" cy="912960"/>
           </a:xfrm>
           <a:prstGeom prst="rect">
@@ -6953,14 +7409,14 @@
       </p:sp>
       <p:sp>
         <p:nvSpPr>
-          <p:cNvPr id="158" name="CustomShape 3"/>
+          <p:cNvPr id="163" name="CustomShape 5"/>
           <p:cNvSpPr/>
           <p:nvPr/>
         </p:nvSpPr>
         <p:spPr>
           <a:xfrm>
-            <a:off x="3080880" y="3835800"/>
-            <a:ext cx="3463920" cy="11160"/>
+            <a:off x="3371400" y="3555000"/>
+            <a:ext cx="4164840" cy="11160"/>
           </a:xfrm>
           <a:prstGeom prst="curvedConnector3">
             <a:avLst>
@@ -6989,63 +7445,7 @@
       </p:sp>
       <p:sp>
         <p:nvSpPr>
-          <p:cNvPr id="159" name="CustomShape 4"/>
-          <p:cNvSpPr/>
-          <p:nvPr/>
-        </p:nvSpPr>
-        <p:spPr>
-          <a:xfrm>
-            <a:off x="3172680" y="3189600"/>
-            <a:ext cx="3014640" cy="364320"/>
-          </a:xfrm>
-          <a:prstGeom prst="rect">
-            <a:avLst/>
-          </a:prstGeom>
-          <a:noFill/>
-          <a:ln>
-            <a:noFill/>
-          </a:ln>
-        </p:spPr>
-        <p:style>
-          <a:lnRef idx="0"/>
-          <a:fillRef idx="0"/>
-          <a:effectRef idx="0"/>
-          <a:fontRef idx="minor"/>
-        </p:style>
-        <p:txBody>
-          <a:bodyPr wrap="none" lIns="90000" rIns="90000" tIns="45000" bIns="45000">
-            <a:spAutoFit/>
-          </a:bodyPr>
-          <a:p>
-            <a:pPr marL="343080" indent="-341640">
-              <a:lnSpc>
-                <a:spcPct val="100000"/>
-              </a:lnSpc>
-              <a:buClr>
-                <a:srgbClr val="000000"/>
-              </a:buClr>
-              <a:buFont typeface="Calibri Light"/>
-              <a:buAutoNum type="arabicPeriod"/>
-            </a:pPr>
-            <a:r>
-              <a:rPr b="0" lang="pt-BR" sz="1800" spc="-1" strike="noStrike">
-                <a:solidFill>
-                  <a:srgbClr val="000000"/>
-                </a:solidFill>
-                <a:latin typeface="Calibri"/>
-                <a:ea typeface="DejaVu Sans"/>
-              </a:rPr>
-              <a:t>Ativar/Desativar Lampadas</a:t>
-            </a:r>
-            <a:endParaRPr b="0" lang="pt-BR" sz="1800" spc="-1" strike="noStrike">
-              <a:latin typeface="Arial"/>
-            </a:endParaRPr>
-          </a:p>
-        </p:txBody>
-      </p:sp>
-      <p:sp>
-        <p:nvSpPr>
-          <p:cNvPr id="160" name="CustomShape 5"/>
+          <p:cNvPr id="164" name="CustomShape 6"/>
           <p:cNvSpPr/>
           <p:nvPr/>
         </p:nvSpPr>
@@ -7086,24 +7486,179 @@
                 <a:spcPct val="100000"/>
               </a:lnSpc>
             </a:pPr>
-            <a:br/>
-            <a:br/>
-            <a:br/>
             <a:r>
-              <a:rPr b="1" lang="pt-BR" sz="2600" spc="-1" strike="noStrike">
+              <a:rPr b="0" lang="pt-BR" sz="1800" spc="-1" strike="noStrike">
                 <a:solidFill>
                   <a:srgbClr val="000000"/>
                 </a:solidFill>
                 <a:latin typeface="Calibri"/>
                 <a:ea typeface="DejaVu Sans"/>
               </a:rPr>
-              <a:t>SMARTGATO</a:t>
+              <a:t>Loja</a:t>
             </a:r>
-            <a:endParaRPr b="0" lang="pt-BR" sz="2600" spc="-1" strike="noStrike">
-              <a:latin typeface="Arial"/>
-            </a:endParaRPr>
-          </a:p>
-        </p:txBody>
+            <a:endParaRPr b="0" lang="pt-BR" sz="1800" spc="-1" strike="noStrike">
+              <a:latin typeface="Arial"/>
+            </a:endParaRPr>
+          </a:p>
+        </p:txBody>
+      </p:sp>
+      <p:sp>
+        <p:nvSpPr>
+          <p:cNvPr id="165" name="Line 7"/>
+          <p:cNvSpPr/>
+          <p:nvPr/>
+        </p:nvSpPr>
+        <p:spPr>
+          <a:xfrm>
+            <a:off x="8278200" y="3773880"/>
+            <a:ext cx="2880" cy="162360"/>
+          </a:xfrm>
+          <a:prstGeom prst="line">
+            <a:avLst/>
+          </a:prstGeom>
+          <a:ln>
+            <a:solidFill>
+              <a:srgbClr val="3f6ec2"/>
+            </a:solidFill>
+          </a:ln>
+        </p:spPr>
+        <p:style>
+          <a:lnRef idx="1">
+            <a:schemeClr val="accent1"/>
+          </a:lnRef>
+          <a:fillRef idx="0">
+            <a:schemeClr val="accent1"/>
+          </a:fillRef>
+          <a:effectRef idx="0">
+            <a:schemeClr val="accent1"/>
+          </a:effectRef>
+          <a:fontRef idx="minor"/>
+        </p:style>
+      </p:sp>
+      <p:sp>
+        <p:nvSpPr>
+          <p:cNvPr id="166" name="CustomShape 8"/>
+          <p:cNvSpPr/>
+          <p:nvPr/>
+        </p:nvSpPr>
+        <p:spPr>
+          <a:xfrm>
+            <a:off x="7650000" y="4644000"/>
+            <a:ext cx="1276920" cy="537120"/>
+          </a:xfrm>
+          <a:prstGeom prst="roundRect">
+            <a:avLst>
+              <a:gd name="adj" fmla="val 16667"/>
+            </a:avLst>
+          </a:prstGeom>
+          <a:ln>
+            <a:noFill/>
+          </a:ln>
+          <a:effectLst>
+            <a:outerShdw blurRad="40000" dir="5400000" dist="20160" rotWithShape="0">
+              <a:srgbClr val="000000">
+                <a:alpha val="38000"/>
+              </a:srgbClr>
+            </a:outerShdw>
+          </a:effectLst>
+          <a:scene3d>
+            <a:camera prst="orthographicFront">
+              <a:rot lat="0" lon="0" rev="0"/>
+            </a:camera>
+            <a:lightRig dir="t" rig="contrasting">
+              <a:rot lat="0" lon="0" rev="1200000"/>
+            </a:lightRig>
+          </a:scene3d>
+          <a:sp3d contourW="19050" prstMaterial="metal">
+            <a:bevelT w="88900" h="203200"/>
+            <a:bevelB w="165100" h="254000"/>
+          </a:sp3d>
+        </p:spPr>
+        <p:style>
+          <a:lnRef idx="0">
+            <a:schemeClr val="lt1">
+              <a:hueOff val="0"/>
+              <a:satOff val="0"/>
+              <a:lumOff val="0"/>
+              <a:alphaOff val="0"/>
+            </a:schemeClr>
+          </a:lnRef>
+          <a:fillRef idx="1">
+            <a:schemeClr val="accent6">
+              <a:hueOff val="0"/>
+              <a:satOff val="0"/>
+              <a:lumOff val="0"/>
+              <a:alphaOff val="0"/>
+            </a:schemeClr>
+          </a:fillRef>
+          <a:effectRef idx="1">
+            <a:schemeClr val="accent6">
+              <a:hueOff val="0"/>
+              <a:satOff val="0"/>
+              <a:lumOff val="0"/>
+              <a:alphaOff val="0"/>
+            </a:schemeClr>
+          </a:effectRef>
+          <a:fontRef idx="minor"/>
+        </p:style>
+        <p:txBody>
+          <a:bodyPr lIns="90000" rIns="90000" tIns="45000" bIns="45000" anchor="ctr">
+            <a:noAutofit/>
+          </a:bodyPr>
+          <a:p>
+            <a:pPr algn="ctr">
+              <a:lnSpc>
+                <a:spcPct val="100000"/>
+              </a:lnSpc>
+            </a:pPr>
+            <a:r>
+              <a:rPr b="1" lang="pt-BR" sz="1200" spc="-1" strike="noStrike">
+                <a:solidFill>
+                  <a:srgbClr val="ffffff"/>
+                </a:solidFill>
+                <a:latin typeface="Calibri"/>
+                <a:ea typeface="DejaVu Sans"/>
+              </a:rPr>
+              <a:t>Tratar ajustes do terno</a:t>
+            </a:r>
+            <a:endParaRPr b="0" lang="pt-BR" sz="1200" spc="-1" strike="noStrike">
+              <a:latin typeface="Arial"/>
+            </a:endParaRPr>
+          </a:p>
+        </p:txBody>
+      </p:sp>
+      <p:sp>
+        <p:nvSpPr>
+          <p:cNvPr id="167" name="Line 9"/>
+          <p:cNvSpPr/>
+          <p:nvPr/>
+        </p:nvSpPr>
+        <p:spPr>
+          <a:xfrm>
+            <a:off x="8278200" y="4458240"/>
+            <a:ext cx="0" cy="185760"/>
+          </a:xfrm>
+          <a:prstGeom prst="line">
+            <a:avLst/>
+          </a:prstGeom>
+          <a:ln>
+            <a:solidFill>
+              <a:srgbClr val="3f6ec2"/>
+            </a:solidFill>
+          </a:ln>
+        </p:spPr>
+        <p:style>
+          <a:lnRef idx="1">
+            <a:schemeClr val="accent1"/>
+          </a:lnRef>
+          <a:fillRef idx="0">
+            <a:schemeClr val="accent1"/>
+          </a:fillRef>
+          <a:effectRef idx="0">
+            <a:schemeClr val="accent1"/>
+          </a:effectRef>
+          <a:fontRef idx="minor"/>
+        </p:style>
       </p:sp>
     </p:spTree>
   </p:cSld>
@@ -7137,7 +7692,7 @@
       </p:grpSpPr>
       <p:sp>
         <p:nvSpPr>
-          <p:cNvPr id="161" name="CustomShape 1"/>
+          <p:cNvPr id="168" name="CustomShape 1"/>
           <p:cNvSpPr/>
           <p:nvPr/>
         </p:nvSpPr>
@@ -7178,7 +7733,7 @@
                 <a:latin typeface="Calibri Light"/>
                 <a:ea typeface="DejaVu Sans"/>
               </a:rPr>
-              <a:t>Cenário: Acionar Lampadas</a:t>
+              <a:t>Cenário: Retirar Terno</a:t>
             </a:r>
             <a:endParaRPr b="0" lang="pt-BR" sz="4400" spc="-1" strike="noStrike">
               <a:latin typeface="Arial"/>
@@ -7188,7 +7743,7 @@
       </p:sp>
       <p:sp>
         <p:nvSpPr>
-          <p:cNvPr id="162" name="CustomShape 2"/>
+          <p:cNvPr id="169" name="CustomShape 2"/>
           <p:cNvSpPr/>
           <p:nvPr/>
         </p:nvSpPr>
@@ -7237,7 +7792,7 @@
                 <a:latin typeface="Calibri"/>
                 <a:ea typeface="DejaVu Sans"/>
               </a:rPr>
-              <a:t>Interface de Usuário</a:t>
+              <a:t>Caixa</a:t>
             </a:r>
             <a:endParaRPr b="0" lang="pt-BR" sz="1000" spc="-1" strike="noStrike">
               <a:latin typeface="Arial"/>
@@ -7277,7 +7832,7 @@
       </p:sp>
       <p:sp>
         <p:nvSpPr>
-          <p:cNvPr id="163" name="CustomShape 3"/>
+          <p:cNvPr id="170" name="CustomShape 3"/>
           <p:cNvSpPr/>
           <p:nvPr/>
         </p:nvSpPr>
@@ -7359,7 +7914,7 @@
                 <a:latin typeface="Calibri"/>
                 <a:ea typeface="DejaVu Sans"/>
               </a:rPr>
-              <a:t>Disparo de notificação por Email</a:t>
+              <a:t>Tratar retirada de Terno</a:t>
             </a:r>
             <a:endParaRPr b="0" lang="pt-BR" sz="1200" spc="-1" strike="noStrike">
               <a:latin typeface="Arial"/>
@@ -7369,7 +7924,7 @@
       </p:sp>
       <p:sp>
         <p:nvSpPr>
-          <p:cNvPr id="164" name="CustomShape 4"/>
+          <p:cNvPr id="171" name="CustomShape 4"/>
           <p:cNvSpPr/>
           <p:nvPr/>
         </p:nvSpPr>
@@ -7415,7 +7970,7 @@
                 <a:latin typeface="Calibri"/>
                 <a:ea typeface="DejaVu Sans"/>
               </a:rPr>
-              <a:t>Usuário</a:t>
+              <a:t>Cliente</a:t>
             </a:r>
             <a:endParaRPr b="0" lang="pt-BR" sz="1800" spc="-1" strike="noStrike">
               <a:latin typeface="Arial"/>
@@ -7425,7 +7980,7 @@
       </p:sp>
       <p:sp>
         <p:nvSpPr>
-          <p:cNvPr id="165" name="CustomShape 5"/>
+          <p:cNvPr id="172" name="CustomShape 5"/>
           <p:cNvSpPr/>
           <p:nvPr/>
         </p:nvSpPr>
@@ -7461,7 +8016,7 @@
       </p:sp>
       <p:sp>
         <p:nvSpPr>
-          <p:cNvPr id="166" name="CustomShape 6"/>
+          <p:cNvPr id="173" name="CustomShape 6"/>
           <p:cNvSpPr/>
           <p:nvPr/>
         </p:nvSpPr>
@@ -7510,7 +8065,7 @@
                 <a:latin typeface="Calibri"/>
                 <a:ea typeface="DejaVu Sans"/>
               </a:rPr>
-              <a:t>SMARTGATO</a:t>
+              <a:t>Loja</a:t>
             </a:r>
             <a:endParaRPr b="0" lang="pt-BR" sz="1800" spc="-1" strike="noStrike">
               <a:latin typeface="Arial"/>
@@ -7520,7 +8075,7 @@
       </p:sp>
       <p:sp>
         <p:nvSpPr>
-          <p:cNvPr id="167" name="Line 7"/>
+          <p:cNvPr id="174" name="Line 7"/>
           <p:cNvSpPr/>
           <p:nvPr/>
         </p:nvSpPr>
@@ -7583,13 +8138,13 @@
       </p:grpSpPr>
       <p:sp>
         <p:nvSpPr>
-          <p:cNvPr id="168" name="CustomShape 1"/>
+          <p:cNvPr id="175" name="CustomShape 1"/>
           <p:cNvSpPr/>
           <p:nvPr/>
         </p:nvSpPr>
         <p:spPr>
           <a:xfrm>
-            <a:off x="839880" y="365040"/>
+            <a:off x="288000" y="288000"/>
             <a:ext cx="10514160" cy="1324080"/>
           </a:xfrm>
           <a:prstGeom prst="rect">
@@ -7634,14 +8189,14 @@
       </p:sp>
       <p:sp>
         <p:nvSpPr>
-          <p:cNvPr id="169" name="CustomShape 2"/>
+          <p:cNvPr id="176" name="CustomShape 2"/>
           <p:cNvSpPr/>
           <p:nvPr/>
         </p:nvSpPr>
         <p:spPr>
           <a:xfrm>
-            <a:off x="839880" y="1681200"/>
-            <a:ext cx="5156280" cy="822600"/>
+            <a:off x="2232000" y="1682280"/>
+            <a:ext cx="2831040" cy="822600"/>
           </a:xfrm>
           <a:prstGeom prst="rect">
             <a:avLst/>
@@ -7678,7 +8233,7 @@
                 <a:latin typeface="Calibri"/>
                 <a:ea typeface="DejaVu Sans"/>
               </a:rPr>
-              <a:t>Cenário: Ativar/Desativar Lampadas</a:t>
+              <a:t>Cenário: Locar Terno</a:t>
             </a:r>
             <a:endParaRPr b="0" lang="pt-BR" sz="2400" spc="-1" strike="noStrike">
               <a:latin typeface="Arial"/>
@@ -7688,14 +8243,14 @@
       </p:sp>
       <p:sp>
         <p:nvSpPr>
-          <p:cNvPr id="170" name="CustomShape 3"/>
+          <p:cNvPr id="177" name="CustomShape 3"/>
           <p:cNvSpPr/>
           <p:nvPr/>
         </p:nvSpPr>
         <p:spPr>
           <a:xfrm>
-            <a:off x="839880" y="2505240"/>
-            <a:ext cx="5156280" cy="3683160"/>
+            <a:off x="2232000" y="2505960"/>
+            <a:ext cx="2759040" cy="1598040"/>
           </a:xfrm>
           <a:prstGeom prst="rect">
             <a:avLst/>
@@ -7715,19 +8270,6 @@
           <a:bodyPr lIns="90000" rIns="90000" tIns="45000" bIns="45000">
             <a:noAutofit/>
           </a:bodyPr>
-          <a:p>
-            <a:pPr>
-              <a:lnSpc>
-                <a:spcPct val="90000"/>
-              </a:lnSpc>
-              <a:spcBef>
-                <a:spcPts val="1001"/>
-              </a:spcBef>
-            </a:pPr>
-            <a:endParaRPr b="0" lang="pt-BR" sz="1800" spc="-1" strike="noStrike">
-              <a:latin typeface="Arial"/>
-            </a:endParaRPr>
-          </a:p>
           <a:p>
             <a:pPr marL="228600" indent="-227160">
               <a:lnSpc>
@@ -7760,7 +8302,7 @@
                 <a:latin typeface="Calibri"/>
                 <a:ea typeface="DejaVu Sans"/>
               </a:rPr>
-              <a:t>Interface de Usuário</a:t>
+              <a:t>Atendente</a:t>
             </a:r>
             <a:endParaRPr b="0" lang="pt-BR" sz="2800" spc="-1" strike="noStrike">
               <a:latin typeface="Arial"/>
@@ -7788,7 +8330,7 @@
                 <a:latin typeface="Calibri"/>
                 <a:ea typeface="DejaVu Sans"/>
               </a:rPr>
-              <a:t>Capacidade da Interface:</a:t>
+              <a:t>Capacidade do Atendente:</a:t>
             </a:r>
             <a:endParaRPr b="0" lang="pt-BR" sz="2800" spc="-1" strike="noStrike">
               <a:latin typeface="Arial"/>
@@ -7816,24 +8358,52 @@
                 <a:latin typeface="Calibri"/>
                 <a:ea typeface="DejaVu Sans"/>
               </a:rPr>
-              <a:t>Disparar e-mail de notificação</a:t>
+              <a:t>Tratar Escolha do Terno</a:t>
             </a:r>
             <a:endParaRPr b="0" lang="pt-BR" sz="2400" spc="-1" strike="noStrike">
               <a:latin typeface="Arial"/>
             </a:endParaRPr>
           </a:p>
-        </p:txBody>
-      </p:sp>
-      <p:sp>
-        <p:nvSpPr>
-          <p:cNvPr id="171" name="CustomShape 4"/>
+          <a:p>
+            <a:pPr lvl="1" marL="685800" indent="-227160">
+              <a:lnSpc>
+                <a:spcPct val="90000"/>
+              </a:lnSpc>
+              <a:spcBef>
+                <a:spcPts val="499"/>
+              </a:spcBef>
+              <a:buClr>
+                <a:srgbClr val="000000"/>
+              </a:buClr>
+              <a:buFont typeface="Arial"/>
+              <a:buChar char="•"/>
+            </a:pPr>
+            <a:r>
+              <a:rPr b="1" lang="pt-BR" sz="2400" spc="-1" strike="noStrike">
+                <a:solidFill>
+                  <a:srgbClr val="000000"/>
+                </a:solidFill>
+                <a:latin typeface="Calibri"/>
+                <a:ea typeface="DejaVu Sans"/>
+              </a:rPr>
+              <a:t>Tratar Ajustes do Terno</a:t>
+            </a:r>
+            <a:endParaRPr b="0" lang="pt-BR" sz="2400" spc="-1" strike="noStrike">
+              <a:latin typeface="Arial"/>
+            </a:endParaRPr>
+          </a:p>
+        </p:txBody>
+      </p:sp>
+      <p:sp>
+        <p:nvSpPr>
+          <p:cNvPr id="178" name="CustomShape 4"/>
           <p:cNvSpPr/>
           <p:nvPr/>
         </p:nvSpPr>
         <p:spPr>
           <a:xfrm>
-            <a:off x="6172200" y="2505240"/>
-            <a:ext cx="5181840" cy="3683160"/>
+            <a:off x="5980320" y="1682280"/>
+            <a:ext cx="2754720" cy="822600"/>
           </a:xfrm>
           <a:prstGeom prst="rect">
             <a:avLst/>
@@ -7849,6 +8419,211 @@
           <a:effectRef idx="0"/>
           <a:fontRef idx="minor"/>
         </p:style>
+      </p:sp>
+      <p:sp>
+        <p:nvSpPr>
+          <p:cNvPr id="179" name="CustomShape 5"/>
+          <p:cNvSpPr/>
+          <p:nvPr/>
+        </p:nvSpPr>
+        <p:spPr>
+          <a:xfrm>
+            <a:off x="6922080" y="1690560"/>
+            <a:ext cx="2986920" cy="822600"/>
+          </a:xfrm>
+          <a:prstGeom prst="rect">
+            <a:avLst/>
+          </a:prstGeom>
+          <a:noFill/>
+          <a:ln>
+            <a:noFill/>
+          </a:ln>
+        </p:spPr>
+        <p:style>
+          <a:lnRef idx="0"/>
+          <a:fillRef idx="0"/>
+          <a:effectRef idx="0"/>
+          <a:fontRef idx="minor"/>
+        </p:style>
+        <p:txBody>
+          <a:bodyPr lIns="90000" rIns="90000" tIns="45000" bIns="45000" anchor="b">
+            <a:noAutofit/>
+          </a:bodyPr>
+          <a:p>
+            <a:pPr>
+              <a:lnSpc>
+                <a:spcPct val="90000"/>
+              </a:lnSpc>
+              <a:spcBef>
+                <a:spcPts val="1001"/>
+              </a:spcBef>
+            </a:pPr>
+            <a:r>
+              <a:rPr b="1" lang="pt-BR" sz="2400" spc="-1" strike="noStrike">
+                <a:solidFill>
+                  <a:srgbClr val="000000"/>
+                </a:solidFill>
+                <a:latin typeface="Calibri"/>
+                <a:ea typeface="DejaVu Sans"/>
+              </a:rPr>
+              <a:t>Cenário: Retirar Terno</a:t>
+            </a:r>
+            <a:endParaRPr b="0" lang="pt-BR" sz="2400" spc="-1" strike="noStrike">
+              <a:latin typeface="Arial"/>
+            </a:endParaRPr>
+          </a:p>
+        </p:txBody>
+      </p:sp>
+      <p:sp>
+        <p:nvSpPr>
+          <p:cNvPr id="180" name="CustomShape 6"/>
+          <p:cNvSpPr/>
+          <p:nvPr/>
+        </p:nvSpPr>
+        <p:spPr>
+          <a:xfrm>
+            <a:off x="5976360" y="2494800"/>
+            <a:ext cx="2759040" cy="1598040"/>
+          </a:xfrm>
+          <a:prstGeom prst="rect">
+            <a:avLst/>
+          </a:prstGeom>
+          <a:noFill/>
+          <a:ln>
+            <a:noFill/>
+          </a:ln>
+        </p:spPr>
+        <p:style>
+          <a:lnRef idx="0"/>
+          <a:fillRef idx="0"/>
+          <a:effectRef idx="0"/>
+          <a:fontRef idx="minor"/>
+        </p:style>
+      </p:sp>
+      <p:sp>
+        <p:nvSpPr>
+          <p:cNvPr id="181" name="CustomShape 7"/>
+          <p:cNvSpPr/>
+          <p:nvPr/>
+        </p:nvSpPr>
+        <p:spPr>
+          <a:xfrm>
+            <a:off x="6922080" y="2491200"/>
+            <a:ext cx="2759040" cy="1598040"/>
+          </a:xfrm>
+          <a:prstGeom prst="rect">
+            <a:avLst/>
+          </a:prstGeom>
+          <a:noFill/>
+          <a:ln>
+            <a:noFill/>
+          </a:ln>
+        </p:spPr>
+        <p:style>
+          <a:lnRef idx="0"/>
+          <a:fillRef idx="0"/>
+          <a:effectRef idx="0"/>
+          <a:fontRef idx="minor"/>
+        </p:style>
+        <p:txBody>
+          <a:bodyPr lIns="90000" rIns="90000" tIns="45000" bIns="45000">
+            <a:noAutofit/>
+          </a:bodyPr>
+          <a:p>
+            <a:pPr marL="228600" indent="-227160">
+              <a:lnSpc>
+                <a:spcPct val="90000"/>
+              </a:lnSpc>
+              <a:spcBef>
+                <a:spcPts val="1001"/>
+              </a:spcBef>
+              <a:buClr>
+                <a:srgbClr val="000000"/>
+              </a:buClr>
+              <a:buFont typeface="Arial"/>
+              <a:buChar char="•"/>
+            </a:pPr>
+            <a:r>
+              <a:rPr b="0" lang="pt-BR" sz="2800" spc="-1" strike="noStrike">
+                <a:solidFill>
+                  <a:srgbClr val="000000"/>
+                </a:solidFill>
+                <a:latin typeface="Calibri"/>
+                <a:ea typeface="DejaVu Sans"/>
+              </a:rPr>
+              <a:t>Nó Operacional: </a:t>
+            </a:r>
+            <a:r>
+              <a:rPr b="1" lang="pt-BR" sz="2800" spc="-1" strike="noStrike">
+                <a:solidFill>
+                  <a:srgbClr val="000000"/>
+                </a:solidFill>
+                <a:latin typeface="Calibri"/>
+                <a:ea typeface="DejaVu Sans"/>
+              </a:rPr>
+              <a:t>Caixa</a:t>
+            </a:r>
+            <a:endParaRPr b="0" lang="pt-BR" sz="2800" spc="-1" strike="noStrike">
+              <a:latin typeface="Arial"/>
+            </a:endParaRPr>
+          </a:p>
+          <a:p>
+            <a:pPr marL="228600" indent="-227160">
+              <a:lnSpc>
+                <a:spcPct val="90000"/>
+              </a:lnSpc>
+              <a:spcBef>
+                <a:spcPts val="1001"/>
+              </a:spcBef>
+              <a:buClr>
+                <a:srgbClr val="000000"/>
+              </a:buClr>
+              <a:buFont typeface="Arial"/>
+              <a:buChar char="•"/>
+            </a:pPr>
+            <a:r>
+              <a:rPr b="0" lang="pt-BR" sz="2800" spc="-1" strike="noStrike">
+                <a:solidFill>
+                  <a:srgbClr val="000000"/>
+                </a:solidFill>
+                <a:latin typeface="Calibri"/>
+                <a:ea typeface="DejaVu Sans"/>
+              </a:rPr>
+              <a:t>Capacidade do Caixa:</a:t>
+            </a:r>
+            <a:endParaRPr b="0" lang="pt-BR" sz="2800" spc="-1" strike="noStrike">
+              <a:latin typeface="Arial"/>
+            </a:endParaRPr>
+          </a:p>
+          <a:p>
+            <a:pPr lvl="1" marL="685800" indent="-227160">
+              <a:lnSpc>
+                <a:spcPct val="90000"/>
+              </a:lnSpc>
+              <a:spcBef>
+                <a:spcPts val="499"/>
+              </a:spcBef>
+              <a:buClr>
+                <a:srgbClr val="000000"/>
+              </a:buClr>
+              <a:buFont typeface="Arial"/>
+              <a:buChar char="•"/>
+            </a:pPr>
+            <a:r>
+              <a:rPr b="1" lang="pt-BR" sz="2400" spc="-1" strike="noStrike">
+                <a:solidFill>
+                  <a:srgbClr val="000000"/>
+                </a:solidFill>
+                <a:latin typeface="Calibri"/>
+                <a:ea typeface="DejaVu Sans"/>
+              </a:rPr>
+              <a:t>Tratar Retirada do Terno</a:t>
+            </a:r>
+            <a:endParaRPr b="0" lang="pt-BR" sz="2400" spc="-1" strike="noStrike">
+              <a:latin typeface="Arial"/>
+            </a:endParaRPr>
+          </a:p>
+        </p:txBody>
       </p:sp>
     </p:spTree>
   </p:cSld>

--- a/15 - Arquitetura de Negócio para cada Cenário.pptx
+++ b/15 - Arquitetura de Negócio para cada Cenário.pptx
@@ -13,6 +13,7 @@
     <p:sldId id="258" r:id="rId8"/>
     <p:sldId id="259" r:id="rId9"/>
     <p:sldId id="260" r:id="rId10"/>
+    <p:sldId id="261" r:id="rId11"/>
   </p:sldIdLst>
   <p:sldSz cx="12192000" cy="6858000"/>
   <p:notesSz cx="7559675" cy="10691812"/>
@@ -6509,7 +6510,7 @@
         <p:spPr>
           <a:xfrm>
             <a:off x="838080" y="365040"/>
-            <a:ext cx="10512000" cy="1321920"/>
+            <a:ext cx="10510920" cy="1320840"/>
           </a:xfrm>
           <a:prstGeom prst="rect">
             <a:avLst/>
@@ -6543,7 +6544,7 @@
                 <a:latin typeface="Calibri Light"/>
                 <a:ea typeface="DejaVu Sans"/>
               </a:rPr>
-              <a:t>Locação de Ternos</a:t>
+              <a:t>Locação de Traje a Rigor</a:t>
             </a:r>
             <a:endParaRPr b="0" lang="pt-BR" sz="4400" spc="-1" strike="noStrike">
               <a:latin typeface="Arial"/>
@@ -6560,7 +6561,7 @@
         <p:spPr>
           <a:xfrm>
             <a:off x="838080" y="1825560"/>
-            <a:ext cx="10512000" cy="4347720"/>
+            <a:ext cx="10510920" cy="4346640"/>
           </a:xfrm>
           <a:prstGeom prst="rect">
             <a:avLst/>
@@ -6578,10 +6579,10 @@
         </p:style>
         <p:txBody>
           <a:bodyPr lIns="90000" rIns="90000" tIns="45000" bIns="45000">
-            <a:normAutofit fontScale="82000"/>
-          </a:bodyPr>
-          <a:p>
-            <a:pPr marL="228600" indent="-225000">
+            <a:normAutofit fontScale="75000"/>
+          </a:bodyPr>
+          <a:p>
+            <a:pPr marL="228600" indent="-223920">
               <a:lnSpc>
                 <a:spcPct val="90000"/>
               </a:lnSpc>
@@ -6602,14 +6603,14 @@
                 <a:latin typeface="Calibri"/>
                 <a:ea typeface="DejaVu Sans"/>
               </a:rPr>
-              <a:t>Deseja-se, a locação de um terno, dentro as condições solicitadas pelo cliente.</a:t>
+              <a:t>Deseja-se, a locação de um traje a rigor dentro as condições solicitadas pelo cliente.</a:t>
             </a:r>
             <a:endParaRPr b="0" lang="pt-BR" sz="2800" spc="-1" strike="noStrike">
               <a:latin typeface="Arial"/>
             </a:endParaRPr>
           </a:p>
           <a:p>
-            <a:pPr marL="228600" indent="-225000">
+            <a:pPr marL="228600" indent="-223920">
               <a:lnSpc>
                 <a:spcPct val="90000"/>
               </a:lnSpc>
@@ -6630,14 +6631,14 @@
                 <a:latin typeface="Calibri"/>
                 <a:ea typeface="DejaVu Sans"/>
               </a:rPr>
-              <a:t>O atendente deve coletar as condições solicitadas pelo cliente, e lhe apresentar os ternos disponíveis no momento.</a:t>
+              <a:t>O atendente deve coletar as condições solicitadas pelo cliente e apresentar-lhe os trajes disponíveis no momento.</a:t>
             </a:r>
             <a:endParaRPr b="0" lang="pt-BR" sz="2800" spc="-1" strike="noStrike">
               <a:latin typeface="Arial"/>
             </a:endParaRPr>
           </a:p>
           <a:p>
-            <a:pPr marL="228600" indent="-225000">
+            <a:pPr marL="228600" indent="-223920">
               <a:lnSpc>
                 <a:spcPct val="90000"/>
               </a:lnSpc>
@@ -6665,7 +6666,7 @@
             </a:endParaRPr>
           </a:p>
           <a:p>
-            <a:pPr marL="228600" indent="-225000">
+            <a:pPr marL="228600" indent="-223920">
               <a:lnSpc>
                 <a:spcPct val="90000"/>
               </a:lnSpc>
@@ -6686,14 +6687,14 @@
                 <a:latin typeface="Calibri"/>
                 <a:ea typeface="DejaVu Sans"/>
               </a:rPr>
-              <a:t>Será emitida a ficha de medidas com um identificador único emitido pelo atendente (número em vermelho), medidas, data da retirada e devolução, valor de pagamento e outras observações. </a:t>
+              <a:t>Será emitida a ficha de medidas com um identificador único emitido pelo atendente (número em vermelho), contendo as medidas, data da retirada, data de devolução, valor de pagamento e outras observações. </a:t>
             </a:r>
             <a:endParaRPr b="0" lang="pt-BR" sz="2800" spc="-1" strike="noStrike">
               <a:latin typeface="Arial"/>
             </a:endParaRPr>
           </a:p>
           <a:p>
-            <a:pPr marL="228600" indent="-225000">
+            <a:pPr marL="228600" indent="-223920">
               <a:lnSpc>
                 <a:spcPct val="90000"/>
               </a:lnSpc>
@@ -6721,7 +6722,7 @@
             </a:endParaRPr>
           </a:p>
           <a:p>
-            <a:pPr marL="228600" indent="-225000">
+            <a:pPr marL="228600" indent="-223920">
               <a:lnSpc>
                 <a:spcPct val="90000"/>
               </a:lnSpc>
@@ -6742,7 +6743,7 @@
                 <a:latin typeface="Calibri"/>
                 <a:ea typeface="DejaVu Sans"/>
               </a:rPr>
-              <a:t>O cliente retira o terno locado com o caixa. </a:t>
+              <a:t>O cliente retira o traje locado com o caixa. </a:t>
             </a:r>
             <a:endParaRPr b="0" lang="pt-BR" sz="2800" spc="-1" strike="noStrike">
               <a:latin typeface="Arial"/>
@@ -6802,7 +6803,7 @@
         <p:spPr>
           <a:xfrm>
             <a:off x="838080" y="444960"/>
-            <a:ext cx="10512000" cy="1321920"/>
+            <a:ext cx="10510920" cy="1320840"/>
           </a:xfrm>
           <a:prstGeom prst="rect">
             <a:avLst/>
@@ -6853,7 +6854,7 @@
         <p:spPr>
           <a:xfrm>
             <a:off x="1744560" y="3378600"/>
-            <a:ext cx="1332720" cy="910800"/>
+            <a:ext cx="1331640" cy="909720"/>
           </a:xfrm>
           <a:prstGeom prst="rect">
             <a:avLst/>
@@ -6909,7 +6910,7 @@
         <p:spPr>
           <a:xfrm>
             <a:off x="3080880" y="3835800"/>
-            <a:ext cx="3461760" cy="9000"/>
+            <a:ext cx="3460680" cy="7920"/>
           </a:xfrm>
           <a:prstGeom prst="curvedConnector3">
             <a:avLst>
@@ -6944,8 +6945,8 @@
         </p:nvSpPr>
         <p:spPr>
           <a:xfrm>
-            <a:off x="3693600" y="3168000"/>
-            <a:ext cx="2080080" cy="912600"/>
+            <a:off x="3513600" y="2845800"/>
+            <a:ext cx="2540520" cy="1186920"/>
           </a:xfrm>
           <a:prstGeom prst="rect">
             <a:avLst/>
@@ -6966,7 +6967,7 @@
             <a:spAutoFit/>
           </a:bodyPr>
           <a:p>
-            <a:pPr marL="343080" indent="-339480">
+            <a:pPr marL="343080" indent="-338400">
               <a:lnSpc>
                 <a:spcPct val="100000"/>
               </a:lnSpc>
@@ -6984,14 +6985,14 @@
                 <a:latin typeface="Calibri"/>
                 <a:ea typeface="DejaVu Sans"/>
               </a:rPr>
-              <a:t>Locar um Terno</a:t>
+              <a:t>Locar Traje a Rigor</a:t>
             </a:r>
             <a:endParaRPr b="0" lang="pt-BR" sz="1800" spc="-1" strike="noStrike">
               <a:latin typeface="Arial"/>
             </a:endParaRPr>
           </a:p>
           <a:p>
-            <a:pPr marL="343080" indent="-339480">
+            <a:pPr marL="343080" indent="-338400">
               <a:lnSpc>
                 <a:spcPct val="100000"/>
               </a:lnSpc>
@@ -7009,7 +7010,32 @@
                 <a:latin typeface="Calibri"/>
                 <a:ea typeface="DejaVu Sans"/>
               </a:rPr>
-              <a:t>Retirar um Terno</a:t>
+              <a:t>Retirar Traje a Rigor</a:t>
+            </a:r>
+            <a:endParaRPr b="0" lang="pt-BR" sz="1800" spc="-1" strike="noStrike">
+              <a:latin typeface="Arial"/>
+            </a:endParaRPr>
+          </a:p>
+          <a:p>
+            <a:pPr marL="343080" indent="-338400">
+              <a:lnSpc>
+                <a:spcPct val="100000"/>
+              </a:lnSpc>
+              <a:buClr>
+                <a:srgbClr val="000000"/>
+              </a:buClr>
+              <a:buFont typeface="Calibri Light"/>
+              <a:buAutoNum type="arabicPeriod"/>
+            </a:pPr>
+            <a:r>
+              <a:rPr b="0" lang="pt-BR" sz="1800" spc="-1" strike="noStrike">
+                <a:solidFill>
+                  <a:srgbClr val="000000"/>
+                </a:solidFill>
+                <a:latin typeface="Calibri"/>
+                <a:ea typeface="DejaVu Sans"/>
+              </a:rPr>
+              <a:t>Devolver Traje a Rigor</a:t>
             </a:r>
             <a:endParaRPr b="0" lang="pt-BR" sz="1800" spc="-1" strike="noStrike">
               <a:latin typeface="Arial"/>
@@ -7036,7 +7062,7 @@
         <p:spPr>
           <a:xfrm>
             <a:off x="6546240" y="2397960"/>
-            <a:ext cx="3607200" cy="2872080"/>
+            <a:ext cx="3606120" cy="2871000"/>
           </a:xfrm>
           <a:prstGeom prst="roundRect">
             <a:avLst>
@@ -7128,7 +7154,7 @@
         <p:spPr>
           <a:xfrm>
             <a:off x="838080" y="365040"/>
-            <a:ext cx="10514160" cy="1324080"/>
+            <a:ext cx="10513080" cy="1323000"/>
           </a:xfrm>
           <a:prstGeom prst="rect">
             <a:avLst/>
@@ -7162,7 +7188,7 @@
                 <a:latin typeface="Calibri Light"/>
                 <a:ea typeface="DejaVu Sans"/>
               </a:rPr>
-              <a:t>Cenário: Locar Terno</a:t>
+              <a:t>Cenário: Locar Traje a Rigor</a:t>
             </a:r>
             <a:endParaRPr b="0" lang="pt-BR" sz="4400" spc="-1" strike="noStrike">
               <a:latin typeface="Arial"/>
@@ -7178,8 +7204,8 @@
         </p:nvSpPr>
         <p:spPr>
           <a:xfrm>
-            <a:off x="7537680" y="3189600"/>
-            <a:ext cx="1626120" cy="582840"/>
+            <a:off x="6493680" y="3189600"/>
+            <a:ext cx="1625040" cy="581760"/>
           </a:xfrm>
           <a:prstGeom prst="cube">
             <a:avLst>
@@ -7267,8 +7293,8 @@
         </p:nvSpPr>
         <p:spPr>
           <a:xfrm>
-            <a:off x="7642080" y="3936240"/>
-            <a:ext cx="1276920" cy="537120"/>
+            <a:off x="6624000" y="4248000"/>
+            <a:ext cx="1275840" cy="536040"/>
           </a:xfrm>
           <a:prstGeom prst="roundRect">
             <a:avLst>
@@ -7343,7 +7369,7 @@
                 <a:latin typeface="Calibri"/>
                 <a:ea typeface="DejaVu Sans"/>
               </a:rPr>
-              <a:t>Tratar escolha do Terno</a:t>
+              <a:t>Tratar escolha do traje a rigor</a:t>
             </a:r>
             <a:endParaRPr b="0" lang="pt-BR" sz="1200" spc="-1" strike="noStrike">
               <a:latin typeface="Arial"/>
@@ -7360,7 +7386,7 @@
         <p:spPr>
           <a:xfrm>
             <a:off x="2035080" y="3097800"/>
-            <a:ext cx="1334880" cy="912960"/>
+            <a:ext cx="1333800" cy="911880"/>
           </a:xfrm>
           <a:prstGeom prst="rect">
             <a:avLst/>
@@ -7414,9 +7440,9 @@
           <p:nvPr/>
         </p:nvSpPr>
         <p:spPr>
-          <a:xfrm>
-            <a:off x="3371400" y="3555000"/>
-            <a:ext cx="4164840" cy="11160"/>
+          <a:xfrm flipV="1">
+            <a:off x="3371400" y="3551400"/>
+            <a:ext cx="3121560" cy="360"/>
           </a:xfrm>
           <a:prstGeom prst="curvedConnector3">
             <a:avLst>
@@ -7451,8 +7477,8 @@
         </p:nvSpPr>
         <p:spPr>
           <a:xfrm>
-            <a:off x="6546240" y="2397960"/>
-            <a:ext cx="3609360" cy="2874240"/>
+            <a:off x="6264000" y="2397960"/>
+            <a:ext cx="4247280" cy="2873160"/>
           </a:xfrm>
           <a:prstGeom prst="roundRect">
             <a:avLst>
@@ -7509,9 +7535,9 @@
           <p:nvPr/>
         </p:nvSpPr>
         <p:spPr>
-          <a:xfrm>
-            <a:off x="8278200" y="3773880"/>
-            <a:ext cx="2880" cy="162360"/>
+          <a:xfrm flipV="1">
+            <a:off x="7272000" y="3772080"/>
+            <a:ext cx="0" cy="475920"/>
           </a:xfrm>
           <a:prstGeom prst="line">
             <a:avLst/>
@@ -7543,8 +7569,8 @@
         </p:nvSpPr>
         <p:spPr>
           <a:xfrm>
-            <a:off x="7650000" y="4644000"/>
-            <a:ext cx="1276920" cy="537120"/>
+            <a:off x="8820000" y="4248000"/>
+            <a:ext cx="1275840" cy="536040"/>
           </a:xfrm>
           <a:prstGeom prst="roundRect">
             <a:avLst>
@@ -7619,7 +7645,7 @@
                 <a:latin typeface="Calibri"/>
                 <a:ea typeface="DejaVu Sans"/>
               </a:rPr>
-              <a:t>Tratar ajustes do terno</a:t>
+              <a:t>Tratar ajustes do traje rigor</a:t>
             </a:r>
             <a:endParaRPr b="0" lang="pt-BR" sz="1200" spc="-1" strike="noStrike">
               <a:latin typeface="Arial"/>
@@ -7635,8 +7661,8 @@
         </p:nvSpPr>
         <p:spPr>
           <a:xfrm>
-            <a:off x="8278200" y="4458240"/>
-            <a:ext cx="0" cy="185760"/>
+            <a:off x="9468000" y="3772440"/>
+            <a:ext cx="0" cy="475560"/>
           </a:xfrm>
           <a:prstGeom prst="line">
             <a:avLst/>
@@ -7659,6 +7685,95 @@
           </a:effectRef>
           <a:fontRef idx="minor"/>
         </p:style>
+      </p:sp>
+      <p:sp>
+        <p:nvSpPr>
+          <p:cNvPr id="168" name="CustomShape 10"/>
+          <p:cNvSpPr/>
+          <p:nvPr/>
+        </p:nvSpPr>
+        <p:spPr>
+          <a:xfrm>
+            <a:off x="8690040" y="3189960"/>
+            <a:ext cx="1625040" cy="581760"/>
+          </a:xfrm>
+          <a:prstGeom prst="cube">
+            <a:avLst>
+              <a:gd name="adj" fmla="val 25000"/>
+            </a:avLst>
+          </a:prstGeom>
+          <a:solidFill>
+            <a:srgbClr val="ffc000"/>
+          </a:solidFill>
+          <a:ln/>
+        </p:spPr>
+        <p:style>
+          <a:lnRef idx="2">
+            <a:schemeClr val="accent1"/>
+          </a:lnRef>
+          <a:fillRef idx="1">
+            <a:schemeClr val="lt1"/>
+          </a:fillRef>
+          <a:effectRef idx="0">
+            <a:schemeClr val="accent1"/>
+          </a:effectRef>
+          <a:fontRef idx="minor"/>
+        </p:style>
+        <p:txBody>
+          <a:bodyPr lIns="90000" rIns="90000" tIns="45000" bIns="45000">
+            <a:noAutofit/>
+          </a:bodyPr>
+          <a:p>
+            <a:pPr algn="ctr">
+              <a:lnSpc>
+                <a:spcPct val="100000"/>
+              </a:lnSpc>
+            </a:pPr>
+            <a:r>
+              <a:rPr b="0" lang="pt-BR" sz="1000" spc="-1" strike="noStrike">
+                <a:solidFill>
+                  <a:srgbClr val="000000"/>
+                </a:solidFill>
+                <a:latin typeface="Calibri"/>
+                <a:ea typeface="DejaVu Sans"/>
+              </a:rPr>
+              <a:t>Costureira</a:t>
+            </a:r>
+            <a:endParaRPr b="0" lang="pt-BR" sz="1000" spc="-1" strike="noStrike">
+              <a:latin typeface="Arial"/>
+            </a:endParaRPr>
+          </a:p>
+          <a:p>
+            <a:pPr algn="ctr">
+              <a:lnSpc>
+                <a:spcPct val="100000"/>
+              </a:lnSpc>
+            </a:pPr>
+            <a:r>
+              <a:rPr b="1" lang="pt-BR" sz="1000" spc="-1" strike="noStrike">
+                <a:solidFill>
+                  <a:srgbClr val="000000"/>
+                </a:solidFill>
+                <a:latin typeface="Calibri"/>
+                <a:ea typeface="DejaVu Sans"/>
+              </a:rPr>
+              <a:t>(Nó Operacional)</a:t>
+            </a:r>
+            <a:endParaRPr b="0" lang="pt-BR" sz="1000" spc="-1" strike="noStrike">
+              <a:latin typeface="Arial"/>
+            </a:endParaRPr>
+          </a:p>
+          <a:p>
+            <a:pPr>
+              <a:lnSpc>
+                <a:spcPct val="100000"/>
+              </a:lnSpc>
+            </a:pPr>
+            <a:endParaRPr b="0" lang="pt-BR" sz="1000" spc="-1" strike="noStrike">
+              <a:latin typeface="Arial"/>
+            </a:endParaRPr>
+          </a:p>
+        </p:txBody>
       </p:sp>
     </p:spTree>
   </p:cSld>
@@ -7692,14 +7807,14 @@
       </p:grpSpPr>
       <p:sp>
         <p:nvSpPr>
-          <p:cNvPr id="168" name="CustomShape 1"/>
+          <p:cNvPr id="169" name="CustomShape 1"/>
           <p:cNvSpPr/>
           <p:nvPr/>
         </p:nvSpPr>
         <p:spPr>
           <a:xfrm>
             <a:off x="838080" y="365040"/>
-            <a:ext cx="10514160" cy="1324080"/>
+            <a:ext cx="10513080" cy="1323000"/>
           </a:xfrm>
           <a:prstGeom prst="rect">
             <a:avLst/>
@@ -7733,7 +7848,7 @@
                 <a:latin typeface="Calibri Light"/>
                 <a:ea typeface="DejaVu Sans"/>
               </a:rPr>
-              <a:t>Cenário: Retirar Terno</a:t>
+              <a:t>Cenário: Retirar Traje e Rigor</a:t>
             </a:r>
             <a:endParaRPr b="0" lang="pt-BR" sz="4400" spc="-1" strike="noStrike">
               <a:latin typeface="Arial"/>
@@ -7743,14 +7858,14 @@
       </p:sp>
       <p:sp>
         <p:nvSpPr>
-          <p:cNvPr id="169" name="CustomShape 2"/>
+          <p:cNvPr id="170" name="CustomShape 2"/>
           <p:cNvSpPr/>
           <p:nvPr/>
         </p:nvSpPr>
         <p:spPr>
           <a:xfrm>
             <a:off x="7537680" y="3189600"/>
-            <a:ext cx="1626120" cy="582840"/>
+            <a:ext cx="1625040" cy="581760"/>
           </a:xfrm>
           <a:prstGeom prst="cube">
             <a:avLst>
@@ -7832,14 +7947,14 @@
       </p:sp>
       <p:sp>
         <p:nvSpPr>
-          <p:cNvPr id="170" name="CustomShape 3"/>
+          <p:cNvPr id="171" name="CustomShape 3"/>
           <p:cNvSpPr/>
           <p:nvPr/>
         </p:nvSpPr>
         <p:spPr>
           <a:xfrm>
             <a:off x="7642080" y="4296240"/>
-            <a:ext cx="1276920" cy="537120"/>
+            <a:ext cx="1275840" cy="536040"/>
           </a:xfrm>
           <a:prstGeom prst="roundRect">
             <a:avLst>
@@ -7914,7 +8029,7 @@
                 <a:latin typeface="Calibri"/>
                 <a:ea typeface="DejaVu Sans"/>
               </a:rPr>
-              <a:t>Tratar retirada de Terno</a:t>
+              <a:t>Tratar retirada do traje a rigor</a:t>
             </a:r>
             <a:endParaRPr b="0" lang="pt-BR" sz="1200" spc="-1" strike="noStrike">
               <a:latin typeface="Arial"/>
@@ -7924,14 +8039,14 @@
       </p:sp>
       <p:sp>
         <p:nvSpPr>
-          <p:cNvPr id="171" name="CustomShape 4"/>
+          <p:cNvPr id="172" name="CustomShape 4"/>
           <p:cNvSpPr/>
           <p:nvPr/>
         </p:nvSpPr>
         <p:spPr>
           <a:xfrm>
             <a:off x="2035080" y="3097800"/>
-            <a:ext cx="1334880" cy="912960"/>
+            <a:ext cx="1333800" cy="911880"/>
           </a:xfrm>
           <a:prstGeom prst="rect">
             <a:avLst/>
@@ -7980,14 +8095,14 @@
       </p:sp>
       <p:sp>
         <p:nvSpPr>
-          <p:cNvPr id="172" name="CustomShape 5"/>
+          <p:cNvPr id="173" name="CustomShape 5"/>
           <p:cNvSpPr/>
           <p:nvPr/>
         </p:nvSpPr>
         <p:spPr>
           <a:xfrm>
             <a:off x="3371400" y="3555000"/>
-            <a:ext cx="4164840" cy="11160"/>
+            <a:ext cx="4163760" cy="10080"/>
           </a:xfrm>
           <a:prstGeom prst="curvedConnector3">
             <a:avLst>
@@ -8016,14 +8131,14 @@
       </p:sp>
       <p:sp>
         <p:nvSpPr>
-          <p:cNvPr id="173" name="CustomShape 6"/>
+          <p:cNvPr id="174" name="CustomShape 6"/>
           <p:cNvSpPr/>
           <p:nvPr/>
         </p:nvSpPr>
         <p:spPr>
           <a:xfrm>
             <a:off x="6546240" y="2397960"/>
-            <a:ext cx="3609360" cy="2874240"/>
+            <a:ext cx="3608280" cy="2873160"/>
           </a:xfrm>
           <a:prstGeom prst="roundRect">
             <a:avLst>
@@ -8075,7 +8190,7 @@
       </p:sp>
       <p:sp>
         <p:nvSpPr>
-          <p:cNvPr id="174" name="Line 7"/>
+          <p:cNvPr id="175" name="Line 7"/>
           <p:cNvSpPr/>
           <p:nvPr/>
         </p:nvSpPr>
@@ -8138,14 +8253,460 @@
       </p:grpSpPr>
       <p:sp>
         <p:nvSpPr>
-          <p:cNvPr id="175" name="CustomShape 1"/>
+          <p:cNvPr id="176" name="CustomShape 1"/>
           <p:cNvSpPr/>
           <p:nvPr/>
         </p:nvSpPr>
         <p:spPr>
           <a:xfrm>
+            <a:off x="838080" y="365040"/>
+            <a:ext cx="10513080" cy="1323000"/>
+          </a:xfrm>
+          <a:prstGeom prst="rect">
+            <a:avLst/>
+          </a:prstGeom>
+          <a:noFill/>
+          <a:ln>
+            <a:noFill/>
+          </a:ln>
+        </p:spPr>
+        <p:style>
+          <a:lnRef idx="0"/>
+          <a:fillRef idx="0"/>
+          <a:effectRef idx="0"/>
+          <a:fontRef idx="minor"/>
+        </p:style>
+        <p:txBody>
+          <a:bodyPr lIns="90000" rIns="90000" tIns="45000" bIns="45000" anchor="ctr">
+            <a:noAutofit/>
+          </a:bodyPr>
+          <a:p>
+            <a:pPr>
+              <a:lnSpc>
+                <a:spcPct val="90000"/>
+              </a:lnSpc>
+            </a:pPr>
+            <a:r>
+              <a:rPr b="0" lang="pt-BR" sz="4400" spc="-1" strike="noStrike">
+                <a:solidFill>
+                  <a:srgbClr val="000000"/>
+                </a:solidFill>
+                <a:latin typeface="Calibri Light"/>
+                <a:ea typeface="DejaVu Sans"/>
+              </a:rPr>
+              <a:t>Cenário: Devolver Traje a Rigor</a:t>
+            </a:r>
+            <a:endParaRPr b="0" lang="pt-BR" sz="4400" spc="-1" strike="noStrike">
+              <a:latin typeface="Arial"/>
+            </a:endParaRPr>
+          </a:p>
+        </p:txBody>
+      </p:sp>
+      <p:sp>
+        <p:nvSpPr>
+          <p:cNvPr id="177" name="CustomShape 2"/>
+          <p:cNvSpPr/>
+          <p:nvPr/>
+        </p:nvSpPr>
+        <p:spPr>
+          <a:xfrm>
+            <a:off x="7537680" y="3189600"/>
+            <a:ext cx="1625040" cy="581760"/>
+          </a:xfrm>
+          <a:prstGeom prst="cube">
+            <a:avLst>
+              <a:gd name="adj" fmla="val 25000"/>
+            </a:avLst>
+          </a:prstGeom>
+          <a:solidFill>
+            <a:srgbClr val="ffc000"/>
+          </a:solidFill>
+          <a:ln/>
+        </p:spPr>
+        <p:style>
+          <a:lnRef idx="2">
+            <a:schemeClr val="accent1"/>
+          </a:lnRef>
+          <a:fillRef idx="1">
+            <a:schemeClr val="lt1"/>
+          </a:fillRef>
+          <a:effectRef idx="0">
+            <a:schemeClr val="accent1"/>
+          </a:effectRef>
+          <a:fontRef idx="minor"/>
+        </p:style>
+        <p:txBody>
+          <a:bodyPr lIns="90000" rIns="90000" tIns="45000" bIns="45000">
+            <a:noAutofit/>
+          </a:bodyPr>
+          <a:p>
+            <a:pPr algn="ctr">
+              <a:lnSpc>
+                <a:spcPct val="100000"/>
+              </a:lnSpc>
+            </a:pPr>
+            <a:r>
+              <a:rPr b="0" lang="pt-BR" sz="1000" spc="-1" strike="noStrike">
+                <a:solidFill>
+                  <a:srgbClr val="000000"/>
+                </a:solidFill>
+                <a:latin typeface="Calibri"/>
+                <a:ea typeface="DejaVu Sans"/>
+              </a:rPr>
+              <a:t>Caixa</a:t>
+            </a:r>
+            <a:endParaRPr b="0" lang="pt-BR" sz="1000" spc="-1" strike="noStrike">
+              <a:latin typeface="Arial"/>
+            </a:endParaRPr>
+          </a:p>
+          <a:p>
+            <a:pPr algn="ctr">
+              <a:lnSpc>
+                <a:spcPct val="100000"/>
+              </a:lnSpc>
+            </a:pPr>
+            <a:r>
+              <a:rPr b="1" lang="pt-BR" sz="1000" spc="-1" strike="noStrike">
+                <a:solidFill>
+                  <a:srgbClr val="000000"/>
+                </a:solidFill>
+                <a:latin typeface="Calibri"/>
+                <a:ea typeface="DejaVu Sans"/>
+              </a:rPr>
+              <a:t>(Nó Operacional)</a:t>
+            </a:r>
+            <a:endParaRPr b="0" lang="pt-BR" sz="1000" spc="-1" strike="noStrike">
+              <a:latin typeface="Arial"/>
+            </a:endParaRPr>
+          </a:p>
+          <a:p>
+            <a:pPr>
+              <a:lnSpc>
+                <a:spcPct val="100000"/>
+              </a:lnSpc>
+            </a:pPr>
+            <a:endParaRPr b="0" lang="pt-BR" sz="1000" spc="-1" strike="noStrike">
+              <a:latin typeface="Arial"/>
+            </a:endParaRPr>
+          </a:p>
+        </p:txBody>
+      </p:sp>
+      <p:sp>
+        <p:nvSpPr>
+          <p:cNvPr id="178" name="CustomShape 3"/>
+          <p:cNvSpPr/>
+          <p:nvPr/>
+        </p:nvSpPr>
+        <p:spPr>
+          <a:xfrm>
+            <a:off x="7642080" y="4296240"/>
+            <a:ext cx="1275840" cy="536040"/>
+          </a:xfrm>
+          <a:prstGeom prst="roundRect">
+            <a:avLst>
+              <a:gd name="adj" fmla="val 16667"/>
+            </a:avLst>
+          </a:prstGeom>
+          <a:ln>
+            <a:noFill/>
+          </a:ln>
+          <a:effectLst>
+            <a:outerShdw blurRad="40000" dir="5400000" dist="20160" rotWithShape="0">
+              <a:srgbClr val="000000">
+                <a:alpha val="38000"/>
+              </a:srgbClr>
+            </a:outerShdw>
+          </a:effectLst>
+          <a:scene3d>
+            <a:camera prst="orthographicFront">
+              <a:rot lat="0" lon="0" rev="0"/>
+            </a:camera>
+            <a:lightRig dir="t" rig="contrasting">
+              <a:rot lat="0" lon="0" rev="1200000"/>
+            </a:lightRig>
+          </a:scene3d>
+          <a:sp3d contourW="19050" prstMaterial="metal">
+            <a:bevelT w="88900" h="203200"/>
+            <a:bevelB w="165100" h="254000"/>
+          </a:sp3d>
+        </p:spPr>
+        <p:style>
+          <a:lnRef idx="0">
+            <a:schemeClr val="lt1">
+              <a:hueOff val="0"/>
+              <a:satOff val="0"/>
+              <a:lumOff val="0"/>
+              <a:alphaOff val="0"/>
+            </a:schemeClr>
+          </a:lnRef>
+          <a:fillRef idx="1">
+            <a:schemeClr val="accent6">
+              <a:hueOff val="0"/>
+              <a:satOff val="0"/>
+              <a:lumOff val="0"/>
+              <a:alphaOff val="0"/>
+            </a:schemeClr>
+          </a:fillRef>
+          <a:effectRef idx="1">
+            <a:schemeClr val="accent6">
+              <a:hueOff val="0"/>
+              <a:satOff val="0"/>
+              <a:lumOff val="0"/>
+              <a:alphaOff val="0"/>
+            </a:schemeClr>
+          </a:effectRef>
+          <a:fontRef idx="minor"/>
+        </p:style>
+        <p:txBody>
+          <a:bodyPr lIns="90000" rIns="90000" tIns="45000" bIns="45000" anchor="ctr">
+            <a:noAutofit/>
+          </a:bodyPr>
+          <a:p>
+            <a:pPr algn="ctr">
+              <a:lnSpc>
+                <a:spcPct val="100000"/>
+              </a:lnSpc>
+            </a:pPr>
+            <a:r>
+              <a:rPr b="1" lang="pt-BR" sz="1200" spc="-1" strike="noStrike">
+                <a:solidFill>
+                  <a:srgbClr val="ffffff"/>
+                </a:solidFill>
+                <a:latin typeface="Calibri"/>
+                <a:ea typeface="DejaVu Sans"/>
+              </a:rPr>
+              <a:t>Tratar devolução do traje a rigor</a:t>
+            </a:r>
+            <a:endParaRPr b="0" lang="pt-BR" sz="1200" spc="-1" strike="noStrike">
+              <a:latin typeface="Arial"/>
+            </a:endParaRPr>
+          </a:p>
+        </p:txBody>
+      </p:sp>
+      <p:sp>
+        <p:nvSpPr>
+          <p:cNvPr id="179" name="CustomShape 4"/>
+          <p:cNvSpPr/>
+          <p:nvPr/>
+        </p:nvSpPr>
+        <p:spPr>
+          <a:xfrm>
+            <a:off x="2035080" y="3097800"/>
+            <a:ext cx="1333800" cy="911880"/>
+          </a:xfrm>
+          <a:prstGeom prst="rect">
+            <a:avLst/>
+          </a:prstGeom>
+          <a:ln/>
+        </p:spPr>
+        <p:style>
+          <a:lnRef idx="2">
+            <a:schemeClr val="accent1">
+              <a:shade val="50000"/>
+            </a:schemeClr>
+          </a:lnRef>
+          <a:fillRef idx="1">
+            <a:schemeClr val="accent1"/>
+          </a:fillRef>
+          <a:effectRef idx="0">
+            <a:schemeClr val="accent1"/>
+          </a:effectRef>
+          <a:fontRef idx="minor"/>
+        </p:style>
+        <p:txBody>
+          <a:bodyPr lIns="90000" rIns="90000" tIns="45000" bIns="45000" anchor="ctr">
+            <a:noAutofit/>
+          </a:bodyPr>
+          <a:p>
+            <a:pPr algn="ctr">
+              <a:lnSpc>
+                <a:spcPct val="100000"/>
+              </a:lnSpc>
+            </a:pPr>
+            <a:r>
+              <a:rPr b="0" lang="pt-BR" sz="1800" spc="-1" strike="noStrike">
+                <a:solidFill>
+                  <a:srgbClr val="ffffff"/>
+                </a:solidFill>
+                <a:latin typeface="Calibri"/>
+                <a:ea typeface="DejaVu Sans"/>
+              </a:rPr>
+              <a:t>Cliente</a:t>
+            </a:r>
+            <a:endParaRPr b="0" lang="pt-BR" sz="1800" spc="-1" strike="noStrike">
+              <a:latin typeface="Arial"/>
+            </a:endParaRPr>
+          </a:p>
+        </p:txBody>
+      </p:sp>
+      <p:sp>
+        <p:nvSpPr>
+          <p:cNvPr id="180" name="CustomShape 5"/>
+          <p:cNvSpPr/>
+          <p:nvPr/>
+        </p:nvSpPr>
+        <p:spPr>
+          <a:xfrm>
+            <a:off x="3371400" y="3555000"/>
+            <a:ext cx="4163760" cy="10080"/>
+          </a:xfrm>
+          <a:prstGeom prst="curvedConnector3">
+            <a:avLst>
+              <a:gd name="adj1" fmla="val 50000"/>
+            </a:avLst>
+          </a:prstGeom>
+          <a:noFill/>
+          <a:ln>
+            <a:solidFill>
+              <a:srgbClr val="3f6ec2"/>
+            </a:solidFill>
+          </a:ln>
+        </p:spPr>
+        <p:style>
+          <a:lnRef idx="1">
+            <a:schemeClr val="accent1"/>
+          </a:lnRef>
+          <a:fillRef idx="0">
+            <a:schemeClr val="accent1"/>
+          </a:fillRef>
+          <a:effectRef idx="0">
+            <a:schemeClr val="accent1"/>
+          </a:effectRef>
+          <a:fontRef idx="minor"/>
+        </p:style>
+      </p:sp>
+      <p:sp>
+        <p:nvSpPr>
+          <p:cNvPr id="181" name="CustomShape 6"/>
+          <p:cNvSpPr/>
+          <p:nvPr/>
+        </p:nvSpPr>
+        <p:spPr>
+          <a:xfrm>
+            <a:off x="6546240" y="2397960"/>
+            <a:ext cx="3608280" cy="2873160"/>
+          </a:xfrm>
+          <a:prstGeom prst="roundRect">
+            <a:avLst>
+              <a:gd name="adj" fmla="val 16667"/>
+            </a:avLst>
+          </a:prstGeom>
+          <a:noFill/>
+          <a:ln/>
+        </p:spPr>
+        <p:style>
+          <a:lnRef idx="2">
+            <a:schemeClr val="accent1">
+              <a:shade val="50000"/>
+            </a:schemeClr>
+          </a:lnRef>
+          <a:fillRef idx="1">
+            <a:schemeClr val="accent1"/>
+          </a:fillRef>
+          <a:effectRef idx="0">
+            <a:schemeClr val="accent1"/>
+          </a:effectRef>
+          <a:fontRef idx="minor"/>
+        </p:style>
+        <p:txBody>
+          <a:bodyPr lIns="90000" rIns="90000" tIns="45000" bIns="45000">
+            <a:noAutofit/>
+          </a:bodyPr>
+          <a:p>
+            <a:pPr algn="ctr">
+              <a:lnSpc>
+                <a:spcPct val="100000"/>
+              </a:lnSpc>
+            </a:pPr>
+            <a:r>
+              <a:rPr b="0" lang="pt-BR" sz="1800" spc="-1" strike="noStrike">
+                <a:solidFill>
+                  <a:srgbClr val="000000"/>
+                </a:solidFill>
+                <a:latin typeface="Calibri"/>
+                <a:ea typeface="DejaVu Sans"/>
+              </a:rPr>
+              <a:t>Loja</a:t>
+            </a:r>
+            <a:endParaRPr b="0" lang="pt-BR" sz="1800" spc="-1" strike="noStrike">
+              <a:latin typeface="Arial"/>
+            </a:endParaRPr>
+          </a:p>
+        </p:txBody>
+      </p:sp>
+      <p:sp>
+        <p:nvSpPr>
+          <p:cNvPr id="182" name="Line 7"/>
+          <p:cNvSpPr/>
+          <p:nvPr/>
+        </p:nvSpPr>
+        <p:spPr>
+          <a:xfrm>
+            <a:off x="8278200" y="3773880"/>
+            <a:ext cx="2880" cy="522360"/>
+          </a:xfrm>
+          <a:prstGeom prst="line">
+            <a:avLst/>
+          </a:prstGeom>
+          <a:ln>
+            <a:solidFill>
+              <a:srgbClr val="3f6ec2"/>
+            </a:solidFill>
+          </a:ln>
+        </p:spPr>
+        <p:style>
+          <a:lnRef idx="1">
+            <a:schemeClr val="accent1"/>
+          </a:lnRef>
+          <a:fillRef idx="0">
+            <a:schemeClr val="accent1"/>
+          </a:fillRef>
+          <a:effectRef idx="0">
+            <a:schemeClr val="accent1"/>
+          </a:effectRef>
+          <a:fontRef idx="minor"/>
+        </p:style>
+      </p:sp>
+    </p:spTree>
+  </p:cSld>
+  <mc:AlternateContent>
+    <mc:Choice Requires="p14">
+      <p:transition spd="slow" p14:dur="2000"/>
+    </mc:Choice>
+    <mc:Fallback>
+      <p:transition spd="slow"/>
+    </mc:Fallback>
+  </mc:AlternateContent>
+</p:sld>
+</file>
+
+<file path=ppt/slides/slide6.xml><?xml version="1.0" encoding="utf-8"?>
+<p:sld xmlns:a="http://schemas.openxmlformats.org/drawingml/2006/main" xmlns:p="http://schemas.openxmlformats.org/presentationml/2006/main" xmlns:r="http://schemas.openxmlformats.org/officeDocument/2006/relationships" xmlns:p14="http://schemas.microsoft.com/office/powerpoint/2010/main" xmlns:p15="http://schemas.microsoft.com/office/powerpoint/2012/main" xmlns:mc="http://schemas.openxmlformats.org/markup-compatibility/2006">
+  <p:cSld>
+    <p:spTree>
+      <p:nvGrpSpPr>
+        <p:cNvPr id="1" name=""/>
+        <p:cNvGrpSpPr/>
+        <p:nvPr/>
+      </p:nvGrpSpPr>
+      <p:grpSpPr>
+        <a:xfrm>
+          <a:off x="0" y="0"/>
+          <a:ext cx="0" cy="0"/>
+          <a:chOff x="0" y="0"/>
+          <a:chExt cx="0" cy="0"/>
+        </a:xfrm>
+      </p:grpSpPr>
+      <p:sp>
+        <p:nvSpPr>
+          <p:cNvPr id="183" name="CustomShape 1"/>
+          <p:cNvSpPr/>
+          <p:nvPr/>
+        </p:nvSpPr>
+        <p:spPr>
+          <a:xfrm>
             <a:off x="288000" y="288000"/>
-            <a:ext cx="10514160" cy="1324080"/>
+            <a:ext cx="10513080" cy="1323000"/>
           </a:xfrm>
           <a:prstGeom prst="rect">
             <a:avLst/>
@@ -8189,14 +8750,14 @@
       </p:sp>
       <p:sp>
         <p:nvSpPr>
-          <p:cNvPr id="176" name="CustomShape 2"/>
+          <p:cNvPr id="184" name="CustomShape 2"/>
           <p:cNvSpPr/>
           <p:nvPr/>
         </p:nvSpPr>
         <p:spPr>
           <a:xfrm>
-            <a:off x="2232000" y="1682280"/>
-            <a:ext cx="2831040" cy="822600"/>
+            <a:off x="1872000" y="1620000"/>
+            <a:ext cx="3671280" cy="1824480"/>
           </a:xfrm>
           <a:prstGeom prst="rect">
             <a:avLst/>
@@ -8213,7 +8774,7 @@
           <a:fontRef idx="minor"/>
         </p:style>
         <p:txBody>
-          <a:bodyPr lIns="90000" rIns="90000" tIns="45000" bIns="45000" anchor="b">
+          <a:bodyPr lIns="90000" rIns="90000" tIns="45000" bIns="45000">
             <a:noAutofit/>
           </a:bodyPr>
           <a:p>
@@ -8226,52 +8787,21 @@
               </a:spcBef>
             </a:pPr>
             <a:r>
-              <a:rPr b="1" lang="pt-BR" sz="2400" spc="-1" strike="noStrike">
+              <a:rPr b="1" lang="pt-BR" sz="2000" spc="-1" strike="noStrike">
                 <a:solidFill>
                   <a:srgbClr val="000000"/>
                 </a:solidFill>
                 <a:latin typeface="Calibri"/>
                 <a:ea typeface="DejaVu Sans"/>
               </a:rPr>
-              <a:t>Cenário: Locar Terno</a:t>
+              <a:t>Cenário: Locar Traje a Rigor</a:t>
             </a:r>
-            <a:endParaRPr b="0" lang="pt-BR" sz="2400" spc="-1" strike="noStrike">
-              <a:latin typeface="Arial"/>
-            </a:endParaRPr>
-          </a:p>
-        </p:txBody>
-      </p:sp>
-      <p:sp>
-        <p:nvSpPr>
-          <p:cNvPr id="177" name="CustomShape 3"/>
-          <p:cNvSpPr/>
-          <p:nvPr/>
-        </p:nvSpPr>
-        <p:spPr>
-          <a:xfrm>
-            <a:off x="2232000" y="2505960"/>
-            <a:ext cx="2759040" cy="1598040"/>
-          </a:xfrm>
-          <a:prstGeom prst="rect">
-            <a:avLst/>
-          </a:prstGeom>
-          <a:noFill/>
-          <a:ln>
-            <a:noFill/>
-          </a:ln>
-        </p:spPr>
-        <p:style>
-          <a:lnRef idx="0"/>
-          <a:fillRef idx="0"/>
-          <a:effectRef idx="0"/>
-          <a:fontRef idx="minor"/>
-        </p:style>
-        <p:txBody>
-          <a:bodyPr lIns="90000" rIns="90000" tIns="45000" bIns="45000">
-            <a:noAutofit/>
-          </a:bodyPr>
-          <a:p>
-            <a:pPr marL="228600" indent="-227160">
+            <a:endParaRPr b="0" lang="pt-BR" sz="2000" spc="-1" strike="noStrike">
+              <a:latin typeface="Arial"/>
+            </a:endParaRPr>
+          </a:p>
+          <a:p>
+            <a:pPr marL="228600" indent="-226080">
               <a:lnSpc>
                 <a:spcPct val="90000"/>
               </a:lnSpc>
@@ -8285,7 +8815,7 @@
               <a:buChar char="•"/>
             </a:pPr>
             <a:r>
-              <a:rPr b="0" lang="pt-BR" sz="2800" spc="-1" strike="noStrike">
+              <a:rPr b="0" lang="pt-BR" sz="2000" spc="-1" strike="noStrike">
                 <a:solidFill>
                   <a:srgbClr val="000000"/>
                 </a:solidFill>
@@ -8295,7 +8825,7 @@
               <a:t>Nó Operacional: </a:t>
             </a:r>
             <a:r>
-              <a:rPr b="1" lang="pt-BR" sz="2800" spc="-1" strike="noStrike">
+              <a:rPr b="1" lang="pt-BR" sz="2000" spc="-1" strike="noStrike">
                 <a:solidFill>
                   <a:srgbClr val="000000"/>
                 </a:solidFill>
@@ -8304,12 +8834,12 @@
               </a:rPr>
               <a:t>Atendente</a:t>
             </a:r>
-            <a:endParaRPr b="0" lang="pt-BR" sz="2800" spc="-1" strike="noStrike">
-              <a:latin typeface="Arial"/>
-            </a:endParaRPr>
-          </a:p>
-          <a:p>
-            <a:pPr marL="228600" indent="-227160">
+            <a:endParaRPr b="0" lang="pt-BR" sz="2000" spc="-1" strike="noStrike">
+              <a:latin typeface="Arial"/>
+            </a:endParaRPr>
+          </a:p>
+          <a:p>
+            <a:pPr marL="228600" indent="-226080">
               <a:lnSpc>
                 <a:spcPct val="90000"/>
               </a:lnSpc>
@@ -8323,7 +8853,7 @@
               <a:buChar char="•"/>
             </a:pPr>
             <a:r>
-              <a:rPr b="0" lang="pt-BR" sz="2800" spc="-1" strike="noStrike">
+              <a:rPr b="0" lang="pt-BR" sz="2000" spc="-1" strike="noStrike">
                 <a:solidFill>
                   <a:srgbClr val="000000"/>
                 </a:solidFill>
@@ -8332,12 +8862,12 @@
               </a:rPr>
               <a:t>Capacidade do Atendente:</a:t>
             </a:r>
-            <a:endParaRPr b="0" lang="pt-BR" sz="2800" spc="-1" strike="noStrike">
-              <a:latin typeface="Arial"/>
-            </a:endParaRPr>
-          </a:p>
-          <a:p>
-            <a:pPr lvl="1" marL="685800" indent="-227160">
+            <a:endParaRPr b="0" lang="pt-BR" sz="2000" spc="-1" strike="noStrike">
+              <a:latin typeface="Arial"/>
+            </a:endParaRPr>
+          </a:p>
+          <a:p>
+            <a:pPr lvl="1" marL="685800" indent="-226080">
               <a:lnSpc>
                 <a:spcPct val="90000"/>
               </a:lnSpc>
@@ -8351,21 +8881,178 @@
               <a:buChar char="•"/>
             </a:pPr>
             <a:r>
-              <a:rPr b="1" lang="pt-BR" sz="2400" spc="-1" strike="noStrike">
+              <a:rPr b="1" lang="pt-BR" sz="2000" spc="-1" strike="noStrike">
                 <a:solidFill>
                   <a:srgbClr val="000000"/>
                 </a:solidFill>
                 <a:latin typeface="Calibri"/>
                 <a:ea typeface="DejaVu Sans"/>
               </a:rPr>
-              <a:t>Tratar Escolha do Terno</a:t>
+              <a:t>Tratar Escolha do </a:t>
             </a:r>
-            <a:endParaRPr b="0" lang="pt-BR" sz="2400" spc="-1" strike="noStrike">
-              <a:latin typeface="Arial"/>
-            </a:endParaRPr>
-          </a:p>
-          <a:p>
-            <a:pPr lvl="1" marL="685800" indent="-227160">
+            <a:br/>
+            <a:r>
+              <a:rPr b="1" lang="pt-BR" sz="2000" spc="-1" strike="noStrike">
+                <a:solidFill>
+                  <a:srgbClr val="000000"/>
+                </a:solidFill>
+                <a:latin typeface="Calibri"/>
+                <a:ea typeface="DejaVu Sans"/>
+              </a:rPr>
+              <a:t>traje a rigor</a:t>
+            </a:r>
+            <a:endParaRPr b="0" lang="pt-BR" sz="2000" spc="-1" strike="noStrike">
+              <a:latin typeface="Arial"/>
+            </a:endParaRPr>
+          </a:p>
+        </p:txBody>
+      </p:sp>
+      <p:sp>
+        <p:nvSpPr>
+          <p:cNvPr id="185" name="CustomShape 3"/>
+          <p:cNvSpPr/>
+          <p:nvPr/>
+        </p:nvSpPr>
+        <p:spPr>
+          <a:xfrm>
+            <a:off x="6264360" y="2458800"/>
+            <a:ext cx="2757960" cy="1596960"/>
+          </a:xfrm>
+          <a:prstGeom prst="rect">
+            <a:avLst/>
+          </a:prstGeom>
+          <a:noFill/>
+          <a:ln>
+            <a:noFill/>
+          </a:ln>
+        </p:spPr>
+        <p:style>
+          <a:lnRef idx="0"/>
+          <a:fillRef idx="0"/>
+          <a:effectRef idx="0"/>
+          <a:fontRef idx="minor"/>
+        </p:style>
+      </p:sp>
+      <p:sp>
+        <p:nvSpPr>
+          <p:cNvPr id="186" name="CustomShape 4"/>
+          <p:cNvSpPr/>
+          <p:nvPr/>
+        </p:nvSpPr>
+        <p:spPr>
+          <a:xfrm>
+            <a:off x="6372000" y="1584000"/>
+            <a:ext cx="3635280" cy="2076480"/>
+          </a:xfrm>
+          <a:prstGeom prst="rect">
+            <a:avLst/>
+          </a:prstGeom>
+          <a:noFill/>
+          <a:ln>
+            <a:noFill/>
+          </a:ln>
+        </p:spPr>
+        <p:style>
+          <a:lnRef idx="0"/>
+          <a:fillRef idx="0"/>
+          <a:effectRef idx="0"/>
+          <a:fontRef idx="minor"/>
+        </p:style>
+        <p:txBody>
+          <a:bodyPr lIns="90000" rIns="90000" tIns="45000" bIns="45000">
+            <a:noAutofit/>
+          </a:bodyPr>
+          <a:p>
+            <a:pPr>
+              <a:lnSpc>
+                <a:spcPct val="90000"/>
+              </a:lnSpc>
+              <a:spcBef>
+                <a:spcPts val="1001"/>
+              </a:spcBef>
+            </a:pPr>
+            <a:r>
+              <a:rPr b="1" lang="pt-BR" sz="2000" spc="-1" strike="noStrike">
+                <a:solidFill>
+                  <a:srgbClr val="000000"/>
+                </a:solidFill>
+                <a:latin typeface="Calibri"/>
+                <a:ea typeface="DejaVu Sans"/>
+              </a:rPr>
+              <a:t>Cenário: Locar Traje a Rigor</a:t>
+            </a:r>
+            <a:endParaRPr b="0" lang="pt-BR" sz="2000" spc="-1" strike="noStrike">
+              <a:latin typeface="Arial"/>
+            </a:endParaRPr>
+          </a:p>
+          <a:p>
+            <a:pPr marL="228600" indent="-226080">
+              <a:lnSpc>
+                <a:spcPct val="90000"/>
+              </a:lnSpc>
+              <a:spcBef>
+                <a:spcPts val="1001"/>
+              </a:spcBef>
+              <a:buClr>
+                <a:srgbClr val="000000"/>
+              </a:buClr>
+              <a:buFont typeface="Arial"/>
+              <a:buChar char="•"/>
+            </a:pPr>
+            <a:r>
+              <a:rPr b="0" lang="pt-BR" sz="2000" spc="-1" strike="noStrike">
+                <a:solidFill>
+                  <a:srgbClr val="000000"/>
+                </a:solidFill>
+                <a:latin typeface="Calibri"/>
+                <a:ea typeface="DejaVu Sans"/>
+              </a:rPr>
+              <a:t>Nó Operacional: </a:t>
+            </a:r>
+            <a:r>
+              <a:rPr b="1" lang="pt-BR" sz="2000" spc="-1" strike="noStrike">
+                <a:solidFill>
+                  <a:srgbClr val="000000"/>
+                </a:solidFill>
+                <a:latin typeface="Calibri"/>
+                <a:ea typeface="DejaVu Sans"/>
+              </a:rPr>
+              <a:t>Costureira</a:t>
+            </a:r>
+            <a:endParaRPr b="0" lang="pt-BR" sz="2000" spc="-1" strike="noStrike">
+              <a:latin typeface="Arial"/>
+            </a:endParaRPr>
+          </a:p>
+          <a:p>
+            <a:pPr marL="228600" indent="-226080">
+              <a:lnSpc>
+                <a:spcPct val="90000"/>
+              </a:lnSpc>
+              <a:spcBef>
+                <a:spcPts val="1001"/>
+              </a:spcBef>
+              <a:buClr>
+                <a:srgbClr val="000000"/>
+              </a:buClr>
+              <a:buFont typeface="Arial"/>
+              <a:buChar char="•"/>
+            </a:pPr>
+            <a:r>
+              <a:rPr b="0" lang="pt-BR" sz="2000" spc="-1" strike="noStrike">
+                <a:solidFill>
+                  <a:srgbClr val="000000"/>
+                </a:solidFill>
+                <a:latin typeface="Calibri"/>
+                <a:ea typeface="DejaVu Sans"/>
+              </a:rPr>
+              <a:t>Capacidade da Costureira:</a:t>
+            </a:r>
+            <a:endParaRPr b="0" lang="pt-BR" sz="2000" spc="-1" strike="noStrike">
+              <a:latin typeface="Arial"/>
+            </a:endParaRPr>
+          </a:p>
+          <a:p>
+            <a:pPr lvl="1" marL="685800" indent="-226080">
               <a:lnSpc>
                 <a:spcPct val="90000"/>
               </a:lnSpc>
@@ -8379,31 +9066,42 @@
               <a:buChar char="•"/>
             </a:pPr>
             <a:r>
-              <a:rPr b="1" lang="pt-BR" sz="2400" spc="-1" strike="noStrike">
+              <a:rPr b="1" lang="pt-BR" sz="2000" spc="-1" strike="noStrike">
                 <a:solidFill>
                   <a:srgbClr val="000000"/>
                 </a:solidFill>
                 <a:latin typeface="Calibri"/>
                 <a:ea typeface="DejaVu Sans"/>
               </a:rPr>
-              <a:t>Tratar Ajustes do Terno</a:t>
+              <a:t>Tratar Ajustes do </a:t>
             </a:r>
-            <a:endParaRPr b="0" lang="pt-BR" sz="2400" spc="-1" strike="noStrike">
-              <a:latin typeface="Arial"/>
-            </a:endParaRPr>
-          </a:p>
-        </p:txBody>
-      </p:sp>
-      <p:sp>
-        <p:nvSpPr>
-          <p:cNvPr id="178" name="CustomShape 4"/>
+            <a:br/>
+            <a:r>
+              <a:rPr b="1" lang="pt-BR" sz="2000" spc="-1" strike="noStrike">
+                <a:solidFill>
+                  <a:srgbClr val="000000"/>
+                </a:solidFill>
+                <a:latin typeface="Calibri"/>
+                <a:ea typeface="DejaVu Sans"/>
+              </a:rPr>
+              <a:t>traje a rigor</a:t>
+            </a:r>
+            <a:endParaRPr b="0" lang="pt-BR" sz="2000" spc="-1" strike="noStrike">
+              <a:latin typeface="Arial"/>
+            </a:endParaRPr>
+          </a:p>
+        </p:txBody>
+      </p:sp>
+      <p:sp>
+        <p:nvSpPr>
+          <p:cNvPr id="187" name="CustomShape 5"/>
           <p:cNvSpPr/>
           <p:nvPr/>
         </p:nvSpPr>
         <p:spPr>
           <a:xfrm>
-            <a:off x="5980320" y="1682280"/>
-            <a:ext cx="2754720" cy="822600"/>
+            <a:off x="1953000" y="4140000"/>
+            <a:ext cx="3851280" cy="2123280"/>
           </a:xfrm>
           <a:prstGeom prst="rect">
             <a:avLst/>
@@ -8419,34 +9117,8 @@
           <a:effectRef idx="0"/>
           <a:fontRef idx="minor"/>
         </p:style>
-      </p:sp>
-      <p:sp>
-        <p:nvSpPr>
-          <p:cNvPr id="179" name="CustomShape 5"/>
-          <p:cNvSpPr/>
-          <p:nvPr/>
-        </p:nvSpPr>
-        <p:spPr>
-          <a:xfrm>
-            <a:off x="6922080" y="1690560"/>
-            <a:ext cx="2986920" cy="822600"/>
-          </a:xfrm>
-          <a:prstGeom prst="rect">
-            <a:avLst/>
-          </a:prstGeom>
-          <a:noFill/>
-          <a:ln>
-            <a:noFill/>
-          </a:ln>
-        </p:spPr>
-        <p:style>
-          <a:lnRef idx="0"/>
-          <a:fillRef idx="0"/>
-          <a:effectRef idx="0"/>
-          <a:fontRef idx="minor"/>
-        </p:style>
-        <p:txBody>
-          <a:bodyPr lIns="90000" rIns="90000" tIns="45000" bIns="45000" anchor="b">
+        <p:txBody>
+          <a:bodyPr lIns="90000" rIns="90000" tIns="45000" bIns="45000">
             <a:noAutofit/>
           </a:bodyPr>
           <a:p>
@@ -8459,78 +9131,21 @@
               </a:spcBef>
             </a:pPr>
             <a:r>
-              <a:rPr b="1" lang="pt-BR" sz="2400" spc="-1" strike="noStrike">
+              <a:rPr b="1" lang="pt-BR" sz="2000" spc="-1" strike="noStrike">
                 <a:solidFill>
                   <a:srgbClr val="000000"/>
                 </a:solidFill>
                 <a:latin typeface="Calibri"/>
                 <a:ea typeface="DejaVu Sans"/>
               </a:rPr>
-              <a:t>Cenário: Retirar Terno</a:t>
+              <a:t>Cenário: Retirar Traje a Rigor</a:t>
             </a:r>
-            <a:endParaRPr b="0" lang="pt-BR" sz="2400" spc="-1" strike="noStrike">
-              <a:latin typeface="Arial"/>
-            </a:endParaRPr>
-          </a:p>
-        </p:txBody>
-      </p:sp>
-      <p:sp>
-        <p:nvSpPr>
-          <p:cNvPr id="180" name="CustomShape 6"/>
-          <p:cNvSpPr/>
-          <p:nvPr/>
-        </p:nvSpPr>
-        <p:spPr>
-          <a:xfrm>
-            <a:off x="5976360" y="2494800"/>
-            <a:ext cx="2759040" cy="1598040"/>
-          </a:xfrm>
-          <a:prstGeom prst="rect">
-            <a:avLst/>
-          </a:prstGeom>
-          <a:noFill/>
-          <a:ln>
-            <a:noFill/>
-          </a:ln>
-        </p:spPr>
-        <p:style>
-          <a:lnRef idx="0"/>
-          <a:fillRef idx="0"/>
-          <a:effectRef idx="0"/>
-          <a:fontRef idx="minor"/>
-        </p:style>
-      </p:sp>
-      <p:sp>
-        <p:nvSpPr>
-          <p:cNvPr id="181" name="CustomShape 7"/>
-          <p:cNvSpPr/>
-          <p:nvPr/>
-        </p:nvSpPr>
-        <p:spPr>
-          <a:xfrm>
-            <a:off x="6922080" y="2491200"/>
-            <a:ext cx="2759040" cy="1598040"/>
-          </a:xfrm>
-          <a:prstGeom prst="rect">
-            <a:avLst/>
-          </a:prstGeom>
-          <a:noFill/>
-          <a:ln>
-            <a:noFill/>
-          </a:ln>
-        </p:spPr>
-        <p:style>
-          <a:lnRef idx="0"/>
-          <a:fillRef idx="0"/>
-          <a:effectRef idx="0"/>
-          <a:fontRef idx="minor"/>
-        </p:style>
-        <p:txBody>
-          <a:bodyPr lIns="90000" rIns="90000" tIns="45000" bIns="45000">
-            <a:noAutofit/>
-          </a:bodyPr>
-          <a:p>
-            <a:pPr marL="228600" indent="-227160">
+            <a:endParaRPr b="0" lang="pt-BR" sz="2000" spc="-1" strike="noStrike">
+              <a:latin typeface="Arial"/>
+            </a:endParaRPr>
+          </a:p>
+          <a:p>
+            <a:pPr marL="228600" indent="-226080">
               <a:lnSpc>
                 <a:spcPct val="90000"/>
               </a:lnSpc>
@@ -8544,7 +9159,7 @@
               <a:buChar char="•"/>
             </a:pPr>
             <a:r>
-              <a:rPr b="0" lang="pt-BR" sz="2800" spc="-1" strike="noStrike">
+              <a:rPr b="0" lang="pt-BR" sz="2000" spc="-1" strike="noStrike">
                 <a:solidFill>
                   <a:srgbClr val="000000"/>
                 </a:solidFill>
@@ -8554,7 +9169,7 @@
               <a:t>Nó Operacional: </a:t>
             </a:r>
             <a:r>
-              <a:rPr b="1" lang="pt-BR" sz="2800" spc="-1" strike="noStrike">
+              <a:rPr b="1" lang="pt-BR" sz="2000" spc="-1" strike="noStrike">
                 <a:solidFill>
                   <a:srgbClr val="000000"/>
                 </a:solidFill>
@@ -8563,12 +9178,12 @@
               </a:rPr>
               <a:t>Caixa</a:t>
             </a:r>
-            <a:endParaRPr b="0" lang="pt-BR" sz="2800" spc="-1" strike="noStrike">
-              <a:latin typeface="Arial"/>
-            </a:endParaRPr>
-          </a:p>
-          <a:p>
-            <a:pPr marL="228600" indent="-227160">
+            <a:endParaRPr b="0" lang="pt-BR" sz="2000" spc="-1" strike="noStrike">
+              <a:latin typeface="Arial"/>
+            </a:endParaRPr>
+          </a:p>
+          <a:p>
+            <a:pPr marL="228600" indent="-226080">
               <a:lnSpc>
                 <a:spcPct val="90000"/>
               </a:lnSpc>
@@ -8582,7 +9197,7 @@
               <a:buChar char="•"/>
             </a:pPr>
             <a:r>
-              <a:rPr b="0" lang="pt-BR" sz="2800" spc="-1" strike="noStrike">
+              <a:rPr b="0" lang="pt-BR" sz="2000" spc="-1" strike="noStrike">
                 <a:solidFill>
                   <a:srgbClr val="000000"/>
                 </a:solidFill>
@@ -8591,12 +9206,12 @@
               </a:rPr>
               <a:t>Capacidade do Caixa:</a:t>
             </a:r>
-            <a:endParaRPr b="0" lang="pt-BR" sz="2800" spc="-1" strike="noStrike">
-              <a:latin typeface="Arial"/>
-            </a:endParaRPr>
-          </a:p>
-          <a:p>
-            <a:pPr lvl="1" marL="685800" indent="-227160">
+            <a:endParaRPr b="0" lang="pt-BR" sz="2000" spc="-1" strike="noStrike">
+              <a:latin typeface="Arial"/>
+            </a:endParaRPr>
+          </a:p>
+          <a:p>
+            <a:pPr lvl="1" marL="685800" indent="-226080">
               <a:lnSpc>
                 <a:spcPct val="90000"/>
               </a:lnSpc>
@@ -8610,16 +9225,186 @@
               <a:buChar char="•"/>
             </a:pPr>
             <a:r>
-              <a:rPr b="1" lang="pt-BR" sz="2400" spc="-1" strike="noStrike">
+              <a:rPr b="1" lang="pt-BR" sz="2000" spc="-1" strike="noStrike">
                 <a:solidFill>
                   <a:srgbClr val="000000"/>
                 </a:solidFill>
                 <a:latin typeface="Calibri"/>
                 <a:ea typeface="DejaVu Sans"/>
               </a:rPr>
-              <a:t>Tratar Retirada do Terno</a:t>
+              <a:t>Tratar retirada do</a:t>
             </a:r>
-            <a:endParaRPr b="0" lang="pt-BR" sz="2400" spc="-1" strike="noStrike">
+            <a:br/>
+            <a:r>
+              <a:rPr b="1" lang="pt-BR" sz="2000" spc="-1" strike="noStrike">
+                <a:solidFill>
+                  <a:srgbClr val="000000"/>
+                </a:solidFill>
+                <a:latin typeface="Calibri"/>
+                <a:ea typeface="DejaVu Sans"/>
+              </a:rPr>
+              <a:t>traje a rigor</a:t>
+            </a:r>
+            <a:endParaRPr b="0" lang="pt-BR" sz="2000" spc="-1" strike="noStrike">
+              <a:latin typeface="Arial"/>
+            </a:endParaRPr>
+          </a:p>
+        </p:txBody>
+      </p:sp>
+      <p:sp>
+        <p:nvSpPr>
+          <p:cNvPr id="188" name="CustomShape 6"/>
+          <p:cNvSpPr/>
+          <p:nvPr/>
+        </p:nvSpPr>
+        <p:spPr>
+          <a:xfrm>
+            <a:off x="6417000" y="4140000"/>
+            <a:ext cx="3851280" cy="2123280"/>
+          </a:xfrm>
+          <a:prstGeom prst="rect">
+            <a:avLst/>
+          </a:prstGeom>
+          <a:noFill/>
+          <a:ln>
+            <a:noFill/>
+          </a:ln>
+        </p:spPr>
+        <p:style>
+          <a:lnRef idx="0"/>
+          <a:fillRef idx="0"/>
+          <a:effectRef idx="0"/>
+          <a:fontRef idx="minor"/>
+        </p:style>
+        <p:txBody>
+          <a:bodyPr lIns="90000" rIns="90000" tIns="45000" bIns="45000">
+            <a:noAutofit/>
+          </a:bodyPr>
+          <a:p>
+            <a:pPr>
+              <a:lnSpc>
+                <a:spcPct val="90000"/>
+              </a:lnSpc>
+              <a:spcBef>
+                <a:spcPts val="1001"/>
+              </a:spcBef>
+            </a:pPr>
+            <a:r>
+              <a:rPr b="1" lang="pt-BR" sz="2000" spc="-1" strike="noStrike">
+                <a:solidFill>
+                  <a:srgbClr val="000000"/>
+                </a:solidFill>
+                <a:latin typeface="Calibri"/>
+                <a:ea typeface="DejaVu Sans"/>
+              </a:rPr>
+              <a:t>Cenário: Devolver Traje a Rigor</a:t>
+            </a:r>
+            <a:endParaRPr b="0" lang="pt-BR" sz="2000" spc="-1" strike="noStrike">
+              <a:latin typeface="Arial"/>
+            </a:endParaRPr>
+          </a:p>
+          <a:p>
+            <a:pPr marL="228600" indent="-226080">
+              <a:lnSpc>
+                <a:spcPct val="90000"/>
+              </a:lnSpc>
+              <a:spcBef>
+                <a:spcPts val="1001"/>
+              </a:spcBef>
+              <a:buClr>
+                <a:srgbClr val="000000"/>
+              </a:buClr>
+              <a:buFont typeface="Arial"/>
+              <a:buChar char="•"/>
+            </a:pPr>
+            <a:r>
+              <a:rPr b="0" lang="pt-BR" sz="2000" spc="-1" strike="noStrike">
+                <a:solidFill>
+                  <a:srgbClr val="000000"/>
+                </a:solidFill>
+                <a:latin typeface="Calibri"/>
+                <a:ea typeface="DejaVu Sans"/>
+              </a:rPr>
+              <a:t>Nó Operacional: </a:t>
+            </a:r>
+            <a:r>
+              <a:rPr b="1" lang="pt-BR" sz="2000" spc="-1" strike="noStrike">
+                <a:solidFill>
+                  <a:srgbClr val="000000"/>
+                </a:solidFill>
+                <a:latin typeface="Calibri"/>
+                <a:ea typeface="DejaVu Sans"/>
+              </a:rPr>
+              <a:t>Caixa</a:t>
+            </a:r>
+            <a:endParaRPr b="0" lang="pt-BR" sz="2000" spc="-1" strike="noStrike">
+              <a:latin typeface="Arial"/>
+            </a:endParaRPr>
+          </a:p>
+          <a:p>
+            <a:pPr marL="228600" indent="-226080">
+              <a:lnSpc>
+                <a:spcPct val="90000"/>
+              </a:lnSpc>
+              <a:spcBef>
+                <a:spcPts val="1001"/>
+              </a:spcBef>
+              <a:buClr>
+                <a:srgbClr val="000000"/>
+              </a:buClr>
+              <a:buFont typeface="Arial"/>
+              <a:buChar char="•"/>
+            </a:pPr>
+            <a:r>
+              <a:rPr b="0" lang="pt-BR" sz="2000" spc="-1" strike="noStrike">
+                <a:solidFill>
+                  <a:srgbClr val="000000"/>
+                </a:solidFill>
+                <a:latin typeface="Calibri"/>
+                <a:ea typeface="DejaVu Sans"/>
+              </a:rPr>
+              <a:t>Capacidade do Caixa:</a:t>
+            </a:r>
+            <a:endParaRPr b="0" lang="pt-BR" sz="2000" spc="-1" strike="noStrike">
+              <a:latin typeface="Arial"/>
+            </a:endParaRPr>
+          </a:p>
+          <a:p>
+            <a:pPr lvl="1" marL="685800" indent="-226080">
+              <a:lnSpc>
+                <a:spcPct val="90000"/>
+              </a:lnSpc>
+              <a:spcBef>
+                <a:spcPts val="499"/>
+              </a:spcBef>
+              <a:buClr>
+                <a:srgbClr val="000000"/>
+              </a:buClr>
+              <a:buFont typeface="Arial"/>
+              <a:buChar char="•"/>
+            </a:pPr>
+            <a:r>
+              <a:rPr b="1" lang="pt-BR" sz="2000" spc="-1" strike="noStrike">
+                <a:solidFill>
+                  <a:srgbClr val="000000"/>
+                </a:solidFill>
+                <a:latin typeface="Calibri"/>
+                <a:ea typeface="DejaVu Sans"/>
+              </a:rPr>
+              <a:t>Tratar devolução do </a:t>
+            </a:r>
+            <a:br/>
+            <a:r>
+              <a:rPr b="1" lang="pt-BR" sz="2000" spc="-1" strike="noStrike">
+                <a:solidFill>
+                  <a:srgbClr val="000000"/>
+                </a:solidFill>
+                <a:latin typeface="Calibri"/>
+                <a:ea typeface="DejaVu Sans"/>
+              </a:rPr>
+              <a:t>traje a rigor</a:t>
+            </a:r>
+            <a:endParaRPr b="0" lang="pt-BR" sz="2000" spc="-1" strike="noStrike">
               <a:latin typeface="Arial"/>
             </a:endParaRPr>
           </a:p>

--- a/15 - Arquitetura de Negócio para cada Cenário.pptx
+++ b/15 - Arquitetura de Negócio para cada Cenário.pptx
@@ -13,7 +13,6 @@
     <p:sldId id="258" r:id="rId8"/>
     <p:sldId id="259" r:id="rId9"/>
     <p:sldId id="260" r:id="rId10"/>
-    <p:sldId id="261" r:id="rId11"/>
   </p:sldIdLst>
   <p:sldSz cx="12192000" cy="6858000"/>
   <p:notesSz cx="7559675" cy="10691812"/>
@@ -6509,8 +6508,8 @@
         </p:nvSpPr>
         <p:spPr>
           <a:xfrm>
-            <a:off x="838080" y="365040"/>
-            <a:ext cx="10510920" cy="1320840"/>
+            <a:off x="838080" y="444960"/>
+            <a:ext cx="10510560" cy="1320480"/>
           </a:xfrm>
           <a:prstGeom prst="rect">
             <a:avLst/>
@@ -6544,7 +6543,7 @@
                 <a:latin typeface="Calibri Light"/>
                 <a:ea typeface="DejaVu Sans"/>
               </a:rPr>
-              <a:t>Locação de Traje a Rigor</a:t>
+              <a:t>Contexto de Negócio</a:t>
             </a:r>
             <a:endParaRPr b="0" lang="pt-BR" sz="4400" spc="-1" strike="noStrike">
               <a:latin typeface="Arial"/>
@@ -6560,8 +6559,100 @@
         </p:nvSpPr>
         <p:spPr>
           <a:xfrm>
-            <a:off x="838080" y="1825560"/>
-            <a:ext cx="10510920" cy="4346640"/>
+            <a:off x="1744560" y="3378600"/>
+            <a:ext cx="1331280" cy="909360"/>
+          </a:xfrm>
+          <a:prstGeom prst="rect">
+            <a:avLst/>
+          </a:prstGeom>
+          <a:ln/>
+        </p:spPr>
+        <p:style>
+          <a:lnRef idx="2">
+            <a:schemeClr val="accent1">
+              <a:shade val="50000"/>
+            </a:schemeClr>
+          </a:lnRef>
+          <a:fillRef idx="1">
+            <a:schemeClr val="accent1"/>
+          </a:fillRef>
+          <a:effectRef idx="0">
+            <a:schemeClr val="accent1"/>
+          </a:effectRef>
+          <a:fontRef idx="minor"/>
+        </p:style>
+        <p:txBody>
+          <a:bodyPr lIns="90000" rIns="90000" tIns="45000" bIns="45000" anchor="ctr">
+            <a:noAutofit/>
+          </a:bodyPr>
+          <a:p>
+            <a:pPr algn="ctr">
+              <a:lnSpc>
+                <a:spcPct val="100000"/>
+              </a:lnSpc>
+            </a:pPr>
+            <a:r>
+              <a:rPr b="0" lang="pt-BR" sz="1800" spc="-1" strike="noStrike">
+                <a:solidFill>
+                  <a:srgbClr val="ffffff"/>
+                </a:solidFill>
+                <a:latin typeface="Calibri"/>
+                <a:ea typeface="DejaVu Sans"/>
+              </a:rPr>
+              <a:t>Cliente</a:t>
+            </a:r>
+            <a:endParaRPr b="0" lang="pt-BR" sz="1800" spc="-1" strike="noStrike">
+              <a:latin typeface="Arial"/>
+            </a:endParaRPr>
+          </a:p>
+        </p:txBody>
+      </p:sp>
+      <p:sp>
+        <p:nvSpPr>
+          <p:cNvPr id="154" name="CustomShape 3"/>
+          <p:cNvSpPr/>
+          <p:nvPr/>
+        </p:nvSpPr>
+        <p:spPr>
+          <a:xfrm>
+            <a:off x="3080880" y="3835800"/>
+            <a:ext cx="3460320" cy="7560"/>
+          </a:xfrm>
+          <a:prstGeom prst="curvedConnector3">
+            <a:avLst>
+              <a:gd name="adj1" fmla="val 50000"/>
+            </a:avLst>
+          </a:prstGeom>
+          <a:noFill/>
+          <a:ln>
+            <a:solidFill>
+              <a:srgbClr val="3f6ec2"/>
+            </a:solidFill>
+          </a:ln>
+        </p:spPr>
+        <p:style>
+          <a:lnRef idx="1">
+            <a:schemeClr val="accent1"/>
+          </a:lnRef>
+          <a:fillRef idx="0">
+            <a:schemeClr val="accent1"/>
+          </a:fillRef>
+          <a:effectRef idx="0">
+            <a:schemeClr val="accent1"/>
+          </a:effectRef>
+          <a:fontRef idx="minor"/>
+        </p:style>
+      </p:sp>
+      <p:sp>
+        <p:nvSpPr>
+          <p:cNvPr id="155" name="CustomShape 4"/>
+          <p:cNvSpPr/>
+          <p:nvPr/>
+        </p:nvSpPr>
+        <p:spPr>
+          <a:xfrm>
+            <a:off x="3513600" y="2845800"/>
+            <a:ext cx="2540520" cy="1186920"/>
           </a:xfrm>
           <a:prstGeom prst="rect">
             <a:avLst/>
@@ -6578,187 +6669,153 @@
           <a:fontRef idx="minor"/>
         </p:style>
         <p:txBody>
-          <a:bodyPr lIns="90000" rIns="90000" tIns="45000" bIns="45000">
-            <a:normAutofit fontScale="75000"/>
-          </a:bodyPr>
-          <a:p>
-            <a:pPr marL="228600" indent="-223920">
+          <a:bodyPr wrap="none" lIns="90000" rIns="90000" tIns="45000" bIns="45000">
+            <a:spAutoFit/>
+          </a:bodyPr>
+          <a:p>
+            <a:pPr marL="343080" indent="-338040">
               <a:lnSpc>
-                <a:spcPct val="90000"/>
+                <a:spcPct val="100000"/>
               </a:lnSpc>
-              <a:spcBef>
-                <a:spcPts val="1001"/>
-              </a:spcBef>
               <a:buClr>
                 <a:srgbClr val="000000"/>
               </a:buClr>
-              <a:buFont typeface="Arial"/>
-              <a:buChar char="•"/>
+              <a:buFont typeface="Calibri Light"/>
+              <a:buAutoNum type="arabicPeriod"/>
             </a:pPr>
             <a:r>
-              <a:rPr b="0" lang="pt-BR" sz="2800" spc="-1" strike="noStrike">
+              <a:rPr b="0" lang="pt-BR" sz="1800" spc="-1" strike="noStrike">
                 <a:solidFill>
                   <a:srgbClr val="000000"/>
                 </a:solidFill>
                 <a:latin typeface="Calibri"/>
                 <a:ea typeface="DejaVu Sans"/>
               </a:rPr>
-              <a:t>Deseja-se, a locação de um traje a rigor dentro as condições solicitadas pelo cliente.</a:t>
+              <a:t>Locar Traje a Rigor</a:t>
             </a:r>
-            <a:endParaRPr b="0" lang="pt-BR" sz="2800" spc="-1" strike="noStrike">
-              <a:latin typeface="Arial"/>
-            </a:endParaRPr>
-          </a:p>
-          <a:p>
-            <a:pPr marL="228600" indent="-223920">
+            <a:endParaRPr b="0" lang="pt-BR" sz="1800" spc="-1" strike="noStrike">
+              <a:latin typeface="Arial"/>
+            </a:endParaRPr>
+          </a:p>
+          <a:p>
+            <a:pPr marL="343080" indent="-338040">
               <a:lnSpc>
-                <a:spcPct val="90000"/>
+                <a:spcPct val="100000"/>
               </a:lnSpc>
-              <a:spcBef>
-                <a:spcPts val="1001"/>
-              </a:spcBef>
               <a:buClr>
                 <a:srgbClr val="000000"/>
               </a:buClr>
-              <a:buFont typeface="Arial"/>
-              <a:buChar char="•"/>
+              <a:buFont typeface="Calibri Light"/>
+              <a:buAutoNum type="arabicPeriod"/>
             </a:pPr>
             <a:r>
-              <a:rPr b="0" lang="pt-BR" sz="2800" spc="-1" strike="noStrike">
+              <a:rPr b="0" lang="pt-BR" sz="1800" spc="-1" strike="noStrike">
                 <a:solidFill>
                   <a:srgbClr val="000000"/>
                 </a:solidFill>
                 <a:latin typeface="Calibri"/>
                 <a:ea typeface="DejaVu Sans"/>
               </a:rPr>
-              <a:t>O atendente deve coletar as condições solicitadas pelo cliente e apresentar-lhe os trajes disponíveis no momento.</a:t>
+              <a:t>Retirar Traje a Rigor</a:t>
             </a:r>
-            <a:endParaRPr b="0" lang="pt-BR" sz="2800" spc="-1" strike="noStrike">
-              <a:latin typeface="Arial"/>
-            </a:endParaRPr>
-          </a:p>
-          <a:p>
-            <a:pPr marL="228600" indent="-223920">
+            <a:endParaRPr b="0" lang="pt-BR" sz="1800" spc="-1" strike="noStrike">
+              <a:latin typeface="Arial"/>
+            </a:endParaRPr>
+          </a:p>
+          <a:p>
+            <a:pPr marL="343080" indent="-338040">
               <a:lnSpc>
-                <a:spcPct val="90000"/>
+                <a:spcPct val="100000"/>
               </a:lnSpc>
-              <a:spcBef>
-                <a:spcPts val="1001"/>
-              </a:spcBef>
               <a:buClr>
                 <a:srgbClr val="000000"/>
               </a:buClr>
-              <a:buFont typeface="Arial"/>
-              <a:buChar char="•"/>
+              <a:buFont typeface="Calibri Light"/>
+              <a:buAutoNum type="arabicPeriod"/>
             </a:pPr>
             <a:r>
-              <a:rPr b="0" lang="pt-BR" sz="2800" spc="-1" strike="noStrike">
+              <a:rPr b="0" lang="pt-BR" sz="1800" spc="-1" strike="noStrike">
                 <a:solidFill>
                   <a:srgbClr val="000000"/>
                 </a:solidFill>
                 <a:latin typeface="Calibri"/>
                 <a:ea typeface="DejaVu Sans"/>
               </a:rPr>
-              <a:t>Caso necessário, será efetuado ajustes no terno escolhido pelo cliente.</a:t>
+              <a:t>Devolver Traje a Rigor</a:t>
             </a:r>
-            <a:endParaRPr b="0" lang="pt-BR" sz="2800" spc="-1" strike="noStrike">
-              <a:latin typeface="Arial"/>
-            </a:endParaRPr>
-          </a:p>
-          <a:p>
-            <a:pPr marL="228600" indent="-223920">
+            <a:endParaRPr b="0" lang="pt-BR" sz="1800" spc="-1" strike="noStrike">
+              <a:latin typeface="Arial"/>
+            </a:endParaRPr>
+          </a:p>
+          <a:p>
+            <a:pPr>
               <a:lnSpc>
-                <a:spcPct val="90000"/>
+                <a:spcPct val="100000"/>
               </a:lnSpc>
-              <a:spcBef>
-                <a:spcPts val="1001"/>
-              </a:spcBef>
-              <a:buClr>
-                <a:srgbClr val="000000"/>
-              </a:buClr>
-              <a:buFont typeface="Arial"/>
-              <a:buChar char="•"/>
             </a:pPr>
+            <a:endParaRPr b="0" lang="pt-BR" sz="1800" spc="-1" strike="noStrike">
+              <a:latin typeface="Arial"/>
+            </a:endParaRPr>
+          </a:p>
+        </p:txBody>
+      </p:sp>
+      <p:sp>
+        <p:nvSpPr>
+          <p:cNvPr id="156" name="CustomShape 5"/>
+          <p:cNvSpPr/>
+          <p:nvPr/>
+        </p:nvSpPr>
+        <p:spPr>
+          <a:xfrm>
+            <a:off x="6546240" y="2397960"/>
+            <a:ext cx="3605760" cy="2870640"/>
+          </a:xfrm>
+          <a:prstGeom prst="roundRect">
+            <a:avLst>
+              <a:gd name="adj" fmla="val 16667"/>
+            </a:avLst>
+          </a:prstGeom>
+          <a:noFill/>
+          <a:ln/>
+        </p:spPr>
+        <p:style>
+          <a:lnRef idx="2">
+            <a:schemeClr val="accent1">
+              <a:shade val="50000"/>
+            </a:schemeClr>
+          </a:lnRef>
+          <a:fillRef idx="1">
+            <a:schemeClr val="accent1"/>
+          </a:fillRef>
+          <a:effectRef idx="0">
+            <a:schemeClr val="accent1"/>
+          </a:effectRef>
+          <a:fontRef idx="minor"/>
+        </p:style>
+        <p:txBody>
+          <a:bodyPr lIns="90000" rIns="90000" tIns="45000" bIns="45000">
+            <a:noAutofit/>
+          </a:bodyPr>
+          <a:p>
+            <a:pPr algn="ctr">
+              <a:lnSpc>
+                <a:spcPct val="100000"/>
+              </a:lnSpc>
+            </a:pPr>
+            <a:br/>
+            <a:br/>
+            <a:br/>
             <a:r>
-              <a:rPr b="0" lang="pt-BR" sz="2800" spc="-1" strike="noStrike">
+              <a:rPr b="1" lang="pt-BR" sz="2600" spc="-1" strike="noStrike">
                 <a:solidFill>
                   <a:srgbClr val="000000"/>
                 </a:solidFill>
                 <a:latin typeface="Calibri"/>
                 <a:ea typeface="DejaVu Sans"/>
               </a:rPr>
-              <a:t>Será emitida a ficha de medidas com um identificador único emitido pelo atendente (número em vermelho), contendo as medidas, data da retirada, data de devolução, valor de pagamento e outras observações. </a:t>
+              <a:t>JLima Collection</a:t>
             </a:r>
-            <a:endParaRPr b="0" lang="pt-BR" sz="2800" spc="-1" strike="noStrike">
-              <a:latin typeface="Arial"/>
-            </a:endParaRPr>
-          </a:p>
-          <a:p>
-            <a:pPr marL="228600" indent="-223920">
-              <a:lnSpc>
-                <a:spcPct val="90000"/>
-              </a:lnSpc>
-              <a:spcBef>
-                <a:spcPts val="1001"/>
-              </a:spcBef>
-              <a:buClr>
-                <a:srgbClr val="000000"/>
-              </a:buClr>
-              <a:buFont typeface="Arial"/>
-              <a:buChar char="•"/>
-            </a:pPr>
-            <a:r>
-              <a:rPr b="0" lang="pt-BR" sz="2800" spc="-1" strike="noStrike">
-                <a:solidFill>
-                  <a:srgbClr val="000000"/>
-                </a:solidFill>
-                <a:latin typeface="Calibri"/>
-                <a:ea typeface="DejaVu Sans"/>
-              </a:rPr>
-              <a:t>O cliente, apresenta a ficha de medidas ao caixa que verifica a forma e recolhe o pagamento, o caixa da baixa na ficha e a devolve para o cliente.</a:t>
-            </a:r>
-            <a:endParaRPr b="0" lang="pt-BR" sz="2800" spc="-1" strike="noStrike">
-              <a:latin typeface="Arial"/>
-            </a:endParaRPr>
-          </a:p>
-          <a:p>
-            <a:pPr marL="228600" indent="-223920">
-              <a:lnSpc>
-                <a:spcPct val="90000"/>
-              </a:lnSpc>
-              <a:spcBef>
-                <a:spcPts val="1001"/>
-              </a:spcBef>
-              <a:buClr>
-                <a:srgbClr val="000000"/>
-              </a:buClr>
-              <a:buFont typeface="Arial"/>
-              <a:buChar char="•"/>
-            </a:pPr>
-            <a:r>
-              <a:rPr b="0" lang="pt-BR" sz="2800" spc="-1" strike="noStrike">
-                <a:solidFill>
-                  <a:srgbClr val="000000"/>
-                </a:solidFill>
-                <a:latin typeface="Calibri"/>
-                <a:ea typeface="DejaVu Sans"/>
-              </a:rPr>
-              <a:t>O cliente retira o traje locado com o caixa. </a:t>
-            </a:r>
-            <a:endParaRPr b="0" lang="pt-BR" sz="2800" spc="-1" strike="noStrike">
-              <a:latin typeface="Arial"/>
-            </a:endParaRPr>
-          </a:p>
-          <a:p>
-            <a:pPr>
-              <a:lnSpc>
-                <a:spcPct val="90000"/>
-              </a:lnSpc>
-              <a:spcBef>
-                <a:spcPts val="1001"/>
-              </a:spcBef>
-            </a:pPr>
-            <a:endParaRPr b="0" lang="pt-BR" sz="2800" spc="-1" strike="noStrike">
+            <a:endParaRPr b="0" lang="pt-BR" sz="2600" spc="-1" strike="noStrike">
               <a:latin typeface="Arial"/>
             </a:endParaRPr>
           </a:p>
@@ -6796,14 +6853,14 @@
       </p:grpSpPr>
       <p:sp>
         <p:nvSpPr>
-          <p:cNvPr id="154" name="CustomShape 1"/>
+          <p:cNvPr id="157" name="CustomShape 1"/>
           <p:cNvSpPr/>
           <p:nvPr/>
         </p:nvSpPr>
         <p:spPr>
           <a:xfrm>
-            <a:off x="838080" y="444960"/>
-            <a:ext cx="10510920" cy="1320840"/>
+            <a:off x="838080" y="365040"/>
+            <a:ext cx="10512720" cy="1322640"/>
           </a:xfrm>
           <a:prstGeom prst="rect">
             <a:avLst/>
@@ -6837,7 +6894,7 @@
                 <a:latin typeface="Calibri Light"/>
                 <a:ea typeface="DejaVu Sans"/>
               </a:rPr>
-              <a:t>Contexto de Negócio</a:t>
+              <a:t>Cenário: Locar Traje a Rigor</a:t>
             </a:r>
             <a:endParaRPr b="0" lang="pt-BR" sz="4400" spc="-1" strike="noStrike">
               <a:latin typeface="Arial"/>
@@ -6847,14 +6904,195 @@
       </p:sp>
       <p:sp>
         <p:nvSpPr>
-          <p:cNvPr id="155" name="CustomShape 2"/>
+          <p:cNvPr id="158" name="CustomShape 2"/>
           <p:cNvSpPr/>
           <p:nvPr/>
         </p:nvSpPr>
         <p:spPr>
           <a:xfrm>
-            <a:off x="1744560" y="3378600"/>
-            <a:ext cx="1331640" cy="909720"/>
+            <a:off x="6493680" y="3189600"/>
+            <a:ext cx="1624680" cy="581400"/>
+          </a:xfrm>
+          <a:prstGeom prst="cube">
+            <a:avLst>
+              <a:gd name="adj" fmla="val 25000"/>
+            </a:avLst>
+          </a:prstGeom>
+          <a:solidFill>
+            <a:srgbClr val="ffc000"/>
+          </a:solidFill>
+          <a:ln/>
+        </p:spPr>
+        <p:style>
+          <a:lnRef idx="2">
+            <a:schemeClr val="accent1"/>
+          </a:lnRef>
+          <a:fillRef idx="1">
+            <a:schemeClr val="lt1"/>
+          </a:fillRef>
+          <a:effectRef idx="0">
+            <a:schemeClr val="accent1"/>
+          </a:effectRef>
+          <a:fontRef idx="minor"/>
+        </p:style>
+        <p:txBody>
+          <a:bodyPr lIns="90000" rIns="90000" tIns="45000" bIns="45000">
+            <a:noAutofit/>
+          </a:bodyPr>
+          <a:p>
+            <a:pPr algn="ctr">
+              <a:lnSpc>
+                <a:spcPct val="100000"/>
+              </a:lnSpc>
+            </a:pPr>
+            <a:r>
+              <a:rPr b="0" lang="pt-BR" sz="1000" spc="-1" strike="noStrike">
+                <a:solidFill>
+                  <a:srgbClr val="000000"/>
+                </a:solidFill>
+                <a:latin typeface="Calibri"/>
+                <a:ea typeface="DejaVu Sans"/>
+              </a:rPr>
+              <a:t>Atendente</a:t>
+            </a:r>
+            <a:endParaRPr b="0" lang="pt-BR" sz="1000" spc="-1" strike="noStrike">
+              <a:latin typeface="Arial"/>
+            </a:endParaRPr>
+          </a:p>
+          <a:p>
+            <a:pPr algn="ctr">
+              <a:lnSpc>
+                <a:spcPct val="100000"/>
+              </a:lnSpc>
+            </a:pPr>
+            <a:r>
+              <a:rPr b="1" lang="pt-BR" sz="1000" spc="-1" strike="noStrike">
+                <a:solidFill>
+                  <a:srgbClr val="000000"/>
+                </a:solidFill>
+                <a:latin typeface="Calibri"/>
+                <a:ea typeface="DejaVu Sans"/>
+              </a:rPr>
+              <a:t>(Nó Operacional)</a:t>
+            </a:r>
+            <a:endParaRPr b="0" lang="pt-BR" sz="1000" spc="-1" strike="noStrike">
+              <a:latin typeface="Arial"/>
+            </a:endParaRPr>
+          </a:p>
+          <a:p>
+            <a:pPr>
+              <a:lnSpc>
+                <a:spcPct val="100000"/>
+              </a:lnSpc>
+            </a:pPr>
+            <a:endParaRPr b="0" lang="pt-BR" sz="1000" spc="-1" strike="noStrike">
+              <a:latin typeface="Arial"/>
+            </a:endParaRPr>
+          </a:p>
+        </p:txBody>
+      </p:sp>
+      <p:sp>
+        <p:nvSpPr>
+          <p:cNvPr id="159" name="CustomShape 3"/>
+          <p:cNvSpPr/>
+          <p:nvPr/>
+        </p:nvSpPr>
+        <p:spPr>
+          <a:xfrm>
+            <a:off x="6624000" y="4248000"/>
+            <a:ext cx="1275480" cy="535680"/>
+          </a:xfrm>
+          <a:prstGeom prst="roundRect">
+            <a:avLst>
+              <a:gd name="adj" fmla="val 16667"/>
+            </a:avLst>
+          </a:prstGeom>
+          <a:ln>
+            <a:noFill/>
+          </a:ln>
+          <a:effectLst>
+            <a:outerShdw blurRad="40000" dir="5400000" dist="20160" rotWithShape="0">
+              <a:srgbClr val="000000">
+                <a:alpha val="38000"/>
+              </a:srgbClr>
+            </a:outerShdw>
+          </a:effectLst>
+          <a:scene3d>
+            <a:camera prst="orthographicFront">
+              <a:rot lat="0" lon="0" rev="0"/>
+            </a:camera>
+            <a:lightRig dir="t" rig="contrasting">
+              <a:rot lat="0" lon="0" rev="1200000"/>
+            </a:lightRig>
+          </a:scene3d>
+          <a:sp3d contourW="19050" prstMaterial="metal">
+            <a:bevelT w="88900" h="203200"/>
+            <a:bevelB w="165100" h="254000"/>
+          </a:sp3d>
+        </p:spPr>
+        <p:style>
+          <a:lnRef idx="0">
+            <a:schemeClr val="lt1">
+              <a:hueOff val="0"/>
+              <a:satOff val="0"/>
+              <a:lumOff val="0"/>
+              <a:alphaOff val="0"/>
+            </a:schemeClr>
+          </a:lnRef>
+          <a:fillRef idx="1">
+            <a:schemeClr val="accent6">
+              <a:hueOff val="0"/>
+              <a:satOff val="0"/>
+              <a:lumOff val="0"/>
+              <a:alphaOff val="0"/>
+            </a:schemeClr>
+          </a:fillRef>
+          <a:effectRef idx="1">
+            <a:schemeClr val="accent6">
+              <a:hueOff val="0"/>
+              <a:satOff val="0"/>
+              <a:lumOff val="0"/>
+              <a:alphaOff val="0"/>
+            </a:schemeClr>
+          </a:effectRef>
+          <a:fontRef idx="minor"/>
+        </p:style>
+        <p:txBody>
+          <a:bodyPr lIns="90000" rIns="90000" tIns="45000" bIns="45000" anchor="ctr">
+            <a:noAutofit/>
+          </a:bodyPr>
+          <a:p>
+            <a:pPr algn="ctr">
+              <a:lnSpc>
+                <a:spcPct val="100000"/>
+              </a:lnSpc>
+            </a:pPr>
+            <a:r>
+              <a:rPr b="1" lang="pt-BR" sz="1200" spc="-1" strike="noStrike">
+                <a:solidFill>
+                  <a:srgbClr val="ffffff"/>
+                </a:solidFill>
+                <a:latin typeface="Calibri"/>
+                <a:ea typeface="DejaVu Sans"/>
+              </a:rPr>
+              <a:t>Tratar escolha do traje a rigor</a:t>
+            </a:r>
+            <a:endParaRPr b="0" lang="pt-BR" sz="1200" spc="-1" strike="noStrike">
+              <a:latin typeface="Arial"/>
+            </a:endParaRPr>
+          </a:p>
+        </p:txBody>
+      </p:sp>
+      <p:sp>
+        <p:nvSpPr>
+          <p:cNvPr id="160" name="CustomShape 4"/>
+          <p:cNvSpPr/>
+          <p:nvPr/>
+        </p:nvSpPr>
+        <p:spPr>
+          <a:xfrm>
+            <a:off x="2035080" y="3097800"/>
+            <a:ext cx="1333440" cy="911520"/>
           </a:xfrm>
           <a:prstGeom prst="rect">
             <a:avLst/>
@@ -6903,14 +7141,14 @@
       </p:sp>
       <p:sp>
         <p:nvSpPr>
-          <p:cNvPr id="156" name="CustomShape 3"/>
+          <p:cNvPr id="161" name="CustomShape 5"/>
           <p:cNvSpPr/>
           <p:nvPr/>
         </p:nvSpPr>
         <p:spPr>
-          <a:xfrm>
-            <a:off x="3080880" y="3835800"/>
-            <a:ext cx="3460680" cy="7920"/>
+          <a:xfrm flipV="1">
+            <a:off x="3371400" y="3550320"/>
+            <a:ext cx="3121200" cy="360"/>
           </a:xfrm>
           <a:prstGeom prst="curvedConnector3">
             <a:avLst>
@@ -6939,130 +7177,14 @@
       </p:sp>
       <p:sp>
         <p:nvSpPr>
-          <p:cNvPr id="157" name="CustomShape 4"/>
+          <p:cNvPr id="162" name="CustomShape 6"/>
           <p:cNvSpPr/>
           <p:nvPr/>
         </p:nvSpPr>
         <p:spPr>
           <a:xfrm>
-            <a:off x="3513600" y="2845800"/>
-            <a:ext cx="2540520" cy="1186920"/>
-          </a:xfrm>
-          <a:prstGeom prst="rect">
-            <a:avLst/>
-          </a:prstGeom>
-          <a:noFill/>
-          <a:ln>
-            <a:noFill/>
-          </a:ln>
-        </p:spPr>
-        <p:style>
-          <a:lnRef idx="0"/>
-          <a:fillRef idx="0"/>
-          <a:effectRef idx="0"/>
-          <a:fontRef idx="minor"/>
-        </p:style>
-        <p:txBody>
-          <a:bodyPr wrap="none" lIns="90000" rIns="90000" tIns="45000" bIns="45000">
-            <a:spAutoFit/>
-          </a:bodyPr>
-          <a:p>
-            <a:pPr marL="343080" indent="-338400">
-              <a:lnSpc>
-                <a:spcPct val="100000"/>
-              </a:lnSpc>
-              <a:buClr>
-                <a:srgbClr val="000000"/>
-              </a:buClr>
-              <a:buFont typeface="Calibri Light"/>
-              <a:buAutoNum type="arabicPeriod"/>
-            </a:pPr>
-            <a:r>
-              <a:rPr b="0" lang="pt-BR" sz="1800" spc="-1" strike="noStrike">
-                <a:solidFill>
-                  <a:srgbClr val="000000"/>
-                </a:solidFill>
-                <a:latin typeface="Calibri"/>
-                <a:ea typeface="DejaVu Sans"/>
-              </a:rPr>
-              <a:t>Locar Traje a Rigor</a:t>
-            </a:r>
-            <a:endParaRPr b="0" lang="pt-BR" sz="1800" spc="-1" strike="noStrike">
-              <a:latin typeface="Arial"/>
-            </a:endParaRPr>
-          </a:p>
-          <a:p>
-            <a:pPr marL="343080" indent="-338400">
-              <a:lnSpc>
-                <a:spcPct val="100000"/>
-              </a:lnSpc>
-              <a:buClr>
-                <a:srgbClr val="000000"/>
-              </a:buClr>
-              <a:buFont typeface="Calibri Light"/>
-              <a:buAutoNum type="arabicPeriod"/>
-            </a:pPr>
-            <a:r>
-              <a:rPr b="0" lang="pt-BR" sz="1800" spc="-1" strike="noStrike">
-                <a:solidFill>
-                  <a:srgbClr val="000000"/>
-                </a:solidFill>
-                <a:latin typeface="Calibri"/>
-                <a:ea typeface="DejaVu Sans"/>
-              </a:rPr>
-              <a:t>Retirar Traje a Rigor</a:t>
-            </a:r>
-            <a:endParaRPr b="0" lang="pt-BR" sz="1800" spc="-1" strike="noStrike">
-              <a:latin typeface="Arial"/>
-            </a:endParaRPr>
-          </a:p>
-          <a:p>
-            <a:pPr marL="343080" indent="-338400">
-              <a:lnSpc>
-                <a:spcPct val="100000"/>
-              </a:lnSpc>
-              <a:buClr>
-                <a:srgbClr val="000000"/>
-              </a:buClr>
-              <a:buFont typeface="Calibri Light"/>
-              <a:buAutoNum type="arabicPeriod"/>
-            </a:pPr>
-            <a:r>
-              <a:rPr b="0" lang="pt-BR" sz="1800" spc="-1" strike="noStrike">
-                <a:solidFill>
-                  <a:srgbClr val="000000"/>
-                </a:solidFill>
-                <a:latin typeface="Calibri"/>
-                <a:ea typeface="DejaVu Sans"/>
-              </a:rPr>
-              <a:t>Devolver Traje a Rigor</a:t>
-            </a:r>
-            <a:endParaRPr b="0" lang="pt-BR" sz="1800" spc="-1" strike="noStrike">
-              <a:latin typeface="Arial"/>
-            </a:endParaRPr>
-          </a:p>
-          <a:p>
-            <a:pPr>
-              <a:lnSpc>
-                <a:spcPct val="100000"/>
-              </a:lnSpc>
-            </a:pPr>
-            <a:endParaRPr b="0" lang="pt-BR" sz="1800" spc="-1" strike="noStrike">
-              <a:latin typeface="Arial"/>
-            </a:endParaRPr>
-          </a:p>
-        </p:txBody>
-      </p:sp>
-      <p:sp>
-        <p:nvSpPr>
-          <p:cNvPr id="158" name="CustomShape 5"/>
-          <p:cNvSpPr/>
-          <p:nvPr/>
-        </p:nvSpPr>
-        <p:spPr>
-          <a:xfrm>
-            <a:off x="6546240" y="2397960"/>
-            <a:ext cx="3606120" cy="2871000"/>
+            <a:off x="6264000" y="2397960"/>
+            <a:ext cx="4246920" cy="2872800"/>
           </a:xfrm>
           <a:prstGeom prst="roundRect">
             <a:avLst>
@@ -7096,20 +7218,264 @@
                 <a:spcPct val="100000"/>
               </a:lnSpc>
             </a:pPr>
-            <a:br/>
-            <a:br/>
-            <a:br/>
             <a:r>
-              <a:rPr b="1" lang="pt-BR" sz="2600" spc="-1" strike="noStrike">
+              <a:rPr b="0" lang="pt-BR" sz="1800" spc="-1" strike="noStrike">
                 <a:solidFill>
                   <a:srgbClr val="000000"/>
                 </a:solidFill>
                 <a:latin typeface="Calibri"/>
                 <a:ea typeface="DejaVu Sans"/>
               </a:rPr>
-              <a:t>JLima Collection</a:t>
+              <a:t>Loja</a:t>
             </a:r>
-            <a:endParaRPr b="0" lang="pt-BR" sz="2600" spc="-1" strike="noStrike">
+            <a:endParaRPr b="0" lang="pt-BR" sz="1800" spc="-1" strike="noStrike">
+              <a:latin typeface="Arial"/>
+            </a:endParaRPr>
+          </a:p>
+        </p:txBody>
+      </p:sp>
+      <p:sp>
+        <p:nvSpPr>
+          <p:cNvPr id="163" name="Line 7"/>
+          <p:cNvSpPr/>
+          <p:nvPr/>
+        </p:nvSpPr>
+        <p:spPr>
+          <a:xfrm flipV="1">
+            <a:off x="7272000" y="3772080"/>
+            <a:ext cx="0" cy="475920"/>
+          </a:xfrm>
+          <a:prstGeom prst="line">
+            <a:avLst/>
+          </a:prstGeom>
+          <a:ln>
+            <a:solidFill>
+              <a:srgbClr val="3f6ec2"/>
+            </a:solidFill>
+          </a:ln>
+        </p:spPr>
+        <p:style>
+          <a:lnRef idx="1">
+            <a:schemeClr val="accent1"/>
+          </a:lnRef>
+          <a:fillRef idx="0">
+            <a:schemeClr val="accent1"/>
+          </a:fillRef>
+          <a:effectRef idx="0">
+            <a:schemeClr val="accent1"/>
+          </a:effectRef>
+          <a:fontRef idx="minor"/>
+        </p:style>
+      </p:sp>
+      <p:sp>
+        <p:nvSpPr>
+          <p:cNvPr id="164" name="CustomShape 8"/>
+          <p:cNvSpPr/>
+          <p:nvPr/>
+        </p:nvSpPr>
+        <p:spPr>
+          <a:xfrm>
+            <a:off x="8820000" y="4248000"/>
+            <a:ext cx="1275480" cy="535680"/>
+          </a:xfrm>
+          <a:prstGeom prst="roundRect">
+            <a:avLst>
+              <a:gd name="adj" fmla="val 16667"/>
+            </a:avLst>
+          </a:prstGeom>
+          <a:ln>
+            <a:noFill/>
+          </a:ln>
+          <a:effectLst>
+            <a:outerShdw blurRad="40000" dir="5400000" dist="20160" rotWithShape="0">
+              <a:srgbClr val="000000">
+                <a:alpha val="38000"/>
+              </a:srgbClr>
+            </a:outerShdw>
+          </a:effectLst>
+          <a:scene3d>
+            <a:camera prst="orthographicFront">
+              <a:rot lat="0" lon="0" rev="0"/>
+            </a:camera>
+            <a:lightRig dir="t" rig="contrasting">
+              <a:rot lat="0" lon="0" rev="1200000"/>
+            </a:lightRig>
+          </a:scene3d>
+          <a:sp3d contourW="19050" prstMaterial="metal">
+            <a:bevelT w="88900" h="203200"/>
+            <a:bevelB w="165100" h="254000"/>
+          </a:sp3d>
+        </p:spPr>
+        <p:style>
+          <a:lnRef idx="0">
+            <a:schemeClr val="lt1">
+              <a:hueOff val="0"/>
+              <a:satOff val="0"/>
+              <a:lumOff val="0"/>
+              <a:alphaOff val="0"/>
+            </a:schemeClr>
+          </a:lnRef>
+          <a:fillRef idx="1">
+            <a:schemeClr val="accent6">
+              <a:hueOff val="0"/>
+              <a:satOff val="0"/>
+              <a:lumOff val="0"/>
+              <a:alphaOff val="0"/>
+            </a:schemeClr>
+          </a:fillRef>
+          <a:effectRef idx="1">
+            <a:schemeClr val="accent6">
+              <a:hueOff val="0"/>
+              <a:satOff val="0"/>
+              <a:lumOff val="0"/>
+              <a:alphaOff val="0"/>
+            </a:schemeClr>
+          </a:effectRef>
+          <a:fontRef idx="minor"/>
+        </p:style>
+        <p:txBody>
+          <a:bodyPr lIns="90000" rIns="90000" tIns="45000" bIns="45000" anchor="ctr">
+            <a:noAutofit/>
+          </a:bodyPr>
+          <a:p>
+            <a:pPr algn="ctr">
+              <a:lnSpc>
+                <a:spcPct val="100000"/>
+              </a:lnSpc>
+            </a:pPr>
+            <a:r>
+              <a:rPr b="1" lang="pt-BR" sz="1200" spc="-1" strike="noStrike">
+                <a:solidFill>
+                  <a:srgbClr val="ffffff"/>
+                </a:solidFill>
+                <a:latin typeface="Calibri"/>
+                <a:ea typeface="DejaVu Sans"/>
+              </a:rPr>
+              <a:t>Tratar ajustes do traje rigor</a:t>
+            </a:r>
+            <a:endParaRPr b="0" lang="pt-BR" sz="1200" spc="-1" strike="noStrike">
+              <a:latin typeface="Arial"/>
+            </a:endParaRPr>
+          </a:p>
+        </p:txBody>
+      </p:sp>
+      <p:sp>
+        <p:nvSpPr>
+          <p:cNvPr id="165" name="Line 9"/>
+          <p:cNvSpPr/>
+          <p:nvPr/>
+        </p:nvSpPr>
+        <p:spPr>
+          <a:xfrm>
+            <a:off x="9468000" y="3772440"/>
+            <a:ext cx="0" cy="475560"/>
+          </a:xfrm>
+          <a:prstGeom prst="line">
+            <a:avLst/>
+          </a:prstGeom>
+          <a:ln>
+            <a:solidFill>
+              <a:srgbClr val="3f6ec2"/>
+            </a:solidFill>
+          </a:ln>
+        </p:spPr>
+        <p:style>
+          <a:lnRef idx="1">
+            <a:schemeClr val="accent1"/>
+          </a:lnRef>
+          <a:fillRef idx="0">
+            <a:schemeClr val="accent1"/>
+          </a:fillRef>
+          <a:effectRef idx="0">
+            <a:schemeClr val="accent1"/>
+          </a:effectRef>
+          <a:fontRef idx="minor"/>
+        </p:style>
+      </p:sp>
+      <p:sp>
+        <p:nvSpPr>
+          <p:cNvPr id="166" name="CustomShape 10"/>
+          <p:cNvSpPr/>
+          <p:nvPr/>
+        </p:nvSpPr>
+        <p:spPr>
+          <a:xfrm>
+            <a:off x="8690040" y="3189960"/>
+            <a:ext cx="1624680" cy="581400"/>
+          </a:xfrm>
+          <a:prstGeom prst="cube">
+            <a:avLst>
+              <a:gd name="adj" fmla="val 25000"/>
+            </a:avLst>
+          </a:prstGeom>
+          <a:solidFill>
+            <a:srgbClr val="ffc000"/>
+          </a:solidFill>
+          <a:ln/>
+        </p:spPr>
+        <p:style>
+          <a:lnRef idx="2">
+            <a:schemeClr val="accent1"/>
+          </a:lnRef>
+          <a:fillRef idx="1">
+            <a:schemeClr val="lt1"/>
+          </a:fillRef>
+          <a:effectRef idx="0">
+            <a:schemeClr val="accent1"/>
+          </a:effectRef>
+          <a:fontRef idx="minor"/>
+        </p:style>
+        <p:txBody>
+          <a:bodyPr lIns="90000" rIns="90000" tIns="45000" bIns="45000">
+            <a:noAutofit/>
+          </a:bodyPr>
+          <a:p>
+            <a:pPr algn="ctr">
+              <a:lnSpc>
+                <a:spcPct val="100000"/>
+              </a:lnSpc>
+            </a:pPr>
+            <a:r>
+              <a:rPr b="0" lang="pt-BR" sz="1000" spc="-1" strike="noStrike">
+                <a:solidFill>
+                  <a:srgbClr val="000000"/>
+                </a:solidFill>
+                <a:latin typeface="Calibri"/>
+                <a:ea typeface="DejaVu Sans"/>
+              </a:rPr>
+              <a:t>Costureira</a:t>
+            </a:r>
+            <a:endParaRPr b="0" lang="pt-BR" sz="1000" spc="-1" strike="noStrike">
+              <a:latin typeface="Arial"/>
+            </a:endParaRPr>
+          </a:p>
+          <a:p>
+            <a:pPr algn="ctr">
+              <a:lnSpc>
+                <a:spcPct val="100000"/>
+              </a:lnSpc>
+            </a:pPr>
+            <a:r>
+              <a:rPr b="1" lang="pt-BR" sz="1000" spc="-1" strike="noStrike">
+                <a:solidFill>
+                  <a:srgbClr val="000000"/>
+                </a:solidFill>
+                <a:latin typeface="Calibri"/>
+                <a:ea typeface="DejaVu Sans"/>
+              </a:rPr>
+              <a:t>(Nó Operacional)</a:t>
+            </a:r>
+            <a:endParaRPr b="0" lang="pt-BR" sz="1000" spc="-1" strike="noStrike">
+              <a:latin typeface="Arial"/>
+            </a:endParaRPr>
+          </a:p>
+          <a:p>
+            <a:pPr>
+              <a:lnSpc>
+                <a:spcPct val="100000"/>
+              </a:lnSpc>
+            </a:pPr>
+            <a:endParaRPr b="0" lang="pt-BR" sz="1000" spc="-1" strike="noStrike">
               <a:latin typeface="Arial"/>
             </a:endParaRPr>
           </a:p>
@@ -7147,14 +7513,14 @@
       </p:grpSpPr>
       <p:sp>
         <p:nvSpPr>
-          <p:cNvPr id="159" name="CustomShape 1"/>
+          <p:cNvPr id="167" name="CustomShape 1"/>
           <p:cNvSpPr/>
           <p:nvPr/>
         </p:nvSpPr>
         <p:spPr>
           <a:xfrm>
             <a:off x="838080" y="365040"/>
-            <a:ext cx="10513080" cy="1323000"/>
+            <a:ext cx="10512720" cy="1322640"/>
           </a:xfrm>
           <a:prstGeom prst="rect">
             <a:avLst/>
@@ -7188,7 +7554,7 @@
                 <a:latin typeface="Calibri Light"/>
                 <a:ea typeface="DejaVu Sans"/>
               </a:rPr>
-              <a:t>Cenário: Locar Traje a Rigor</a:t>
+              <a:t>Cenário: Retirar Traje e Rigor</a:t>
             </a:r>
             <a:endParaRPr b="0" lang="pt-BR" sz="4400" spc="-1" strike="noStrike">
               <a:latin typeface="Arial"/>
@@ -7198,14 +7564,14 @@
       </p:sp>
       <p:sp>
         <p:nvSpPr>
-          <p:cNvPr id="160" name="CustomShape 2"/>
+          <p:cNvPr id="168" name="CustomShape 2"/>
           <p:cNvSpPr/>
           <p:nvPr/>
         </p:nvSpPr>
         <p:spPr>
           <a:xfrm>
-            <a:off x="6493680" y="3189600"/>
-            <a:ext cx="1625040" cy="581760"/>
+            <a:off x="7537680" y="3189600"/>
+            <a:ext cx="1624680" cy="581400"/>
           </a:xfrm>
           <a:prstGeom prst="cube">
             <a:avLst>
@@ -7247,7 +7613,7 @@
                 <a:latin typeface="Calibri"/>
                 <a:ea typeface="DejaVu Sans"/>
               </a:rPr>
-              <a:t>Atendente</a:t>
+              <a:t>Caixa</a:t>
             </a:r>
             <a:endParaRPr b="0" lang="pt-BR" sz="1000" spc="-1" strike="noStrike">
               <a:latin typeface="Arial"/>
@@ -7287,14 +7653,14 @@
       </p:sp>
       <p:sp>
         <p:nvSpPr>
-          <p:cNvPr id="161" name="CustomShape 3"/>
+          <p:cNvPr id="169" name="CustomShape 3"/>
           <p:cNvSpPr/>
           <p:nvPr/>
         </p:nvSpPr>
         <p:spPr>
           <a:xfrm>
-            <a:off x="6624000" y="4248000"/>
-            <a:ext cx="1275840" cy="536040"/>
+            <a:off x="7642080" y="4296240"/>
+            <a:ext cx="1275480" cy="535680"/>
           </a:xfrm>
           <a:prstGeom prst="roundRect">
             <a:avLst>
@@ -7369,7 +7735,7 @@
                 <a:latin typeface="Calibri"/>
                 <a:ea typeface="DejaVu Sans"/>
               </a:rPr>
-              <a:t>Tratar escolha do traje a rigor</a:t>
+              <a:t>Tratar retirada do traje a rigor</a:t>
             </a:r>
             <a:endParaRPr b="0" lang="pt-BR" sz="1200" spc="-1" strike="noStrike">
               <a:latin typeface="Arial"/>
@@ -7379,14 +7745,14 @@
       </p:sp>
       <p:sp>
         <p:nvSpPr>
-          <p:cNvPr id="162" name="CustomShape 4"/>
+          <p:cNvPr id="170" name="CustomShape 4"/>
           <p:cNvSpPr/>
           <p:nvPr/>
         </p:nvSpPr>
         <p:spPr>
           <a:xfrm>
             <a:off x="2035080" y="3097800"/>
-            <a:ext cx="1333800" cy="911880"/>
+            <a:ext cx="1333440" cy="911520"/>
           </a:xfrm>
           <a:prstGeom prst="rect">
             <a:avLst/>
@@ -7435,14 +7801,14 @@
       </p:sp>
       <p:sp>
         <p:nvSpPr>
-          <p:cNvPr id="163" name="CustomShape 5"/>
+          <p:cNvPr id="171" name="CustomShape 5"/>
           <p:cNvSpPr/>
           <p:nvPr/>
         </p:nvSpPr>
         <p:spPr>
-          <a:xfrm flipV="1">
-            <a:off x="3371400" y="3551400"/>
-            <a:ext cx="3121560" cy="360"/>
+          <a:xfrm>
+            <a:off x="3371400" y="3555000"/>
+            <a:ext cx="4163400" cy="9720"/>
           </a:xfrm>
           <a:prstGeom prst="curvedConnector3">
             <a:avLst>
@@ -7471,14 +7837,14 @@
       </p:sp>
       <p:sp>
         <p:nvSpPr>
-          <p:cNvPr id="164" name="CustomShape 6"/>
+          <p:cNvPr id="172" name="CustomShape 6"/>
           <p:cNvSpPr/>
           <p:nvPr/>
         </p:nvSpPr>
         <p:spPr>
           <a:xfrm>
-            <a:off x="6264000" y="2397960"/>
-            <a:ext cx="4247280" cy="2873160"/>
+            <a:off x="6546240" y="2397960"/>
+            <a:ext cx="3607920" cy="2872800"/>
           </a:xfrm>
           <a:prstGeom prst="roundRect">
             <a:avLst>
@@ -7530,14 +7896,14 @@
       </p:sp>
       <p:sp>
         <p:nvSpPr>
-          <p:cNvPr id="165" name="Line 7"/>
+          <p:cNvPr id="173" name="Line 7"/>
           <p:cNvSpPr/>
           <p:nvPr/>
         </p:nvSpPr>
         <p:spPr>
-          <a:xfrm flipV="1">
-            <a:off x="7272000" y="3772080"/>
-            <a:ext cx="0" cy="475920"/>
+          <a:xfrm>
+            <a:off x="8278200" y="3773880"/>
+            <a:ext cx="2880" cy="522360"/>
           </a:xfrm>
           <a:prstGeom prst="line">
             <a:avLst/>
@@ -7560,220 +7926,6 @@
           </a:effectRef>
           <a:fontRef idx="minor"/>
         </p:style>
-      </p:sp>
-      <p:sp>
-        <p:nvSpPr>
-          <p:cNvPr id="166" name="CustomShape 8"/>
-          <p:cNvSpPr/>
-          <p:nvPr/>
-        </p:nvSpPr>
-        <p:spPr>
-          <a:xfrm>
-            <a:off x="8820000" y="4248000"/>
-            <a:ext cx="1275840" cy="536040"/>
-          </a:xfrm>
-          <a:prstGeom prst="roundRect">
-            <a:avLst>
-              <a:gd name="adj" fmla="val 16667"/>
-            </a:avLst>
-          </a:prstGeom>
-          <a:ln>
-            <a:noFill/>
-          </a:ln>
-          <a:effectLst>
-            <a:outerShdw blurRad="40000" dir="5400000" dist="20160" rotWithShape="0">
-              <a:srgbClr val="000000">
-                <a:alpha val="38000"/>
-              </a:srgbClr>
-            </a:outerShdw>
-          </a:effectLst>
-          <a:scene3d>
-            <a:camera prst="orthographicFront">
-              <a:rot lat="0" lon="0" rev="0"/>
-            </a:camera>
-            <a:lightRig dir="t" rig="contrasting">
-              <a:rot lat="0" lon="0" rev="1200000"/>
-            </a:lightRig>
-          </a:scene3d>
-          <a:sp3d contourW="19050" prstMaterial="metal">
-            <a:bevelT w="88900" h="203200"/>
-            <a:bevelB w="165100" h="254000"/>
-          </a:sp3d>
-        </p:spPr>
-        <p:style>
-          <a:lnRef idx="0">
-            <a:schemeClr val="lt1">
-              <a:hueOff val="0"/>
-              <a:satOff val="0"/>
-              <a:lumOff val="0"/>
-              <a:alphaOff val="0"/>
-            </a:schemeClr>
-          </a:lnRef>
-          <a:fillRef idx="1">
-            <a:schemeClr val="accent6">
-              <a:hueOff val="0"/>
-              <a:satOff val="0"/>
-              <a:lumOff val="0"/>
-              <a:alphaOff val="0"/>
-            </a:schemeClr>
-          </a:fillRef>
-          <a:effectRef idx="1">
-            <a:schemeClr val="accent6">
-              <a:hueOff val="0"/>
-              <a:satOff val="0"/>
-              <a:lumOff val="0"/>
-              <a:alphaOff val="0"/>
-            </a:schemeClr>
-          </a:effectRef>
-          <a:fontRef idx="minor"/>
-        </p:style>
-        <p:txBody>
-          <a:bodyPr lIns="90000" rIns="90000" tIns="45000" bIns="45000" anchor="ctr">
-            <a:noAutofit/>
-          </a:bodyPr>
-          <a:p>
-            <a:pPr algn="ctr">
-              <a:lnSpc>
-                <a:spcPct val="100000"/>
-              </a:lnSpc>
-            </a:pPr>
-            <a:r>
-              <a:rPr b="1" lang="pt-BR" sz="1200" spc="-1" strike="noStrike">
-                <a:solidFill>
-                  <a:srgbClr val="ffffff"/>
-                </a:solidFill>
-                <a:latin typeface="Calibri"/>
-                <a:ea typeface="DejaVu Sans"/>
-              </a:rPr>
-              <a:t>Tratar ajustes do traje rigor</a:t>
-            </a:r>
-            <a:endParaRPr b="0" lang="pt-BR" sz="1200" spc="-1" strike="noStrike">
-              <a:latin typeface="Arial"/>
-            </a:endParaRPr>
-          </a:p>
-        </p:txBody>
-      </p:sp>
-      <p:sp>
-        <p:nvSpPr>
-          <p:cNvPr id="167" name="Line 9"/>
-          <p:cNvSpPr/>
-          <p:nvPr/>
-        </p:nvSpPr>
-        <p:spPr>
-          <a:xfrm>
-            <a:off x="9468000" y="3772440"/>
-            <a:ext cx="0" cy="475560"/>
-          </a:xfrm>
-          <a:prstGeom prst="line">
-            <a:avLst/>
-          </a:prstGeom>
-          <a:ln>
-            <a:solidFill>
-              <a:srgbClr val="3f6ec2"/>
-            </a:solidFill>
-          </a:ln>
-        </p:spPr>
-        <p:style>
-          <a:lnRef idx="1">
-            <a:schemeClr val="accent1"/>
-          </a:lnRef>
-          <a:fillRef idx="0">
-            <a:schemeClr val="accent1"/>
-          </a:fillRef>
-          <a:effectRef idx="0">
-            <a:schemeClr val="accent1"/>
-          </a:effectRef>
-          <a:fontRef idx="minor"/>
-        </p:style>
-      </p:sp>
-      <p:sp>
-        <p:nvSpPr>
-          <p:cNvPr id="168" name="CustomShape 10"/>
-          <p:cNvSpPr/>
-          <p:nvPr/>
-        </p:nvSpPr>
-        <p:spPr>
-          <a:xfrm>
-            <a:off x="8690040" y="3189960"/>
-            <a:ext cx="1625040" cy="581760"/>
-          </a:xfrm>
-          <a:prstGeom prst="cube">
-            <a:avLst>
-              <a:gd name="adj" fmla="val 25000"/>
-            </a:avLst>
-          </a:prstGeom>
-          <a:solidFill>
-            <a:srgbClr val="ffc000"/>
-          </a:solidFill>
-          <a:ln/>
-        </p:spPr>
-        <p:style>
-          <a:lnRef idx="2">
-            <a:schemeClr val="accent1"/>
-          </a:lnRef>
-          <a:fillRef idx="1">
-            <a:schemeClr val="lt1"/>
-          </a:fillRef>
-          <a:effectRef idx="0">
-            <a:schemeClr val="accent1"/>
-          </a:effectRef>
-          <a:fontRef idx="minor"/>
-        </p:style>
-        <p:txBody>
-          <a:bodyPr lIns="90000" rIns="90000" tIns="45000" bIns="45000">
-            <a:noAutofit/>
-          </a:bodyPr>
-          <a:p>
-            <a:pPr algn="ctr">
-              <a:lnSpc>
-                <a:spcPct val="100000"/>
-              </a:lnSpc>
-            </a:pPr>
-            <a:r>
-              <a:rPr b="0" lang="pt-BR" sz="1000" spc="-1" strike="noStrike">
-                <a:solidFill>
-                  <a:srgbClr val="000000"/>
-                </a:solidFill>
-                <a:latin typeface="Calibri"/>
-                <a:ea typeface="DejaVu Sans"/>
-              </a:rPr>
-              <a:t>Costureira</a:t>
-            </a:r>
-            <a:endParaRPr b="0" lang="pt-BR" sz="1000" spc="-1" strike="noStrike">
-              <a:latin typeface="Arial"/>
-            </a:endParaRPr>
-          </a:p>
-          <a:p>
-            <a:pPr algn="ctr">
-              <a:lnSpc>
-                <a:spcPct val="100000"/>
-              </a:lnSpc>
-            </a:pPr>
-            <a:r>
-              <a:rPr b="1" lang="pt-BR" sz="1000" spc="-1" strike="noStrike">
-                <a:solidFill>
-                  <a:srgbClr val="000000"/>
-                </a:solidFill>
-                <a:latin typeface="Calibri"/>
-                <a:ea typeface="DejaVu Sans"/>
-              </a:rPr>
-              <a:t>(Nó Operacional)</a:t>
-            </a:r>
-            <a:endParaRPr b="0" lang="pt-BR" sz="1000" spc="-1" strike="noStrike">
-              <a:latin typeface="Arial"/>
-            </a:endParaRPr>
-          </a:p>
-          <a:p>
-            <a:pPr>
-              <a:lnSpc>
-                <a:spcPct val="100000"/>
-              </a:lnSpc>
-            </a:pPr>
-            <a:endParaRPr b="0" lang="pt-BR" sz="1000" spc="-1" strike="noStrike">
-              <a:latin typeface="Arial"/>
-            </a:endParaRPr>
-          </a:p>
-        </p:txBody>
       </p:sp>
     </p:spTree>
   </p:cSld>
@@ -7807,14 +7959,14 @@
       </p:grpSpPr>
       <p:sp>
         <p:nvSpPr>
-          <p:cNvPr id="169" name="CustomShape 1"/>
+          <p:cNvPr id="174" name="CustomShape 1"/>
           <p:cNvSpPr/>
           <p:nvPr/>
         </p:nvSpPr>
         <p:spPr>
           <a:xfrm>
             <a:off x="838080" y="365040"/>
-            <a:ext cx="10513080" cy="1323000"/>
+            <a:ext cx="10512720" cy="1322640"/>
           </a:xfrm>
           <a:prstGeom prst="rect">
             <a:avLst/>
@@ -7848,7 +8000,7 @@
                 <a:latin typeface="Calibri Light"/>
                 <a:ea typeface="DejaVu Sans"/>
               </a:rPr>
-              <a:t>Cenário: Retirar Traje e Rigor</a:t>
+              <a:t>Cenário: Devolver Traje a Rigor</a:t>
             </a:r>
             <a:endParaRPr b="0" lang="pt-BR" sz="4400" spc="-1" strike="noStrike">
               <a:latin typeface="Arial"/>
@@ -7858,14 +8010,14 @@
       </p:sp>
       <p:sp>
         <p:nvSpPr>
-          <p:cNvPr id="170" name="CustomShape 2"/>
+          <p:cNvPr id="175" name="CustomShape 2"/>
           <p:cNvSpPr/>
           <p:nvPr/>
         </p:nvSpPr>
         <p:spPr>
           <a:xfrm>
             <a:off x="7537680" y="3189600"/>
-            <a:ext cx="1625040" cy="581760"/>
+            <a:ext cx="1624680" cy="581400"/>
           </a:xfrm>
           <a:prstGeom prst="cube">
             <a:avLst>
@@ -7947,14 +8099,14 @@
       </p:sp>
       <p:sp>
         <p:nvSpPr>
-          <p:cNvPr id="171" name="CustomShape 3"/>
+          <p:cNvPr id="176" name="CustomShape 3"/>
           <p:cNvSpPr/>
           <p:nvPr/>
         </p:nvSpPr>
         <p:spPr>
           <a:xfrm>
             <a:off x="7642080" y="4296240"/>
-            <a:ext cx="1275840" cy="536040"/>
+            <a:ext cx="1275480" cy="535680"/>
           </a:xfrm>
           <a:prstGeom prst="roundRect">
             <a:avLst>
@@ -8029,7 +8181,7 @@
                 <a:latin typeface="Calibri"/>
                 <a:ea typeface="DejaVu Sans"/>
               </a:rPr>
-              <a:t>Tratar retirada do traje a rigor</a:t>
+              <a:t>Tratar devolução do traje a rigor</a:t>
             </a:r>
             <a:endParaRPr b="0" lang="pt-BR" sz="1200" spc="-1" strike="noStrike">
               <a:latin typeface="Arial"/>
@@ -8039,14 +8191,14 @@
       </p:sp>
       <p:sp>
         <p:nvSpPr>
-          <p:cNvPr id="172" name="CustomShape 4"/>
+          <p:cNvPr id="177" name="CustomShape 4"/>
           <p:cNvSpPr/>
           <p:nvPr/>
         </p:nvSpPr>
         <p:spPr>
           <a:xfrm>
             <a:off x="2035080" y="3097800"/>
-            <a:ext cx="1333800" cy="911880"/>
+            <a:ext cx="1333440" cy="911520"/>
           </a:xfrm>
           <a:prstGeom prst="rect">
             <a:avLst/>
@@ -8095,14 +8247,14 @@
       </p:sp>
       <p:sp>
         <p:nvSpPr>
-          <p:cNvPr id="173" name="CustomShape 5"/>
+          <p:cNvPr id="178" name="CustomShape 5"/>
           <p:cNvSpPr/>
           <p:nvPr/>
         </p:nvSpPr>
         <p:spPr>
           <a:xfrm>
             <a:off x="3371400" y="3555000"/>
-            <a:ext cx="4163760" cy="10080"/>
+            <a:ext cx="4163400" cy="9720"/>
           </a:xfrm>
           <a:prstGeom prst="curvedConnector3">
             <a:avLst>
@@ -8131,14 +8283,14 @@
       </p:sp>
       <p:sp>
         <p:nvSpPr>
-          <p:cNvPr id="174" name="CustomShape 6"/>
+          <p:cNvPr id="179" name="CustomShape 6"/>
           <p:cNvSpPr/>
           <p:nvPr/>
         </p:nvSpPr>
         <p:spPr>
           <a:xfrm>
             <a:off x="6546240" y="2397960"/>
-            <a:ext cx="3608280" cy="2873160"/>
+            <a:ext cx="3607920" cy="2872800"/>
           </a:xfrm>
           <a:prstGeom prst="roundRect">
             <a:avLst>
@@ -8190,7 +8342,7 @@
       </p:sp>
       <p:sp>
         <p:nvSpPr>
-          <p:cNvPr id="175" name="Line 7"/>
+          <p:cNvPr id="180" name="Line 7"/>
           <p:cNvSpPr/>
           <p:nvPr/>
         </p:nvSpPr>
@@ -8253,460 +8405,14 @@
       </p:grpSpPr>
       <p:sp>
         <p:nvSpPr>
-          <p:cNvPr id="176" name="CustomShape 1"/>
+          <p:cNvPr id="181" name="CustomShape 1"/>
           <p:cNvSpPr/>
           <p:nvPr/>
         </p:nvSpPr>
         <p:spPr>
           <a:xfrm>
-            <a:off x="838080" y="365040"/>
-            <a:ext cx="10513080" cy="1323000"/>
-          </a:xfrm>
-          <a:prstGeom prst="rect">
-            <a:avLst/>
-          </a:prstGeom>
-          <a:noFill/>
-          <a:ln>
-            <a:noFill/>
-          </a:ln>
-        </p:spPr>
-        <p:style>
-          <a:lnRef idx="0"/>
-          <a:fillRef idx="0"/>
-          <a:effectRef idx="0"/>
-          <a:fontRef idx="minor"/>
-        </p:style>
-        <p:txBody>
-          <a:bodyPr lIns="90000" rIns="90000" tIns="45000" bIns="45000" anchor="ctr">
-            <a:noAutofit/>
-          </a:bodyPr>
-          <a:p>
-            <a:pPr>
-              <a:lnSpc>
-                <a:spcPct val="90000"/>
-              </a:lnSpc>
-            </a:pPr>
-            <a:r>
-              <a:rPr b="0" lang="pt-BR" sz="4400" spc="-1" strike="noStrike">
-                <a:solidFill>
-                  <a:srgbClr val="000000"/>
-                </a:solidFill>
-                <a:latin typeface="Calibri Light"/>
-                <a:ea typeface="DejaVu Sans"/>
-              </a:rPr>
-              <a:t>Cenário: Devolver Traje a Rigor</a:t>
-            </a:r>
-            <a:endParaRPr b="0" lang="pt-BR" sz="4400" spc="-1" strike="noStrike">
-              <a:latin typeface="Arial"/>
-            </a:endParaRPr>
-          </a:p>
-        </p:txBody>
-      </p:sp>
-      <p:sp>
-        <p:nvSpPr>
-          <p:cNvPr id="177" name="CustomShape 2"/>
-          <p:cNvSpPr/>
-          <p:nvPr/>
-        </p:nvSpPr>
-        <p:spPr>
-          <a:xfrm>
-            <a:off x="7537680" y="3189600"/>
-            <a:ext cx="1625040" cy="581760"/>
-          </a:xfrm>
-          <a:prstGeom prst="cube">
-            <a:avLst>
-              <a:gd name="adj" fmla="val 25000"/>
-            </a:avLst>
-          </a:prstGeom>
-          <a:solidFill>
-            <a:srgbClr val="ffc000"/>
-          </a:solidFill>
-          <a:ln/>
-        </p:spPr>
-        <p:style>
-          <a:lnRef idx="2">
-            <a:schemeClr val="accent1"/>
-          </a:lnRef>
-          <a:fillRef idx="1">
-            <a:schemeClr val="lt1"/>
-          </a:fillRef>
-          <a:effectRef idx="0">
-            <a:schemeClr val="accent1"/>
-          </a:effectRef>
-          <a:fontRef idx="minor"/>
-        </p:style>
-        <p:txBody>
-          <a:bodyPr lIns="90000" rIns="90000" tIns="45000" bIns="45000">
-            <a:noAutofit/>
-          </a:bodyPr>
-          <a:p>
-            <a:pPr algn="ctr">
-              <a:lnSpc>
-                <a:spcPct val="100000"/>
-              </a:lnSpc>
-            </a:pPr>
-            <a:r>
-              <a:rPr b="0" lang="pt-BR" sz="1000" spc="-1" strike="noStrike">
-                <a:solidFill>
-                  <a:srgbClr val="000000"/>
-                </a:solidFill>
-                <a:latin typeface="Calibri"/>
-                <a:ea typeface="DejaVu Sans"/>
-              </a:rPr>
-              <a:t>Caixa</a:t>
-            </a:r>
-            <a:endParaRPr b="0" lang="pt-BR" sz="1000" spc="-1" strike="noStrike">
-              <a:latin typeface="Arial"/>
-            </a:endParaRPr>
-          </a:p>
-          <a:p>
-            <a:pPr algn="ctr">
-              <a:lnSpc>
-                <a:spcPct val="100000"/>
-              </a:lnSpc>
-            </a:pPr>
-            <a:r>
-              <a:rPr b="1" lang="pt-BR" sz="1000" spc="-1" strike="noStrike">
-                <a:solidFill>
-                  <a:srgbClr val="000000"/>
-                </a:solidFill>
-                <a:latin typeface="Calibri"/>
-                <a:ea typeface="DejaVu Sans"/>
-              </a:rPr>
-              <a:t>(Nó Operacional)</a:t>
-            </a:r>
-            <a:endParaRPr b="0" lang="pt-BR" sz="1000" spc="-1" strike="noStrike">
-              <a:latin typeface="Arial"/>
-            </a:endParaRPr>
-          </a:p>
-          <a:p>
-            <a:pPr>
-              <a:lnSpc>
-                <a:spcPct val="100000"/>
-              </a:lnSpc>
-            </a:pPr>
-            <a:endParaRPr b="0" lang="pt-BR" sz="1000" spc="-1" strike="noStrike">
-              <a:latin typeface="Arial"/>
-            </a:endParaRPr>
-          </a:p>
-        </p:txBody>
-      </p:sp>
-      <p:sp>
-        <p:nvSpPr>
-          <p:cNvPr id="178" name="CustomShape 3"/>
-          <p:cNvSpPr/>
-          <p:nvPr/>
-        </p:nvSpPr>
-        <p:spPr>
-          <a:xfrm>
-            <a:off x="7642080" y="4296240"/>
-            <a:ext cx="1275840" cy="536040"/>
-          </a:xfrm>
-          <a:prstGeom prst="roundRect">
-            <a:avLst>
-              <a:gd name="adj" fmla="val 16667"/>
-            </a:avLst>
-          </a:prstGeom>
-          <a:ln>
-            <a:noFill/>
-          </a:ln>
-          <a:effectLst>
-            <a:outerShdw blurRad="40000" dir="5400000" dist="20160" rotWithShape="0">
-              <a:srgbClr val="000000">
-                <a:alpha val="38000"/>
-              </a:srgbClr>
-            </a:outerShdw>
-          </a:effectLst>
-          <a:scene3d>
-            <a:camera prst="orthographicFront">
-              <a:rot lat="0" lon="0" rev="0"/>
-            </a:camera>
-            <a:lightRig dir="t" rig="contrasting">
-              <a:rot lat="0" lon="0" rev="1200000"/>
-            </a:lightRig>
-          </a:scene3d>
-          <a:sp3d contourW="19050" prstMaterial="metal">
-            <a:bevelT w="88900" h="203200"/>
-            <a:bevelB w="165100" h="254000"/>
-          </a:sp3d>
-        </p:spPr>
-        <p:style>
-          <a:lnRef idx="0">
-            <a:schemeClr val="lt1">
-              <a:hueOff val="0"/>
-              <a:satOff val="0"/>
-              <a:lumOff val="0"/>
-              <a:alphaOff val="0"/>
-            </a:schemeClr>
-          </a:lnRef>
-          <a:fillRef idx="1">
-            <a:schemeClr val="accent6">
-              <a:hueOff val="0"/>
-              <a:satOff val="0"/>
-              <a:lumOff val="0"/>
-              <a:alphaOff val="0"/>
-            </a:schemeClr>
-          </a:fillRef>
-          <a:effectRef idx="1">
-            <a:schemeClr val="accent6">
-              <a:hueOff val="0"/>
-              <a:satOff val="0"/>
-              <a:lumOff val="0"/>
-              <a:alphaOff val="0"/>
-            </a:schemeClr>
-          </a:effectRef>
-          <a:fontRef idx="minor"/>
-        </p:style>
-        <p:txBody>
-          <a:bodyPr lIns="90000" rIns="90000" tIns="45000" bIns="45000" anchor="ctr">
-            <a:noAutofit/>
-          </a:bodyPr>
-          <a:p>
-            <a:pPr algn="ctr">
-              <a:lnSpc>
-                <a:spcPct val="100000"/>
-              </a:lnSpc>
-            </a:pPr>
-            <a:r>
-              <a:rPr b="1" lang="pt-BR" sz="1200" spc="-1" strike="noStrike">
-                <a:solidFill>
-                  <a:srgbClr val="ffffff"/>
-                </a:solidFill>
-                <a:latin typeface="Calibri"/>
-                <a:ea typeface="DejaVu Sans"/>
-              </a:rPr>
-              <a:t>Tratar devolução do traje a rigor</a:t>
-            </a:r>
-            <a:endParaRPr b="0" lang="pt-BR" sz="1200" spc="-1" strike="noStrike">
-              <a:latin typeface="Arial"/>
-            </a:endParaRPr>
-          </a:p>
-        </p:txBody>
-      </p:sp>
-      <p:sp>
-        <p:nvSpPr>
-          <p:cNvPr id="179" name="CustomShape 4"/>
-          <p:cNvSpPr/>
-          <p:nvPr/>
-        </p:nvSpPr>
-        <p:spPr>
-          <a:xfrm>
-            <a:off x="2035080" y="3097800"/>
-            <a:ext cx="1333800" cy="911880"/>
-          </a:xfrm>
-          <a:prstGeom prst="rect">
-            <a:avLst/>
-          </a:prstGeom>
-          <a:ln/>
-        </p:spPr>
-        <p:style>
-          <a:lnRef idx="2">
-            <a:schemeClr val="accent1">
-              <a:shade val="50000"/>
-            </a:schemeClr>
-          </a:lnRef>
-          <a:fillRef idx="1">
-            <a:schemeClr val="accent1"/>
-          </a:fillRef>
-          <a:effectRef idx="0">
-            <a:schemeClr val="accent1"/>
-          </a:effectRef>
-          <a:fontRef idx="minor"/>
-        </p:style>
-        <p:txBody>
-          <a:bodyPr lIns="90000" rIns="90000" tIns="45000" bIns="45000" anchor="ctr">
-            <a:noAutofit/>
-          </a:bodyPr>
-          <a:p>
-            <a:pPr algn="ctr">
-              <a:lnSpc>
-                <a:spcPct val="100000"/>
-              </a:lnSpc>
-            </a:pPr>
-            <a:r>
-              <a:rPr b="0" lang="pt-BR" sz="1800" spc="-1" strike="noStrike">
-                <a:solidFill>
-                  <a:srgbClr val="ffffff"/>
-                </a:solidFill>
-                <a:latin typeface="Calibri"/>
-                <a:ea typeface="DejaVu Sans"/>
-              </a:rPr>
-              <a:t>Cliente</a:t>
-            </a:r>
-            <a:endParaRPr b="0" lang="pt-BR" sz="1800" spc="-1" strike="noStrike">
-              <a:latin typeface="Arial"/>
-            </a:endParaRPr>
-          </a:p>
-        </p:txBody>
-      </p:sp>
-      <p:sp>
-        <p:nvSpPr>
-          <p:cNvPr id="180" name="CustomShape 5"/>
-          <p:cNvSpPr/>
-          <p:nvPr/>
-        </p:nvSpPr>
-        <p:spPr>
-          <a:xfrm>
-            <a:off x="3371400" y="3555000"/>
-            <a:ext cx="4163760" cy="10080"/>
-          </a:xfrm>
-          <a:prstGeom prst="curvedConnector3">
-            <a:avLst>
-              <a:gd name="adj1" fmla="val 50000"/>
-            </a:avLst>
-          </a:prstGeom>
-          <a:noFill/>
-          <a:ln>
-            <a:solidFill>
-              <a:srgbClr val="3f6ec2"/>
-            </a:solidFill>
-          </a:ln>
-        </p:spPr>
-        <p:style>
-          <a:lnRef idx="1">
-            <a:schemeClr val="accent1"/>
-          </a:lnRef>
-          <a:fillRef idx="0">
-            <a:schemeClr val="accent1"/>
-          </a:fillRef>
-          <a:effectRef idx="0">
-            <a:schemeClr val="accent1"/>
-          </a:effectRef>
-          <a:fontRef idx="minor"/>
-        </p:style>
-      </p:sp>
-      <p:sp>
-        <p:nvSpPr>
-          <p:cNvPr id="181" name="CustomShape 6"/>
-          <p:cNvSpPr/>
-          <p:nvPr/>
-        </p:nvSpPr>
-        <p:spPr>
-          <a:xfrm>
-            <a:off x="6546240" y="2397960"/>
-            <a:ext cx="3608280" cy="2873160"/>
-          </a:xfrm>
-          <a:prstGeom prst="roundRect">
-            <a:avLst>
-              <a:gd name="adj" fmla="val 16667"/>
-            </a:avLst>
-          </a:prstGeom>
-          <a:noFill/>
-          <a:ln/>
-        </p:spPr>
-        <p:style>
-          <a:lnRef idx="2">
-            <a:schemeClr val="accent1">
-              <a:shade val="50000"/>
-            </a:schemeClr>
-          </a:lnRef>
-          <a:fillRef idx="1">
-            <a:schemeClr val="accent1"/>
-          </a:fillRef>
-          <a:effectRef idx="0">
-            <a:schemeClr val="accent1"/>
-          </a:effectRef>
-          <a:fontRef idx="minor"/>
-        </p:style>
-        <p:txBody>
-          <a:bodyPr lIns="90000" rIns="90000" tIns="45000" bIns="45000">
-            <a:noAutofit/>
-          </a:bodyPr>
-          <a:p>
-            <a:pPr algn="ctr">
-              <a:lnSpc>
-                <a:spcPct val="100000"/>
-              </a:lnSpc>
-            </a:pPr>
-            <a:r>
-              <a:rPr b="0" lang="pt-BR" sz="1800" spc="-1" strike="noStrike">
-                <a:solidFill>
-                  <a:srgbClr val="000000"/>
-                </a:solidFill>
-                <a:latin typeface="Calibri"/>
-                <a:ea typeface="DejaVu Sans"/>
-              </a:rPr>
-              <a:t>Loja</a:t>
-            </a:r>
-            <a:endParaRPr b="0" lang="pt-BR" sz="1800" spc="-1" strike="noStrike">
-              <a:latin typeface="Arial"/>
-            </a:endParaRPr>
-          </a:p>
-        </p:txBody>
-      </p:sp>
-      <p:sp>
-        <p:nvSpPr>
-          <p:cNvPr id="182" name="Line 7"/>
-          <p:cNvSpPr/>
-          <p:nvPr/>
-        </p:nvSpPr>
-        <p:spPr>
-          <a:xfrm>
-            <a:off x="8278200" y="3773880"/>
-            <a:ext cx="2880" cy="522360"/>
-          </a:xfrm>
-          <a:prstGeom prst="line">
-            <a:avLst/>
-          </a:prstGeom>
-          <a:ln>
-            <a:solidFill>
-              <a:srgbClr val="3f6ec2"/>
-            </a:solidFill>
-          </a:ln>
-        </p:spPr>
-        <p:style>
-          <a:lnRef idx="1">
-            <a:schemeClr val="accent1"/>
-          </a:lnRef>
-          <a:fillRef idx="0">
-            <a:schemeClr val="accent1"/>
-          </a:fillRef>
-          <a:effectRef idx="0">
-            <a:schemeClr val="accent1"/>
-          </a:effectRef>
-          <a:fontRef idx="minor"/>
-        </p:style>
-      </p:sp>
-    </p:spTree>
-  </p:cSld>
-  <mc:AlternateContent>
-    <mc:Choice Requires="p14">
-      <p:transition spd="slow" p14:dur="2000"/>
-    </mc:Choice>
-    <mc:Fallback>
-      <p:transition spd="slow"/>
-    </mc:Fallback>
-  </mc:AlternateContent>
-</p:sld>
-</file>
-
-<file path=ppt/slides/slide6.xml><?xml version="1.0" encoding="utf-8"?>
-<p:sld xmlns:a="http://schemas.openxmlformats.org/drawingml/2006/main" xmlns:p="http://schemas.openxmlformats.org/presentationml/2006/main" xmlns:r="http://schemas.openxmlformats.org/officeDocument/2006/relationships" xmlns:p14="http://schemas.microsoft.com/office/powerpoint/2010/main" xmlns:p15="http://schemas.microsoft.com/office/powerpoint/2012/main" xmlns:mc="http://schemas.openxmlformats.org/markup-compatibility/2006">
-  <p:cSld>
-    <p:spTree>
-      <p:nvGrpSpPr>
-        <p:cNvPr id="1" name=""/>
-        <p:cNvGrpSpPr/>
-        <p:nvPr/>
-      </p:nvGrpSpPr>
-      <p:grpSpPr>
-        <a:xfrm>
-          <a:off x="0" y="0"/>
-          <a:ext cx="0" cy="0"/>
-          <a:chOff x="0" y="0"/>
-          <a:chExt cx="0" cy="0"/>
-        </a:xfrm>
-      </p:grpSpPr>
-      <p:sp>
-        <p:nvSpPr>
-          <p:cNvPr id="183" name="CustomShape 1"/>
-          <p:cNvSpPr/>
-          <p:nvPr/>
-        </p:nvSpPr>
-        <p:spPr>
-          <a:xfrm>
             <a:off x="288000" y="288000"/>
-            <a:ext cx="10513080" cy="1323000"/>
+            <a:ext cx="10512720" cy="1322640"/>
           </a:xfrm>
           <a:prstGeom prst="rect">
             <a:avLst/>
@@ -8750,14 +8456,14 @@
       </p:sp>
       <p:sp>
         <p:nvSpPr>
-          <p:cNvPr id="184" name="CustomShape 2"/>
+          <p:cNvPr id="182" name="CustomShape 2"/>
           <p:cNvSpPr/>
           <p:nvPr/>
         </p:nvSpPr>
         <p:spPr>
           <a:xfrm>
             <a:off x="1872000" y="1620000"/>
-            <a:ext cx="3671280" cy="1824480"/>
+            <a:ext cx="3670920" cy="1824120"/>
           </a:xfrm>
           <a:prstGeom prst="rect">
             <a:avLst/>
@@ -8801,7 +8507,7 @@
             </a:endParaRPr>
           </a:p>
           <a:p>
-            <a:pPr marL="228600" indent="-226080">
+            <a:pPr marL="228600" indent="-225720">
               <a:lnSpc>
                 <a:spcPct val="90000"/>
               </a:lnSpc>
@@ -8839,7 +8545,7 @@
             </a:endParaRPr>
           </a:p>
           <a:p>
-            <a:pPr marL="228600" indent="-226080">
+            <a:pPr marL="228600" indent="-225720">
               <a:lnSpc>
                 <a:spcPct val="90000"/>
               </a:lnSpc>
@@ -8867,7 +8573,7 @@
             </a:endParaRPr>
           </a:p>
           <a:p>
-            <a:pPr lvl="1" marL="685800" indent="-226080">
+            <a:pPr lvl="1" marL="685800" indent="-225720">
               <a:lnSpc>
                 <a:spcPct val="90000"/>
               </a:lnSpc>
@@ -8909,14 +8615,14 @@
       </p:sp>
       <p:sp>
         <p:nvSpPr>
-          <p:cNvPr id="185" name="CustomShape 3"/>
+          <p:cNvPr id="183" name="CustomShape 3"/>
           <p:cNvSpPr/>
           <p:nvPr/>
         </p:nvSpPr>
         <p:spPr>
           <a:xfrm>
             <a:off x="6264360" y="2458800"/>
-            <a:ext cx="2757960" cy="1596960"/>
+            <a:ext cx="2757600" cy="1596600"/>
           </a:xfrm>
           <a:prstGeom prst="rect">
             <a:avLst/>
@@ -8935,14 +8641,14 @@
       </p:sp>
       <p:sp>
         <p:nvSpPr>
-          <p:cNvPr id="186" name="CustomShape 4"/>
+          <p:cNvPr id="184" name="CustomShape 4"/>
           <p:cNvSpPr/>
           <p:nvPr/>
         </p:nvSpPr>
         <p:spPr>
           <a:xfrm>
             <a:off x="6372000" y="1584000"/>
-            <a:ext cx="3635280" cy="2076480"/>
+            <a:ext cx="3634920" cy="2076120"/>
           </a:xfrm>
           <a:prstGeom prst="rect">
             <a:avLst/>
@@ -8986,7 +8692,7 @@
             </a:endParaRPr>
           </a:p>
           <a:p>
-            <a:pPr marL="228600" indent="-226080">
+            <a:pPr marL="228600" indent="-225720">
               <a:lnSpc>
                 <a:spcPct val="90000"/>
               </a:lnSpc>
@@ -9024,7 +8730,7 @@
             </a:endParaRPr>
           </a:p>
           <a:p>
-            <a:pPr marL="228600" indent="-226080">
+            <a:pPr marL="228600" indent="-225720">
               <a:lnSpc>
                 <a:spcPct val="90000"/>
               </a:lnSpc>
@@ -9052,7 +8758,7 @@
             </a:endParaRPr>
           </a:p>
           <a:p>
-            <a:pPr lvl="1" marL="685800" indent="-226080">
+            <a:pPr lvl="1" marL="685800" indent="-225720">
               <a:lnSpc>
                 <a:spcPct val="90000"/>
               </a:lnSpc>
@@ -9094,14 +8800,14 @@
       </p:sp>
       <p:sp>
         <p:nvSpPr>
-          <p:cNvPr id="187" name="CustomShape 5"/>
+          <p:cNvPr id="185" name="CustomShape 5"/>
           <p:cNvSpPr/>
           <p:nvPr/>
         </p:nvSpPr>
         <p:spPr>
           <a:xfrm>
             <a:off x="1953000" y="4140000"/>
-            <a:ext cx="3851280" cy="2123280"/>
+            <a:ext cx="3850920" cy="2122920"/>
           </a:xfrm>
           <a:prstGeom prst="rect">
             <a:avLst/>
@@ -9145,7 +8851,7 @@
             </a:endParaRPr>
           </a:p>
           <a:p>
-            <a:pPr marL="228600" indent="-226080">
+            <a:pPr marL="228600" indent="-225720">
               <a:lnSpc>
                 <a:spcPct val="90000"/>
               </a:lnSpc>
@@ -9183,7 +8889,7 @@
             </a:endParaRPr>
           </a:p>
           <a:p>
-            <a:pPr marL="228600" indent="-226080">
+            <a:pPr marL="228600" indent="-225720">
               <a:lnSpc>
                 <a:spcPct val="90000"/>
               </a:lnSpc>
@@ -9211,7 +8917,7 @@
             </a:endParaRPr>
           </a:p>
           <a:p>
-            <a:pPr lvl="1" marL="685800" indent="-226080">
+            <a:pPr lvl="1" marL="685800" indent="-225720">
               <a:lnSpc>
                 <a:spcPct val="90000"/>
               </a:lnSpc>
@@ -9253,14 +8959,14 @@
       </p:sp>
       <p:sp>
         <p:nvSpPr>
-          <p:cNvPr id="188" name="CustomShape 6"/>
+          <p:cNvPr id="186" name="CustomShape 6"/>
           <p:cNvSpPr/>
           <p:nvPr/>
         </p:nvSpPr>
         <p:spPr>
           <a:xfrm>
             <a:off x="6417000" y="4140000"/>
-            <a:ext cx="3851280" cy="2123280"/>
+            <a:ext cx="3850920" cy="2122920"/>
           </a:xfrm>
           <a:prstGeom prst="rect">
             <a:avLst/>
@@ -9304,7 +9010,7 @@
             </a:endParaRPr>
           </a:p>
           <a:p>
-            <a:pPr marL="228600" indent="-226080">
+            <a:pPr marL="228600" indent="-225720">
               <a:lnSpc>
                 <a:spcPct val="90000"/>
               </a:lnSpc>
@@ -9342,7 +9048,7 @@
             </a:endParaRPr>
           </a:p>
           <a:p>
-            <a:pPr marL="228600" indent="-226080">
+            <a:pPr marL="228600" indent="-225720">
               <a:lnSpc>
                 <a:spcPct val="90000"/>
               </a:lnSpc>
@@ -9370,7 +9076,7 @@
             </a:endParaRPr>
           </a:p>
           <a:p>
-            <a:pPr lvl="1" marL="685800" indent="-226080">
+            <a:pPr lvl="1" marL="685800" indent="-225720">
               <a:lnSpc>
                 <a:spcPct val="90000"/>
               </a:lnSpc>

--- a/15 - Arquitetura de Negócio para cada Cenário.pptx
+++ b/15 - Arquitetura de Negócio para cada Cenário.pptx
@@ -4,15 +4,12 @@
   <p:sldMasterIdLst>
     <p:sldMasterId id="2147483648" r:id="rId2"/>
     <p:sldMasterId id="2147483661" r:id="rId3"/>
-    <p:sldMasterId id="2147483674" r:id="rId4"/>
-    <p:sldMasterId id="2147483687" r:id="rId5"/>
   </p:sldMasterIdLst>
   <p:sldIdLst>
-    <p:sldId id="256" r:id="rId6"/>
-    <p:sldId id="257" r:id="rId7"/>
-    <p:sldId id="258" r:id="rId8"/>
-    <p:sldId id="259" r:id="rId9"/>
-    <p:sldId id="260" r:id="rId10"/>
+    <p:sldId id="256" r:id="rId4"/>
+    <p:sldId id="257" r:id="rId5"/>
+    <p:sldId id="258" r:id="rId6"/>
+    <p:sldId id="259" r:id="rId7"/>
   </p:sldIdLst>
   <p:sldSz cx="12192000" cy="6858000"/>
   <p:notesSz cx="7559675" cy="10691812"/>
@@ -71,7 +68,7 @@
         <p:spPr>
           <a:xfrm>
             <a:off x="609480" y="273600"/>
-            <a:ext cx="10972440" cy="1144800"/>
+            <a:ext cx="10971000" cy="1143360"/>
           </a:xfrm>
           <a:prstGeom prst="rect">
             <a:avLst/>
@@ -184,7 +181,7 @@
         <p:spPr>
           <a:xfrm>
             <a:off x="609480" y="273600"/>
-            <a:ext cx="10972440" cy="1144800"/>
+            <a:ext cx="10971000" cy="1143360"/>
           </a:xfrm>
           <a:prstGeom prst="rect">
             <a:avLst/>
@@ -357,7 +354,7 @@
         <p:spPr>
           <a:xfrm>
             <a:off x="609480" y="273600"/>
-            <a:ext cx="10972440" cy="1144800"/>
+            <a:ext cx="10971000" cy="1143360"/>
           </a:xfrm>
           <a:prstGeom prst="rect">
             <a:avLst/>
@@ -612,7 +609,7 @@
         <p:spPr>
           <a:xfrm>
             <a:off x="609480" y="273600"/>
-            <a:ext cx="10972440" cy="1144800"/>
+            <a:ext cx="10971000" cy="1143360"/>
           </a:xfrm>
           <a:prstGeom prst="rect">
             <a:avLst/>
@@ -696,7 +693,7 @@
         <p:spPr>
           <a:xfrm>
             <a:off x="609480" y="273600"/>
-            <a:ext cx="10972440" cy="1144800"/>
+            <a:ext cx="10971000" cy="1143360"/>
           </a:xfrm>
           <a:prstGeom prst="rect">
             <a:avLst/>
@@ -779,7 +776,7 @@
         <p:spPr>
           <a:xfrm>
             <a:off x="609480" y="273600"/>
-            <a:ext cx="10972440" cy="1144800"/>
+            <a:ext cx="10971000" cy="1143360"/>
           </a:xfrm>
           <a:prstGeom prst="rect">
             <a:avLst/>
@@ -892,7 +889,7 @@
         <p:spPr>
           <a:xfrm>
             <a:off x="609480" y="273600"/>
-            <a:ext cx="10972440" cy="1144800"/>
+            <a:ext cx="10971000" cy="1143360"/>
           </a:xfrm>
           <a:prstGeom prst="rect">
             <a:avLst/>
@@ -945,7 +942,7 @@
         <p:spPr>
           <a:xfrm>
             <a:off x="609480" y="273600"/>
-            <a:ext cx="10972440" cy="5307840"/>
+            <a:ext cx="10971000" cy="5301360"/>
           </a:xfrm>
           <a:prstGeom prst="rect">
             <a:avLst/>
@@ -998,7 +995,7 @@
         <p:spPr>
           <a:xfrm>
             <a:off x="609480" y="273600"/>
-            <a:ext cx="10972440" cy="1144800"/>
+            <a:ext cx="10971000" cy="1143360"/>
           </a:xfrm>
           <a:prstGeom prst="rect">
             <a:avLst/>
@@ -1141,7 +1138,7 @@
         <p:spPr>
           <a:xfrm>
             <a:off x="609480" y="273600"/>
-            <a:ext cx="10972440" cy="1144800"/>
+            <a:ext cx="10971000" cy="1143360"/>
           </a:xfrm>
           <a:prstGeom prst="rect">
             <a:avLst/>
@@ -1225,7 +1222,7 @@
         <p:spPr>
           <a:xfrm>
             <a:off x="609480" y="273600"/>
-            <a:ext cx="10972440" cy="1144800"/>
+            <a:ext cx="10971000" cy="1143360"/>
           </a:xfrm>
           <a:prstGeom prst="rect">
             <a:avLst/>
@@ -1368,7 +1365,7 @@
         <p:spPr>
           <a:xfrm>
             <a:off x="609480" y="273600"/>
-            <a:ext cx="10972440" cy="1144800"/>
+            <a:ext cx="10971000" cy="1143360"/>
           </a:xfrm>
           <a:prstGeom prst="rect">
             <a:avLst/>
@@ -1511,7 +1508,7 @@
         <p:spPr>
           <a:xfrm>
             <a:off x="609480" y="273600"/>
-            <a:ext cx="10972440" cy="1144800"/>
+            <a:ext cx="10971000" cy="1143360"/>
           </a:xfrm>
           <a:prstGeom prst="rect">
             <a:avLst/>
@@ -1624,7 +1621,7 @@
         <p:spPr>
           <a:xfrm>
             <a:off x="609480" y="273600"/>
-            <a:ext cx="10972440" cy="1144800"/>
+            <a:ext cx="10971000" cy="1143360"/>
           </a:xfrm>
           <a:prstGeom prst="rect">
             <a:avLst/>
@@ -1797,7 +1794,7 @@
         <p:spPr>
           <a:xfrm>
             <a:off x="609480" y="273600"/>
-            <a:ext cx="10972440" cy="1144800"/>
+            <a:ext cx="10971000" cy="1143360"/>
           </a:xfrm>
           <a:prstGeom prst="rect">
             <a:avLst/>
@@ -1990,361 +1987,6 @@
           </a:bodyPr>
           <a:p>
             <a:endParaRPr b="0" lang="pt-BR" sz="3200" spc="-1" strike="noStrike">
-              <a:latin typeface="Arial"/>
-            </a:endParaRPr>
-          </a:p>
-        </p:txBody>
-      </p:sp>
-    </p:spTree>
-  </p:cSld>
-</p:sldLayout>
-</file>
-
-<file path=ppt/slideLayouts/slideLayout25.xml><?xml version="1.0" encoding="utf-8"?>
-<p:sldLayout xmlns:a="http://schemas.openxmlformats.org/drawingml/2006/main" xmlns:p="http://schemas.openxmlformats.org/presentationml/2006/main" xmlns:r="http://schemas.openxmlformats.org/officeDocument/2006/relationships" xmlns:p14="http://schemas.microsoft.com/office/powerpoint/2010/main" xmlns:p15="http://schemas.microsoft.com/office/powerpoint/2012/main" xmlns:mc="http://schemas.openxmlformats.org/markup-compatibility/2006" type="blank" preserve="1">
-  <p:cSld name="Blank Slide">
-    <p:spTree>
-      <p:nvGrpSpPr>
-        <p:cNvPr id="1" name=""/>
-        <p:cNvGrpSpPr/>
-        <p:nvPr/>
-      </p:nvGrpSpPr>
-      <p:grpSpPr>
-        <a:xfrm>
-          <a:off x="0" y="0"/>
-          <a:ext cx="0" cy="0"/>
-          <a:chOff x="0" y="0"/>
-          <a:chExt cx="0" cy="0"/>
-        </a:xfrm>
-      </p:grpSpPr>
-    </p:spTree>
-  </p:cSld>
-</p:sldLayout>
-</file>
-
-<file path=ppt/slideLayouts/slideLayout26.xml><?xml version="1.0" encoding="utf-8"?>
-<p:sldLayout xmlns:a="http://schemas.openxmlformats.org/drawingml/2006/main" xmlns:p="http://schemas.openxmlformats.org/presentationml/2006/main" xmlns:r="http://schemas.openxmlformats.org/officeDocument/2006/relationships" xmlns:p14="http://schemas.microsoft.com/office/powerpoint/2010/main" xmlns:p15="http://schemas.microsoft.com/office/powerpoint/2012/main" xmlns:mc="http://schemas.openxmlformats.org/markup-compatibility/2006" type="tx" preserve="1">
-  <p:cSld name="Title Slide">
-    <p:spTree>
-      <p:nvGrpSpPr>
-        <p:cNvPr id="1" name=""/>
-        <p:cNvGrpSpPr/>
-        <p:nvPr/>
-      </p:nvGrpSpPr>
-      <p:grpSpPr>
-        <a:xfrm>
-          <a:off x="0" y="0"/>
-          <a:ext cx="0" cy="0"/>
-          <a:chOff x="0" y="0"/>
-          <a:chExt cx="0" cy="0"/>
-        </a:xfrm>
-      </p:grpSpPr>
-      <p:sp>
-        <p:nvSpPr>
-          <p:cNvPr id="78" name="PlaceHolder 1"/>
-          <p:cNvSpPr>
-            <a:spLocks noGrp="1"/>
-          </p:cNvSpPr>
-          <p:nvPr>
-            <p:ph type="title"/>
-          </p:nvPr>
-        </p:nvSpPr>
-        <p:spPr>
-          <a:xfrm>
-            <a:off x="609480" y="273600"/>
-            <a:ext cx="10972440" cy="1144800"/>
-          </a:xfrm>
-          <a:prstGeom prst="rect">
-            <a:avLst/>
-          </a:prstGeom>
-        </p:spPr>
-        <p:txBody>
-          <a:bodyPr lIns="0" rIns="0" tIns="0" bIns="0" anchor="ctr">
-            <a:noAutofit/>
-          </a:bodyPr>
-          <a:p>
-            <a:pPr algn="ctr"/>
-            <a:endParaRPr b="0" lang="pt-BR" sz="4400" spc="-1" strike="noStrike">
-              <a:latin typeface="Arial"/>
-            </a:endParaRPr>
-          </a:p>
-        </p:txBody>
-      </p:sp>
-      <p:sp>
-        <p:nvSpPr>
-          <p:cNvPr id="79" name="PlaceHolder 2"/>
-          <p:cNvSpPr>
-            <a:spLocks noGrp="1"/>
-          </p:cNvSpPr>
-          <p:nvPr>
-            <p:ph type="subTitle"/>
-          </p:nvPr>
-        </p:nvSpPr>
-        <p:spPr>
-          <a:xfrm>
-            <a:off x="609480" y="1604520"/>
-            <a:ext cx="10972440" cy="3977280"/>
-          </a:xfrm>
-          <a:prstGeom prst="rect">
-            <a:avLst/>
-          </a:prstGeom>
-        </p:spPr>
-        <p:txBody>
-          <a:bodyPr lIns="0" rIns="0" tIns="0" bIns="0" anchor="ctr">
-            <a:noAutofit/>
-          </a:bodyPr>
-          <a:p>
-            <a:pPr algn="ctr"/>
-            <a:endParaRPr b="0" lang="pt-BR" sz="3200" spc="-1" strike="noStrike">
-              <a:latin typeface="Arial"/>
-            </a:endParaRPr>
-          </a:p>
-        </p:txBody>
-      </p:sp>
-    </p:spTree>
-  </p:cSld>
-</p:sldLayout>
-</file>
-
-<file path=ppt/slideLayouts/slideLayout27.xml><?xml version="1.0" encoding="utf-8"?>
-<p:sldLayout xmlns:a="http://schemas.openxmlformats.org/drawingml/2006/main" xmlns:p="http://schemas.openxmlformats.org/presentationml/2006/main" xmlns:r="http://schemas.openxmlformats.org/officeDocument/2006/relationships" xmlns:p14="http://schemas.microsoft.com/office/powerpoint/2010/main" xmlns:p15="http://schemas.microsoft.com/office/powerpoint/2012/main" xmlns:mc="http://schemas.openxmlformats.org/markup-compatibility/2006" type="obj" preserve="1">
-  <p:cSld name="Title, Content">
-    <p:spTree>
-      <p:nvGrpSpPr>
-        <p:cNvPr id="1" name=""/>
-        <p:cNvGrpSpPr/>
-        <p:nvPr/>
-      </p:nvGrpSpPr>
-      <p:grpSpPr>
-        <a:xfrm>
-          <a:off x="0" y="0"/>
-          <a:ext cx="0" cy="0"/>
-          <a:chOff x="0" y="0"/>
-          <a:chExt cx="0" cy="0"/>
-        </a:xfrm>
-      </p:grpSpPr>
-      <p:sp>
-        <p:nvSpPr>
-          <p:cNvPr id="80" name="PlaceHolder 1"/>
-          <p:cNvSpPr>
-            <a:spLocks noGrp="1"/>
-          </p:cNvSpPr>
-          <p:nvPr>
-            <p:ph type="title"/>
-          </p:nvPr>
-        </p:nvSpPr>
-        <p:spPr>
-          <a:xfrm>
-            <a:off x="609480" y="273600"/>
-            <a:ext cx="10972440" cy="1144800"/>
-          </a:xfrm>
-          <a:prstGeom prst="rect">
-            <a:avLst/>
-          </a:prstGeom>
-        </p:spPr>
-        <p:txBody>
-          <a:bodyPr lIns="0" rIns="0" tIns="0" bIns="0" anchor="ctr">
-            <a:noAutofit/>
-          </a:bodyPr>
-          <a:p>
-            <a:pPr algn="ctr"/>
-            <a:endParaRPr b="0" lang="pt-BR" sz="4400" spc="-1" strike="noStrike">
-              <a:latin typeface="Arial"/>
-            </a:endParaRPr>
-          </a:p>
-        </p:txBody>
-      </p:sp>
-      <p:sp>
-        <p:nvSpPr>
-          <p:cNvPr id="81" name="PlaceHolder 2"/>
-          <p:cNvSpPr>
-            <a:spLocks noGrp="1"/>
-          </p:cNvSpPr>
-          <p:nvPr>
-            <p:ph type="body"/>
-          </p:nvPr>
-        </p:nvSpPr>
-        <p:spPr>
-          <a:xfrm>
-            <a:off x="609480" y="1604520"/>
-            <a:ext cx="10972440" cy="3977280"/>
-          </a:xfrm>
-          <a:prstGeom prst="rect">
-            <a:avLst/>
-          </a:prstGeom>
-        </p:spPr>
-        <p:txBody>
-          <a:bodyPr lIns="0" rIns="0" tIns="0" bIns="0">
-            <a:normAutofit/>
-          </a:bodyPr>
-          <a:p>
-            <a:endParaRPr b="0" lang="pt-BR" sz="3200" spc="-1" strike="noStrike">
-              <a:latin typeface="Arial"/>
-            </a:endParaRPr>
-          </a:p>
-        </p:txBody>
-      </p:sp>
-    </p:spTree>
-  </p:cSld>
-</p:sldLayout>
-</file>
-
-<file path=ppt/slideLayouts/slideLayout28.xml><?xml version="1.0" encoding="utf-8"?>
-<p:sldLayout xmlns:a="http://schemas.openxmlformats.org/drawingml/2006/main" xmlns:p="http://schemas.openxmlformats.org/presentationml/2006/main" xmlns:r="http://schemas.openxmlformats.org/officeDocument/2006/relationships" xmlns:p14="http://schemas.microsoft.com/office/powerpoint/2010/main" xmlns:p15="http://schemas.microsoft.com/office/powerpoint/2012/main" xmlns:mc="http://schemas.openxmlformats.org/markup-compatibility/2006" type="twoObj" preserve="1">
-  <p:cSld name="Title, 2 Content">
-    <p:spTree>
-      <p:nvGrpSpPr>
-        <p:cNvPr id="1" name=""/>
-        <p:cNvGrpSpPr/>
-        <p:nvPr/>
-      </p:nvGrpSpPr>
-      <p:grpSpPr>
-        <a:xfrm>
-          <a:off x="0" y="0"/>
-          <a:ext cx="0" cy="0"/>
-          <a:chOff x="0" y="0"/>
-          <a:chExt cx="0" cy="0"/>
-        </a:xfrm>
-      </p:grpSpPr>
-      <p:sp>
-        <p:nvSpPr>
-          <p:cNvPr id="82" name="PlaceHolder 1"/>
-          <p:cNvSpPr>
-            <a:spLocks noGrp="1"/>
-          </p:cNvSpPr>
-          <p:nvPr>
-            <p:ph type="title"/>
-          </p:nvPr>
-        </p:nvSpPr>
-        <p:spPr>
-          <a:xfrm>
-            <a:off x="609480" y="273600"/>
-            <a:ext cx="10972440" cy="1144800"/>
-          </a:xfrm>
-          <a:prstGeom prst="rect">
-            <a:avLst/>
-          </a:prstGeom>
-        </p:spPr>
-        <p:txBody>
-          <a:bodyPr lIns="0" rIns="0" tIns="0" bIns="0" anchor="ctr">
-            <a:noAutofit/>
-          </a:bodyPr>
-          <a:p>
-            <a:pPr algn="ctr"/>
-            <a:endParaRPr b="0" lang="pt-BR" sz="4400" spc="-1" strike="noStrike">
-              <a:latin typeface="Arial"/>
-            </a:endParaRPr>
-          </a:p>
-        </p:txBody>
-      </p:sp>
-      <p:sp>
-        <p:nvSpPr>
-          <p:cNvPr id="83" name="PlaceHolder 2"/>
-          <p:cNvSpPr>
-            <a:spLocks noGrp="1"/>
-          </p:cNvSpPr>
-          <p:nvPr>
-            <p:ph type="body"/>
-          </p:nvPr>
-        </p:nvSpPr>
-        <p:spPr>
-          <a:xfrm>
-            <a:off x="609480" y="1604520"/>
-            <a:ext cx="5354280" cy="3977280"/>
-          </a:xfrm>
-          <a:prstGeom prst="rect">
-            <a:avLst/>
-          </a:prstGeom>
-        </p:spPr>
-        <p:txBody>
-          <a:bodyPr lIns="0" rIns="0" tIns="0" bIns="0">
-            <a:normAutofit/>
-          </a:bodyPr>
-          <a:p>
-            <a:endParaRPr b="0" lang="pt-BR" sz="3200" spc="-1" strike="noStrike">
-              <a:latin typeface="Arial"/>
-            </a:endParaRPr>
-          </a:p>
-        </p:txBody>
-      </p:sp>
-      <p:sp>
-        <p:nvSpPr>
-          <p:cNvPr id="84" name="PlaceHolder 3"/>
-          <p:cNvSpPr>
-            <a:spLocks noGrp="1"/>
-          </p:cNvSpPr>
-          <p:nvPr>
-            <p:ph type="body"/>
-          </p:nvPr>
-        </p:nvSpPr>
-        <p:spPr>
-          <a:xfrm>
-            <a:off x="6231960" y="1604520"/>
-            <a:ext cx="5354280" cy="3977280"/>
-          </a:xfrm>
-          <a:prstGeom prst="rect">
-            <a:avLst/>
-          </a:prstGeom>
-        </p:spPr>
-        <p:txBody>
-          <a:bodyPr lIns="0" rIns="0" tIns="0" bIns="0">
-            <a:normAutofit/>
-          </a:bodyPr>
-          <a:p>
-            <a:endParaRPr b="0" lang="pt-BR" sz="3200" spc="-1" strike="noStrike">
-              <a:latin typeface="Arial"/>
-            </a:endParaRPr>
-          </a:p>
-        </p:txBody>
-      </p:sp>
-    </p:spTree>
-  </p:cSld>
-</p:sldLayout>
-</file>
-
-<file path=ppt/slideLayouts/slideLayout29.xml><?xml version="1.0" encoding="utf-8"?>
-<p:sldLayout xmlns:a="http://schemas.openxmlformats.org/drawingml/2006/main" xmlns:p="http://schemas.openxmlformats.org/presentationml/2006/main" xmlns:r="http://schemas.openxmlformats.org/officeDocument/2006/relationships" xmlns:p14="http://schemas.microsoft.com/office/powerpoint/2010/main" xmlns:p15="http://schemas.microsoft.com/office/powerpoint/2012/main" xmlns:mc="http://schemas.openxmlformats.org/markup-compatibility/2006" type="titleOnly" preserve="1">
-  <p:cSld name="Title Only">
-    <p:spTree>
-      <p:nvGrpSpPr>
-        <p:cNvPr id="1" name=""/>
-        <p:cNvGrpSpPr/>
-        <p:nvPr/>
-      </p:nvGrpSpPr>
-      <p:grpSpPr>
-        <a:xfrm>
-          <a:off x="0" y="0"/>
-          <a:ext cx="0" cy="0"/>
-          <a:chOff x="0" y="0"/>
-          <a:chExt cx="0" cy="0"/>
-        </a:xfrm>
-      </p:grpSpPr>
-      <p:sp>
-        <p:nvSpPr>
-          <p:cNvPr id="85" name="PlaceHolder 1"/>
-          <p:cNvSpPr>
-            <a:spLocks noGrp="1"/>
-          </p:cNvSpPr>
-          <p:nvPr>
-            <p:ph type="title"/>
-          </p:nvPr>
-        </p:nvSpPr>
-        <p:spPr>
-          <a:xfrm>
-            <a:off x="609480" y="273600"/>
-            <a:ext cx="10972440" cy="1144800"/>
-          </a:xfrm>
-          <a:prstGeom prst="rect">
-            <a:avLst/>
-          </a:prstGeom>
-        </p:spPr>
-        <p:txBody>
-          <a:bodyPr lIns="0" rIns="0" tIns="0" bIns="0" anchor="ctr">
-            <a:noAutofit/>
-          </a:bodyPr>
-          <a:p>
-            <a:pPr algn="ctr"/>
-            <a:endParaRPr b="0" lang="pt-BR" sz="4400" spc="-1" strike="noStrike">
               <a:latin typeface="Arial"/>
             </a:endParaRPr>
           </a:p>
@@ -2385,7 +2027,7 @@
         <p:spPr>
           <a:xfrm>
             <a:off x="609480" y="273600"/>
-            <a:ext cx="10972440" cy="1144800"/>
+            <a:ext cx="10971000" cy="1143360"/>
           </a:xfrm>
           <a:prstGeom prst="rect">
             <a:avLst/>
@@ -2406,1196 +2048,6 @@
       <p:sp>
         <p:nvSpPr>
           <p:cNvPr id="5" name="PlaceHolder 2"/>
-          <p:cNvSpPr>
-            <a:spLocks noGrp="1"/>
-          </p:cNvSpPr>
-          <p:nvPr>
-            <p:ph type="body"/>
-          </p:nvPr>
-        </p:nvSpPr>
-        <p:spPr>
-          <a:xfrm>
-            <a:off x="609480" y="1604520"/>
-            <a:ext cx="10972440" cy="3977280"/>
-          </a:xfrm>
-          <a:prstGeom prst="rect">
-            <a:avLst/>
-          </a:prstGeom>
-        </p:spPr>
-        <p:txBody>
-          <a:bodyPr lIns="0" rIns="0" tIns="0" bIns="0">
-            <a:normAutofit/>
-          </a:bodyPr>
-          <a:p>
-            <a:endParaRPr b="0" lang="pt-BR" sz="3200" spc="-1" strike="noStrike">
-              <a:latin typeface="Arial"/>
-            </a:endParaRPr>
-          </a:p>
-        </p:txBody>
-      </p:sp>
-    </p:spTree>
-  </p:cSld>
-</p:sldLayout>
-</file>
-
-<file path=ppt/slideLayouts/slideLayout30.xml><?xml version="1.0" encoding="utf-8"?>
-<p:sldLayout xmlns:a="http://schemas.openxmlformats.org/drawingml/2006/main" xmlns:p="http://schemas.openxmlformats.org/presentationml/2006/main" xmlns:r="http://schemas.openxmlformats.org/officeDocument/2006/relationships" xmlns:p14="http://schemas.microsoft.com/office/powerpoint/2010/main" xmlns:p15="http://schemas.microsoft.com/office/powerpoint/2012/main" xmlns:mc="http://schemas.openxmlformats.org/markup-compatibility/2006" type="objOnly" preserve="1">
-  <p:cSld name="Centered Text">
-    <p:spTree>
-      <p:nvGrpSpPr>
-        <p:cNvPr id="1" name=""/>
-        <p:cNvGrpSpPr/>
-        <p:nvPr/>
-      </p:nvGrpSpPr>
-      <p:grpSpPr>
-        <a:xfrm>
-          <a:off x="0" y="0"/>
-          <a:ext cx="0" cy="0"/>
-          <a:chOff x="0" y="0"/>
-          <a:chExt cx="0" cy="0"/>
-        </a:xfrm>
-      </p:grpSpPr>
-      <p:sp>
-        <p:nvSpPr>
-          <p:cNvPr id="86" name="PlaceHolder 1"/>
-          <p:cNvSpPr>
-            <a:spLocks noGrp="1"/>
-          </p:cNvSpPr>
-          <p:nvPr>
-            <p:ph type="subTitle"/>
-          </p:nvPr>
-        </p:nvSpPr>
-        <p:spPr>
-          <a:xfrm>
-            <a:off x="609480" y="273600"/>
-            <a:ext cx="10972440" cy="5307840"/>
-          </a:xfrm>
-          <a:prstGeom prst="rect">
-            <a:avLst/>
-          </a:prstGeom>
-        </p:spPr>
-        <p:txBody>
-          <a:bodyPr lIns="0" rIns="0" tIns="0" bIns="0" anchor="ctr">
-            <a:noAutofit/>
-          </a:bodyPr>
-          <a:p>
-            <a:pPr algn="ctr"/>
-            <a:endParaRPr b="0" lang="pt-BR" sz="3200" spc="-1" strike="noStrike">
-              <a:latin typeface="Arial"/>
-            </a:endParaRPr>
-          </a:p>
-        </p:txBody>
-      </p:sp>
-    </p:spTree>
-  </p:cSld>
-</p:sldLayout>
-</file>
-
-<file path=ppt/slideLayouts/slideLayout31.xml><?xml version="1.0" encoding="utf-8"?>
-<p:sldLayout xmlns:a="http://schemas.openxmlformats.org/drawingml/2006/main" xmlns:p="http://schemas.openxmlformats.org/presentationml/2006/main" xmlns:r="http://schemas.openxmlformats.org/officeDocument/2006/relationships" xmlns:p14="http://schemas.microsoft.com/office/powerpoint/2010/main" xmlns:p15="http://schemas.microsoft.com/office/powerpoint/2012/main" xmlns:mc="http://schemas.openxmlformats.org/markup-compatibility/2006" type="twoObjAndObj" preserve="1">
-  <p:cSld name="Title, 2 Content and Content">
-    <p:spTree>
-      <p:nvGrpSpPr>
-        <p:cNvPr id="1" name=""/>
-        <p:cNvGrpSpPr/>
-        <p:nvPr/>
-      </p:nvGrpSpPr>
-      <p:grpSpPr>
-        <a:xfrm>
-          <a:off x="0" y="0"/>
-          <a:ext cx="0" cy="0"/>
-          <a:chOff x="0" y="0"/>
-          <a:chExt cx="0" cy="0"/>
-        </a:xfrm>
-      </p:grpSpPr>
-      <p:sp>
-        <p:nvSpPr>
-          <p:cNvPr id="87" name="PlaceHolder 1"/>
-          <p:cNvSpPr>
-            <a:spLocks noGrp="1"/>
-          </p:cNvSpPr>
-          <p:nvPr>
-            <p:ph type="title"/>
-          </p:nvPr>
-        </p:nvSpPr>
-        <p:spPr>
-          <a:xfrm>
-            <a:off x="609480" y="273600"/>
-            <a:ext cx="10972440" cy="1144800"/>
-          </a:xfrm>
-          <a:prstGeom prst="rect">
-            <a:avLst/>
-          </a:prstGeom>
-        </p:spPr>
-        <p:txBody>
-          <a:bodyPr lIns="0" rIns="0" tIns="0" bIns="0" anchor="ctr">
-            <a:noAutofit/>
-          </a:bodyPr>
-          <a:p>
-            <a:pPr algn="ctr"/>
-            <a:endParaRPr b="0" lang="pt-BR" sz="4400" spc="-1" strike="noStrike">
-              <a:latin typeface="Arial"/>
-            </a:endParaRPr>
-          </a:p>
-        </p:txBody>
-      </p:sp>
-      <p:sp>
-        <p:nvSpPr>
-          <p:cNvPr id="88" name="PlaceHolder 2"/>
-          <p:cNvSpPr>
-            <a:spLocks noGrp="1"/>
-          </p:cNvSpPr>
-          <p:nvPr>
-            <p:ph type="body"/>
-          </p:nvPr>
-        </p:nvSpPr>
-        <p:spPr>
-          <a:xfrm>
-            <a:off x="609480" y="1604520"/>
-            <a:ext cx="5354280" cy="1896840"/>
-          </a:xfrm>
-          <a:prstGeom prst="rect">
-            <a:avLst/>
-          </a:prstGeom>
-        </p:spPr>
-        <p:txBody>
-          <a:bodyPr lIns="0" rIns="0" tIns="0" bIns="0">
-            <a:normAutofit/>
-          </a:bodyPr>
-          <a:p>
-            <a:endParaRPr b="0" lang="pt-BR" sz="3200" spc="-1" strike="noStrike">
-              <a:latin typeface="Arial"/>
-            </a:endParaRPr>
-          </a:p>
-        </p:txBody>
-      </p:sp>
-      <p:sp>
-        <p:nvSpPr>
-          <p:cNvPr id="89" name="PlaceHolder 3"/>
-          <p:cNvSpPr>
-            <a:spLocks noGrp="1"/>
-          </p:cNvSpPr>
-          <p:nvPr>
-            <p:ph type="body"/>
-          </p:nvPr>
-        </p:nvSpPr>
-        <p:spPr>
-          <a:xfrm>
-            <a:off x="6231960" y="1604520"/>
-            <a:ext cx="5354280" cy="3977280"/>
-          </a:xfrm>
-          <a:prstGeom prst="rect">
-            <a:avLst/>
-          </a:prstGeom>
-        </p:spPr>
-        <p:txBody>
-          <a:bodyPr lIns="0" rIns="0" tIns="0" bIns="0">
-            <a:normAutofit/>
-          </a:bodyPr>
-          <a:p>
-            <a:endParaRPr b="0" lang="pt-BR" sz="3200" spc="-1" strike="noStrike">
-              <a:latin typeface="Arial"/>
-            </a:endParaRPr>
-          </a:p>
-        </p:txBody>
-      </p:sp>
-      <p:sp>
-        <p:nvSpPr>
-          <p:cNvPr id="90" name="PlaceHolder 4"/>
-          <p:cNvSpPr>
-            <a:spLocks noGrp="1"/>
-          </p:cNvSpPr>
-          <p:nvPr>
-            <p:ph type="body"/>
-          </p:nvPr>
-        </p:nvSpPr>
-        <p:spPr>
-          <a:xfrm>
-            <a:off x="609480" y="3682080"/>
-            <a:ext cx="5354280" cy="1896840"/>
-          </a:xfrm>
-          <a:prstGeom prst="rect">
-            <a:avLst/>
-          </a:prstGeom>
-        </p:spPr>
-        <p:txBody>
-          <a:bodyPr lIns="0" rIns="0" tIns="0" bIns="0">
-            <a:normAutofit/>
-          </a:bodyPr>
-          <a:p>
-            <a:endParaRPr b="0" lang="pt-BR" sz="3200" spc="-1" strike="noStrike">
-              <a:latin typeface="Arial"/>
-            </a:endParaRPr>
-          </a:p>
-        </p:txBody>
-      </p:sp>
-    </p:spTree>
-  </p:cSld>
-</p:sldLayout>
-</file>
-
-<file path=ppt/slideLayouts/slideLayout32.xml><?xml version="1.0" encoding="utf-8"?>
-<p:sldLayout xmlns:a="http://schemas.openxmlformats.org/drawingml/2006/main" xmlns:p="http://schemas.openxmlformats.org/presentationml/2006/main" xmlns:r="http://schemas.openxmlformats.org/officeDocument/2006/relationships" xmlns:p14="http://schemas.microsoft.com/office/powerpoint/2010/main" xmlns:p15="http://schemas.microsoft.com/office/powerpoint/2012/main" xmlns:mc="http://schemas.openxmlformats.org/markup-compatibility/2006" type="objAndTwoObj" preserve="1">
-  <p:cSld name="Title Content and 2 Content">
-    <p:spTree>
-      <p:nvGrpSpPr>
-        <p:cNvPr id="1" name=""/>
-        <p:cNvGrpSpPr/>
-        <p:nvPr/>
-      </p:nvGrpSpPr>
-      <p:grpSpPr>
-        <a:xfrm>
-          <a:off x="0" y="0"/>
-          <a:ext cx="0" cy="0"/>
-          <a:chOff x="0" y="0"/>
-          <a:chExt cx="0" cy="0"/>
-        </a:xfrm>
-      </p:grpSpPr>
-      <p:sp>
-        <p:nvSpPr>
-          <p:cNvPr id="91" name="PlaceHolder 1"/>
-          <p:cNvSpPr>
-            <a:spLocks noGrp="1"/>
-          </p:cNvSpPr>
-          <p:nvPr>
-            <p:ph type="title"/>
-          </p:nvPr>
-        </p:nvSpPr>
-        <p:spPr>
-          <a:xfrm>
-            <a:off x="609480" y="273600"/>
-            <a:ext cx="10972440" cy="1144800"/>
-          </a:xfrm>
-          <a:prstGeom prst="rect">
-            <a:avLst/>
-          </a:prstGeom>
-        </p:spPr>
-        <p:txBody>
-          <a:bodyPr lIns="0" rIns="0" tIns="0" bIns="0" anchor="ctr">
-            <a:noAutofit/>
-          </a:bodyPr>
-          <a:p>
-            <a:pPr algn="ctr"/>
-            <a:endParaRPr b="0" lang="pt-BR" sz="4400" spc="-1" strike="noStrike">
-              <a:latin typeface="Arial"/>
-            </a:endParaRPr>
-          </a:p>
-        </p:txBody>
-      </p:sp>
-      <p:sp>
-        <p:nvSpPr>
-          <p:cNvPr id="92" name="PlaceHolder 2"/>
-          <p:cNvSpPr>
-            <a:spLocks noGrp="1"/>
-          </p:cNvSpPr>
-          <p:nvPr>
-            <p:ph type="body"/>
-          </p:nvPr>
-        </p:nvSpPr>
-        <p:spPr>
-          <a:xfrm>
-            <a:off x="609480" y="1604520"/>
-            <a:ext cx="5354280" cy="3977280"/>
-          </a:xfrm>
-          <a:prstGeom prst="rect">
-            <a:avLst/>
-          </a:prstGeom>
-        </p:spPr>
-        <p:txBody>
-          <a:bodyPr lIns="0" rIns="0" tIns="0" bIns="0">
-            <a:normAutofit/>
-          </a:bodyPr>
-          <a:p>
-            <a:endParaRPr b="0" lang="pt-BR" sz="3200" spc="-1" strike="noStrike">
-              <a:latin typeface="Arial"/>
-            </a:endParaRPr>
-          </a:p>
-        </p:txBody>
-      </p:sp>
-      <p:sp>
-        <p:nvSpPr>
-          <p:cNvPr id="93" name="PlaceHolder 3"/>
-          <p:cNvSpPr>
-            <a:spLocks noGrp="1"/>
-          </p:cNvSpPr>
-          <p:nvPr>
-            <p:ph type="body"/>
-          </p:nvPr>
-        </p:nvSpPr>
-        <p:spPr>
-          <a:xfrm>
-            <a:off x="6231960" y="1604520"/>
-            <a:ext cx="5354280" cy="1896840"/>
-          </a:xfrm>
-          <a:prstGeom prst="rect">
-            <a:avLst/>
-          </a:prstGeom>
-        </p:spPr>
-        <p:txBody>
-          <a:bodyPr lIns="0" rIns="0" tIns="0" bIns="0">
-            <a:normAutofit/>
-          </a:bodyPr>
-          <a:p>
-            <a:endParaRPr b="0" lang="pt-BR" sz="3200" spc="-1" strike="noStrike">
-              <a:latin typeface="Arial"/>
-            </a:endParaRPr>
-          </a:p>
-        </p:txBody>
-      </p:sp>
-      <p:sp>
-        <p:nvSpPr>
-          <p:cNvPr id="94" name="PlaceHolder 4"/>
-          <p:cNvSpPr>
-            <a:spLocks noGrp="1"/>
-          </p:cNvSpPr>
-          <p:nvPr>
-            <p:ph type="body"/>
-          </p:nvPr>
-        </p:nvSpPr>
-        <p:spPr>
-          <a:xfrm>
-            <a:off x="6231960" y="3682080"/>
-            <a:ext cx="5354280" cy="1896840"/>
-          </a:xfrm>
-          <a:prstGeom prst="rect">
-            <a:avLst/>
-          </a:prstGeom>
-        </p:spPr>
-        <p:txBody>
-          <a:bodyPr lIns="0" rIns="0" tIns="0" bIns="0">
-            <a:normAutofit/>
-          </a:bodyPr>
-          <a:p>
-            <a:endParaRPr b="0" lang="pt-BR" sz="3200" spc="-1" strike="noStrike">
-              <a:latin typeface="Arial"/>
-            </a:endParaRPr>
-          </a:p>
-        </p:txBody>
-      </p:sp>
-    </p:spTree>
-  </p:cSld>
-</p:sldLayout>
-</file>
-
-<file path=ppt/slideLayouts/slideLayout33.xml><?xml version="1.0" encoding="utf-8"?>
-<p:sldLayout xmlns:a="http://schemas.openxmlformats.org/drawingml/2006/main" xmlns:p="http://schemas.openxmlformats.org/presentationml/2006/main" xmlns:r="http://schemas.openxmlformats.org/officeDocument/2006/relationships" xmlns:p14="http://schemas.microsoft.com/office/powerpoint/2010/main" xmlns:p15="http://schemas.microsoft.com/office/powerpoint/2012/main" xmlns:mc="http://schemas.openxmlformats.org/markup-compatibility/2006" type="twoObjOverTx" preserve="1">
-  <p:cSld name="Title, 2 Content over Content">
-    <p:spTree>
-      <p:nvGrpSpPr>
-        <p:cNvPr id="1" name=""/>
-        <p:cNvGrpSpPr/>
-        <p:nvPr/>
-      </p:nvGrpSpPr>
-      <p:grpSpPr>
-        <a:xfrm>
-          <a:off x="0" y="0"/>
-          <a:ext cx="0" cy="0"/>
-          <a:chOff x="0" y="0"/>
-          <a:chExt cx="0" cy="0"/>
-        </a:xfrm>
-      </p:grpSpPr>
-      <p:sp>
-        <p:nvSpPr>
-          <p:cNvPr id="95" name="PlaceHolder 1"/>
-          <p:cNvSpPr>
-            <a:spLocks noGrp="1"/>
-          </p:cNvSpPr>
-          <p:nvPr>
-            <p:ph type="title"/>
-          </p:nvPr>
-        </p:nvSpPr>
-        <p:spPr>
-          <a:xfrm>
-            <a:off x="609480" y="273600"/>
-            <a:ext cx="10972440" cy="1144800"/>
-          </a:xfrm>
-          <a:prstGeom prst="rect">
-            <a:avLst/>
-          </a:prstGeom>
-        </p:spPr>
-        <p:txBody>
-          <a:bodyPr lIns="0" rIns="0" tIns="0" bIns="0" anchor="ctr">
-            <a:noAutofit/>
-          </a:bodyPr>
-          <a:p>
-            <a:pPr algn="ctr"/>
-            <a:endParaRPr b="0" lang="pt-BR" sz="4400" spc="-1" strike="noStrike">
-              <a:latin typeface="Arial"/>
-            </a:endParaRPr>
-          </a:p>
-        </p:txBody>
-      </p:sp>
-      <p:sp>
-        <p:nvSpPr>
-          <p:cNvPr id="96" name="PlaceHolder 2"/>
-          <p:cNvSpPr>
-            <a:spLocks noGrp="1"/>
-          </p:cNvSpPr>
-          <p:nvPr>
-            <p:ph type="body"/>
-          </p:nvPr>
-        </p:nvSpPr>
-        <p:spPr>
-          <a:xfrm>
-            <a:off x="609480" y="1604520"/>
-            <a:ext cx="5354280" cy="1896840"/>
-          </a:xfrm>
-          <a:prstGeom prst="rect">
-            <a:avLst/>
-          </a:prstGeom>
-        </p:spPr>
-        <p:txBody>
-          <a:bodyPr lIns="0" rIns="0" tIns="0" bIns="0">
-            <a:normAutofit/>
-          </a:bodyPr>
-          <a:p>
-            <a:endParaRPr b="0" lang="pt-BR" sz="3200" spc="-1" strike="noStrike">
-              <a:latin typeface="Arial"/>
-            </a:endParaRPr>
-          </a:p>
-        </p:txBody>
-      </p:sp>
-      <p:sp>
-        <p:nvSpPr>
-          <p:cNvPr id="97" name="PlaceHolder 3"/>
-          <p:cNvSpPr>
-            <a:spLocks noGrp="1"/>
-          </p:cNvSpPr>
-          <p:nvPr>
-            <p:ph type="body"/>
-          </p:nvPr>
-        </p:nvSpPr>
-        <p:spPr>
-          <a:xfrm>
-            <a:off x="6231960" y="1604520"/>
-            <a:ext cx="5354280" cy="1896840"/>
-          </a:xfrm>
-          <a:prstGeom prst="rect">
-            <a:avLst/>
-          </a:prstGeom>
-        </p:spPr>
-        <p:txBody>
-          <a:bodyPr lIns="0" rIns="0" tIns="0" bIns="0">
-            <a:normAutofit/>
-          </a:bodyPr>
-          <a:p>
-            <a:endParaRPr b="0" lang="pt-BR" sz="3200" spc="-1" strike="noStrike">
-              <a:latin typeface="Arial"/>
-            </a:endParaRPr>
-          </a:p>
-        </p:txBody>
-      </p:sp>
-      <p:sp>
-        <p:nvSpPr>
-          <p:cNvPr id="98" name="PlaceHolder 4"/>
-          <p:cNvSpPr>
-            <a:spLocks noGrp="1"/>
-          </p:cNvSpPr>
-          <p:nvPr>
-            <p:ph type="body"/>
-          </p:nvPr>
-        </p:nvSpPr>
-        <p:spPr>
-          <a:xfrm>
-            <a:off x="609480" y="3682080"/>
-            <a:ext cx="10972440" cy="1896840"/>
-          </a:xfrm>
-          <a:prstGeom prst="rect">
-            <a:avLst/>
-          </a:prstGeom>
-        </p:spPr>
-        <p:txBody>
-          <a:bodyPr lIns="0" rIns="0" tIns="0" bIns="0">
-            <a:normAutofit/>
-          </a:bodyPr>
-          <a:p>
-            <a:endParaRPr b="0" lang="pt-BR" sz="3200" spc="-1" strike="noStrike">
-              <a:latin typeface="Arial"/>
-            </a:endParaRPr>
-          </a:p>
-        </p:txBody>
-      </p:sp>
-    </p:spTree>
-  </p:cSld>
-</p:sldLayout>
-</file>
-
-<file path=ppt/slideLayouts/slideLayout34.xml><?xml version="1.0" encoding="utf-8"?>
-<p:sldLayout xmlns:a="http://schemas.openxmlformats.org/drawingml/2006/main" xmlns:p="http://schemas.openxmlformats.org/presentationml/2006/main" xmlns:r="http://schemas.openxmlformats.org/officeDocument/2006/relationships" xmlns:p14="http://schemas.microsoft.com/office/powerpoint/2010/main" xmlns:p15="http://schemas.microsoft.com/office/powerpoint/2012/main" xmlns:mc="http://schemas.openxmlformats.org/markup-compatibility/2006" type="objOverTx" preserve="1">
-  <p:cSld name="Title, Content over Content">
-    <p:spTree>
-      <p:nvGrpSpPr>
-        <p:cNvPr id="1" name=""/>
-        <p:cNvGrpSpPr/>
-        <p:nvPr/>
-      </p:nvGrpSpPr>
-      <p:grpSpPr>
-        <a:xfrm>
-          <a:off x="0" y="0"/>
-          <a:ext cx="0" cy="0"/>
-          <a:chOff x="0" y="0"/>
-          <a:chExt cx="0" cy="0"/>
-        </a:xfrm>
-      </p:grpSpPr>
-      <p:sp>
-        <p:nvSpPr>
-          <p:cNvPr id="99" name="PlaceHolder 1"/>
-          <p:cNvSpPr>
-            <a:spLocks noGrp="1"/>
-          </p:cNvSpPr>
-          <p:nvPr>
-            <p:ph type="title"/>
-          </p:nvPr>
-        </p:nvSpPr>
-        <p:spPr>
-          <a:xfrm>
-            <a:off x="609480" y="273600"/>
-            <a:ext cx="10972440" cy="1144800"/>
-          </a:xfrm>
-          <a:prstGeom prst="rect">
-            <a:avLst/>
-          </a:prstGeom>
-        </p:spPr>
-        <p:txBody>
-          <a:bodyPr lIns="0" rIns="0" tIns="0" bIns="0" anchor="ctr">
-            <a:noAutofit/>
-          </a:bodyPr>
-          <a:p>
-            <a:pPr algn="ctr"/>
-            <a:endParaRPr b="0" lang="pt-BR" sz="4400" spc="-1" strike="noStrike">
-              <a:latin typeface="Arial"/>
-            </a:endParaRPr>
-          </a:p>
-        </p:txBody>
-      </p:sp>
-      <p:sp>
-        <p:nvSpPr>
-          <p:cNvPr id="100" name="PlaceHolder 2"/>
-          <p:cNvSpPr>
-            <a:spLocks noGrp="1"/>
-          </p:cNvSpPr>
-          <p:nvPr>
-            <p:ph type="body"/>
-          </p:nvPr>
-        </p:nvSpPr>
-        <p:spPr>
-          <a:xfrm>
-            <a:off x="609480" y="1604520"/>
-            <a:ext cx="10972440" cy="1896840"/>
-          </a:xfrm>
-          <a:prstGeom prst="rect">
-            <a:avLst/>
-          </a:prstGeom>
-        </p:spPr>
-        <p:txBody>
-          <a:bodyPr lIns="0" rIns="0" tIns="0" bIns="0">
-            <a:normAutofit/>
-          </a:bodyPr>
-          <a:p>
-            <a:endParaRPr b="0" lang="pt-BR" sz="3200" spc="-1" strike="noStrike">
-              <a:latin typeface="Arial"/>
-            </a:endParaRPr>
-          </a:p>
-        </p:txBody>
-      </p:sp>
-      <p:sp>
-        <p:nvSpPr>
-          <p:cNvPr id="101" name="PlaceHolder 3"/>
-          <p:cNvSpPr>
-            <a:spLocks noGrp="1"/>
-          </p:cNvSpPr>
-          <p:nvPr>
-            <p:ph type="body"/>
-          </p:nvPr>
-        </p:nvSpPr>
-        <p:spPr>
-          <a:xfrm>
-            <a:off x="609480" y="3682080"/>
-            <a:ext cx="10972440" cy="1896840"/>
-          </a:xfrm>
-          <a:prstGeom prst="rect">
-            <a:avLst/>
-          </a:prstGeom>
-        </p:spPr>
-        <p:txBody>
-          <a:bodyPr lIns="0" rIns="0" tIns="0" bIns="0">
-            <a:normAutofit/>
-          </a:bodyPr>
-          <a:p>
-            <a:endParaRPr b="0" lang="pt-BR" sz="3200" spc="-1" strike="noStrike">
-              <a:latin typeface="Arial"/>
-            </a:endParaRPr>
-          </a:p>
-        </p:txBody>
-      </p:sp>
-    </p:spTree>
-  </p:cSld>
-</p:sldLayout>
-</file>
-
-<file path=ppt/slideLayouts/slideLayout35.xml><?xml version="1.0" encoding="utf-8"?>
-<p:sldLayout xmlns:a="http://schemas.openxmlformats.org/drawingml/2006/main" xmlns:p="http://schemas.openxmlformats.org/presentationml/2006/main" xmlns:r="http://schemas.openxmlformats.org/officeDocument/2006/relationships" xmlns:p14="http://schemas.microsoft.com/office/powerpoint/2010/main" xmlns:p15="http://schemas.microsoft.com/office/powerpoint/2012/main" xmlns:mc="http://schemas.openxmlformats.org/markup-compatibility/2006" type="fourObj" preserve="1">
-  <p:cSld name="Title, 4 Content">
-    <p:spTree>
-      <p:nvGrpSpPr>
-        <p:cNvPr id="1" name=""/>
-        <p:cNvGrpSpPr/>
-        <p:nvPr/>
-      </p:nvGrpSpPr>
-      <p:grpSpPr>
-        <a:xfrm>
-          <a:off x="0" y="0"/>
-          <a:ext cx="0" cy="0"/>
-          <a:chOff x="0" y="0"/>
-          <a:chExt cx="0" cy="0"/>
-        </a:xfrm>
-      </p:grpSpPr>
-      <p:sp>
-        <p:nvSpPr>
-          <p:cNvPr id="102" name="PlaceHolder 1"/>
-          <p:cNvSpPr>
-            <a:spLocks noGrp="1"/>
-          </p:cNvSpPr>
-          <p:nvPr>
-            <p:ph type="title"/>
-          </p:nvPr>
-        </p:nvSpPr>
-        <p:spPr>
-          <a:xfrm>
-            <a:off x="609480" y="273600"/>
-            <a:ext cx="10972440" cy="1144800"/>
-          </a:xfrm>
-          <a:prstGeom prst="rect">
-            <a:avLst/>
-          </a:prstGeom>
-        </p:spPr>
-        <p:txBody>
-          <a:bodyPr lIns="0" rIns="0" tIns="0" bIns="0" anchor="ctr">
-            <a:noAutofit/>
-          </a:bodyPr>
-          <a:p>
-            <a:pPr algn="ctr"/>
-            <a:endParaRPr b="0" lang="pt-BR" sz="4400" spc="-1" strike="noStrike">
-              <a:latin typeface="Arial"/>
-            </a:endParaRPr>
-          </a:p>
-        </p:txBody>
-      </p:sp>
-      <p:sp>
-        <p:nvSpPr>
-          <p:cNvPr id="103" name="PlaceHolder 2"/>
-          <p:cNvSpPr>
-            <a:spLocks noGrp="1"/>
-          </p:cNvSpPr>
-          <p:nvPr>
-            <p:ph type="body"/>
-          </p:nvPr>
-        </p:nvSpPr>
-        <p:spPr>
-          <a:xfrm>
-            <a:off x="609480" y="1604520"/>
-            <a:ext cx="5354280" cy="1896840"/>
-          </a:xfrm>
-          <a:prstGeom prst="rect">
-            <a:avLst/>
-          </a:prstGeom>
-        </p:spPr>
-        <p:txBody>
-          <a:bodyPr lIns="0" rIns="0" tIns="0" bIns="0">
-            <a:normAutofit/>
-          </a:bodyPr>
-          <a:p>
-            <a:endParaRPr b="0" lang="pt-BR" sz="3200" spc="-1" strike="noStrike">
-              <a:latin typeface="Arial"/>
-            </a:endParaRPr>
-          </a:p>
-        </p:txBody>
-      </p:sp>
-      <p:sp>
-        <p:nvSpPr>
-          <p:cNvPr id="104" name="PlaceHolder 3"/>
-          <p:cNvSpPr>
-            <a:spLocks noGrp="1"/>
-          </p:cNvSpPr>
-          <p:nvPr>
-            <p:ph type="body"/>
-          </p:nvPr>
-        </p:nvSpPr>
-        <p:spPr>
-          <a:xfrm>
-            <a:off x="6231960" y="1604520"/>
-            <a:ext cx="5354280" cy="1896840"/>
-          </a:xfrm>
-          <a:prstGeom prst="rect">
-            <a:avLst/>
-          </a:prstGeom>
-        </p:spPr>
-        <p:txBody>
-          <a:bodyPr lIns="0" rIns="0" tIns="0" bIns="0">
-            <a:normAutofit/>
-          </a:bodyPr>
-          <a:p>
-            <a:endParaRPr b="0" lang="pt-BR" sz="3200" spc="-1" strike="noStrike">
-              <a:latin typeface="Arial"/>
-            </a:endParaRPr>
-          </a:p>
-        </p:txBody>
-      </p:sp>
-      <p:sp>
-        <p:nvSpPr>
-          <p:cNvPr id="105" name="PlaceHolder 4"/>
-          <p:cNvSpPr>
-            <a:spLocks noGrp="1"/>
-          </p:cNvSpPr>
-          <p:nvPr>
-            <p:ph type="body"/>
-          </p:nvPr>
-        </p:nvSpPr>
-        <p:spPr>
-          <a:xfrm>
-            <a:off x="609480" y="3682080"/>
-            <a:ext cx="5354280" cy="1896840"/>
-          </a:xfrm>
-          <a:prstGeom prst="rect">
-            <a:avLst/>
-          </a:prstGeom>
-        </p:spPr>
-        <p:txBody>
-          <a:bodyPr lIns="0" rIns="0" tIns="0" bIns="0">
-            <a:normAutofit/>
-          </a:bodyPr>
-          <a:p>
-            <a:endParaRPr b="0" lang="pt-BR" sz="3200" spc="-1" strike="noStrike">
-              <a:latin typeface="Arial"/>
-            </a:endParaRPr>
-          </a:p>
-        </p:txBody>
-      </p:sp>
-      <p:sp>
-        <p:nvSpPr>
-          <p:cNvPr id="106" name="PlaceHolder 5"/>
-          <p:cNvSpPr>
-            <a:spLocks noGrp="1"/>
-          </p:cNvSpPr>
-          <p:nvPr>
-            <p:ph type="body"/>
-          </p:nvPr>
-        </p:nvSpPr>
-        <p:spPr>
-          <a:xfrm>
-            <a:off x="6231960" y="3682080"/>
-            <a:ext cx="5354280" cy="1896840"/>
-          </a:xfrm>
-          <a:prstGeom prst="rect">
-            <a:avLst/>
-          </a:prstGeom>
-        </p:spPr>
-        <p:txBody>
-          <a:bodyPr lIns="0" rIns="0" tIns="0" bIns="0">
-            <a:normAutofit/>
-          </a:bodyPr>
-          <a:p>
-            <a:endParaRPr b="0" lang="pt-BR" sz="3200" spc="-1" strike="noStrike">
-              <a:latin typeface="Arial"/>
-            </a:endParaRPr>
-          </a:p>
-        </p:txBody>
-      </p:sp>
-    </p:spTree>
-  </p:cSld>
-</p:sldLayout>
-</file>
-
-<file path=ppt/slideLayouts/slideLayout36.xml><?xml version="1.0" encoding="utf-8"?>
-<p:sldLayout xmlns:a="http://schemas.openxmlformats.org/drawingml/2006/main" xmlns:p="http://schemas.openxmlformats.org/presentationml/2006/main" xmlns:r="http://schemas.openxmlformats.org/officeDocument/2006/relationships" xmlns:p14="http://schemas.microsoft.com/office/powerpoint/2010/main" xmlns:p15="http://schemas.microsoft.com/office/powerpoint/2012/main" xmlns:mc="http://schemas.openxmlformats.org/markup-compatibility/2006" type="blank" preserve="1">
-  <p:cSld name="Title, 6 Content">
-    <p:spTree>
-      <p:nvGrpSpPr>
-        <p:cNvPr id="1" name=""/>
-        <p:cNvGrpSpPr/>
-        <p:nvPr/>
-      </p:nvGrpSpPr>
-      <p:grpSpPr>
-        <a:xfrm>
-          <a:off x="0" y="0"/>
-          <a:ext cx="0" cy="0"/>
-          <a:chOff x="0" y="0"/>
-          <a:chExt cx="0" cy="0"/>
-        </a:xfrm>
-      </p:grpSpPr>
-      <p:sp>
-        <p:nvSpPr>
-          <p:cNvPr id="107" name="PlaceHolder 1"/>
-          <p:cNvSpPr>
-            <a:spLocks noGrp="1"/>
-          </p:cNvSpPr>
-          <p:nvPr>
-            <p:ph type="title"/>
-          </p:nvPr>
-        </p:nvSpPr>
-        <p:spPr>
-          <a:xfrm>
-            <a:off x="609480" y="273600"/>
-            <a:ext cx="10972440" cy="1144800"/>
-          </a:xfrm>
-          <a:prstGeom prst="rect">
-            <a:avLst/>
-          </a:prstGeom>
-        </p:spPr>
-        <p:txBody>
-          <a:bodyPr lIns="0" rIns="0" tIns="0" bIns="0" anchor="ctr">
-            <a:noAutofit/>
-          </a:bodyPr>
-          <a:p>
-            <a:pPr algn="ctr"/>
-            <a:endParaRPr b="0" lang="pt-BR" sz="4400" spc="-1" strike="noStrike">
-              <a:latin typeface="Arial"/>
-            </a:endParaRPr>
-          </a:p>
-        </p:txBody>
-      </p:sp>
-      <p:sp>
-        <p:nvSpPr>
-          <p:cNvPr id="108" name="PlaceHolder 2"/>
-          <p:cNvSpPr>
-            <a:spLocks noGrp="1"/>
-          </p:cNvSpPr>
-          <p:nvPr>
-            <p:ph type="body"/>
-          </p:nvPr>
-        </p:nvSpPr>
-        <p:spPr>
-          <a:xfrm>
-            <a:off x="609480" y="1604520"/>
-            <a:ext cx="3533040" cy="1896840"/>
-          </a:xfrm>
-          <a:prstGeom prst="rect">
-            <a:avLst/>
-          </a:prstGeom>
-        </p:spPr>
-        <p:txBody>
-          <a:bodyPr lIns="0" rIns="0" tIns="0" bIns="0">
-            <a:normAutofit/>
-          </a:bodyPr>
-          <a:p>
-            <a:endParaRPr b="0" lang="pt-BR" sz="3200" spc="-1" strike="noStrike">
-              <a:latin typeface="Arial"/>
-            </a:endParaRPr>
-          </a:p>
-        </p:txBody>
-      </p:sp>
-      <p:sp>
-        <p:nvSpPr>
-          <p:cNvPr id="109" name="PlaceHolder 3"/>
-          <p:cNvSpPr>
-            <a:spLocks noGrp="1"/>
-          </p:cNvSpPr>
-          <p:nvPr>
-            <p:ph type="body"/>
-          </p:nvPr>
-        </p:nvSpPr>
-        <p:spPr>
-          <a:xfrm>
-            <a:off x="4319640" y="1604520"/>
-            <a:ext cx="3533040" cy="1896840"/>
-          </a:xfrm>
-          <a:prstGeom prst="rect">
-            <a:avLst/>
-          </a:prstGeom>
-        </p:spPr>
-        <p:txBody>
-          <a:bodyPr lIns="0" rIns="0" tIns="0" bIns="0">
-            <a:normAutofit/>
-          </a:bodyPr>
-          <a:p>
-            <a:endParaRPr b="0" lang="pt-BR" sz="3200" spc="-1" strike="noStrike">
-              <a:latin typeface="Arial"/>
-            </a:endParaRPr>
-          </a:p>
-        </p:txBody>
-      </p:sp>
-      <p:sp>
-        <p:nvSpPr>
-          <p:cNvPr id="110" name="PlaceHolder 4"/>
-          <p:cNvSpPr>
-            <a:spLocks noGrp="1"/>
-          </p:cNvSpPr>
-          <p:nvPr>
-            <p:ph type="body"/>
-          </p:nvPr>
-        </p:nvSpPr>
-        <p:spPr>
-          <a:xfrm>
-            <a:off x="8029800" y="1604520"/>
-            <a:ext cx="3533040" cy="1896840"/>
-          </a:xfrm>
-          <a:prstGeom prst="rect">
-            <a:avLst/>
-          </a:prstGeom>
-        </p:spPr>
-        <p:txBody>
-          <a:bodyPr lIns="0" rIns="0" tIns="0" bIns="0">
-            <a:normAutofit/>
-          </a:bodyPr>
-          <a:p>
-            <a:endParaRPr b="0" lang="pt-BR" sz="3200" spc="-1" strike="noStrike">
-              <a:latin typeface="Arial"/>
-            </a:endParaRPr>
-          </a:p>
-        </p:txBody>
-      </p:sp>
-      <p:sp>
-        <p:nvSpPr>
-          <p:cNvPr id="111" name="PlaceHolder 5"/>
-          <p:cNvSpPr>
-            <a:spLocks noGrp="1"/>
-          </p:cNvSpPr>
-          <p:nvPr>
-            <p:ph type="body"/>
-          </p:nvPr>
-        </p:nvSpPr>
-        <p:spPr>
-          <a:xfrm>
-            <a:off x="609480" y="3682080"/>
-            <a:ext cx="3533040" cy="1896840"/>
-          </a:xfrm>
-          <a:prstGeom prst="rect">
-            <a:avLst/>
-          </a:prstGeom>
-        </p:spPr>
-        <p:txBody>
-          <a:bodyPr lIns="0" rIns="0" tIns="0" bIns="0">
-            <a:normAutofit/>
-          </a:bodyPr>
-          <a:p>
-            <a:endParaRPr b="0" lang="pt-BR" sz="3200" spc="-1" strike="noStrike">
-              <a:latin typeface="Arial"/>
-            </a:endParaRPr>
-          </a:p>
-        </p:txBody>
-      </p:sp>
-      <p:sp>
-        <p:nvSpPr>
-          <p:cNvPr id="112" name="PlaceHolder 6"/>
-          <p:cNvSpPr>
-            <a:spLocks noGrp="1"/>
-          </p:cNvSpPr>
-          <p:nvPr>
-            <p:ph type="body"/>
-          </p:nvPr>
-        </p:nvSpPr>
-        <p:spPr>
-          <a:xfrm>
-            <a:off x="4319640" y="3682080"/>
-            <a:ext cx="3533040" cy="1896840"/>
-          </a:xfrm>
-          <a:prstGeom prst="rect">
-            <a:avLst/>
-          </a:prstGeom>
-        </p:spPr>
-        <p:txBody>
-          <a:bodyPr lIns="0" rIns="0" tIns="0" bIns="0">
-            <a:normAutofit/>
-          </a:bodyPr>
-          <a:p>
-            <a:endParaRPr b="0" lang="pt-BR" sz="3200" spc="-1" strike="noStrike">
-              <a:latin typeface="Arial"/>
-            </a:endParaRPr>
-          </a:p>
-        </p:txBody>
-      </p:sp>
-      <p:sp>
-        <p:nvSpPr>
-          <p:cNvPr id="113" name="PlaceHolder 7"/>
-          <p:cNvSpPr>
-            <a:spLocks noGrp="1"/>
-          </p:cNvSpPr>
-          <p:nvPr>
-            <p:ph type="body"/>
-          </p:nvPr>
-        </p:nvSpPr>
-        <p:spPr>
-          <a:xfrm>
-            <a:off x="8029800" y="3682080"/>
-            <a:ext cx="3533040" cy="1896840"/>
-          </a:xfrm>
-          <a:prstGeom prst="rect">
-            <a:avLst/>
-          </a:prstGeom>
-        </p:spPr>
-        <p:txBody>
-          <a:bodyPr lIns="0" rIns="0" tIns="0" bIns="0">
-            <a:normAutofit/>
-          </a:bodyPr>
-          <a:p>
-            <a:endParaRPr b="0" lang="pt-BR" sz="3200" spc="-1" strike="noStrike">
-              <a:latin typeface="Arial"/>
-            </a:endParaRPr>
-          </a:p>
-        </p:txBody>
-      </p:sp>
-    </p:spTree>
-  </p:cSld>
-</p:sldLayout>
-</file>
-
-<file path=ppt/slideLayouts/slideLayout37.xml><?xml version="1.0" encoding="utf-8"?>
-<p:sldLayout xmlns:a="http://schemas.openxmlformats.org/drawingml/2006/main" xmlns:p="http://schemas.openxmlformats.org/presentationml/2006/main" xmlns:r="http://schemas.openxmlformats.org/officeDocument/2006/relationships" xmlns:p14="http://schemas.microsoft.com/office/powerpoint/2010/main" xmlns:p15="http://schemas.microsoft.com/office/powerpoint/2012/main" xmlns:mc="http://schemas.openxmlformats.org/markup-compatibility/2006" type="blank" preserve="1">
-  <p:cSld name="Blank Slide">
-    <p:spTree>
-      <p:nvGrpSpPr>
-        <p:cNvPr id="1" name=""/>
-        <p:cNvGrpSpPr/>
-        <p:nvPr/>
-      </p:nvGrpSpPr>
-      <p:grpSpPr>
-        <a:xfrm>
-          <a:off x="0" y="0"/>
-          <a:ext cx="0" cy="0"/>
-          <a:chOff x="0" y="0"/>
-          <a:chExt cx="0" cy="0"/>
-        </a:xfrm>
-      </p:grpSpPr>
-    </p:spTree>
-  </p:cSld>
-</p:sldLayout>
-</file>
-
-<file path=ppt/slideLayouts/slideLayout38.xml><?xml version="1.0" encoding="utf-8"?>
-<p:sldLayout xmlns:a="http://schemas.openxmlformats.org/drawingml/2006/main" xmlns:p="http://schemas.openxmlformats.org/presentationml/2006/main" xmlns:r="http://schemas.openxmlformats.org/officeDocument/2006/relationships" xmlns:p14="http://schemas.microsoft.com/office/powerpoint/2010/main" xmlns:p15="http://schemas.microsoft.com/office/powerpoint/2012/main" xmlns:mc="http://schemas.openxmlformats.org/markup-compatibility/2006" type="tx" preserve="1">
-  <p:cSld name="Title Slide">
-    <p:spTree>
-      <p:nvGrpSpPr>
-        <p:cNvPr id="1" name=""/>
-        <p:cNvGrpSpPr/>
-        <p:nvPr/>
-      </p:nvGrpSpPr>
-      <p:grpSpPr>
-        <a:xfrm>
-          <a:off x="0" y="0"/>
-          <a:ext cx="0" cy="0"/>
-          <a:chOff x="0" y="0"/>
-          <a:chExt cx="0" cy="0"/>
-        </a:xfrm>
-      </p:grpSpPr>
-      <p:sp>
-        <p:nvSpPr>
-          <p:cNvPr id="116" name="PlaceHolder 1"/>
-          <p:cNvSpPr>
-            <a:spLocks noGrp="1"/>
-          </p:cNvSpPr>
-          <p:nvPr>
-            <p:ph type="title"/>
-          </p:nvPr>
-        </p:nvSpPr>
-        <p:spPr>
-          <a:xfrm>
-            <a:off x="609480" y="273600"/>
-            <a:ext cx="10972440" cy="1144800"/>
-          </a:xfrm>
-          <a:prstGeom prst="rect">
-            <a:avLst/>
-          </a:prstGeom>
-        </p:spPr>
-        <p:txBody>
-          <a:bodyPr lIns="0" rIns="0" tIns="0" bIns="0" anchor="ctr">
-            <a:noAutofit/>
-          </a:bodyPr>
-          <a:p>
-            <a:pPr algn="ctr"/>
-            <a:endParaRPr b="0" lang="pt-BR" sz="4400" spc="-1" strike="noStrike">
-              <a:latin typeface="Arial"/>
-            </a:endParaRPr>
-          </a:p>
-        </p:txBody>
-      </p:sp>
-      <p:sp>
-        <p:nvSpPr>
-          <p:cNvPr id="117" name="PlaceHolder 2"/>
-          <p:cNvSpPr>
-            <a:spLocks noGrp="1"/>
-          </p:cNvSpPr>
-          <p:nvPr>
-            <p:ph type="subTitle"/>
-          </p:nvPr>
-        </p:nvSpPr>
-        <p:spPr>
-          <a:xfrm>
-            <a:off x="609480" y="1604520"/>
-            <a:ext cx="10972440" cy="3977280"/>
-          </a:xfrm>
-          <a:prstGeom prst="rect">
-            <a:avLst/>
-          </a:prstGeom>
-        </p:spPr>
-        <p:txBody>
-          <a:bodyPr lIns="0" rIns="0" tIns="0" bIns="0" anchor="ctr">
-            <a:noAutofit/>
-          </a:bodyPr>
-          <a:p>
-            <a:pPr algn="ctr"/>
-            <a:endParaRPr b="0" lang="pt-BR" sz="3200" spc="-1" strike="noStrike">
-              <a:latin typeface="Arial"/>
-            </a:endParaRPr>
-          </a:p>
-        </p:txBody>
-      </p:sp>
-    </p:spTree>
-  </p:cSld>
-</p:sldLayout>
-</file>
-
-<file path=ppt/slideLayouts/slideLayout39.xml><?xml version="1.0" encoding="utf-8"?>
-<p:sldLayout xmlns:a="http://schemas.openxmlformats.org/drawingml/2006/main" xmlns:p="http://schemas.openxmlformats.org/presentationml/2006/main" xmlns:r="http://schemas.openxmlformats.org/officeDocument/2006/relationships" xmlns:p14="http://schemas.microsoft.com/office/powerpoint/2010/main" xmlns:p15="http://schemas.microsoft.com/office/powerpoint/2012/main" xmlns:mc="http://schemas.openxmlformats.org/markup-compatibility/2006" type="obj" preserve="1">
-  <p:cSld name="Title, Content">
-    <p:spTree>
-      <p:nvGrpSpPr>
-        <p:cNvPr id="1" name=""/>
-        <p:cNvGrpSpPr/>
-        <p:nvPr/>
-      </p:nvGrpSpPr>
-      <p:grpSpPr>
-        <a:xfrm>
-          <a:off x="0" y="0"/>
-          <a:ext cx="0" cy="0"/>
-          <a:chOff x="0" y="0"/>
-          <a:chExt cx="0" cy="0"/>
-        </a:xfrm>
-      </p:grpSpPr>
-      <p:sp>
-        <p:nvSpPr>
-          <p:cNvPr id="118" name="PlaceHolder 1"/>
-          <p:cNvSpPr>
-            <a:spLocks noGrp="1"/>
-          </p:cNvSpPr>
-          <p:nvPr>
-            <p:ph type="title"/>
-          </p:nvPr>
-        </p:nvSpPr>
-        <p:spPr>
-          <a:xfrm>
-            <a:off x="609480" y="273600"/>
-            <a:ext cx="10972440" cy="1144800"/>
-          </a:xfrm>
-          <a:prstGeom prst="rect">
-            <a:avLst/>
-          </a:prstGeom>
-        </p:spPr>
-        <p:txBody>
-          <a:bodyPr lIns="0" rIns="0" tIns="0" bIns="0" anchor="ctr">
-            <a:noAutofit/>
-          </a:bodyPr>
-          <a:p>
-            <a:pPr algn="ctr"/>
-            <a:endParaRPr b="0" lang="pt-BR" sz="4400" spc="-1" strike="noStrike">
-              <a:latin typeface="Arial"/>
-            </a:endParaRPr>
-          </a:p>
-        </p:txBody>
-      </p:sp>
-      <p:sp>
-        <p:nvSpPr>
-          <p:cNvPr id="119" name="PlaceHolder 2"/>
           <p:cNvSpPr>
             <a:spLocks noGrp="1"/>
           </p:cNvSpPr>
@@ -3658,7 +2110,7 @@
         <p:spPr>
           <a:xfrm>
             <a:off x="609480" y="273600"/>
-            <a:ext cx="10972440" cy="1144800"/>
+            <a:ext cx="10971000" cy="1143360"/>
           </a:xfrm>
           <a:prstGeom prst="rect">
             <a:avLst/>
@@ -3720,1173 +2172,6 @@
           <a:xfrm>
             <a:off x="6231960" y="1604520"/>
             <a:ext cx="5354280" cy="3977280"/>
-          </a:xfrm>
-          <a:prstGeom prst="rect">
-            <a:avLst/>
-          </a:prstGeom>
-        </p:spPr>
-        <p:txBody>
-          <a:bodyPr lIns="0" rIns="0" tIns="0" bIns="0">
-            <a:normAutofit/>
-          </a:bodyPr>
-          <a:p>
-            <a:endParaRPr b="0" lang="pt-BR" sz="3200" spc="-1" strike="noStrike">
-              <a:latin typeface="Arial"/>
-            </a:endParaRPr>
-          </a:p>
-        </p:txBody>
-      </p:sp>
-    </p:spTree>
-  </p:cSld>
-</p:sldLayout>
-</file>
-
-<file path=ppt/slideLayouts/slideLayout40.xml><?xml version="1.0" encoding="utf-8"?>
-<p:sldLayout xmlns:a="http://schemas.openxmlformats.org/drawingml/2006/main" xmlns:p="http://schemas.openxmlformats.org/presentationml/2006/main" xmlns:r="http://schemas.openxmlformats.org/officeDocument/2006/relationships" xmlns:p14="http://schemas.microsoft.com/office/powerpoint/2010/main" xmlns:p15="http://schemas.microsoft.com/office/powerpoint/2012/main" xmlns:mc="http://schemas.openxmlformats.org/markup-compatibility/2006" type="twoObj" preserve="1">
-  <p:cSld name="Title, 2 Content">
-    <p:spTree>
-      <p:nvGrpSpPr>
-        <p:cNvPr id="1" name=""/>
-        <p:cNvGrpSpPr/>
-        <p:nvPr/>
-      </p:nvGrpSpPr>
-      <p:grpSpPr>
-        <a:xfrm>
-          <a:off x="0" y="0"/>
-          <a:ext cx="0" cy="0"/>
-          <a:chOff x="0" y="0"/>
-          <a:chExt cx="0" cy="0"/>
-        </a:xfrm>
-      </p:grpSpPr>
-      <p:sp>
-        <p:nvSpPr>
-          <p:cNvPr id="120" name="PlaceHolder 1"/>
-          <p:cNvSpPr>
-            <a:spLocks noGrp="1"/>
-          </p:cNvSpPr>
-          <p:nvPr>
-            <p:ph type="title"/>
-          </p:nvPr>
-        </p:nvSpPr>
-        <p:spPr>
-          <a:xfrm>
-            <a:off x="609480" y="273600"/>
-            <a:ext cx="10972440" cy="1144800"/>
-          </a:xfrm>
-          <a:prstGeom prst="rect">
-            <a:avLst/>
-          </a:prstGeom>
-        </p:spPr>
-        <p:txBody>
-          <a:bodyPr lIns="0" rIns="0" tIns="0" bIns="0" anchor="ctr">
-            <a:noAutofit/>
-          </a:bodyPr>
-          <a:p>
-            <a:pPr algn="ctr"/>
-            <a:endParaRPr b="0" lang="pt-BR" sz="4400" spc="-1" strike="noStrike">
-              <a:latin typeface="Arial"/>
-            </a:endParaRPr>
-          </a:p>
-        </p:txBody>
-      </p:sp>
-      <p:sp>
-        <p:nvSpPr>
-          <p:cNvPr id="121" name="PlaceHolder 2"/>
-          <p:cNvSpPr>
-            <a:spLocks noGrp="1"/>
-          </p:cNvSpPr>
-          <p:nvPr>
-            <p:ph type="body"/>
-          </p:nvPr>
-        </p:nvSpPr>
-        <p:spPr>
-          <a:xfrm>
-            <a:off x="609480" y="1604520"/>
-            <a:ext cx="5354280" cy="3977280"/>
-          </a:xfrm>
-          <a:prstGeom prst="rect">
-            <a:avLst/>
-          </a:prstGeom>
-        </p:spPr>
-        <p:txBody>
-          <a:bodyPr lIns="0" rIns="0" tIns="0" bIns="0">
-            <a:normAutofit/>
-          </a:bodyPr>
-          <a:p>
-            <a:endParaRPr b="0" lang="pt-BR" sz="3200" spc="-1" strike="noStrike">
-              <a:latin typeface="Arial"/>
-            </a:endParaRPr>
-          </a:p>
-        </p:txBody>
-      </p:sp>
-      <p:sp>
-        <p:nvSpPr>
-          <p:cNvPr id="122" name="PlaceHolder 3"/>
-          <p:cNvSpPr>
-            <a:spLocks noGrp="1"/>
-          </p:cNvSpPr>
-          <p:nvPr>
-            <p:ph type="body"/>
-          </p:nvPr>
-        </p:nvSpPr>
-        <p:spPr>
-          <a:xfrm>
-            <a:off x="6231960" y="1604520"/>
-            <a:ext cx="5354280" cy="3977280"/>
-          </a:xfrm>
-          <a:prstGeom prst="rect">
-            <a:avLst/>
-          </a:prstGeom>
-        </p:spPr>
-        <p:txBody>
-          <a:bodyPr lIns="0" rIns="0" tIns="0" bIns="0">
-            <a:normAutofit/>
-          </a:bodyPr>
-          <a:p>
-            <a:endParaRPr b="0" lang="pt-BR" sz="3200" spc="-1" strike="noStrike">
-              <a:latin typeface="Arial"/>
-            </a:endParaRPr>
-          </a:p>
-        </p:txBody>
-      </p:sp>
-    </p:spTree>
-  </p:cSld>
-</p:sldLayout>
-</file>
-
-<file path=ppt/slideLayouts/slideLayout41.xml><?xml version="1.0" encoding="utf-8"?>
-<p:sldLayout xmlns:a="http://schemas.openxmlformats.org/drawingml/2006/main" xmlns:p="http://schemas.openxmlformats.org/presentationml/2006/main" xmlns:r="http://schemas.openxmlformats.org/officeDocument/2006/relationships" xmlns:p14="http://schemas.microsoft.com/office/powerpoint/2010/main" xmlns:p15="http://schemas.microsoft.com/office/powerpoint/2012/main" xmlns:mc="http://schemas.openxmlformats.org/markup-compatibility/2006" type="titleOnly" preserve="1">
-  <p:cSld name="Title Only">
-    <p:spTree>
-      <p:nvGrpSpPr>
-        <p:cNvPr id="1" name=""/>
-        <p:cNvGrpSpPr/>
-        <p:nvPr/>
-      </p:nvGrpSpPr>
-      <p:grpSpPr>
-        <a:xfrm>
-          <a:off x="0" y="0"/>
-          <a:ext cx="0" cy="0"/>
-          <a:chOff x="0" y="0"/>
-          <a:chExt cx="0" cy="0"/>
-        </a:xfrm>
-      </p:grpSpPr>
-      <p:sp>
-        <p:nvSpPr>
-          <p:cNvPr id="123" name="PlaceHolder 1"/>
-          <p:cNvSpPr>
-            <a:spLocks noGrp="1"/>
-          </p:cNvSpPr>
-          <p:nvPr>
-            <p:ph type="title"/>
-          </p:nvPr>
-        </p:nvSpPr>
-        <p:spPr>
-          <a:xfrm>
-            <a:off x="609480" y="273600"/>
-            <a:ext cx="10972440" cy="1144800"/>
-          </a:xfrm>
-          <a:prstGeom prst="rect">
-            <a:avLst/>
-          </a:prstGeom>
-        </p:spPr>
-        <p:txBody>
-          <a:bodyPr lIns="0" rIns="0" tIns="0" bIns="0" anchor="ctr">
-            <a:noAutofit/>
-          </a:bodyPr>
-          <a:p>
-            <a:pPr algn="ctr"/>
-            <a:endParaRPr b="0" lang="pt-BR" sz="4400" spc="-1" strike="noStrike">
-              <a:latin typeface="Arial"/>
-            </a:endParaRPr>
-          </a:p>
-        </p:txBody>
-      </p:sp>
-    </p:spTree>
-  </p:cSld>
-</p:sldLayout>
-</file>
-
-<file path=ppt/slideLayouts/slideLayout42.xml><?xml version="1.0" encoding="utf-8"?>
-<p:sldLayout xmlns:a="http://schemas.openxmlformats.org/drawingml/2006/main" xmlns:p="http://schemas.openxmlformats.org/presentationml/2006/main" xmlns:r="http://schemas.openxmlformats.org/officeDocument/2006/relationships" xmlns:p14="http://schemas.microsoft.com/office/powerpoint/2010/main" xmlns:p15="http://schemas.microsoft.com/office/powerpoint/2012/main" xmlns:mc="http://schemas.openxmlformats.org/markup-compatibility/2006" type="objOnly" preserve="1">
-  <p:cSld name="Centered Text">
-    <p:spTree>
-      <p:nvGrpSpPr>
-        <p:cNvPr id="1" name=""/>
-        <p:cNvGrpSpPr/>
-        <p:nvPr/>
-      </p:nvGrpSpPr>
-      <p:grpSpPr>
-        <a:xfrm>
-          <a:off x="0" y="0"/>
-          <a:ext cx="0" cy="0"/>
-          <a:chOff x="0" y="0"/>
-          <a:chExt cx="0" cy="0"/>
-        </a:xfrm>
-      </p:grpSpPr>
-      <p:sp>
-        <p:nvSpPr>
-          <p:cNvPr id="124" name="PlaceHolder 1"/>
-          <p:cNvSpPr>
-            <a:spLocks noGrp="1"/>
-          </p:cNvSpPr>
-          <p:nvPr>
-            <p:ph type="subTitle"/>
-          </p:nvPr>
-        </p:nvSpPr>
-        <p:spPr>
-          <a:xfrm>
-            <a:off x="609480" y="273600"/>
-            <a:ext cx="10972440" cy="5307840"/>
-          </a:xfrm>
-          <a:prstGeom prst="rect">
-            <a:avLst/>
-          </a:prstGeom>
-        </p:spPr>
-        <p:txBody>
-          <a:bodyPr lIns="0" rIns="0" tIns="0" bIns="0" anchor="ctr">
-            <a:noAutofit/>
-          </a:bodyPr>
-          <a:p>
-            <a:pPr algn="ctr"/>
-            <a:endParaRPr b="0" lang="pt-BR" sz="3200" spc="-1" strike="noStrike">
-              <a:latin typeface="Arial"/>
-            </a:endParaRPr>
-          </a:p>
-        </p:txBody>
-      </p:sp>
-    </p:spTree>
-  </p:cSld>
-</p:sldLayout>
-</file>
-
-<file path=ppt/slideLayouts/slideLayout43.xml><?xml version="1.0" encoding="utf-8"?>
-<p:sldLayout xmlns:a="http://schemas.openxmlformats.org/drawingml/2006/main" xmlns:p="http://schemas.openxmlformats.org/presentationml/2006/main" xmlns:r="http://schemas.openxmlformats.org/officeDocument/2006/relationships" xmlns:p14="http://schemas.microsoft.com/office/powerpoint/2010/main" xmlns:p15="http://schemas.microsoft.com/office/powerpoint/2012/main" xmlns:mc="http://schemas.openxmlformats.org/markup-compatibility/2006" type="twoObjAndObj" preserve="1">
-  <p:cSld name="Title, 2 Content and Content">
-    <p:spTree>
-      <p:nvGrpSpPr>
-        <p:cNvPr id="1" name=""/>
-        <p:cNvGrpSpPr/>
-        <p:nvPr/>
-      </p:nvGrpSpPr>
-      <p:grpSpPr>
-        <a:xfrm>
-          <a:off x="0" y="0"/>
-          <a:ext cx="0" cy="0"/>
-          <a:chOff x="0" y="0"/>
-          <a:chExt cx="0" cy="0"/>
-        </a:xfrm>
-      </p:grpSpPr>
-      <p:sp>
-        <p:nvSpPr>
-          <p:cNvPr id="125" name="PlaceHolder 1"/>
-          <p:cNvSpPr>
-            <a:spLocks noGrp="1"/>
-          </p:cNvSpPr>
-          <p:nvPr>
-            <p:ph type="title"/>
-          </p:nvPr>
-        </p:nvSpPr>
-        <p:spPr>
-          <a:xfrm>
-            <a:off x="609480" y="273600"/>
-            <a:ext cx="10972440" cy="1144800"/>
-          </a:xfrm>
-          <a:prstGeom prst="rect">
-            <a:avLst/>
-          </a:prstGeom>
-        </p:spPr>
-        <p:txBody>
-          <a:bodyPr lIns="0" rIns="0" tIns="0" bIns="0" anchor="ctr">
-            <a:noAutofit/>
-          </a:bodyPr>
-          <a:p>
-            <a:pPr algn="ctr"/>
-            <a:endParaRPr b="0" lang="pt-BR" sz="4400" spc="-1" strike="noStrike">
-              <a:latin typeface="Arial"/>
-            </a:endParaRPr>
-          </a:p>
-        </p:txBody>
-      </p:sp>
-      <p:sp>
-        <p:nvSpPr>
-          <p:cNvPr id="126" name="PlaceHolder 2"/>
-          <p:cNvSpPr>
-            <a:spLocks noGrp="1"/>
-          </p:cNvSpPr>
-          <p:nvPr>
-            <p:ph type="body"/>
-          </p:nvPr>
-        </p:nvSpPr>
-        <p:spPr>
-          <a:xfrm>
-            <a:off x="609480" y="1604520"/>
-            <a:ext cx="5354280" cy="1896840"/>
-          </a:xfrm>
-          <a:prstGeom prst="rect">
-            <a:avLst/>
-          </a:prstGeom>
-        </p:spPr>
-        <p:txBody>
-          <a:bodyPr lIns="0" rIns="0" tIns="0" bIns="0">
-            <a:normAutofit/>
-          </a:bodyPr>
-          <a:p>
-            <a:endParaRPr b="0" lang="pt-BR" sz="3200" spc="-1" strike="noStrike">
-              <a:latin typeface="Arial"/>
-            </a:endParaRPr>
-          </a:p>
-        </p:txBody>
-      </p:sp>
-      <p:sp>
-        <p:nvSpPr>
-          <p:cNvPr id="127" name="PlaceHolder 3"/>
-          <p:cNvSpPr>
-            <a:spLocks noGrp="1"/>
-          </p:cNvSpPr>
-          <p:nvPr>
-            <p:ph type="body"/>
-          </p:nvPr>
-        </p:nvSpPr>
-        <p:spPr>
-          <a:xfrm>
-            <a:off x="6231960" y="1604520"/>
-            <a:ext cx="5354280" cy="3977280"/>
-          </a:xfrm>
-          <a:prstGeom prst="rect">
-            <a:avLst/>
-          </a:prstGeom>
-        </p:spPr>
-        <p:txBody>
-          <a:bodyPr lIns="0" rIns="0" tIns="0" bIns="0">
-            <a:normAutofit/>
-          </a:bodyPr>
-          <a:p>
-            <a:endParaRPr b="0" lang="pt-BR" sz="3200" spc="-1" strike="noStrike">
-              <a:latin typeface="Arial"/>
-            </a:endParaRPr>
-          </a:p>
-        </p:txBody>
-      </p:sp>
-      <p:sp>
-        <p:nvSpPr>
-          <p:cNvPr id="128" name="PlaceHolder 4"/>
-          <p:cNvSpPr>
-            <a:spLocks noGrp="1"/>
-          </p:cNvSpPr>
-          <p:nvPr>
-            <p:ph type="body"/>
-          </p:nvPr>
-        </p:nvSpPr>
-        <p:spPr>
-          <a:xfrm>
-            <a:off x="609480" y="3682080"/>
-            <a:ext cx="5354280" cy="1896840"/>
-          </a:xfrm>
-          <a:prstGeom prst="rect">
-            <a:avLst/>
-          </a:prstGeom>
-        </p:spPr>
-        <p:txBody>
-          <a:bodyPr lIns="0" rIns="0" tIns="0" bIns="0">
-            <a:normAutofit/>
-          </a:bodyPr>
-          <a:p>
-            <a:endParaRPr b="0" lang="pt-BR" sz="3200" spc="-1" strike="noStrike">
-              <a:latin typeface="Arial"/>
-            </a:endParaRPr>
-          </a:p>
-        </p:txBody>
-      </p:sp>
-    </p:spTree>
-  </p:cSld>
-</p:sldLayout>
-</file>
-
-<file path=ppt/slideLayouts/slideLayout44.xml><?xml version="1.0" encoding="utf-8"?>
-<p:sldLayout xmlns:a="http://schemas.openxmlformats.org/drawingml/2006/main" xmlns:p="http://schemas.openxmlformats.org/presentationml/2006/main" xmlns:r="http://schemas.openxmlformats.org/officeDocument/2006/relationships" xmlns:p14="http://schemas.microsoft.com/office/powerpoint/2010/main" xmlns:p15="http://schemas.microsoft.com/office/powerpoint/2012/main" xmlns:mc="http://schemas.openxmlformats.org/markup-compatibility/2006" type="objAndTwoObj" preserve="1">
-  <p:cSld name="Title Content and 2 Content">
-    <p:spTree>
-      <p:nvGrpSpPr>
-        <p:cNvPr id="1" name=""/>
-        <p:cNvGrpSpPr/>
-        <p:nvPr/>
-      </p:nvGrpSpPr>
-      <p:grpSpPr>
-        <a:xfrm>
-          <a:off x="0" y="0"/>
-          <a:ext cx="0" cy="0"/>
-          <a:chOff x="0" y="0"/>
-          <a:chExt cx="0" cy="0"/>
-        </a:xfrm>
-      </p:grpSpPr>
-      <p:sp>
-        <p:nvSpPr>
-          <p:cNvPr id="129" name="PlaceHolder 1"/>
-          <p:cNvSpPr>
-            <a:spLocks noGrp="1"/>
-          </p:cNvSpPr>
-          <p:nvPr>
-            <p:ph type="title"/>
-          </p:nvPr>
-        </p:nvSpPr>
-        <p:spPr>
-          <a:xfrm>
-            <a:off x="609480" y="273600"/>
-            <a:ext cx="10972440" cy="1144800"/>
-          </a:xfrm>
-          <a:prstGeom prst="rect">
-            <a:avLst/>
-          </a:prstGeom>
-        </p:spPr>
-        <p:txBody>
-          <a:bodyPr lIns="0" rIns="0" tIns="0" bIns="0" anchor="ctr">
-            <a:noAutofit/>
-          </a:bodyPr>
-          <a:p>
-            <a:pPr algn="ctr"/>
-            <a:endParaRPr b="0" lang="pt-BR" sz="4400" spc="-1" strike="noStrike">
-              <a:latin typeface="Arial"/>
-            </a:endParaRPr>
-          </a:p>
-        </p:txBody>
-      </p:sp>
-      <p:sp>
-        <p:nvSpPr>
-          <p:cNvPr id="130" name="PlaceHolder 2"/>
-          <p:cNvSpPr>
-            <a:spLocks noGrp="1"/>
-          </p:cNvSpPr>
-          <p:nvPr>
-            <p:ph type="body"/>
-          </p:nvPr>
-        </p:nvSpPr>
-        <p:spPr>
-          <a:xfrm>
-            <a:off x="609480" y="1604520"/>
-            <a:ext cx="5354280" cy="3977280"/>
-          </a:xfrm>
-          <a:prstGeom prst="rect">
-            <a:avLst/>
-          </a:prstGeom>
-        </p:spPr>
-        <p:txBody>
-          <a:bodyPr lIns="0" rIns="0" tIns="0" bIns="0">
-            <a:normAutofit/>
-          </a:bodyPr>
-          <a:p>
-            <a:endParaRPr b="0" lang="pt-BR" sz="3200" spc="-1" strike="noStrike">
-              <a:latin typeface="Arial"/>
-            </a:endParaRPr>
-          </a:p>
-        </p:txBody>
-      </p:sp>
-      <p:sp>
-        <p:nvSpPr>
-          <p:cNvPr id="131" name="PlaceHolder 3"/>
-          <p:cNvSpPr>
-            <a:spLocks noGrp="1"/>
-          </p:cNvSpPr>
-          <p:nvPr>
-            <p:ph type="body"/>
-          </p:nvPr>
-        </p:nvSpPr>
-        <p:spPr>
-          <a:xfrm>
-            <a:off x="6231960" y="1604520"/>
-            <a:ext cx="5354280" cy="1896840"/>
-          </a:xfrm>
-          <a:prstGeom prst="rect">
-            <a:avLst/>
-          </a:prstGeom>
-        </p:spPr>
-        <p:txBody>
-          <a:bodyPr lIns="0" rIns="0" tIns="0" bIns="0">
-            <a:normAutofit/>
-          </a:bodyPr>
-          <a:p>
-            <a:endParaRPr b="0" lang="pt-BR" sz="3200" spc="-1" strike="noStrike">
-              <a:latin typeface="Arial"/>
-            </a:endParaRPr>
-          </a:p>
-        </p:txBody>
-      </p:sp>
-      <p:sp>
-        <p:nvSpPr>
-          <p:cNvPr id="132" name="PlaceHolder 4"/>
-          <p:cNvSpPr>
-            <a:spLocks noGrp="1"/>
-          </p:cNvSpPr>
-          <p:nvPr>
-            <p:ph type="body"/>
-          </p:nvPr>
-        </p:nvSpPr>
-        <p:spPr>
-          <a:xfrm>
-            <a:off x="6231960" y="3682080"/>
-            <a:ext cx="5354280" cy="1896840"/>
-          </a:xfrm>
-          <a:prstGeom prst="rect">
-            <a:avLst/>
-          </a:prstGeom>
-        </p:spPr>
-        <p:txBody>
-          <a:bodyPr lIns="0" rIns="0" tIns="0" bIns="0">
-            <a:normAutofit/>
-          </a:bodyPr>
-          <a:p>
-            <a:endParaRPr b="0" lang="pt-BR" sz="3200" spc="-1" strike="noStrike">
-              <a:latin typeface="Arial"/>
-            </a:endParaRPr>
-          </a:p>
-        </p:txBody>
-      </p:sp>
-    </p:spTree>
-  </p:cSld>
-</p:sldLayout>
-</file>
-
-<file path=ppt/slideLayouts/slideLayout45.xml><?xml version="1.0" encoding="utf-8"?>
-<p:sldLayout xmlns:a="http://schemas.openxmlformats.org/drawingml/2006/main" xmlns:p="http://schemas.openxmlformats.org/presentationml/2006/main" xmlns:r="http://schemas.openxmlformats.org/officeDocument/2006/relationships" xmlns:p14="http://schemas.microsoft.com/office/powerpoint/2010/main" xmlns:p15="http://schemas.microsoft.com/office/powerpoint/2012/main" xmlns:mc="http://schemas.openxmlformats.org/markup-compatibility/2006" type="twoObjOverTx" preserve="1">
-  <p:cSld name="Title, 2 Content over Content">
-    <p:spTree>
-      <p:nvGrpSpPr>
-        <p:cNvPr id="1" name=""/>
-        <p:cNvGrpSpPr/>
-        <p:nvPr/>
-      </p:nvGrpSpPr>
-      <p:grpSpPr>
-        <a:xfrm>
-          <a:off x="0" y="0"/>
-          <a:ext cx="0" cy="0"/>
-          <a:chOff x="0" y="0"/>
-          <a:chExt cx="0" cy="0"/>
-        </a:xfrm>
-      </p:grpSpPr>
-      <p:sp>
-        <p:nvSpPr>
-          <p:cNvPr id="133" name="PlaceHolder 1"/>
-          <p:cNvSpPr>
-            <a:spLocks noGrp="1"/>
-          </p:cNvSpPr>
-          <p:nvPr>
-            <p:ph type="title"/>
-          </p:nvPr>
-        </p:nvSpPr>
-        <p:spPr>
-          <a:xfrm>
-            <a:off x="609480" y="273600"/>
-            <a:ext cx="10972440" cy="1144800"/>
-          </a:xfrm>
-          <a:prstGeom prst="rect">
-            <a:avLst/>
-          </a:prstGeom>
-        </p:spPr>
-        <p:txBody>
-          <a:bodyPr lIns="0" rIns="0" tIns="0" bIns="0" anchor="ctr">
-            <a:noAutofit/>
-          </a:bodyPr>
-          <a:p>
-            <a:pPr algn="ctr"/>
-            <a:endParaRPr b="0" lang="pt-BR" sz="4400" spc="-1" strike="noStrike">
-              <a:latin typeface="Arial"/>
-            </a:endParaRPr>
-          </a:p>
-        </p:txBody>
-      </p:sp>
-      <p:sp>
-        <p:nvSpPr>
-          <p:cNvPr id="134" name="PlaceHolder 2"/>
-          <p:cNvSpPr>
-            <a:spLocks noGrp="1"/>
-          </p:cNvSpPr>
-          <p:nvPr>
-            <p:ph type="body"/>
-          </p:nvPr>
-        </p:nvSpPr>
-        <p:spPr>
-          <a:xfrm>
-            <a:off x="609480" y="1604520"/>
-            <a:ext cx="5354280" cy="1896840"/>
-          </a:xfrm>
-          <a:prstGeom prst="rect">
-            <a:avLst/>
-          </a:prstGeom>
-        </p:spPr>
-        <p:txBody>
-          <a:bodyPr lIns="0" rIns="0" tIns="0" bIns="0">
-            <a:normAutofit/>
-          </a:bodyPr>
-          <a:p>
-            <a:endParaRPr b="0" lang="pt-BR" sz="3200" spc="-1" strike="noStrike">
-              <a:latin typeface="Arial"/>
-            </a:endParaRPr>
-          </a:p>
-        </p:txBody>
-      </p:sp>
-      <p:sp>
-        <p:nvSpPr>
-          <p:cNvPr id="135" name="PlaceHolder 3"/>
-          <p:cNvSpPr>
-            <a:spLocks noGrp="1"/>
-          </p:cNvSpPr>
-          <p:nvPr>
-            <p:ph type="body"/>
-          </p:nvPr>
-        </p:nvSpPr>
-        <p:spPr>
-          <a:xfrm>
-            <a:off x="6231960" y="1604520"/>
-            <a:ext cx="5354280" cy="1896840"/>
-          </a:xfrm>
-          <a:prstGeom prst="rect">
-            <a:avLst/>
-          </a:prstGeom>
-        </p:spPr>
-        <p:txBody>
-          <a:bodyPr lIns="0" rIns="0" tIns="0" bIns="0">
-            <a:normAutofit/>
-          </a:bodyPr>
-          <a:p>
-            <a:endParaRPr b="0" lang="pt-BR" sz="3200" spc="-1" strike="noStrike">
-              <a:latin typeface="Arial"/>
-            </a:endParaRPr>
-          </a:p>
-        </p:txBody>
-      </p:sp>
-      <p:sp>
-        <p:nvSpPr>
-          <p:cNvPr id="136" name="PlaceHolder 4"/>
-          <p:cNvSpPr>
-            <a:spLocks noGrp="1"/>
-          </p:cNvSpPr>
-          <p:nvPr>
-            <p:ph type="body"/>
-          </p:nvPr>
-        </p:nvSpPr>
-        <p:spPr>
-          <a:xfrm>
-            <a:off x="609480" y="3682080"/>
-            <a:ext cx="10972440" cy="1896840"/>
-          </a:xfrm>
-          <a:prstGeom prst="rect">
-            <a:avLst/>
-          </a:prstGeom>
-        </p:spPr>
-        <p:txBody>
-          <a:bodyPr lIns="0" rIns="0" tIns="0" bIns="0">
-            <a:normAutofit/>
-          </a:bodyPr>
-          <a:p>
-            <a:endParaRPr b="0" lang="pt-BR" sz="3200" spc="-1" strike="noStrike">
-              <a:latin typeface="Arial"/>
-            </a:endParaRPr>
-          </a:p>
-        </p:txBody>
-      </p:sp>
-    </p:spTree>
-  </p:cSld>
-</p:sldLayout>
-</file>
-
-<file path=ppt/slideLayouts/slideLayout46.xml><?xml version="1.0" encoding="utf-8"?>
-<p:sldLayout xmlns:a="http://schemas.openxmlformats.org/drawingml/2006/main" xmlns:p="http://schemas.openxmlformats.org/presentationml/2006/main" xmlns:r="http://schemas.openxmlformats.org/officeDocument/2006/relationships" xmlns:p14="http://schemas.microsoft.com/office/powerpoint/2010/main" xmlns:p15="http://schemas.microsoft.com/office/powerpoint/2012/main" xmlns:mc="http://schemas.openxmlformats.org/markup-compatibility/2006" type="objOverTx" preserve="1">
-  <p:cSld name="Title, Content over Content">
-    <p:spTree>
-      <p:nvGrpSpPr>
-        <p:cNvPr id="1" name=""/>
-        <p:cNvGrpSpPr/>
-        <p:nvPr/>
-      </p:nvGrpSpPr>
-      <p:grpSpPr>
-        <a:xfrm>
-          <a:off x="0" y="0"/>
-          <a:ext cx="0" cy="0"/>
-          <a:chOff x="0" y="0"/>
-          <a:chExt cx="0" cy="0"/>
-        </a:xfrm>
-      </p:grpSpPr>
-      <p:sp>
-        <p:nvSpPr>
-          <p:cNvPr id="137" name="PlaceHolder 1"/>
-          <p:cNvSpPr>
-            <a:spLocks noGrp="1"/>
-          </p:cNvSpPr>
-          <p:nvPr>
-            <p:ph type="title"/>
-          </p:nvPr>
-        </p:nvSpPr>
-        <p:spPr>
-          <a:xfrm>
-            <a:off x="609480" y="273600"/>
-            <a:ext cx="10972440" cy="1144800"/>
-          </a:xfrm>
-          <a:prstGeom prst="rect">
-            <a:avLst/>
-          </a:prstGeom>
-        </p:spPr>
-        <p:txBody>
-          <a:bodyPr lIns="0" rIns="0" tIns="0" bIns="0" anchor="ctr">
-            <a:noAutofit/>
-          </a:bodyPr>
-          <a:p>
-            <a:pPr algn="ctr"/>
-            <a:endParaRPr b="0" lang="pt-BR" sz="4400" spc="-1" strike="noStrike">
-              <a:latin typeface="Arial"/>
-            </a:endParaRPr>
-          </a:p>
-        </p:txBody>
-      </p:sp>
-      <p:sp>
-        <p:nvSpPr>
-          <p:cNvPr id="138" name="PlaceHolder 2"/>
-          <p:cNvSpPr>
-            <a:spLocks noGrp="1"/>
-          </p:cNvSpPr>
-          <p:nvPr>
-            <p:ph type="body"/>
-          </p:nvPr>
-        </p:nvSpPr>
-        <p:spPr>
-          <a:xfrm>
-            <a:off x="609480" y="1604520"/>
-            <a:ext cx="10972440" cy="1896840"/>
-          </a:xfrm>
-          <a:prstGeom prst="rect">
-            <a:avLst/>
-          </a:prstGeom>
-        </p:spPr>
-        <p:txBody>
-          <a:bodyPr lIns="0" rIns="0" tIns="0" bIns="0">
-            <a:normAutofit/>
-          </a:bodyPr>
-          <a:p>
-            <a:endParaRPr b="0" lang="pt-BR" sz="3200" spc="-1" strike="noStrike">
-              <a:latin typeface="Arial"/>
-            </a:endParaRPr>
-          </a:p>
-        </p:txBody>
-      </p:sp>
-      <p:sp>
-        <p:nvSpPr>
-          <p:cNvPr id="139" name="PlaceHolder 3"/>
-          <p:cNvSpPr>
-            <a:spLocks noGrp="1"/>
-          </p:cNvSpPr>
-          <p:nvPr>
-            <p:ph type="body"/>
-          </p:nvPr>
-        </p:nvSpPr>
-        <p:spPr>
-          <a:xfrm>
-            <a:off x="609480" y="3682080"/>
-            <a:ext cx="10972440" cy="1896840"/>
-          </a:xfrm>
-          <a:prstGeom prst="rect">
-            <a:avLst/>
-          </a:prstGeom>
-        </p:spPr>
-        <p:txBody>
-          <a:bodyPr lIns="0" rIns="0" tIns="0" bIns="0">
-            <a:normAutofit/>
-          </a:bodyPr>
-          <a:p>
-            <a:endParaRPr b="0" lang="pt-BR" sz="3200" spc="-1" strike="noStrike">
-              <a:latin typeface="Arial"/>
-            </a:endParaRPr>
-          </a:p>
-        </p:txBody>
-      </p:sp>
-    </p:spTree>
-  </p:cSld>
-</p:sldLayout>
-</file>
-
-<file path=ppt/slideLayouts/slideLayout47.xml><?xml version="1.0" encoding="utf-8"?>
-<p:sldLayout xmlns:a="http://schemas.openxmlformats.org/drawingml/2006/main" xmlns:p="http://schemas.openxmlformats.org/presentationml/2006/main" xmlns:r="http://schemas.openxmlformats.org/officeDocument/2006/relationships" xmlns:p14="http://schemas.microsoft.com/office/powerpoint/2010/main" xmlns:p15="http://schemas.microsoft.com/office/powerpoint/2012/main" xmlns:mc="http://schemas.openxmlformats.org/markup-compatibility/2006" type="fourObj" preserve="1">
-  <p:cSld name="Title, 4 Content">
-    <p:spTree>
-      <p:nvGrpSpPr>
-        <p:cNvPr id="1" name=""/>
-        <p:cNvGrpSpPr/>
-        <p:nvPr/>
-      </p:nvGrpSpPr>
-      <p:grpSpPr>
-        <a:xfrm>
-          <a:off x="0" y="0"/>
-          <a:ext cx="0" cy="0"/>
-          <a:chOff x="0" y="0"/>
-          <a:chExt cx="0" cy="0"/>
-        </a:xfrm>
-      </p:grpSpPr>
-      <p:sp>
-        <p:nvSpPr>
-          <p:cNvPr id="140" name="PlaceHolder 1"/>
-          <p:cNvSpPr>
-            <a:spLocks noGrp="1"/>
-          </p:cNvSpPr>
-          <p:nvPr>
-            <p:ph type="title"/>
-          </p:nvPr>
-        </p:nvSpPr>
-        <p:spPr>
-          <a:xfrm>
-            <a:off x="609480" y="273600"/>
-            <a:ext cx="10972440" cy="1144800"/>
-          </a:xfrm>
-          <a:prstGeom prst="rect">
-            <a:avLst/>
-          </a:prstGeom>
-        </p:spPr>
-        <p:txBody>
-          <a:bodyPr lIns="0" rIns="0" tIns="0" bIns="0" anchor="ctr">
-            <a:noAutofit/>
-          </a:bodyPr>
-          <a:p>
-            <a:pPr algn="ctr"/>
-            <a:endParaRPr b="0" lang="pt-BR" sz="4400" spc="-1" strike="noStrike">
-              <a:latin typeface="Arial"/>
-            </a:endParaRPr>
-          </a:p>
-        </p:txBody>
-      </p:sp>
-      <p:sp>
-        <p:nvSpPr>
-          <p:cNvPr id="141" name="PlaceHolder 2"/>
-          <p:cNvSpPr>
-            <a:spLocks noGrp="1"/>
-          </p:cNvSpPr>
-          <p:nvPr>
-            <p:ph type="body"/>
-          </p:nvPr>
-        </p:nvSpPr>
-        <p:spPr>
-          <a:xfrm>
-            <a:off x="609480" y="1604520"/>
-            <a:ext cx="5354280" cy="1896840"/>
-          </a:xfrm>
-          <a:prstGeom prst="rect">
-            <a:avLst/>
-          </a:prstGeom>
-        </p:spPr>
-        <p:txBody>
-          <a:bodyPr lIns="0" rIns="0" tIns="0" bIns="0">
-            <a:normAutofit/>
-          </a:bodyPr>
-          <a:p>
-            <a:endParaRPr b="0" lang="pt-BR" sz="3200" spc="-1" strike="noStrike">
-              <a:latin typeface="Arial"/>
-            </a:endParaRPr>
-          </a:p>
-        </p:txBody>
-      </p:sp>
-      <p:sp>
-        <p:nvSpPr>
-          <p:cNvPr id="142" name="PlaceHolder 3"/>
-          <p:cNvSpPr>
-            <a:spLocks noGrp="1"/>
-          </p:cNvSpPr>
-          <p:nvPr>
-            <p:ph type="body"/>
-          </p:nvPr>
-        </p:nvSpPr>
-        <p:spPr>
-          <a:xfrm>
-            <a:off x="6231960" y="1604520"/>
-            <a:ext cx="5354280" cy="1896840"/>
-          </a:xfrm>
-          <a:prstGeom prst="rect">
-            <a:avLst/>
-          </a:prstGeom>
-        </p:spPr>
-        <p:txBody>
-          <a:bodyPr lIns="0" rIns="0" tIns="0" bIns="0">
-            <a:normAutofit/>
-          </a:bodyPr>
-          <a:p>
-            <a:endParaRPr b="0" lang="pt-BR" sz="3200" spc="-1" strike="noStrike">
-              <a:latin typeface="Arial"/>
-            </a:endParaRPr>
-          </a:p>
-        </p:txBody>
-      </p:sp>
-      <p:sp>
-        <p:nvSpPr>
-          <p:cNvPr id="143" name="PlaceHolder 4"/>
-          <p:cNvSpPr>
-            <a:spLocks noGrp="1"/>
-          </p:cNvSpPr>
-          <p:nvPr>
-            <p:ph type="body"/>
-          </p:nvPr>
-        </p:nvSpPr>
-        <p:spPr>
-          <a:xfrm>
-            <a:off x="609480" y="3682080"/>
-            <a:ext cx="5354280" cy="1896840"/>
-          </a:xfrm>
-          <a:prstGeom prst="rect">
-            <a:avLst/>
-          </a:prstGeom>
-        </p:spPr>
-        <p:txBody>
-          <a:bodyPr lIns="0" rIns="0" tIns="0" bIns="0">
-            <a:normAutofit/>
-          </a:bodyPr>
-          <a:p>
-            <a:endParaRPr b="0" lang="pt-BR" sz="3200" spc="-1" strike="noStrike">
-              <a:latin typeface="Arial"/>
-            </a:endParaRPr>
-          </a:p>
-        </p:txBody>
-      </p:sp>
-      <p:sp>
-        <p:nvSpPr>
-          <p:cNvPr id="144" name="PlaceHolder 5"/>
-          <p:cNvSpPr>
-            <a:spLocks noGrp="1"/>
-          </p:cNvSpPr>
-          <p:nvPr>
-            <p:ph type="body"/>
-          </p:nvPr>
-        </p:nvSpPr>
-        <p:spPr>
-          <a:xfrm>
-            <a:off x="6231960" y="3682080"/>
-            <a:ext cx="5354280" cy="1896840"/>
-          </a:xfrm>
-          <a:prstGeom prst="rect">
-            <a:avLst/>
-          </a:prstGeom>
-        </p:spPr>
-        <p:txBody>
-          <a:bodyPr lIns="0" rIns="0" tIns="0" bIns="0">
-            <a:normAutofit/>
-          </a:bodyPr>
-          <a:p>
-            <a:endParaRPr b="0" lang="pt-BR" sz="3200" spc="-1" strike="noStrike">
-              <a:latin typeface="Arial"/>
-            </a:endParaRPr>
-          </a:p>
-        </p:txBody>
-      </p:sp>
-    </p:spTree>
-  </p:cSld>
-</p:sldLayout>
-</file>
-
-<file path=ppt/slideLayouts/slideLayout48.xml><?xml version="1.0" encoding="utf-8"?>
-<p:sldLayout xmlns:a="http://schemas.openxmlformats.org/drawingml/2006/main" xmlns:p="http://schemas.openxmlformats.org/presentationml/2006/main" xmlns:r="http://schemas.openxmlformats.org/officeDocument/2006/relationships" xmlns:p14="http://schemas.microsoft.com/office/powerpoint/2010/main" xmlns:p15="http://schemas.microsoft.com/office/powerpoint/2012/main" xmlns:mc="http://schemas.openxmlformats.org/markup-compatibility/2006" type="blank" preserve="1">
-  <p:cSld name="Title, 6 Content">
-    <p:spTree>
-      <p:nvGrpSpPr>
-        <p:cNvPr id="1" name=""/>
-        <p:cNvGrpSpPr/>
-        <p:nvPr/>
-      </p:nvGrpSpPr>
-      <p:grpSpPr>
-        <a:xfrm>
-          <a:off x="0" y="0"/>
-          <a:ext cx="0" cy="0"/>
-          <a:chOff x="0" y="0"/>
-          <a:chExt cx="0" cy="0"/>
-        </a:xfrm>
-      </p:grpSpPr>
-      <p:sp>
-        <p:nvSpPr>
-          <p:cNvPr id="145" name="PlaceHolder 1"/>
-          <p:cNvSpPr>
-            <a:spLocks noGrp="1"/>
-          </p:cNvSpPr>
-          <p:nvPr>
-            <p:ph type="title"/>
-          </p:nvPr>
-        </p:nvSpPr>
-        <p:spPr>
-          <a:xfrm>
-            <a:off x="609480" y="273600"/>
-            <a:ext cx="10972440" cy="1144800"/>
-          </a:xfrm>
-          <a:prstGeom prst="rect">
-            <a:avLst/>
-          </a:prstGeom>
-        </p:spPr>
-        <p:txBody>
-          <a:bodyPr lIns="0" rIns="0" tIns="0" bIns="0" anchor="ctr">
-            <a:noAutofit/>
-          </a:bodyPr>
-          <a:p>
-            <a:pPr algn="ctr"/>
-            <a:endParaRPr b="0" lang="pt-BR" sz="4400" spc="-1" strike="noStrike">
-              <a:latin typeface="Arial"/>
-            </a:endParaRPr>
-          </a:p>
-        </p:txBody>
-      </p:sp>
-      <p:sp>
-        <p:nvSpPr>
-          <p:cNvPr id="146" name="PlaceHolder 2"/>
-          <p:cNvSpPr>
-            <a:spLocks noGrp="1"/>
-          </p:cNvSpPr>
-          <p:nvPr>
-            <p:ph type="body"/>
-          </p:nvPr>
-        </p:nvSpPr>
-        <p:spPr>
-          <a:xfrm>
-            <a:off x="609480" y="1604520"/>
-            <a:ext cx="3533040" cy="1896840"/>
-          </a:xfrm>
-          <a:prstGeom prst="rect">
-            <a:avLst/>
-          </a:prstGeom>
-        </p:spPr>
-        <p:txBody>
-          <a:bodyPr lIns="0" rIns="0" tIns="0" bIns="0">
-            <a:normAutofit/>
-          </a:bodyPr>
-          <a:p>
-            <a:endParaRPr b="0" lang="pt-BR" sz="3200" spc="-1" strike="noStrike">
-              <a:latin typeface="Arial"/>
-            </a:endParaRPr>
-          </a:p>
-        </p:txBody>
-      </p:sp>
-      <p:sp>
-        <p:nvSpPr>
-          <p:cNvPr id="147" name="PlaceHolder 3"/>
-          <p:cNvSpPr>
-            <a:spLocks noGrp="1"/>
-          </p:cNvSpPr>
-          <p:nvPr>
-            <p:ph type="body"/>
-          </p:nvPr>
-        </p:nvSpPr>
-        <p:spPr>
-          <a:xfrm>
-            <a:off x="4319640" y="1604520"/>
-            <a:ext cx="3533040" cy="1896840"/>
-          </a:xfrm>
-          <a:prstGeom prst="rect">
-            <a:avLst/>
-          </a:prstGeom>
-        </p:spPr>
-        <p:txBody>
-          <a:bodyPr lIns="0" rIns="0" tIns="0" bIns="0">
-            <a:normAutofit/>
-          </a:bodyPr>
-          <a:p>
-            <a:endParaRPr b="0" lang="pt-BR" sz="3200" spc="-1" strike="noStrike">
-              <a:latin typeface="Arial"/>
-            </a:endParaRPr>
-          </a:p>
-        </p:txBody>
-      </p:sp>
-      <p:sp>
-        <p:nvSpPr>
-          <p:cNvPr id="148" name="PlaceHolder 4"/>
-          <p:cNvSpPr>
-            <a:spLocks noGrp="1"/>
-          </p:cNvSpPr>
-          <p:nvPr>
-            <p:ph type="body"/>
-          </p:nvPr>
-        </p:nvSpPr>
-        <p:spPr>
-          <a:xfrm>
-            <a:off x="8029800" y="1604520"/>
-            <a:ext cx="3533040" cy="1896840"/>
-          </a:xfrm>
-          <a:prstGeom prst="rect">
-            <a:avLst/>
-          </a:prstGeom>
-        </p:spPr>
-        <p:txBody>
-          <a:bodyPr lIns="0" rIns="0" tIns="0" bIns="0">
-            <a:normAutofit/>
-          </a:bodyPr>
-          <a:p>
-            <a:endParaRPr b="0" lang="pt-BR" sz="3200" spc="-1" strike="noStrike">
-              <a:latin typeface="Arial"/>
-            </a:endParaRPr>
-          </a:p>
-        </p:txBody>
-      </p:sp>
-      <p:sp>
-        <p:nvSpPr>
-          <p:cNvPr id="149" name="PlaceHolder 5"/>
-          <p:cNvSpPr>
-            <a:spLocks noGrp="1"/>
-          </p:cNvSpPr>
-          <p:nvPr>
-            <p:ph type="body"/>
-          </p:nvPr>
-        </p:nvSpPr>
-        <p:spPr>
-          <a:xfrm>
-            <a:off x="609480" y="3682080"/>
-            <a:ext cx="3533040" cy="1896840"/>
-          </a:xfrm>
-          <a:prstGeom prst="rect">
-            <a:avLst/>
-          </a:prstGeom>
-        </p:spPr>
-        <p:txBody>
-          <a:bodyPr lIns="0" rIns="0" tIns="0" bIns="0">
-            <a:normAutofit/>
-          </a:bodyPr>
-          <a:p>
-            <a:endParaRPr b="0" lang="pt-BR" sz="3200" spc="-1" strike="noStrike">
-              <a:latin typeface="Arial"/>
-            </a:endParaRPr>
-          </a:p>
-        </p:txBody>
-      </p:sp>
-      <p:sp>
-        <p:nvSpPr>
-          <p:cNvPr id="150" name="PlaceHolder 6"/>
-          <p:cNvSpPr>
-            <a:spLocks noGrp="1"/>
-          </p:cNvSpPr>
-          <p:nvPr>
-            <p:ph type="body"/>
-          </p:nvPr>
-        </p:nvSpPr>
-        <p:spPr>
-          <a:xfrm>
-            <a:off x="4319640" y="3682080"/>
-            <a:ext cx="3533040" cy="1896840"/>
-          </a:xfrm>
-          <a:prstGeom prst="rect">
-            <a:avLst/>
-          </a:prstGeom>
-        </p:spPr>
-        <p:txBody>
-          <a:bodyPr lIns="0" rIns="0" tIns="0" bIns="0">
-            <a:normAutofit/>
-          </a:bodyPr>
-          <a:p>
-            <a:endParaRPr b="0" lang="pt-BR" sz="3200" spc="-1" strike="noStrike">
-              <a:latin typeface="Arial"/>
-            </a:endParaRPr>
-          </a:p>
-        </p:txBody>
-      </p:sp>
-      <p:sp>
-        <p:nvSpPr>
-          <p:cNvPr id="151" name="PlaceHolder 7"/>
-          <p:cNvSpPr>
-            <a:spLocks noGrp="1"/>
-          </p:cNvSpPr>
-          <p:nvPr>
-            <p:ph type="body"/>
-          </p:nvPr>
-        </p:nvSpPr>
-        <p:spPr>
-          <a:xfrm>
-            <a:off x="8029800" y="3682080"/>
-            <a:ext cx="3533040" cy="1896840"/>
           </a:xfrm>
           <a:prstGeom prst="rect">
             <a:avLst/>
@@ -4938,7 +2223,7 @@
         <p:spPr>
           <a:xfrm>
             <a:off x="609480" y="273600"/>
-            <a:ext cx="10972440" cy="1144800"/>
+            <a:ext cx="10971000" cy="1143360"/>
           </a:xfrm>
           <a:prstGeom prst="rect">
             <a:avLst/>
@@ -4991,7 +2276,7 @@
         <p:spPr>
           <a:xfrm>
             <a:off x="609480" y="273600"/>
-            <a:ext cx="10972440" cy="5307840"/>
+            <a:ext cx="10971000" cy="5301360"/>
           </a:xfrm>
           <a:prstGeom prst="rect">
             <a:avLst/>
@@ -5044,7 +2329,7 @@
         <p:spPr>
           <a:xfrm>
             <a:off x="609480" y="273600"/>
-            <a:ext cx="10972440" cy="1144800"/>
+            <a:ext cx="10971000" cy="1143360"/>
           </a:xfrm>
           <a:prstGeom prst="rect">
             <a:avLst/>
@@ -5187,7 +2472,7 @@
         <p:spPr>
           <a:xfrm>
             <a:off x="609480" y="273600"/>
-            <a:ext cx="10972440" cy="1144800"/>
+            <a:ext cx="10971000" cy="1143360"/>
           </a:xfrm>
           <a:prstGeom prst="rect">
             <a:avLst/>
@@ -5330,7 +2615,7 @@
         <p:spPr>
           <a:xfrm>
             <a:off x="609480" y="273600"/>
-            <a:ext cx="10972440" cy="1144800"/>
+            <a:ext cx="10971000" cy="1143360"/>
           </a:xfrm>
           <a:prstGeom prst="rect">
             <a:avLst/>
@@ -5480,7 +2765,7 @@
         <p:spPr>
           <a:xfrm>
             <a:off x="609480" y="273600"/>
-            <a:ext cx="10972440" cy="1144800"/>
+            <a:ext cx="10971000" cy="1143360"/>
           </a:xfrm>
           <a:prstGeom prst="rect">
             <a:avLst/>
@@ -5493,12 +2778,12 @@
           <a:p>
             <a:pPr algn="ctr"/>
             <a:r>
-              <a:rPr b="0" lang="pt-BR" sz="4400" spc="-1" strike="noStrike">
+              <a:rPr b="0" lang="pt-BR" sz="1800" spc="-1" strike="noStrike">
                 <a:latin typeface="Arial"/>
               </a:rPr>
               <a:t>Clique para editar o formato do texto do título</a:t>
             </a:r>
-            <a:endParaRPr b="0" lang="pt-BR" sz="4400" spc="-1" strike="noStrike">
+            <a:endParaRPr b="0" lang="pt-BR" sz="1800" spc="-1" strike="noStrike">
               <a:latin typeface="Arial"/>
             </a:endParaRPr>
           </a:p>
@@ -5740,7 +3025,7 @@
         <p:spPr>
           <a:xfrm>
             <a:off x="609480" y="273600"/>
-            <a:ext cx="10972080" cy="1144440"/>
+            <a:ext cx="10971000" cy="1143360"/>
           </a:xfrm>
           <a:prstGeom prst="rect">
             <a:avLst/>
@@ -5959,526 +3244,6 @@
     <p:sldLayoutId id="2147483671" r:id="rId11"/>
     <p:sldLayoutId id="2147483672" r:id="rId12"/>
     <p:sldLayoutId id="2147483673" r:id="rId13"/>
-  </p:sldLayoutIdLst>
-</p:sldMaster>
-</file>
-
-<file path=ppt/slideMasters/slideMaster3.xml><?xml version="1.0" encoding="utf-8"?>
-<p:sldMaster xmlns:a="http://schemas.openxmlformats.org/drawingml/2006/main" xmlns:p="http://schemas.openxmlformats.org/presentationml/2006/main" xmlns:r="http://schemas.openxmlformats.org/officeDocument/2006/relationships" xmlns:p14="http://schemas.microsoft.com/office/powerpoint/2010/main" xmlns:p15="http://schemas.microsoft.com/office/powerpoint/2012/main" xmlns:mc="http://schemas.openxmlformats.org/markup-compatibility/2006">
-  <p:cSld>
-    <p:bg>
-      <p:bgPr>
-        <a:solidFill>
-          <a:srgbClr val="ffffff"/>
-        </a:solidFill>
-      </p:bgPr>
-    </p:bg>
-    <p:spTree>
-      <p:nvGrpSpPr>
-        <p:cNvPr id="1" name=""/>
-        <p:cNvGrpSpPr/>
-        <p:nvPr/>
-      </p:nvGrpSpPr>
-      <p:grpSpPr>
-        <a:xfrm>
-          <a:off x="0" y="0"/>
-          <a:ext cx="0" cy="0"/>
-          <a:chOff x="0" y="0"/>
-          <a:chExt cx="0" cy="0"/>
-        </a:xfrm>
-      </p:grpSpPr>
-      <p:sp>
-        <p:nvSpPr>
-          <p:cNvPr id="76" name="PlaceHolder 1"/>
-          <p:cNvSpPr>
-            <a:spLocks noGrp="1"/>
-          </p:cNvSpPr>
-          <p:nvPr>
-            <p:ph type="title"/>
-          </p:nvPr>
-        </p:nvSpPr>
-        <p:spPr>
-          <a:xfrm>
-            <a:off x="609480" y="273600"/>
-            <a:ext cx="10972080" cy="1144440"/>
-          </a:xfrm>
-          <a:prstGeom prst="rect">
-            <a:avLst/>
-          </a:prstGeom>
-        </p:spPr>
-        <p:txBody>
-          <a:bodyPr lIns="0" rIns="0" tIns="0" bIns="0" anchor="ctr">
-            <a:noAutofit/>
-          </a:bodyPr>
-          <a:p>
-            <a:pPr algn="ctr"/>
-            <a:r>
-              <a:rPr b="0" lang="pt-BR" sz="1800" spc="-1" strike="noStrike">
-                <a:latin typeface="Arial"/>
-              </a:rPr>
-              <a:t>Clique para editar o formato do texto do título</a:t>
-            </a:r>
-            <a:endParaRPr b="0" lang="pt-BR" sz="1800" spc="-1" strike="noStrike">
-              <a:latin typeface="Arial"/>
-            </a:endParaRPr>
-          </a:p>
-        </p:txBody>
-      </p:sp>
-      <p:sp>
-        <p:nvSpPr>
-          <p:cNvPr id="77" name="PlaceHolder 2"/>
-          <p:cNvSpPr>
-            <a:spLocks noGrp="1"/>
-          </p:cNvSpPr>
-          <p:nvPr>
-            <p:ph type="body"/>
-          </p:nvPr>
-        </p:nvSpPr>
-        <p:spPr>
-          <a:xfrm>
-            <a:off x="609480" y="1604520"/>
-            <a:ext cx="10972440" cy="3977280"/>
-          </a:xfrm>
-          <a:prstGeom prst="rect">
-            <a:avLst/>
-          </a:prstGeom>
-        </p:spPr>
-        <p:txBody>
-          <a:bodyPr lIns="0" rIns="0" tIns="0" bIns="0">
-            <a:normAutofit/>
-          </a:bodyPr>
-          <a:p>
-            <a:pPr marL="432000" indent="-324000">
-              <a:spcBef>
-                <a:spcPts val="1417"/>
-              </a:spcBef>
-              <a:buClr>
-                <a:srgbClr val="000000"/>
-              </a:buClr>
-              <a:buSzPct val="45000"/>
-              <a:buFont typeface="Wingdings" charset="2"/>
-              <a:buChar char=""/>
-            </a:pPr>
-            <a:r>
-              <a:rPr b="0" lang="pt-BR" sz="3200" spc="-1" strike="noStrike">
-                <a:latin typeface="Arial"/>
-              </a:rPr>
-              <a:t>Clique para editar o formato do texto da estrutura de tópicos</a:t>
-            </a:r>
-            <a:endParaRPr b="0" lang="pt-BR" sz="3200" spc="-1" strike="noStrike">
-              <a:latin typeface="Arial"/>
-            </a:endParaRPr>
-          </a:p>
-          <a:p>
-            <a:pPr lvl="1" marL="864000" indent="-324000">
-              <a:spcBef>
-                <a:spcPts val="1134"/>
-              </a:spcBef>
-              <a:buClr>
-                <a:srgbClr val="000000"/>
-              </a:buClr>
-              <a:buSzPct val="75000"/>
-              <a:buFont typeface="Symbol" charset="2"/>
-              <a:buChar char=""/>
-            </a:pPr>
-            <a:r>
-              <a:rPr b="0" lang="pt-BR" sz="2800" spc="-1" strike="noStrike">
-                <a:latin typeface="Arial"/>
-              </a:rPr>
-              <a:t>2.º nível da estrutura de tópicos</a:t>
-            </a:r>
-            <a:endParaRPr b="0" lang="pt-BR" sz="2800" spc="-1" strike="noStrike">
-              <a:latin typeface="Arial"/>
-            </a:endParaRPr>
-          </a:p>
-          <a:p>
-            <a:pPr lvl="2" marL="1296000" indent="-288000">
-              <a:spcBef>
-                <a:spcPts val="850"/>
-              </a:spcBef>
-              <a:buClr>
-                <a:srgbClr val="000000"/>
-              </a:buClr>
-              <a:buSzPct val="45000"/>
-              <a:buFont typeface="Wingdings" charset="2"/>
-              <a:buChar char=""/>
-            </a:pPr>
-            <a:r>
-              <a:rPr b="0" lang="pt-BR" sz="2400" spc="-1" strike="noStrike">
-                <a:latin typeface="Arial"/>
-              </a:rPr>
-              <a:t>3.º nível da estrutura de tópicos</a:t>
-            </a:r>
-            <a:endParaRPr b="0" lang="pt-BR" sz="2400" spc="-1" strike="noStrike">
-              <a:latin typeface="Arial"/>
-            </a:endParaRPr>
-          </a:p>
-          <a:p>
-            <a:pPr lvl="3" marL="1728000" indent="-216000">
-              <a:spcBef>
-                <a:spcPts val="567"/>
-              </a:spcBef>
-              <a:buClr>
-                <a:srgbClr val="000000"/>
-              </a:buClr>
-              <a:buSzPct val="75000"/>
-              <a:buFont typeface="Symbol" charset="2"/>
-              <a:buChar char=""/>
-            </a:pPr>
-            <a:r>
-              <a:rPr b="0" lang="pt-BR" sz="2000" spc="-1" strike="noStrike">
-                <a:latin typeface="Arial"/>
-              </a:rPr>
-              <a:t>4.º nível da estrutura de tópicos</a:t>
-            </a:r>
-            <a:endParaRPr b="0" lang="pt-BR" sz="2000" spc="-1" strike="noStrike">
-              <a:latin typeface="Arial"/>
-            </a:endParaRPr>
-          </a:p>
-          <a:p>
-            <a:pPr lvl="4" marL="2160000" indent="-216000">
-              <a:spcBef>
-                <a:spcPts val="283"/>
-              </a:spcBef>
-              <a:buClr>
-                <a:srgbClr val="000000"/>
-              </a:buClr>
-              <a:buSzPct val="45000"/>
-              <a:buFont typeface="Wingdings" charset="2"/>
-              <a:buChar char=""/>
-            </a:pPr>
-            <a:r>
-              <a:rPr b="0" lang="pt-BR" sz="2000" spc="-1" strike="noStrike">
-                <a:latin typeface="Arial"/>
-              </a:rPr>
-              <a:t>5.º nível da estrutura de tópicos</a:t>
-            </a:r>
-            <a:endParaRPr b="0" lang="pt-BR" sz="2000" spc="-1" strike="noStrike">
-              <a:latin typeface="Arial"/>
-            </a:endParaRPr>
-          </a:p>
-          <a:p>
-            <a:pPr lvl="5" marL="2592000" indent="-216000">
-              <a:spcBef>
-                <a:spcPts val="283"/>
-              </a:spcBef>
-              <a:buClr>
-                <a:srgbClr val="000000"/>
-              </a:buClr>
-              <a:buSzPct val="45000"/>
-              <a:buFont typeface="Wingdings" charset="2"/>
-              <a:buChar char=""/>
-            </a:pPr>
-            <a:r>
-              <a:rPr b="0" lang="pt-BR" sz="2000" spc="-1" strike="noStrike">
-                <a:latin typeface="Arial"/>
-              </a:rPr>
-              <a:t>6.º nível da estrutura de tópicos</a:t>
-            </a:r>
-            <a:endParaRPr b="0" lang="pt-BR" sz="2000" spc="-1" strike="noStrike">
-              <a:latin typeface="Arial"/>
-            </a:endParaRPr>
-          </a:p>
-          <a:p>
-            <a:pPr lvl="6" marL="3024000" indent="-216000">
-              <a:spcBef>
-                <a:spcPts val="283"/>
-              </a:spcBef>
-              <a:buClr>
-                <a:srgbClr val="000000"/>
-              </a:buClr>
-              <a:buSzPct val="45000"/>
-              <a:buFont typeface="Wingdings" charset="2"/>
-              <a:buChar char=""/>
-            </a:pPr>
-            <a:r>
-              <a:rPr b="0" lang="pt-BR" sz="2000" spc="-1" strike="noStrike">
-                <a:latin typeface="Arial"/>
-              </a:rPr>
-              <a:t>7.º nível da estrutura de tópicos</a:t>
-            </a:r>
-            <a:endParaRPr b="0" lang="pt-BR" sz="2000" spc="-1" strike="noStrike">
-              <a:latin typeface="Arial"/>
-            </a:endParaRPr>
-          </a:p>
-        </p:txBody>
-      </p:sp>
-    </p:spTree>
-  </p:cSld>
-  <p:clrMap bg1="lt1" bg2="lt2" tx1="dk1" tx2="dk2" accent1="accent1" accent2="accent2" accent3="accent3" accent4="accent4" accent5="accent5" accent6="accent6" hlink="hlink" folHlink="folHlink"/>
-  <p:sldLayoutIdLst>
-    <p:sldLayoutId id="2147483675" r:id="rId2"/>
-    <p:sldLayoutId id="2147483676" r:id="rId3"/>
-    <p:sldLayoutId id="2147483677" r:id="rId4"/>
-    <p:sldLayoutId id="2147483678" r:id="rId5"/>
-    <p:sldLayoutId id="2147483679" r:id="rId6"/>
-    <p:sldLayoutId id="2147483680" r:id="rId7"/>
-    <p:sldLayoutId id="2147483681" r:id="rId8"/>
-    <p:sldLayoutId id="2147483682" r:id="rId9"/>
-    <p:sldLayoutId id="2147483683" r:id="rId10"/>
-    <p:sldLayoutId id="2147483684" r:id="rId11"/>
-    <p:sldLayoutId id="2147483685" r:id="rId12"/>
-    <p:sldLayoutId id="2147483686" r:id="rId13"/>
-  </p:sldLayoutIdLst>
-</p:sldMaster>
-</file>
-
-<file path=ppt/slideMasters/slideMaster4.xml><?xml version="1.0" encoding="utf-8"?>
-<p:sldMaster xmlns:a="http://schemas.openxmlformats.org/drawingml/2006/main" xmlns:p="http://schemas.openxmlformats.org/presentationml/2006/main" xmlns:r="http://schemas.openxmlformats.org/officeDocument/2006/relationships" xmlns:p14="http://schemas.microsoft.com/office/powerpoint/2010/main" xmlns:p15="http://schemas.microsoft.com/office/powerpoint/2012/main" xmlns:mc="http://schemas.openxmlformats.org/markup-compatibility/2006">
-  <p:cSld>
-    <p:bg>
-      <p:bgPr>
-        <a:solidFill>
-          <a:srgbClr val="ffffff"/>
-        </a:solidFill>
-      </p:bgPr>
-    </p:bg>
-    <p:spTree>
-      <p:nvGrpSpPr>
-        <p:cNvPr id="1" name=""/>
-        <p:cNvGrpSpPr/>
-        <p:nvPr/>
-      </p:nvGrpSpPr>
-      <p:grpSpPr>
-        <a:xfrm>
-          <a:off x="0" y="0"/>
-          <a:ext cx="0" cy="0"/>
-          <a:chOff x="0" y="0"/>
-          <a:chExt cx="0" cy="0"/>
-        </a:xfrm>
-      </p:grpSpPr>
-      <p:sp>
-        <p:nvSpPr>
-          <p:cNvPr id="114" name="PlaceHolder 1"/>
-          <p:cNvSpPr>
-            <a:spLocks noGrp="1"/>
-          </p:cNvSpPr>
-          <p:nvPr>
-            <p:ph type="title"/>
-          </p:nvPr>
-        </p:nvSpPr>
-        <p:spPr>
-          <a:xfrm>
-            <a:off x="609480" y="273600"/>
-            <a:ext cx="10972440" cy="1144800"/>
-          </a:xfrm>
-          <a:prstGeom prst="rect">
-            <a:avLst/>
-          </a:prstGeom>
-        </p:spPr>
-        <p:txBody>
-          <a:bodyPr lIns="0" rIns="0" tIns="0" bIns="0" anchor="ctr">
-            <a:noAutofit/>
-          </a:bodyPr>
-          <a:p>
-            <a:pPr algn="ctr"/>
-            <a:r>
-              <a:rPr b="0" lang="pt-BR" sz="4400" spc="-1" strike="noStrike">
-                <a:latin typeface="Arial"/>
-              </a:rPr>
-              <a:t>Clique para editar o formato do texto do título</a:t>
-            </a:r>
-            <a:endParaRPr b="0" lang="pt-BR" sz="4400" spc="-1" strike="noStrike">
-              <a:latin typeface="Arial"/>
-            </a:endParaRPr>
-          </a:p>
-        </p:txBody>
-      </p:sp>
-      <p:sp>
-        <p:nvSpPr>
-          <p:cNvPr id="115" name="PlaceHolder 2"/>
-          <p:cNvSpPr>
-            <a:spLocks noGrp="1"/>
-          </p:cNvSpPr>
-          <p:nvPr>
-            <p:ph type="body"/>
-          </p:nvPr>
-        </p:nvSpPr>
-        <p:spPr>
-          <a:xfrm>
-            <a:off x="609480" y="1604520"/>
-            <a:ext cx="10972440" cy="3977280"/>
-          </a:xfrm>
-          <a:prstGeom prst="rect">
-            <a:avLst/>
-          </a:prstGeom>
-        </p:spPr>
-        <p:txBody>
-          <a:bodyPr lIns="0" rIns="0" tIns="0" bIns="0">
-            <a:normAutofit/>
-          </a:bodyPr>
-          <a:p>
-            <a:pPr marL="432000" indent="-324000">
-              <a:spcBef>
-                <a:spcPts val="1417"/>
-              </a:spcBef>
-              <a:buClr>
-                <a:srgbClr val="000000"/>
-              </a:buClr>
-              <a:buSzPct val="45000"/>
-              <a:buFont typeface="Wingdings" charset="2"/>
-              <a:buChar char=""/>
-            </a:pPr>
-            <a:r>
-              <a:rPr b="0" lang="pt-BR" sz="3200" spc="-1" strike="noStrike">
-                <a:latin typeface="Arial"/>
-              </a:rPr>
-              <a:t>Clique para editar o formato do texto da estrutura de tópicos</a:t>
-            </a:r>
-            <a:endParaRPr b="0" lang="pt-BR" sz="3200" spc="-1" strike="noStrike">
-              <a:latin typeface="Arial"/>
-            </a:endParaRPr>
-          </a:p>
-          <a:p>
-            <a:pPr lvl="1" marL="864000" indent="-324000">
-              <a:spcBef>
-                <a:spcPts val="1134"/>
-              </a:spcBef>
-              <a:buClr>
-                <a:srgbClr val="000000"/>
-              </a:buClr>
-              <a:buSzPct val="75000"/>
-              <a:buFont typeface="Symbol" charset="2"/>
-              <a:buChar char=""/>
-            </a:pPr>
-            <a:r>
-              <a:rPr b="0" lang="pt-BR" sz="2800" spc="-1" strike="noStrike">
-                <a:latin typeface="Arial"/>
-              </a:rPr>
-              <a:t>2.º nível da estrutura de tópicos</a:t>
-            </a:r>
-            <a:endParaRPr b="0" lang="pt-BR" sz="2800" spc="-1" strike="noStrike">
-              <a:latin typeface="Arial"/>
-            </a:endParaRPr>
-          </a:p>
-          <a:p>
-            <a:pPr lvl="2" marL="1296000" indent="-288000">
-              <a:spcBef>
-                <a:spcPts val="850"/>
-              </a:spcBef>
-              <a:buClr>
-                <a:srgbClr val="000000"/>
-              </a:buClr>
-              <a:buSzPct val="45000"/>
-              <a:buFont typeface="Wingdings" charset="2"/>
-              <a:buChar char=""/>
-            </a:pPr>
-            <a:r>
-              <a:rPr b="0" lang="pt-BR" sz="2400" spc="-1" strike="noStrike">
-                <a:latin typeface="Arial"/>
-              </a:rPr>
-              <a:t>3.º nível da estrutura de tópicos</a:t>
-            </a:r>
-            <a:endParaRPr b="0" lang="pt-BR" sz="2400" spc="-1" strike="noStrike">
-              <a:latin typeface="Arial"/>
-            </a:endParaRPr>
-          </a:p>
-          <a:p>
-            <a:pPr lvl="3" marL="1728000" indent="-216000">
-              <a:spcBef>
-                <a:spcPts val="567"/>
-              </a:spcBef>
-              <a:buClr>
-                <a:srgbClr val="000000"/>
-              </a:buClr>
-              <a:buSzPct val="75000"/>
-              <a:buFont typeface="Symbol" charset="2"/>
-              <a:buChar char=""/>
-            </a:pPr>
-            <a:r>
-              <a:rPr b="0" lang="pt-BR" sz="2000" spc="-1" strike="noStrike">
-                <a:latin typeface="Arial"/>
-              </a:rPr>
-              <a:t>4.º nível da estrutura de tópicos</a:t>
-            </a:r>
-            <a:endParaRPr b="0" lang="pt-BR" sz="2000" spc="-1" strike="noStrike">
-              <a:latin typeface="Arial"/>
-            </a:endParaRPr>
-          </a:p>
-          <a:p>
-            <a:pPr lvl="4" marL="2160000" indent="-216000">
-              <a:spcBef>
-                <a:spcPts val="283"/>
-              </a:spcBef>
-              <a:buClr>
-                <a:srgbClr val="000000"/>
-              </a:buClr>
-              <a:buSzPct val="45000"/>
-              <a:buFont typeface="Wingdings" charset="2"/>
-              <a:buChar char=""/>
-            </a:pPr>
-            <a:r>
-              <a:rPr b="0" lang="pt-BR" sz="2000" spc="-1" strike="noStrike">
-                <a:latin typeface="Arial"/>
-              </a:rPr>
-              <a:t>5.º nível da estrutura de tópicos</a:t>
-            </a:r>
-            <a:endParaRPr b="0" lang="pt-BR" sz="2000" spc="-1" strike="noStrike">
-              <a:latin typeface="Arial"/>
-            </a:endParaRPr>
-          </a:p>
-          <a:p>
-            <a:pPr lvl="5" marL="2592000" indent="-216000">
-              <a:spcBef>
-                <a:spcPts val="283"/>
-              </a:spcBef>
-              <a:buClr>
-                <a:srgbClr val="000000"/>
-              </a:buClr>
-              <a:buSzPct val="45000"/>
-              <a:buFont typeface="Wingdings" charset="2"/>
-              <a:buChar char=""/>
-            </a:pPr>
-            <a:r>
-              <a:rPr b="0" lang="pt-BR" sz="2000" spc="-1" strike="noStrike">
-                <a:latin typeface="Arial"/>
-              </a:rPr>
-              <a:t>6.º nível da estrutura de tópicos</a:t>
-            </a:r>
-            <a:endParaRPr b="0" lang="pt-BR" sz="2000" spc="-1" strike="noStrike">
-              <a:latin typeface="Arial"/>
-            </a:endParaRPr>
-          </a:p>
-          <a:p>
-            <a:pPr lvl="6" marL="3024000" indent="-216000">
-              <a:spcBef>
-                <a:spcPts val="283"/>
-              </a:spcBef>
-              <a:buClr>
-                <a:srgbClr val="000000"/>
-              </a:buClr>
-              <a:buSzPct val="45000"/>
-              <a:buFont typeface="Wingdings" charset="2"/>
-              <a:buChar char=""/>
-            </a:pPr>
-            <a:r>
-              <a:rPr b="0" lang="pt-BR" sz="2000" spc="-1" strike="noStrike">
-                <a:latin typeface="Arial"/>
-              </a:rPr>
-              <a:t>7.º nível da estrutura de tópicos</a:t>
-            </a:r>
-            <a:endParaRPr b="0" lang="pt-BR" sz="2000" spc="-1" strike="noStrike">
-              <a:latin typeface="Arial"/>
-            </a:endParaRPr>
-          </a:p>
-        </p:txBody>
-      </p:sp>
-    </p:spTree>
-  </p:cSld>
-  <p:clrMap bg1="lt1" bg2="lt2" tx1="dk1" tx2="dk2" accent1="accent1" accent2="accent2" accent3="accent3" accent4="accent4" accent5="accent5" accent6="accent6" hlink="hlink" folHlink="folHlink"/>
-  <p:sldLayoutIdLst>
-    <p:sldLayoutId id="2147483688" r:id="rId2"/>
-    <p:sldLayoutId id="2147483689" r:id="rId3"/>
-    <p:sldLayoutId id="2147483690" r:id="rId4"/>
-    <p:sldLayoutId id="2147483691" r:id="rId5"/>
-    <p:sldLayoutId id="2147483692" r:id="rId6"/>
-    <p:sldLayoutId id="2147483693" r:id="rId7"/>
-    <p:sldLayoutId id="2147483694" r:id="rId8"/>
-    <p:sldLayoutId id="2147483695" r:id="rId9"/>
-    <p:sldLayoutId id="2147483696" r:id="rId10"/>
-    <p:sldLayoutId id="2147483697" r:id="rId11"/>
-    <p:sldLayoutId id="2147483698" r:id="rId12"/>
-    <p:sldLayoutId id="2147483699" r:id="rId13"/>
   </p:sldLayoutIdLst>
 </p:sldMaster>
 </file>
@@ -6502,14 +3267,14 @@
       </p:grpSpPr>
       <p:sp>
         <p:nvSpPr>
-          <p:cNvPr id="152" name="CustomShape 1"/>
+          <p:cNvPr id="76" name="CustomShape 1"/>
           <p:cNvSpPr/>
           <p:nvPr/>
         </p:nvSpPr>
         <p:spPr>
           <a:xfrm>
             <a:off x="838080" y="444960"/>
-            <a:ext cx="10510560" cy="1320480"/>
+            <a:ext cx="10509120" cy="1319040"/>
           </a:xfrm>
           <a:prstGeom prst="rect">
             <a:avLst/>
@@ -6553,14 +3318,14 @@
       </p:sp>
       <p:sp>
         <p:nvSpPr>
-          <p:cNvPr id="153" name="CustomShape 2"/>
+          <p:cNvPr id="77" name="CustomShape 2"/>
           <p:cNvSpPr/>
           <p:nvPr/>
         </p:nvSpPr>
         <p:spPr>
           <a:xfrm>
             <a:off x="1744560" y="3378600"/>
-            <a:ext cx="1331280" cy="909360"/>
+            <a:ext cx="1329840" cy="907920"/>
           </a:xfrm>
           <a:prstGeom prst="rect">
             <a:avLst/>
@@ -6609,14 +3374,14 @@
       </p:sp>
       <p:sp>
         <p:nvSpPr>
-          <p:cNvPr id="154" name="CustomShape 3"/>
+          <p:cNvPr id="78" name="CustomShape 3"/>
           <p:cNvSpPr/>
           <p:nvPr/>
         </p:nvSpPr>
         <p:spPr>
           <a:xfrm>
             <a:off x="3080880" y="3835800"/>
-            <a:ext cx="3460320" cy="7560"/>
+            <a:ext cx="3458880" cy="6120"/>
           </a:xfrm>
           <a:prstGeom prst="curvedConnector3">
             <a:avLst>
@@ -6645,7 +3410,7 @@
       </p:sp>
       <p:sp>
         <p:nvSpPr>
-          <p:cNvPr id="155" name="CustomShape 4"/>
+          <p:cNvPr id="79" name="CustomShape 4"/>
           <p:cNvSpPr/>
           <p:nvPr/>
         </p:nvSpPr>
@@ -6673,7 +3438,7 @@
             <a:spAutoFit/>
           </a:bodyPr>
           <a:p>
-            <a:pPr marL="343080" indent="-338040">
+            <a:pPr marL="343080" indent="-336600">
               <a:lnSpc>
                 <a:spcPct val="100000"/>
               </a:lnSpc>
@@ -6698,7 +3463,7 @@
             </a:endParaRPr>
           </a:p>
           <a:p>
-            <a:pPr marL="343080" indent="-338040">
+            <a:pPr marL="343080" indent="-336600">
               <a:lnSpc>
                 <a:spcPct val="100000"/>
               </a:lnSpc>
@@ -6723,7 +3488,7 @@
             </a:endParaRPr>
           </a:p>
           <a:p>
-            <a:pPr marL="343080" indent="-338040">
+            <a:pPr marL="343080" indent="-336600">
               <a:lnSpc>
                 <a:spcPct val="100000"/>
               </a:lnSpc>
@@ -6761,14 +3526,14 @@
       </p:sp>
       <p:sp>
         <p:nvSpPr>
-          <p:cNvPr id="156" name="CustomShape 5"/>
+          <p:cNvPr id="80" name="CustomShape 5"/>
           <p:cNvSpPr/>
           <p:nvPr/>
         </p:nvSpPr>
         <p:spPr>
           <a:xfrm>
             <a:off x="6546240" y="2397960"/>
-            <a:ext cx="3605760" cy="2870640"/>
+            <a:ext cx="3604320" cy="2869200"/>
           </a:xfrm>
           <a:prstGeom prst="roundRect">
             <a:avLst>
@@ -6853,14 +3618,14 @@
       </p:grpSpPr>
       <p:sp>
         <p:nvSpPr>
-          <p:cNvPr id="157" name="CustomShape 1"/>
+          <p:cNvPr id="81" name="CustomShape 1"/>
           <p:cNvSpPr/>
           <p:nvPr/>
         </p:nvSpPr>
         <p:spPr>
           <a:xfrm>
             <a:off x="838080" y="365040"/>
-            <a:ext cx="10512720" cy="1322640"/>
+            <a:ext cx="10511280" cy="1321200"/>
           </a:xfrm>
           <a:prstGeom prst="rect">
             <a:avLst/>
@@ -6904,14 +3669,14 @@
       </p:sp>
       <p:sp>
         <p:nvSpPr>
-          <p:cNvPr id="158" name="CustomShape 2"/>
+          <p:cNvPr id="82" name="CustomShape 2"/>
           <p:cNvSpPr/>
           <p:nvPr/>
         </p:nvSpPr>
         <p:spPr>
           <a:xfrm>
             <a:off x="6493680" y="3189600"/>
-            <a:ext cx="1624680" cy="581400"/>
+            <a:ext cx="1623240" cy="579960"/>
           </a:xfrm>
           <a:prstGeom prst="cube">
             <a:avLst>
@@ -6953,7 +3718,7 @@
                 <a:latin typeface="Calibri"/>
                 <a:ea typeface="DejaVu Sans"/>
               </a:rPr>
-              <a:t>Atendente</a:t>
+              <a:t>Atendimento</a:t>
             </a:r>
             <a:endParaRPr b="0" lang="pt-BR" sz="1000" spc="-1" strike="noStrike">
               <a:latin typeface="Arial"/>
@@ -6993,14 +3758,14 @@
       </p:sp>
       <p:sp>
         <p:nvSpPr>
-          <p:cNvPr id="159" name="CustomShape 3"/>
+          <p:cNvPr id="83" name="CustomShape 3"/>
           <p:cNvSpPr/>
           <p:nvPr/>
         </p:nvSpPr>
         <p:spPr>
           <a:xfrm>
             <a:off x="6624000" y="4248000"/>
-            <a:ext cx="1275480" cy="535680"/>
+            <a:ext cx="1274040" cy="534240"/>
           </a:xfrm>
           <a:prstGeom prst="roundRect">
             <a:avLst>
@@ -7085,14 +3850,14 @@
       </p:sp>
       <p:sp>
         <p:nvSpPr>
-          <p:cNvPr id="160" name="CustomShape 4"/>
+          <p:cNvPr id="84" name="CustomShape 4"/>
           <p:cNvSpPr/>
           <p:nvPr/>
         </p:nvSpPr>
         <p:spPr>
           <a:xfrm>
             <a:off x="2035080" y="3097800"/>
-            <a:ext cx="1333440" cy="911520"/>
+            <a:ext cx="1332000" cy="910080"/>
           </a:xfrm>
           <a:prstGeom prst="rect">
             <a:avLst/>
@@ -7141,14 +3906,14 @@
       </p:sp>
       <p:sp>
         <p:nvSpPr>
-          <p:cNvPr id="161" name="CustomShape 5"/>
+          <p:cNvPr id="85" name="CustomShape 5"/>
           <p:cNvSpPr/>
           <p:nvPr/>
         </p:nvSpPr>
         <p:spPr>
           <a:xfrm flipV="1">
-            <a:off x="3371400" y="3550320"/>
-            <a:ext cx="3121200" cy="360"/>
+            <a:off x="3371400" y="3546000"/>
+            <a:ext cx="3119760" cy="360"/>
           </a:xfrm>
           <a:prstGeom prst="curvedConnector3">
             <a:avLst>
@@ -7177,14 +3942,14 @@
       </p:sp>
       <p:sp>
         <p:nvSpPr>
-          <p:cNvPr id="162" name="CustomShape 6"/>
+          <p:cNvPr id="86" name="CustomShape 6"/>
           <p:cNvSpPr/>
           <p:nvPr/>
         </p:nvSpPr>
         <p:spPr>
           <a:xfrm>
             <a:off x="6264000" y="2397960"/>
-            <a:ext cx="4246920" cy="2872800"/>
+            <a:ext cx="4245480" cy="2871360"/>
           </a:xfrm>
           <a:prstGeom prst="roundRect">
             <a:avLst>
@@ -7236,7 +4001,7 @@
       </p:sp>
       <p:sp>
         <p:nvSpPr>
-          <p:cNvPr id="163" name="Line 7"/>
+          <p:cNvPr id="87" name="Line 7"/>
           <p:cNvSpPr/>
           <p:nvPr/>
         </p:nvSpPr>
@@ -7269,14 +4034,14 @@
       </p:sp>
       <p:sp>
         <p:nvSpPr>
-          <p:cNvPr id="164" name="CustomShape 8"/>
+          <p:cNvPr id="88" name="CustomShape 8"/>
           <p:cNvSpPr/>
           <p:nvPr/>
         </p:nvSpPr>
         <p:spPr>
           <a:xfrm>
             <a:off x="8820000" y="4248000"/>
-            <a:ext cx="1275480" cy="535680"/>
+            <a:ext cx="1274040" cy="534240"/>
           </a:xfrm>
           <a:prstGeom prst="roundRect">
             <a:avLst>
@@ -7361,7 +4126,7 @@
       </p:sp>
       <p:sp>
         <p:nvSpPr>
-          <p:cNvPr id="165" name="Line 9"/>
+          <p:cNvPr id="89" name="Line 9"/>
           <p:cNvSpPr/>
           <p:nvPr/>
         </p:nvSpPr>
@@ -7394,14 +4159,14 @@
       </p:sp>
       <p:sp>
         <p:nvSpPr>
-          <p:cNvPr id="166" name="CustomShape 10"/>
+          <p:cNvPr id="90" name="CustomShape 10"/>
           <p:cNvSpPr/>
           <p:nvPr/>
         </p:nvSpPr>
         <p:spPr>
           <a:xfrm>
             <a:off x="8690040" y="3189960"/>
-            <a:ext cx="1624680" cy="581400"/>
+            <a:ext cx="1623240" cy="579960"/>
           </a:xfrm>
           <a:prstGeom prst="cube">
             <a:avLst>
@@ -7443,7 +4208,7 @@
                 <a:latin typeface="Calibri"/>
                 <a:ea typeface="DejaVu Sans"/>
               </a:rPr>
-              <a:t>Costureira</a:t>
+              <a:t>Costura</a:t>
             </a:r>
             <a:endParaRPr b="0" lang="pt-BR" sz="1000" spc="-1" strike="noStrike">
               <a:latin typeface="Arial"/>
@@ -7513,14 +4278,14 @@
       </p:grpSpPr>
       <p:sp>
         <p:nvSpPr>
-          <p:cNvPr id="167" name="CustomShape 1"/>
+          <p:cNvPr id="91" name="CustomShape 1"/>
           <p:cNvSpPr/>
           <p:nvPr/>
         </p:nvSpPr>
         <p:spPr>
           <a:xfrm>
             <a:off x="838080" y="365040"/>
-            <a:ext cx="10512720" cy="1322640"/>
+            <a:ext cx="10511280" cy="1321200"/>
           </a:xfrm>
           <a:prstGeom prst="rect">
             <a:avLst/>
@@ -7554,7 +4319,7 @@
                 <a:latin typeface="Calibri Light"/>
                 <a:ea typeface="DejaVu Sans"/>
               </a:rPr>
-              <a:t>Cenário: Retirar Traje e Rigor</a:t>
+              <a:t>Cenário: Retirar Traje a Rigor</a:t>
             </a:r>
             <a:endParaRPr b="0" lang="pt-BR" sz="4400" spc="-1" strike="noStrike">
               <a:latin typeface="Arial"/>
@@ -7564,103 +4329,14 @@
       </p:sp>
       <p:sp>
         <p:nvSpPr>
-          <p:cNvPr id="168" name="CustomShape 2"/>
+          <p:cNvPr id="92" name="CustomShape 2"/>
           <p:cNvSpPr/>
           <p:nvPr/>
         </p:nvSpPr>
         <p:spPr>
           <a:xfrm>
-            <a:off x="7537680" y="3189600"/>
-            <a:ext cx="1624680" cy="581400"/>
-          </a:xfrm>
-          <a:prstGeom prst="cube">
-            <a:avLst>
-              <a:gd name="adj" fmla="val 25000"/>
-            </a:avLst>
-          </a:prstGeom>
-          <a:solidFill>
-            <a:srgbClr val="ffc000"/>
-          </a:solidFill>
-          <a:ln/>
-        </p:spPr>
-        <p:style>
-          <a:lnRef idx="2">
-            <a:schemeClr val="accent1"/>
-          </a:lnRef>
-          <a:fillRef idx="1">
-            <a:schemeClr val="lt1"/>
-          </a:fillRef>
-          <a:effectRef idx="0">
-            <a:schemeClr val="accent1"/>
-          </a:effectRef>
-          <a:fontRef idx="minor"/>
-        </p:style>
-        <p:txBody>
-          <a:bodyPr lIns="90000" rIns="90000" tIns="45000" bIns="45000">
-            <a:noAutofit/>
-          </a:bodyPr>
-          <a:p>
-            <a:pPr algn="ctr">
-              <a:lnSpc>
-                <a:spcPct val="100000"/>
-              </a:lnSpc>
-            </a:pPr>
-            <a:r>
-              <a:rPr b="0" lang="pt-BR" sz="1000" spc="-1" strike="noStrike">
-                <a:solidFill>
-                  <a:srgbClr val="000000"/>
-                </a:solidFill>
-                <a:latin typeface="Calibri"/>
-                <a:ea typeface="DejaVu Sans"/>
-              </a:rPr>
-              <a:t>Caixa</a:t>
-            </a:r>
-            <a:endParaRPr b="0" lang="pt-BR" sz="1000" spc="-1" strike="noStrike">
-              <a:latin typeface="Arial"/>
-            </a:endParaRPr>
-          </a:p>
-          <a:p>
-            <a:pPr algn="ctr">
-              <a:lnSpc>
-                <a:spcPct val="100000"/>
-              </a:lnSpc>
-            </a:pPr>
-            <a:r>
-              <a:rPr b="1" lang="pt-BR" sz="1000" spc="-1" strike="noStrike">
-                <a:solidFill>
-                  <a:srgbClr val="000000"/>
-                </a:solidFill>
-                <a:latin typeface="Calibri"/>
-                <a:ea typeface="DejaVu Sans"/>
-              </a:rPr>
-              <a:t>(Nó Operacional)</a:t>
-            </a:r>
-            <a:endParaRPr b="0" lang="pt-BR" sz="1000" spc="-1" strike="noStrike">
-              <a:latin typeface="Arial"/>
-            </a:endParaRPr>
-          </a:p>
-          <a:p>
-            <a:pPr>
-              <a:lnSpc>
-                <a:spcPct val="100000"/>
-              </a:lnSpc>
-            </a:pPr>
-            <a:endParaRPr b="0" lang="pt-BR" sz="1000" spc="-1" strike="noStrike">
-              <a:latin typeface="Arial"/>
-            </a:endParaRPr>
-          </a:p>
-        </p:txBody>
-      </p:sp>
-      <p:sp>
-        <p:nvSpPr>
-          <p:cNvPr id="169" name="CustomShape 3"/>
-          <p:cNvSpPr/>
-          <p:nvPr/>
-        </p:nvSpPr>
-        <p:spPr>
-          <a:xfrm>
             <a:off x="7642080" y="4296240"/>
-            <a:ext cx="1275480" cy="535680"/>
+            <a:ext cx="1274040" cy="534240"/>
           </a:xfrm>
           <a:prstGeom prst="roundRect">
             <a:avLst>
@@ -7745,14 +4421,14 @@
       </p:sp>
       <p:sp>
         <p:nvSpPr>
-          <p:cNvPr id="170" name="CustomShape 4"/>
+          <p:cNvPr id="93" name="CustomShape 3"/>
           <p:cNvSpPr/>
           <p:nvPr/>
         </p:nvSpPr>
         <p:spPr>
           <a:xfrm>
             <a:off x="2035080" y="3097800"/>
-            <a:ext cx="1333440" cy="911520"/>
+            <a:ext cx="1332000" cy="910080"/>
           </a:xfrm>
           <a:prstGeom prst="rect">
             <a:avLst/>
@@ -7801,14 +4477,14 @@
       </p:sp>
       <p:sp>
         <p:nvSpPr>
-          <p:cNvPr id="171" name="CustomShape 5"/>
+          <p:cNvPr id="94" name="CustomShape 4"/>
           <p:cNvSpPr/>
           <p:nvPr/>
         </p:nvSpPr>
         <p:spPr>
           <a:xfrm>
             <a:off x="3371400" y="3555000"/>
-            <a:ext cx="4163400" cy="9720"/>
+            <a:ext cx="4161960" cy="8280"/>
           </a:xfrm>
           <a:prstGeom prst="curvedConnector3">
             <a:avLst>
@@ -7837,14 +4513,14 @@
       </p:sp>
       <p:sp>
         <p:nvSpPr>
-          <p:cNvPr id="172" name="CustomShape 6"/>
+          <p:cNvPr id="95" name="CustomShape 5"/>
           <p:cNvSpPr/>
           <p:nvPr/>
         </p:nvSpPr>
         <p:spPr>
           <a:xfrm>
             <a:off x="6546240" y="2397960"/>
-            <a:ext cx="3607920" cy="2872800"/>
+            <a:ext cx="4829040" cy="2871360"/>
           </a:xfrm>
           <a:prstGeom prst="roundRect">
             <a:avLst>
@@ -7896,13 +4572,316 @@
       </p:sp>
       <p:sp>
         <p:nvSpPr>
-          <p:cNvPr id="173" name="Line 7"/>
+          <p:cNvPr id="96" name="Line 6"/>
           <p:cNvSpPr/>
           <p:nvPr/>
         </p:nvSpPr>
         <p:spPr>
           <a:xfrm>
             <a:off x="8278200" y="3773880"/>
+            <a:ext cx="2880" cy="522360"/>
+          </a:xfrm>
+          <a:prstGeom prst="line">
+            <a:avLst/>
+          </a:prstGeom>
+          <a:ln>
+            <a:solidFill>
+              <a:srgbClr val="3f6ec2"/>
+            </a:solidFill>
+          </a:ln>
+        </p:spPr>
+        <p:style>
+          <a:lnRef idx="1">
+            <a:schemeClr val="accent1"/>
+          </a:lnRef>
+          <a:fillRef idx="0">
+            <a:schemeClr val="accent1"/>
+          </a:fillRef>
+          <a:effectRef idx="0">
+            <a:schemeClr val="accent1"/>
+          </a:effectRef>
+          <a:fontRef idx="minor"/>
+        </p:style>
+      </p:sp>
+      <p:sp>
+        <p:nvSpPr>
+          <p:cNvPr id="97" name="CustomShape 7"/>
+          <p:cNvSpPr/>
+          <p:nvPr/>
+        </p:nvSpPr>
+        <p:spPr>
+          <a:xfrm>
+            <a:off x="7537680" y="3225600"/>
+            <a:ext cx="1623240" cy="579960"/>
+          </a:xfrm>
+          <a:prstGeom prst="cube">
+            <a:avLst>
+              <a:gd name="adj" fmla="val 25000"/>
+            </a:avLst>
+          </a:prstGeom>
+          <a:solidFill>
+            <a:srgbClr val="ffc000"/>
+          </a:solidFill>
+          <a:ln/>
+        </p:spPr>
+        <p:style>
+          <a:lnRef idx="2">
+            <a:schemeClr val="accent1"/>
+          </a:lnRef>
+          <a:fillRef idx="1">
+            <a:schemeClr val="lt1"/>
+          </a:fillRef>
+          <a:effectRef idx="0">
+            <a:schemeClr val="accent1"/>
+          </a:effectRef>
+          <a:fontRef idx="minor"/>
+        </p:style>
+        <p:txBody>
+          <a:bodyPr lIns="90000" rIns="90000" tIns="45000" bIns="45000">
+            <a:noAutofit/>
+          </a:bodyPr>
+          <a:p>
+            <a:pPr algn="ctr">
+              <a:lnSpc>
+                <a:spcPct val="100000"/>
+              </a:lnSpc>
+            </a:pPr>
+            <a:r>
+              <a:rPr b="0" lang="pt-BR" sz="1000" spc="-1" strike="noStrike">
+                <a:solidFill>
+                  <a:srgbClr val="000000"/>
+                </a:solidFill>
+                <a:latin typeface="Calibri"/>
+                <a:ea typeface="DejaVu Sans"/>
+              </a:rPr>
+              <a:t>Caixa</a:t>
+            </a:r>
+            <a:endParaRPr b="0" lang="pt-BR" sz="1000" spc="-1" strike="noStrike">
+              <a:latin typeface="Arial"/>
+            </a:endParaRPr>
+          </a:p>
+          <a:p>
+            <a:pPr algn="ctr">
+              <a:lnSpc>
+                <a:spcPct val="100000"/>
+              </a:lnSpc>
+            </a:pPr>
+            <a:r>
+              <a:rPr b="1" lang="pt-BR" sz="1000" spc="-1" strike="noStrike">
+                <a:solidFill>
+                  <a:srgbClr val="000000"/>
+                </a:solidFill>
+                <a:latin typeface="Calibri"/>
+                <a:ea typeface="DejaVu Sans"/>
+              </a:rPr>
+              <a:t>(Nó Operacional)</a:t>
+            </a:r>
+            <a:endParaRPr b="0" lang="pt-BR" sz="1000" spc="-1" strike="noStrike">
+              <a:latin typeface="Arial"/>
+            </a:endParaRPr>
+          </a:p>
+          <a:p>
+            <a:pPr>
+              <a:lnSpc>
+                <a:spcPct val="100000"/>
+              </a:lnSpc>
+            </a:pPr>
+            <a:endParaRPr b="0" lang="pt-BR" sz="1000" spc="-1" strike="noStrike">
+              <a:latin typeface="Arial"/>
+            </a:endParaRPr>
+          </a:p>
+        </p:txBody>
+      </p:sp>
+      <p:sp>
+        <p:nvSpPr>
+          <p:cNvPr id="98" name="CustomShape 8"/>
+          <p:cNvSpPr/>
+          <p:nvPr/>
+        </p:nvSpPr>
+        <p:spPr>
+          <a:xfrm>
+            <a:off x="9356040" y="3235320"/>
+            <a:ext cx="1623240" cy="579960"/>
+          </a:xfrm>
+          <a:prstGeom prst="cube">
+            <a:avLst>
+              <a:gd name="adj" fmla="val 25000"/>
+            </a:avLst>
+          </a:prstGeom>
+          <a:solidFill>
+            <a:srgbClr val="ffc000"/>
+          </a:solidFill>
+          <a:ln/>
+        </p:spPr>
+        <p:style>
+          <a:lnRef idx="2">
+            <a:schemeClr val="accent1"/>
+          </a:lnRef>
+          <a:fillRef idx="1">
+            <a:schemeClr val="lt1"/>
+          </a:fillRef>
+          <a:effectRef idx="0">
+            <a:schemeClr val="accent1"/>
+          </a:effectRef>
+          <a:fontRef idx="minor"/>
+        </p:style>
+        <p:txBody>
+          <a:bodyPr lIns="90000" rIns="90000" tIns="45000" bIns="45000">
+            <a:noAutofit/>
+          </a:bodyPr>
+          <a:p>
+            <a:pPr algn="ctr">
+              <a:lnSpc>
+                <a:spcPct val="100000"/>
+              </a:lnSpc>
+            </a:pPr>
+            <a:r>
+              <a:rPr b="0" lang="pt-BR" sz="1000" spc="-1" strike="noStrike">
+                <a:solidFill>
+                  <a:srgbClr val="000000"/>
+                </a:solidFill>
+                <a:latin typeface="Calibri"/>
+                <a:ea typeface="DejaVu Sans"/>
+              </a:rPr>
+              <a:t>Costura</a:t>
+            </a:r>
+            <a:endParaRPr b="0" lang="pt-BR" sz="1000" spc="-1" strike="noStrike">
+              <a:latin typeface="Arial"/>
+            </a:endParaRPr>
+          </a:p>
+          <a:p>
+            <a:pPr algn="ctr">
+              <a:lnSpc>
+                <a:spcPct val="100000"/>
+              </a:lnSpc>
+            </a:pPr>
+            <a:r>
+              <a:rPr b="1" lang="pt-BR" sz="1000" spc="-1" strike="noStrike">
+                <a:solidFill>
+                  <a:srgbClr val="000000"/>
+                </a:solidFill>
+                <a:latin typeface="Calibri"/>
+                <a:ea typeface="DejaVu Sans"/>
+              </a:rPr>
+              <a:t>(Nó Operacional)</a:t>
+            </a:r>
+            <a:endParaRPr b="0" lang="pt-BR" sz="1000" spc="-1" strike="noStrike">
+              <a:latin typeface="Arial"/>
+            </a:endParaRPr>
+          </a:p>
+          <a:p>
+            <a:pPr>
+              <a:lnSpc>
+                <a:spcPct val="100000"/>
+              </a:lnSpc>
+            </a:pPr>
+            <a:endParaRPr b="0" lang="pt-BR" sz="1000" spc="-1" strike="noStrike">
+              <a:latin typeface="Arial"/>
+            </a:endParaRPr>
+          </a:p>
+        </p:txBody>
+      </p:sp>
+      <p:sp>
+        <p:nvSpPr>
+          <p:cNvPr id="99" name="CustomShape 9"/>
+          <p:cNvSpPr/>
+          <p:nvPr/>
+        </p:nvSpPr>
+        <p:spPr>
+          <a:xfrm>
+            <a:off x="9504000" y="4284000"/>
+            <a:ext cx="1274040" cy="534240"/>
+          </a:xfrm>
+          <a:prstGeom prst="roundRect">
+            <a:avLst>
+              <a:gd name="adj" fmla="val 16667"/>
+            </a:avLst>
+          </a:prstGeom>
+          <a:ln>
+            <a:noFill/>
+          </a:ln>
+          <a:effectLst>
+            <a:outerShdw blurRad="40000" dir="5400000" dist="20160" rotWithShape="0">
+              <a:srgbClr val="000000">
+                <a:alpha val="38000"/>
+              </a:srgbClr>
+            </a:outerShdw>
+          </a:effectLst>
+          <a:scene3d>
+            <a:camera prst="orthographicFront">
+              <a:rot lat="0" lon="0" rev="0"/>
+            </a:camera>
+            <a:lightRig dir="t" rig="contrasting">
+              <a:rot lat="0" lon="0" rev="1200000"/>
+            </a:lightRig>
+          </a:scene3d>
+          <a:sp3d contourW="19050" prstMaterial="metal">
+            <a:bevelT w="88900" h="203200"/>
+            <a:bevelB w="165100" h="254000"/>
+          </a:sp3d>
+        </p:spPr>
+        <p:style>
+          <a:lnRef idx="0">
+            <a:schemeClr val="lt1">
+              <a:hueOff val="0"/>
+              <a:satOff val="0"/>
+              <a:lumOff val="0"/>
+              <a:alphaOff val="0"/>
+            </a:schemeClr>
+          </a:lnRef>
+          <a:fillRef idx="1">
+            <a:schemeClr val="accent6">
+              <a:hueOff val="0"/>
+              <a:satOff val="0"/>
+              <a:lumOff val="0"/>
+              <a:alphaOff val="0"/>
+            </a:schemeClr>
+          </a:fillRef>
+          <a:effectRef idx="1">
+            <a:schemeClr val="accent6">
+              <a:hueOff val="0"/>
+              <a:satOff val="0"/>
+              <a:lumOff val="0"/>
+              <a:alphaOff val="0"/>
+            </a:schemeClr>
+          </a:effectRef>
+          <a:fontRef idx="minor"/>
+        </p:style>
+        <p:txBody>
+          <a:bodyPr lIns="90000" rIns="90000" tIns="45000" bIns="45000" anchor="ctr">
+            <a:noAutofit/>
+          </a:bodyPr>
+          <a:p>
+            <a:pPr algn="ctr">
+              <a:lnSpc>
+                <a:spcPct val="100000"/>
+              </a:lnSpc>
+            </a:pPr>
+            <a:r>
+              <a:rPr b="1" lang="pt-BR" sz="1200" spc="-1" strike="noStrike">
+                <a:solidFill>
+                  <a:srgbClr val="ffffff"/>
+                </a:solidFill>
+                <a:latin typeface="Calibri"/>
+                <a:ea typeface="DejaVu Sans"/>
+              </a:rPr>
+              <a:t>Ajustar traje a rigor Emergencial</a:t>
+            </a:r>
+            <a:endParaRPr b="0" lang="pt-BR" sz="1200" spc="-1" strike="noStrike">
+              <a:latin typeface="Arial"/>
+            </a:endParaRPr>
+          </a:p>
+        </p:txBody>
+      </p:sp>
+      <p:sp>
+        <p:nvSpPr>
+          <p:cNvPr id="100" name="Line 10"/>
+          <p:cNvSpPr/>
+          <p:nvPr/>
+        </p:nvSpPr>
+        <p:spPr>
+          <a:xfrm>
+            <a:off x="10149120" y="3816000"/>
             <a:ext cx="2880" cy="522360"/>
           </a:xfrm>
           <a:prstGeom prst="line">
@@ -7959,14 +4938,14 @@
       </p:grpSpPr>
       <p:sp>
         <p:nvSpPr>
-          <p:cNvPr id="174" name="CustomShape 1"/>
+          <p:cNvPr id="101" name="CustomShape 1"/>
           <p:cNvSpPr/>
           <p:nvPr/>
         </p:nvSpPr>
         <p:spPr>
           <a:xfrm>
             <a:off x="838080" y="365040"/>
-            <a:ext cx="10512720" cy="1322640"/>
+            <a:ext cx="10511280" cy="1321200"/>
           </a:xfrm>
           <a:prstGeom prst="rect">
             <a:avLst/>
@@ -8010,14 +4989,14 @@
       </p:sp>
       <p:sp>
         <p:nvSpPr>
-          <p:cNvPr id="175" name="CustomShape 2"/>
+          <p:cNvPr id="102" name="CustomShape 2"/>
           <p:cNvSpPr/>
           <p:nvPr/>
         </p:nvSpPr>
         <p:spPr>
           <a:xfrm>
             <a:off x="7537680" y="3189600"/>
-            <a:ext cx="1624680" cy="581400"/>
+            <a:ext cx="1623240" cy="579960"/>
           </a:xfrm>
           <a:prstGeom prst="cube">
             <a:avLst>
@@ -8099,14 +5078,14 @@
       </p:sp>
       <p:sp>
         <p:nvSpPr>
-          <p:cNvPr id="176" name="CustomShape 3"/>
+          <p:cNvPr id="103" name="CustomShape 3"/>
           <p:cNvSpPr/>
           <p:nvPr/>
         </p:nvSpPr>
         <p:spPr>
           <a:xfrm>
             <a:off x="7642080" y="4296240"/>
-            <a:ext cx="1275480" cy="535680"/>
+            <a:ext cx="1274040" cy="534240"/>
           </a:xfrm>
           <a:prstGeom prst="roundRect">
             <a:avLst>
@@ -8191,14 +5170,14 @@
       </p:sp>
       <p:sp>
         <p:nvSpPr>
-          <p:cNvPr id="177" name="CustomShape 4"/>
+          <p:cNvPr id="104" name="CustomShape 4"/>
           <p:cNvSpPr/>
           <p:nvPr/>
         </p:nvSpPr>
         <p:spPr>
           <a:xfrm>
             <a:off x="2035080" y="3097800"/>
-            <a:ext cx="1333440" cy="911520"/>
+            <a:ext cx="1332000" cy="910080"/>
           </a:xfrm>
           <a:prstGeom prst="rect">
             <a:avLst/>
@@ -8247,14 +5226,14 @@
       </p:sp>
       <p:sp>
         <p:nvSpPr>
-          <p:cNvPr id="178" name="CustomShape 5"/>
+          <p:cNvPr id="105" name="CustomShape 5"/>
           <p:cNvSpPr/>
           <p:nvPr/>
         </p:nvSpPr>
         <p:spPr>
           <a:xfrm>
             <a:off x="3371400" y="3555000"/>
-            <a:ext cx="4163400" cy="9720"/>
+            <a:ext cx="4161960" cy="8280"/>
           </a:xfrm>
           <a:prstGeom prst="curvedConnector3">
             <a:avLst>
@@ -8283,14 +5262,14 @@
       </p:sp>
       <p:sp>
         <p:nvSpPr>
-          <p:cNvPr id="179" name="CustomShape 6"/>
+          <p:cNvPr id="106" name="CustomShape 6"/>
           <p:cNvSpPr/>
           <p:nvPr/>
         </p:nvSpPr>
         <p:spPr>
           <a:xfrm>
             <a:off x="6546240" y="2397960"/>
-            <a:ext cx="3607920" cy="2872800"/>
+            <a:ext cx="3606480" cy="2871360"/>
           </a:xfrm>
           <a:prstGeom prst="roundRect">
             <a:avLst>
@@ -8342,7 +5321,7 @@
       </p:sp>
       <p:sp>
         <p:nvSpPr>
-          <p:cNvPr id="180" name="Line 7"/>
+          <p:cNvPr id="107" name="Line 7"/>
           <p:cNvSpPr/>
           <p:nvPr/>
         </p:nvSpPr>
@@ -8372,749 +5351,6 @@
           </a:effectRef>
           <a:fontRef idx="minor"/>
         </p:style>
-      </p:sp>
-    </p:spTree>
-  </p:cSld>
-  <mc:AlternateContent>
-    <mc:Choice Requires="p14">
-      <p:transition spd="slow" p14:dur="2000"/>
-    </mc:Choice>
-    <mc:Fallback>
-      <p:transition spd="slow"/>
-    </mc:Fallback>
-  </mc:AlternateContent>
-</p:sld>
-</file>
-
-<file path=ppt/slides/slide5.xml><?xml version="1.0" encoding="utf-8"?>
-<p:sld xmlns:a="http://schemas.openxmlformats.org/drawingml/2006/main" xmlns:p="http://schemas.openxmlformats.org/presentationml/2006/main" xmlns:r="http://schemas.openxmlformats.org/officeDocument/2006/relationships" xmlns:p14="http://schemas.microsoft.com/office/powerpoint/2010/main" xmlns:p15="http://schemas.microsoft.com/office/powerpoint/2012/main" xmlns:mc="http://schemas.openxmlformats.org/markup-compatibility/2006">
-  <p:cSld>
-    <p:spTree>
-      <p:nvGrpSpPr>
-        <p:cNvPr id="1" name=""/>
-        <p:cNvGrpSpPr/>
-        <p:nvPr/>
-      </p:nvGrpSpPr>
-      <p:grpSpPr>
-        <a:xfrm>
-          <a:off x="0" y="0"/>
-          <a:ext cx="0" cy="0"/>
-          <a:chOff x="0" y="0"/>
-          <a:chExt cx="0" cy="0"/>
-        </a:xfrm>
-      </p:grpSpPr>
-      <p:sp>
-        <p:nvSpPr>
-          <p:cNvPr id="181" name="CustomShape 1"/>
-          <p:cNvSpPr/>
-          <p:nvPr/>
-        </p:nvSpPr>
-        <p:spPr>
-          <a:xfrm>
-            <a:off x="288000" y="288000"/>
-            <a:ext cx="10512720" cy="1322640"/>
-          </a:xfrm>
-          <a:prstGeom prst="rect">
-            <a:avLst/>
-          </a:prstGeom>
-          <a:noFill/>
-          <a:ln>
-            <a:noFill/>
-          </a:ln>
-        </p:spPr>
-        <p:style>
-          <a:lnRef idx="0"/>
-          <a:fillRef idx="0"/>
-          <a:effectRef idx="0"/>
-          <a:fontRef idx="minor"/>
-        </p:style>
-        <p:txBody>
-          <a:bodyPr lIns="90000" rIns="90000" tIns="45000" bIns="45000" anchor="ctr">
-            <a:noAutofit/>
-          </a:bodyPr>
-          <a:p>
-            <a:pPr>
-              <a:lnSpc>
-                <a:spcPct val="90000"/>
-              </a:lnSpc>
-            </a:pPr>
-            <a:r>
-              <a:rPr b="0" lang="pt-BR" sz="4400" spc="-1" strike="noStrike">
-                <a:solidFill>
-                  <a:srgbClr val="000000"/>
-                </a:solidFill>
-                <a:latin typeface="Calibri Light"/>
-                <a:ea typeface="DejaVu Sans"/>
-              </a:rPr>
-              <a:t>Resumo</a:t>
-            </a:r>
-            <a:endParaRPr b="0" lang="pt-BR" sz="4400" spc="-1" strike="noStrike">
-              <a:latin typeface="Arial"/>
-            </a:endParaRPr>
-          </a:p>
-        </p:txBody>
-      </p:sp>
-      <p:sp>
-        <p:nvSpPr>
-          <p:cNvPr id="182" name="CustomShape 2"/>
-          <p:cNvSpPr/>
-          <p:nvPr/>
-        </p:nvSpPr>
-        <p:spPr>
-          <a:xfrm>
-            <a:off x="1872000" y="1620000"/>
-            <a:ext cx="3670920" cy="1824120"/>
-          </a:xfrm>
-          <a:prstGeom prst="rect">
-            <a:avLst/>
-          </a:prstGeom>
-          <a:noFill/>
-          <a:ln>
-            <a:noFill/>
-          </a:ln>
-        </p:spPr>
-        <p:style>
-          <a:lnRef idx="0"/>
-          <a:fillRef idx="0"/>
-          <a:effectRef idx="0"/>
-          <a:fontRef idx="minor"/>
-        </p:style>
-        <p:txBody>
-          <a:bodyPr lIns="90000" rIns="90000" tIns="45000" bIns="45000">
-            <a:noAutofit/>
-          </a:bodyPr>
-          <a:p>
-            <a:pPr>
-              <a:lnSpc>
-                <a:spcPct val="90000"/>
-              </a:lnSpc>
-              <a:spcBef>
-                <a:spcPts val="1001"/>
-              </a:spcBef>
-            </a:pPr>
-            <a:r>
-              <a:rPr b="1" lang="pt-BR" sz="2000" spc="-1" strike="noStrike">
-                <a:solidFill>
-                  <a:srgbClr val="000000"/>
-                </a:solidFill>
-                <a:latin typeface="Calibri"/>
-                <a:ea typeface="DejaVu Sans"/>
-              </a:rPr>
-              <a:t>Cenário: Locar Traje a Rigor</a:t>
-            </a:r>
-            <a:endParaRPr b="0" lang="pt-BR" sz="2000" spc="-1" strike="noStrike">
-              <a:latin typeface="Arial"/>
-            </a:endParaRPr>
-          </a:p>
-          <a:p>
-            <a:pPr marL="228600" indent="-225720">
-              <a:lnSpc>
-                <a:spcPct val="90000"/>
-              </a:lnSpc>
-              <a:spcBef>
-                <a:spcPts val="1001"/>
-              </a:spcBef>
-              <a:buClr>
-                <a:srgbClr val="000000"/>
-              </a:buClr>
-              <a:buFont typeface="Arial"/>
-              <a:buChar char="•"/>
-            </a:pPr>
-            <a:r>
-              <a:rPr b="0" lang="pt-BR" sz="2000" spc="-1" strike="noStrike">
-                <a:solidFill>
-                  <a:srgbClr val="000000"/>
-                </a:solidFill>
-                <a:latin typeface="Calibri"/>
-                <a:ea typeface="DejaVu Sans"/>
-              </a:rPr>
-              <a:t>Nó Operacional: </a:t>
-            </a:r>
-            <a:r>
-              <a:rPr b="1" lang="pt-BR" sz="2000" spc="-1" strike="noStrike">
-                <a:solidFill>
-                  <a:srgbClr val="000000"/>
-                </a:solidFill>
-                <a:latin typeface="Calibri"/>
-                <a:ea typeface="DejaVu Sans"/>
-              </a:rPr>
-              <a:t>Atendente</a:t>
-            </a:r>
-            <a:endParaRPr b="0" lang="pt-BR" sz="2000" spc="-1" strike="noStrike">
-              <a:latin typeface="Arial"/>
-            </a:endParaRPr>
-          </a:p>
-          <a:p>
-            <a:pPr marL="228600" indent="-225720">
-              <a:lnSpc>
-                <a:spcPct val="90000"/>
-              </a:lnSpc>
-              <a:spcBef>
-                <a:spcPts val="1001"/>
-              </a:spcBef>
-              <a:buClr>
-                <a:srgbClr val="000000"/>
-              </a:buClr>
-              <a:buFont typeface="Arial"/>
-              <a:buChar char="•"/>
-            </a:pPr>
-            <a:r>
-              <a:rPr b="0" lang="pt-BR" sz="2000" spc="-1" strike="noStrike">
-                <a:solidFill>
-                  <a:srgbClr val="000000"/>
-                </a:solidFill>
-                <a:latin typeface="Calibri"/>
-                <a:ea typeface="DejaVu Sans"/>
-              </a:rPr>
-              <a:t>Capacidade do Atendente:</a:t>
-            </a:r>
-            <a:endParaRPr b="0" lang="pt-BR" sz="2000" spc="-1" strike="noStrike">
-              <a:latin typeface="Arial"/>
-            </a:endParaRPr>
-          </a:p>
-          <a:p>
-            <a:pPr lvl="1" marL="685800" indent="-225720">
-              <a:lnSpc>
-                <a:spcPct val="90000"/>
-              </a:lnSpc>
-              <a:spcBef>
-                <a:spcPts val="499"/>
-              </a:spcBef>
-              <a:buClr>
-                <a:srgbClr val="000000"/>
-              </a:buClr>
-              <a:buFont typeface="Arial"/>
-              <a:buChar char="•"/>
-            </a:pPr>
-            <a:r>
-              <a:rPr b="1" lang="pt-BR" sz="2000" spc="-1" strike="noStrike">
-                <a:solidFill>
-                  <a:srgbClr val="000000"/>
-                </a:solidFill>
-                <a:latin typeface="Calibri"/>
-                <a:ea typeface="DejaVu Sans"/>
-              </a:rPr>
-              <a:t>Tratar Escolha do </a:t>
-            </a:r>
-            <a:br/>
-            <a:r>
-              <a:rPr b="1" lang="pt-BR" sz="2000" spc="-1" strike="noStrike">
-                <a:solidFill>
-                  <a:srgbClr val="000000"/>
-                </a:solidFill>
-                <a:latin typeface="Calibri"/>
-                <a:ea typeface="DejaVu Sans"/>
-              </a:rPr>
-              <a:t>traje a rigor</a:t>
-            </a:r>
-            <a:endParaRPr b="0" lang="pt-BR" sz="2000" spc="-1" strike="noStrike">
-              <a:latin typeface="Arial"/>
-            </a:endParaRPr>
-          </a:p>
-        </p:txBody>
-      </p:sp>
-      <p:sp>
-        <p:nvSpPr>
-          <p:cNvPr id="183" name="CustomShape 3"/>
-          <p:cNvSpPr/>
-          <p:nvPr/>
-        </p:nvSpPr>
-        <p:spPr>
-          <a:xfrm>
-            <a:off x="6264360" y="2458800"/>
-            <a:ext cx="2757600" cy="1596600"/>
-          </a:xfrm>
-          <a:prstGeom prst="rect">
-            <a:avLst/>
-          </a:prstGeom>
-          <a:noFill/>
-          <a:ln>
-            <a:noFill/>
-          </a:ln>
-        </p:spPr>
-        <p:style>
-          <a:lnRef idx="0"/>
-          <a:fillRef idx="0"/>
-          <a:effectRef idx="0"/>
-          <a:fontRef idx="minor"/>
-        </p:style>
-      </p:sp>
-      <p:sp>
-        <p:nvSpPr>
-          <p:cNvPr id="184" name="CustomShape 4"/>
-          <p:cNvSpPr/>
-          <p:nvPr/>
-        </p:nvSpPr>
-        <p:spPr>
-          <a:xfrm>
-            <a:off x="6372000" y="1584000"/>
-            <a:ext cx="3634920" cy="2076120"/>
-          </a:xfrm>
-          <a:prstGeom prst="rect">
-            <a:avLst/>
-          </a:prstGeom>
-          <a:noFill/>
-          <a:ln>
-            <a:noFill/>
-          </a:ln>
-        </p:spPr>
-        <p:style>
-          <a:lnRef idx="0"/>
-          <a:fillRef idx="0"/>
-          <a:effectRef idx="0"/>
-          <a:fontRef idx="minor"/>
-        </p:style>
-        <p:txBody>
-          <a:bodyPr lIns="90000" rIns="90000" tIns="45000" bIns="45000">
-            <a:noAutofit/>
-          </a:bodyPr>
-          <a:p>
-            <a:pPr>
-              <a:lnSpc>
-                <a:spcPct val="90000"/>
-              </a:lnSpc>
-              <a:spcBef>
-                <a:spcPts val="1001"/>
-              </a:spcBef>
-            </a:pPr>
-            <a:r>
-              <a:rPr b="1" lang="pt-BR" sz="2000" spc="-1" strike="noStrike">
-                <a:solidFill>
-                  <a:srgbClr val="000000"/>
-                </a:solidFill>
-                <a:latin typeface="Calibri"/>
-                <a:ea typeface="DejaVu Sans"/>
-              </a:rPr>
-              <a:t>Cenário: Locar Traje a Rigor</a:t>
-            </a:r>
-            <a:endParaRPr b="0" lang="pt-BR" sz="2000" spc="-1" strike="noStrike">
-              <a:latin typeface="Arial"/>
-            </a:endParaRPr>
-          </a:p>
-          <a:p>
-            <a:pPr marL="228600" indent="-225720">
-              <a:lnSpc>
-                <a:spcPct val="90000"/>
-              </a:lnSpc>
-              <a:spcBef>
-                <a:spcPts val="1001"/>
-              </a:spcBef>
-              <a:buClr>
-                <a:srgbClr val="000000"/>
-              </a:buClr>
-              <a:buFont typeface="Arial"/>
-              <a:buChar char="•"/>
-            </a:pPr>
-            <a:r>
-              <a:rPr b="0" lang="pt-BR" sz="2000" spc="-1" strike="noStrike">
-                <a:solidFill>
-                  <a:srgbClr val="000000"/>
-                </a:solidFill>
-                <a:latin typeface="Calibri"/>
-                <a:ea typeface="DejaVu Sans"/>
-              </a:rPr>
-              <a:t>Nó Operacional: </a:t>
-            </a:r>
-            <a:r>
-              <a:rPr b="1" lang="pt-BR" sz="2000" spc="-1" strike="noStrike">
-                <a:solidFill>
-                  <a:srgbClr val="000000"/>
-                </a:solidFill>
-                <a:latin typeface="Calibri"/>
-                <a:ea typeface="DejaVu Sans"/>
-              </a:rPr>
-              <a:t>Costureira</a:t>
-            </a:r>
-            <a:endParaRPr b="0" lang="pt-BR" sz="2000" spc="-1" strike="noStrike">
-              <a:latin typeface="Arial"/>
-            </a:endParaRPr>
-          </a:p>
-          <a:p>
-            <a:pPr marL="228600" indent="-225720">
-              <a:lnSpc>
-                <a:spcPct val="90000"/>
-              </a:lnSpc>
-              <a:spcBef>
-                <a:spcPts val="1001"/>
-              </a:spcBef>
-              <a:buClr>
-                <a:srgbClr val="000000"/>
-              </a:buClr>
-              <a:buFont typeface="Arial"/>
-              <a:buChar char="•"/>
-            </a:pPr>
-            <a:r>
-              <a:rPr b="0" lang="pt-BR" sz="2000" spc="-1" strike="noStrike">
-                <a:solidFill>
-                  <a:srgbClr val="000000"/>
-                </a:solidFill>
-                <a:latin typeface="Calibri"/>
-                <a:ea typeface="DejaVu Sans"/>
-              </a:rPr>
-              <a:t>Capacidade da Costureira:</a:t>
-            </a:r>
-            <a:endParaRPr b="0" lang="pt-BR" sz="2000" spc="-1" strike="noStrike">
-              <a:latin typeface="Arial"/>
-            </a:endParaRPr>
-          </a:p>
-          <a:p>
-            <a:pPr lvl="1" marL="685800" indent="-225720">
-              <a:lnSpc>
-                <a:spcPct val="90000"/>
-              </a:lnSpc>
-              <a:spcBef>
-                <a:spcPts val="499"/>
-              </a:spcBef>
-              <a:buClr>
-                <a:srgbClr val="000000"/>
-              </a:buClr>
-              <a:buFont typeface="Arial"/>
-              <a:buChar char="•"/>
-            </a:pPr>
-            <a:r>
-              <a:rPr b="1" lang="pt-BR" sz="2000" spc="-1" strike="noStrike">
-                <a:solidFill>
-                  <a:srgbClr val="000000"/>
-                </a:solidFill>
-                <a:latin typeface="Calibri"/>
-                <a:ea typeface="DejaVu Sans"/>
-              </a:rPr>
-              <a:t>Tratar Ajustes do </a:t>
-            </a:r>
-            <a:br/>
-            <a:r>
-              <a:rPr b="1" lang="pt-BR" sz="2000" spc="-1" strike="noStrike">
-                <a:solidFill>
-                  <a:srgbClr val="000000"/>
-                </a:solidFill>
-                <a:latin typeface="Calibri"/>
-                <a:ea typeface="DejaVu Sans"/>
-              </a:rPr>
-              <a:t>traje a rigor</a:t>
-            </a:r>
-            <a:endParaRPr b="0" lang="pt-BR" sz="2000" spc="-1" strike="noStrike">
-              <a:latin typeface="Arial"/>
-            </a:endParaRPr>
-          </a:p>
-        </p:txBody>
-      </p:sp>
-      <p:sp>
-        <p:nvSpPr>
-          <p:cNvPr id="185" name="CustomShape 5"/>
-          <p:cNvSpPr/>
-          <p:nvPr/>
-        </p:nvSpPr>
-        <p:spPr>
-          <a:xfrm>
-            <a:off x="1953000" y="4140000"/>
-            <a:ext cx="3850920" cy="2122920"/>
-          </a:xfrm>
-          <a:prstGeom prst="rect">
-            <a:avLst/>
-          </a:prstGeom>
-          <a:noFill/>
-          <a:ln>
-            <a:noFill/>
-          </a:ln>
-        </p:spPr>
-        <p:style>
-          <a:lnRef idx="0"/>
-          <a:fillRef idx="0"/>
-          <a:effectRef idx="0"/>
-          <a:fontRef idx="minor"/>
-        </p:style>
-        <p:txBody>
-          <a:bodyPr lIns="90000" rIns="90000" tIns="45000" bIns="45000">
-            <a:noAutofit/>
-          </a:bodyPr>
-          <a:p>
-            <a:pPr>
-              <a:lnSpc>
-                <a:spcPct val="90000"/>
-              </a:lnSpc>
-              <a:spcBef>
-                <a:spcPts val="1001"/>
-              </a:spcBef>
-            </a:pPr>
-            <a:r>
-              <a:rPr b="1" lang="pt-BR" sz="2000" spc="-1" strike="noStrike">
-                <a:solidFill>
-                  <a:srgbClr val="000000"/>
-                </a:solidFill>
-                <a:latin typeface="Calibri"/>
-                <a:ea typeface="DejaVu Sans"/>
-              </a:rPr>
-              <a:t>Cenário: Retirar Traje a Rigor</a:t>
-            </a:r>
-            <a:endParaRPr b="0" lang="pt-BR" sz="2000" spc="-1" strike="noStrike">
-              <a:latin typeface="Arial"/>
-            </a:endParaRPr>
-          </a:p>
-          <a:p>
-            <a:pPr marL="228600" indent="-225720">
-              <a:lnSpc>
-                <a:spcPct val="90000"/>
-              </a:lnSpc>
-              <a:spcBef>
-                <a:spcPts val="1001"/>
-              </a:spcBef>
-              <a:buClr>
-                <a:srgbClr val="000000"/>
-              </a:buClr>
-              <a:buFont typeface="Arial"/>
-              <a:buChar char="•"/>
-            </a:pPr>
-            <a:r>
-              <a:rPr b="0" lang="pt-BR" sz="2000" spc="-1" strike="noStrike">
-                <a:solidFill>
-                  <a:srgbClr val="000000"/>
-                </a:solidFill>
-                <a:latin typeface="Calibri"/>
-                <a:ea typeface="DejaVu Sans"/>
-              </a:rPr>
-              <a:t>Nó Operacional: </a:t>
-            </a:r>
-            <a:r>
-              <a:rPr b="1" lang="pt-BR" sz="2000" spc="-1" strike="noStrike">
-                <a:solidFill>
-                  <a:srgbClr val="000000"/>
-                </a:solidFill>
-                <a:latin typeface="Calibri"/>
-                <a:ea typeface="DejaVu Sans"/>
-              </a:rPr>
-              <a:t>Caixa</a:t>
-            </a:r>
-            <a:endParaRPr b="0" lang="pt-BR" sz="2000" spc="-1" strike="noStrike">
-              <a:latin typeface="Arial"/>
-            </a:endParaRPr>
-          </a:p>
-          <a:p>
-            <a:pPr marL="228600" indent="-225720">
-              <a:lnSpc>
-                <a:spcPct val="90000"/>
-              </a:lnSpc>
-              <a:spcBef>
-                <a:spcPts val="1001"/>
-              </a:spcBef>
-              <a:buClr>
-                <a:srgbClr val="000000"/>
-              </a:buClr>
-              <a:buFont typeface="Arial"/>
-              <a:buChar char="•"/>
-            </a:pPr>
-            <a:r>
-              <a:rPr b="0" lang="pt-BR" sz="2000" spc="-1" strike="noStrike">
-                <a:solidFill>
-                  <a:srgbClr val="000000"/>
-                </a:solidFill>
-                <a:latin typeface="Calibri"/>
-                <a:ea typeface="DejaVu Sans"/>
-              </a:rPr>
-              <a:t>Capacidade do Caixa:</a:t>
-            </a:r>
-            <a:endParaRPr b="0" lang="pt-BR" sz="2000" spc="-1" strike="noStrike">
-              <a:latin typeface="Arial"/>
-            </a:endParaRPr>
-          </a:p>
-          <a:p>
-            <a:pPr lvl="1" marL="685800" indent="-225720">
-              <a:lnSpc>
-                <a:spcPct val="90000"/>
-              </a:lnSpc>
-              <a:spcBef>
-                <a:spcPts val="499"/>
-              </a:spcBef>
-              <a:buClr>
-                <a:srgbClr val="000000"/>
-              </a:buClr>
-              <a:buFont typeface="Arial"/>
-              <a:buChar char="•"/>
-            </a:pPr>
-            <a:r>
-              <a:rPr b="1" lang="pt-BR" sz="2000" spc="-1" strike="noStrike">
-                <a:solidFill>
-                  <a:srgbClr val="000000"/>
-                </a:solidFill>
-                <a:latin typeface="Calibri"/>
-                <a:ea typeface="DejaVu Sans"/>
-              </a:rPr>
-              <a:t>Tratar retirada do</a:t>
-            </a:r>
-            <a:br/>
-            <a:r>
-              <a:rPr b="1" lang="pt-BR" sz="2000" spc="-1" strike="noStrike">
-                <a:solidFill>
-                  <a:srgbClr val="000000"/>
-                </a:solidFill>
-                <a:latin typeface="Calibri"/>
-                <a:ea typeface="DejaVu Sans"/>
-              </a:rPr>
-              <a:t>traje a rigor</a:t>
-            </a:r>
-            <a:endParaRPr b="0" lang="pt-BR" sz="2000" spc="-1" strike="noStrike">
-              <a:latin typeface="Arial"/>
-            </a:endParaRPr>
-          </a:p>
-        </p:txBody>
-      </p:sp>
-      <p:sp>
-        <p:nvSpPr>
-          <p:cNvPr id="186" name="CustomShape 6"/>
-          <p:cNvSpPr/>
-          <p:nvPr/>
-        </p:nvSpPr>
-        <p:spPr>
-          <a:xfrm>
-            <a:off x="6417000" y="4140000"/>
-            <a:ext cx="3850920" cy="2122920"/>
-          </a:xfrm>
-          <a:prstGeom prst="rect">
-            <a:avLst/>
-          </a:prstGeom>
-          <a:noFill/>
-          <a:ln>
-            <a:noFill/>
-          </a:ln>
-        </p:spPr>
-        <p:style>
-          <a:lnRef idx="0"/>
-          <a:fillRef idx="0"/>
-          <a:effectRef idx="0"/>
-          <a:fontRef idx="minor"/>
-        </p:style>
-        <p:txBody>
-          <a:bodyPr lIns="90000" rIns="90000" tIns="45000" bIns="45000">
-            <a:noAutofit/>
-          </a:bodyPr>
-          <a:p>
-            <a:pPr>
-              <a:lnSpc>
-                <a:spcPct val="90000"/>
-              </a:lnSpc>
-              <a:spcBef>
-                <a:spcPts val="1001"/>
-              </a:spcBef>
-            </a:pPr>
-            <a:r>
-              <a:rPr b="1" lang="pt-BR" sz="2000" spc="-1" strike="noStrike">
-                <a:solidFill>
-                  <a:srgbClr val="000000"/>
-                </a:solidFill>
-                <a:latin typeface="Calibri"/>
-                <a:ea typeface="DejaVu Sans"/>
-              </a:rPr>
-              <a:t>Cenário: Devolver Traje a Rigor</a:t>
-            </a:r>
-            <a:endParaRPr b="0" lang="pt-BR" sz="2000" spc="-1" strike="noStrike">
-              <a:latin typeface="Arial"/>
-            </a:endParaRPr>
-          </a:p>
-          <a:p>
-            <a:pPr marL="228600" indent="-225720">
-              <a:lnSpc>
-                <a:spcPct val="90000"/>
-              </a:lnSpc>
-              <a:spcBef>
-                <a:spcPts val="1001"/>
-              </a:spcBef>
-              <a:buClr>
-                <a:srgbClr val="000000"/>
-              </a:buClr>
-              <a:buFont typeface="Arial"/>
-              <a:buChar char="•"/>
-            </a:pPr>
-            <a:r>
-              <a:rPr b="0" lang="pt-BR" sz="2000" spc="-1" strike="noStrike">
-                <a:solidFill>
-                  <a:srgbClr val="000000"/>
-                </a:solidFill>
-                <a:latin typeface="Calibri"/>
-                <a:ea typeface="DejaVu Sans"/>
-              </a:rPr>
-              <a:t>Nó Operacional: </a:t>
-            </a:r>
-            <a:r>
-              <a:rPr b="1" lang="pt-BR" sz="2000" spc="-1" strike="noStrike">
-                <a:solidFill>
-                  <a:srgbClr val="000000"/>
-                </a:solidFill>
-                <a:latin typeface="Calibri"/>
-                <a:ea typeface="DejaVu Sans"/>
-              </a:rPr>
-              <a:t>Caixa</a:t>
-            </a:r>
-            <a:endParaRPr b="0" lang="pt-BR" sz="2000" spc="-1" strike="noStrike">
-              <a:latin typeface="Arial"/>
-            </a:endParaRPr>
-          </a:p>
-          <a:p>
-            <a:pPr marL="228600" indent="-225720">
-              <a:lnSpc>
-                <a:spcPct val="90000"/>
-              </a:lnSpc>
-              <a:spcBef>
-                <a:spcPts val="1001"/>
-              </a:spcBef>
-              <a:buClr>
-                <a:srgbClr val="000000"/>
-              </a:buClr>
-              <a:buFont typeface="Arial"/>
-              <a:buChar char="•"/>
-            </a:pPr>
-            <a:r>
-              <a:rPr b="0" lang="pt-BR" sz="2000" spc="-1" strike="noStrike">
-                <a:solidFill>
-                  <a:srgbClr val="000000"/>
-                </a:solidFill>
-                <a:latin typeface="Calibri"/>
-                <a:ea typeface="DejaVu Sans"/>
-              </a:rPr>
-              <a:t>Capacidade do Caixa:</a:t>
-            </a:r>
-            <a:endParaRPr b="0" lang="pt-BR" sz="2000" spc="-1" strike="noStrike">
-              <a:latin typeface="Arial"/>
-            </a:endParaRPr>
-          </a:p>
-          <a:p>
-            <a:pPr lvl="1" marL="685800" indent="-225720">
-              <a:lnSpc>
-                <a:spcPct val="90000"/>
-              </a:lnSpc>
-              <a:spcBef>
-                <a:spcPts val="499"/>
-              </a:spcBef>
-              <a:buClr>
-                <a:srgbClr val="000000"/>
-              </a:buClr>
-              <a:buFont typeface="Arial"/>
-              <a:buChar char="•"/>
-            </a:pPr>
-            <a:r>
-              <a:rPr b="1" lang="pt-BR" sz="2000" spc="-1" strike="noStrike">
-                <a:solidFill>
-                  <a:srgbClr val="000000"/>
-                </a:solidFill>
-                <a:latin typeface="Calibri"/>
-                <a:ea typeface="DejaVu Sans"/>
-              </a:rPr>
-              <a:t>Tratar devolução do </a:t>
-            </a:r>
-            <a:br/>
-            <a:r>
-              <a:rPr b="1" lang="pt-BR" sz="2000" spc="-1" strike="noStrike">
-                <a:solidFill>
-                  <a:srgbClr val="000000"/>
-                </a:solidFill>
-                <a:latin typeface="Calibri"/>
-                <a:ea typeface="DejaVu Sans"/>
-              </a:rPr>
-              <a:t>traje a rigor</a:t>
-            </a:r>
-            <a:endParaRPr b="0" lang="pt-BR" sz="2000" spc="-1" strike="noStrike">
-              <a:latin typeface="Arial"/>
-            </a:endParaRPr>
-          </a:p>
-        </p:txBody>
       </p:sp>
     </p:spTree>
   </p:cSld>
@@ -9579,456 +5815,4 @@
     </a:fmtScheme>
   </a:themeElements>
 </a:theme>
-</file>
-
-<file path=ppt/theme/theme3.xml><?xml version="1.0" encoding="utf-8"?>
-<a:theme xmlns:a="http://schemas.openxmlformats.org/drawingml/2006/main" name="Office Theme">
-  <a:themeElements>
-    <a:clrScheme name="Office">
-      <a:dk1>
-        <a:sysClr val="windowText" lastClr="000000"/>
-      </a:dk1>
-      <a:lt1>
-        <a:sysClr val="window" lastClr="FFFFFF"/>
-      </a:lt1>
-      <a:dk2>
-        <a:srgbClr val="44546a"/>
-      </a:dk2>
-      <a:lt2>
-        <a:srgbClr val="e7e6e6"/>
-      </a:lt2>
-      <a:accent1>
-        <a:srgbClr val="4472c4"/>
-      </a:accent1>
-      <a:accent2>
-        <a:srgbClr val="ed7d31"/>
-      </a:accent2>
-      <a:accent3>
-        <a:srgbClr val="a5a5a5"/>
-      </a:accent3>
-      <a:accent4>
-        <a:srgbClr val="ffc000"/>
-      </a:accent4>
-      <a:accent5>
-        <a:srgbClr val="5b9bd5"/>
-      </a:accent5>
-      <a:accent6>
-        <a:srgbClr val="70ad47"/>
-      </a:accent6>
-      <a:hlink>
-        <a:srgbClr val="0563c1"/>
-      </a:hlink>
-      <a:folHlink>
-        <a:srgbClr val="954f72"/>
-      </a:folHlink>
-    </a:clrScheme>
-    <a:fontScheme name="Office">
-      <a:majorFont>
-        <a:latin typeface="Arial"/>
-        <a:ea typeface="DejaVu Sans"/>
-        <a:cs typeface="DejaVu Sans"/>
-      </a:majorFont>
-      <a:minorFont>
-        <a:latin typeface="Arial"/>
-        <a:ea typeface="DejaVu Sans"/>
-        <a:cs typeface="DejaVu Sans"/>
-      </a:minorFont>
-    </a:fontScheme>
-    <a:fmtScheme name="Office">
-      <a:fillStyleLst>
-        <a:solidFill>
-          <a:schemeClr val="phClr"/>
-        </a:solidFill>
-        <a:gradFill rotWithShape="1">
-          <a:gsLst>
-            <a:gs pos="0">
-              <a:schemeClr val="phClr">
-                <a:tint val="50000"/>
-                <a:satMod val="300000"/>
-              </a:schemeClr>
-            </a:gs>
-            <a:gs pos="35000">
-              <a:schemeClr val="phClr">
-                <a:tint val="37000"/>
-                <a:satMod val="300000"/>
-              </a:schemeClr>
-            </a:gs>
-            <a:gs pos="100000">
-              <a:schemeClr val="phClr">
-                <a:tint val="15000"/>
-                <a:satMod val="350000"/>
-              </a:schemeClr>
-            </a:gs>
-          </a:gsLst>
-          <a:lin ang="16200000" scaled="1"/>
-        </a:gradFill>
-        <a:gradFill rotWithShape="1">
-          <a:gsLst>
-            <a:gs pos="0">
-              <a:schemeClr val="phClr">
-                <a:shade val="51000"/>
-                <a:satMod val="130000"/>
-              </a:schemeClr>
-            </a:gs>
-            <a:gs pos="80000">
-              <a:schemeClr val="phClr">
-                <a:shade val="93000"/>
-                <a:satMod val="130000"/>
-              </a:schemeClr>
-            </a:gs>
-            <a:gs pos="100000">
-              <a:schemeClr val="phClr">
-                <a:shade val="94000"/>
-                <a:satMod val="135000"/>
-              </a:schemeClr>
-            </a:gs>
-          </a:gsLst>
-          <a:lin ang="16200000" scaled="0"/>
-        </a:gradFill>
-      </a:fillStyleLst>
-      <a:lnStyleLst>
-        <a:ln w="9525" cap="flat" cmpd="sng" algn="ctr">
-          <a:solidFill>
-            <a:schemeClr val="phClr">
-              <a:shade val="95000"/>
-              <a:satMod val="105000"/>
-            </a:schemeClr>
-          </a:solidFill>
-          <a:prstDash val="solid"/>
-          <a:miter/>
-        </a:ln>
-        <a:ln w="25400" cap="flat" cmpd="sng" algn="ctr">
-          <a:solidFill>
-            <a:schemeClr val="phClr"/>
-          </a:solidFill>
-          <a:prstDash val="solid"/>
-          <a:miter/>
-        </a:ln>
-        <a:ln w="38100" cap="flat" cmpd="sng" algn="ctr">
-          <a:solidFill>
-            <a:schemeClr val="phClr"/>
-          </a:solidFill>
-          <a:prstDash val="solid"/>
-          <a:miter/>
-        </a:ln>
-      </a:lnStyleLst>
-      <a:effectStyleLst>
-        <a:effectStyle>
-          <a:effectLst>
-            <a:outerShdw blurRad="40000" dist="20000" dir="5400000" rotWithShape="0">
-              <a:srgbClr val="000000">
-                <a:alpha val="38000"/>
-              </a:srgbClr>
-            </a:outerShdw>
-          </a:effectLst>
-        </a:effectStyle>
-        <a:effectStyle>
-          <a:effectLst>
-            <a:outerShdw blurRad="40000" dist="23000" dir="5400000" rotWithShape="0">
-              <a:srgbClr val="000000">
-                <a:alpha val="35000"/>
-              </a:srgbClr>
-            </a:outerShdw>
-          </a:effectLst>
-        </a:effectStyle>
-        <a:effectStyle>
-          <a:effectLst>
-            <a:outerShdw blurRad="40000" dist="23000" dir="5400000" rotWithShape="0">
-              <a:srgbClr val="000000">
-                <a:alpha val="35000"/>
-              </a:srgbClr>
-            </a:outerShdw>
-          </a:effectLst>
-          <a:scene3d>
-            <a:camera prst="orthographicFront">
-              <a:rot lat="0" lon="0" rev="0"/>
-            </a:camera>
-            <a:lightRig rig="threePt" dir="t">
-              <a:rot lat="0" lon="0" rev="1200000"/>
-            </a:lightRig>
-          </a:scene3d>
-          <a:sp3d>
-            <a:bevelT w="63500" h="25400"/>
-          </a:sp3d>
-        </a:effectStyle>
-      </a:effectStyleLst>
-      <a:bgFillStyleLst>
-        <a:solidFill>
-          <a:schemeClr val="phClr"/>
-        </a:solidFill>
-        <a:gradFill rotWithShape="1">
-          <a:gsLst>
-            <a:gs pos="0">
-              <a:schemeClr val="phClr">
-                <a:tint val="40000"/>
-                <a:satMod val="350000"/>
-              </a:schemeClr>
-            </a:gs>
-            <a:gs pos="40000">
-              <a:schemeClr val="phClr">
-                <a:tint val="45000"/>
-                <a:shade val="99000"/>
-                <a:satMod val="350000"/>
-              </a:schemeClr>
-            </a:gs>
-            <a:gs pos="100000">
-              <a:schemeClr val="phClr">
-                <a:shade val="20000"/>
-                <a:satMod val="255000"/>
-              </a:schemeClr>
-            </a:gs>
-          </a:gsLst>
-          <a:path path="circle">
-            <a:fillToRect l="50000" t="-80000" r="50000" b="180000"/>
-          </a:path>
-        </a:gradFill>
-        <a:gradFill rotWithShape="1">
-          <a:gsLst>
-            <a:gs pos="0">
-              <a:schemeClr val="phClr">
-                <a:tint val="80000"/>
-                <a:satMod val="300000"/>
-              </a:schemeClr>
-            </a:gs>
-            <a:gs pos="100000">
-              <a:schemeClr val="phClr">
-                <a:shade val="30000"/>
-                <a:satMod val="200000"/>
-              </a:schemeClr>
-            </a:gs>
-          </a:gsLst>
-          <a:path path="circle">
-            <a:fillToRect l="50000" t="50000" r="50000" b="50000"/>
-          </a:path>
-        </a:gradFill>
-      </a:bgFillStyleLst>
-    </a:fmtScheme>
-  </a:themeElements>
-</a:theme>
-</file>
-
-<file path=ppt/theme/theme4.xml><?xml version="1.0" encoding="utf-8"?>
-<a:theme xmlns:a="http://schemas.openxmlformats.org/drawingml/2006/main" name="Office Theme">
-  <a:themeElements>
-    <a:clrScheme name="Office">
-      <a:dk1>
-        <a:sysClr val="windowText" lastClr="000000"/>
-      </a:dk1>
-      <a:lt1>
-        <a:sysClr val="window" lastClr="FFFFFF"/>
-      </a:lt1>
-      <a:dk2>
-        <a:srgbClr val="44546a"/>
-      </a:dk2>
-      <a:lt2>
-        <a:srgbClr val="e7e6e6"/>
-      </a:lt2>
-      <a:accent1>
-        <a:srgbClr val="4472c4"/>
-      </a:accent1>
-      <a:accent2>
-        <a:srgbClr val="ed7d31"/>
-      </a:accent2>
-      <a:accent3>
-        <a:srgbClr val="a5a5a5"/>
-      </a:accent3>
-      <a:accent4>
-        <a:srgbClr val="ffc000"/>
-      </a:accent4>
-      <a:accent5>
-        <a:srgbClr val="5b9bd5"/>
-      </a:accent5>
-      <a:accent6>
-        <a:srgbClr val="70ad47"/>
-      </a:accent6>
-      <a:hlink>
-        <a:srgbClr val="0563c1"/>
-      </a:hlink>
-      <a:folHlink>
-        <a:srgbClr val="954f72"/>
-      </a:folHlink>
-    </a:clrScheme>
-    <a:fontScheme name="Office">
-      <a:majorFont>
-        <a:latin typeface="Arial"/>
-        <a:ea typeface="DejaVu Sans"/>
-        <a:cs typeface="DejaVu Sans"/>
-      </a:majorFont>
-      <a:minorFont>
-        <a:latin typeface="Arial"/>
-        <a:ea typeface="DejaVu Sans"/>
-        <a:cs typeface="DejaVu Sans"/>
-      </a:minorFont>
-    </a:fontScheme>
-    <a:fmtScheme name="Office">
-      <a:fillStyleLst>
-        <a:solidFill>
-          <a:schemeClr val="phClr"/>
-        </a:solidFill>
-        <a:gradFill rotWithShape="1">
-          <a:gsLst>
-            <a:gs pos="0">
-              <a:schemeClr val="phClr">
-                <a:tint val="50000"/>
-                <a:satMod val="300000"/>
-              </a:schemeClr>
-            </a:gs>
-            <a:gs pos="35000">
-              <a:schemeClr val="phClr">
-                <a:tint val="37000"/>
-                <a:satMod val="300000"/>
-              </a:schemeClr>
-            </a:gs>
-            <a:gs pos="100000">
-              <a:schemeClr val="phClr">
-                <a:tint val="15000"/>
-                <a:satMod val="350000"/>
-              </a:schemeClr>
-            </a:gs>
-          </a:gsLst>
-          <a:lin ang="16200000" scaled="1"/>
-        </a:gradFill>
-        <a:gradFill rotWithShape="1">
-          <a:gsLst>
-            <a:gs pos="0">
-              <a:schemeClr val="phClr">
-                <a:shade val="51000"/>
-                <a:satMod val="130000"/>
-              </a:schemeClr>
-            </a:gs>
-            <a:gs pos="80000">
-              <a:schemeClr val="phClr">
-                <a:shade val="93000"/>
-                <a:satMod val="130000"/>
-              </a:schemeClr>
-            </a:gs>
-            <a:gs pos="100000">
-              <a:schemeClr val="phClr">
-                <a:shade val="94000"/>
-                <a:satMod val="135000"/>
-              </a:schemeClr>
-            </a:gs>
-          </a:gsLst>
-          <a:lin ang="16200000" scaled="0"/>
-        </a:gradFill>
-      </a:fillStyleLst>
-      <a:lnStyleLst>
-        <a:ln w="9525" cap="flat" cmpd="sng" algn="ctr">
-          <a:solidFill>
-            <a:schemeClr val="phClr">
-              <a:shade val="95000"/>
-              <a:satMod val="105000"/>
-            </a:schemeClr>
-          </a:solidFill>
-          <a:prstDash val="solid"/>
-          <a:miter/>
-        </a:ln>
-        <a:ln w="25400" cap="flat" cmpd="sng" algn="ctr">
-          <a:solidFill>
-            <a:schemeClr val="phClr"/>
-          </a:solidFill>
-          <a:prstDash val="solid"/>
-          <a:miter/>
-        </a:ln>
-        <a:ln w="38100" cap="flat" cmpd="sng" algn="ctr">
-          <a:solidFill>
-            <a:schemeClr val="phClr"/>
-          </a:solidFill>
-          <a:prstDash val="solid"/>
-          <a:miter/>
-        </a:ln>
-      </a:lnStyleLst>
-      <a:effectStyleLst>
-        <a:effectStyle>
-          <a:effectLst>
-            <a:outerShdw blurRad="40000" dist="20000" dir="5400000" rotWithShape="0">
-              <a:srgbClr val="000000">
-                <a:alpha val="38000"/>
-              </a:srgbClr>
-            </a:outerShdw>
-          </a:effectLst>
-        </a:effectStyle>
-        <a:effectStyle>
-          <a:effectLst>
-            <a:outerShdw blurRad="40000" dist="23000" dir="5400000" rotWithShape="0">
-              <a:srgbClr val="000000">
-                <a:alpha val="35000"/>
-              </a:srgbClr>
-            </a:outerShdw>
-          </a:effectLst>
-        </a:effectStyle>
-        <a:effectStyle>
-          <a:effectLst>
-            <a:outerShdw blurRad="40000" dist="23000" dir="5400000" rotWithShape="0">
-              <a:srgbClr val="000000">
-                <a:alpha val="35000"/>
-              </a:srgbClr>
-            </a:outerShdw>
-          </a:effectLst>
-          <a:scene3d>
-            <a:camera prst="orthographicFront">
-              <a:rot lat="0" lon="0" rev="0"/>
-            </a:camera>
-            <a:lightRig rig="threePt" dir="t">
-              <a:rot lat="0" lon="0" rev="1200000"/>
-            </a:lightRig>
-          </a:scene3d>
-          <a:sp3d>
-            <a:bevelT w="63500" h="25400"/>
-          </a:sp3d>
-        </a:effectStyle>
-      </a:effectStyleLst>
-      <a:bgFillStyleLst>
-        <a:solidFill>
-          <a:schemeClr val="phClr"/>
-        </a:solidFill>
-        <a:gradFill rotWithShape="1">
-          <a:gsLst>
-            <a:gs pos="0">
-              <a:schemeClr val="phClr">
-                <a:tint val="40000"/>
-                <a:satMod val="350000"/>
-              </a:schemeClr>
-            </a:gs>
-            <a:gs pos="40000">
-              <a:schemeClr val="phClr">
-                <a:tint val="45000"/>
-                <a:shade val="99000"/>
-                <a:satMod val="350000"/>
-              </a:schemeClr>
-            </a:gs>
-            <a:gs pos="100000">
-              <a:schemeClr val="phClr">
-                <a:shade val="20000"/>
-                <a:satMod val="255000"/>
-              </a:schemeClr>
-            </a:gs>
-          </a:gsLst>
-          <a:path path="circle">
-            <a:fillToRect l="50000" t="-80000" r="50000" b="180000"/>
-          </a:path>
-        </a:gradFill>
-        <a:gradFill rotWithShape="1">
-          <a:gsLst>
-            <a:gs pos="0">
-              <a:schemeClr val="phClr">
-                <a:tint val="80000"/>
-                <a:satMod val="300000"/>
-              </a:schemeClr>
-            </a:gs>
-            <a:gs pos="100000">
-              <a:schemeClr val="phClr">
-                <a:shade val="30000"/>
-                <a:satMod val="200000"/>
-              </a:schemeClr>
-            </a:gs>
-          </a:gsLst>
-          <a:path path="circle">
-            <a:fillToRect l="50000" t="50000" r="50000" b="50000"/>
-          </a:path>
-        </a:gradFill>
-      </a:bgFillStyleLst>
-    </a:fmtScheme>
-  </a:themeElements>
-</a:theme>
 </file>
--- a/15 - Arquitetura de Negócio para cada Cenário.pptx
+++ b/15 - Arquitetura de Negócio para cada Cenário.pptx
@@ -68,7 +68,7 @@
         <p:spPr>
           <a:xfrm>
             <a:off x="609480" y="273600"/>
-            <a:ext cx="10971000" cy="1143360"/>
+            <a:ext cx="10970640" cy="1143000"/>
           </a:xfrm>
           <a:prstGeom prst="rect">
             <a:avLst/>
@@ -181,7 +181,7 @@
         <p:spPr>
           <a:xfrm>
             <a:off x="609480" y="273600"/>
-            <a:ext cx="10971000" cy="1143360"/>
+            <a:ext cx="10970640" cy="1143000"/>
           </a:xfrm>
           <a:prstGeom prst="rect">
             <a:avLst/>
@@ -354,7 +354,7 @@
         <p:spPr>
           <a:xfrm>
             <a:off x="609480" y="273600"/>
-            <a:ext cx="10971000" cy="1143360"/>
+            <a:ext cx="10970640" cy="1143000"/>
           </a:xfrm>
           <a:prstGeom prst="rect">
             <a:avLst/>
@@ -609,7 +609,7 @@
         <p:spPr>
           <a:xfrm>
             <a:off x="609480" y="273600"/>
-            <a:ext cx="10971000" cy="1143360"/>
+            <a:ext cx="10970640" cy="1143000"/>
           </a:xfrm>
           <a:prstGeom prst="rect">
             <a:avLst/>
@@ -693,7 +693,7 @@
         <p:spPr>
           <a:xfrm>
             <a:off x="609480" y="273600"/>
-            <a:ext cx="10971000" cy="1143360"/>
+            <a:ext cx="10970640" cy="1143000"/>
           </a:xfrm>
           <a:prstGeom prst="rect">
             <a:avLst/>
@@ -776,7 +776,7 @@
         <p:spPr>
           <a:xfrm>
             <a:off x="609480" y="273600"/>
-            <a:ext cx="10971000" cy="1143360"/>
+            <a:ext cx="10970640" cy="1143000"/>
           </a:xfrm>
           <a:prstGeom prst="rect">
             <a:avLst/>
@@ -889,7 +889,7 @@
         <p:spPr>
           <a:xfrm>
             <a:off x="609480" y="273600"/>
-            <a:ext cx="10971000" cy="1143360"/>
+            <a:ext cx="10970640" cy="1143000"/>
           </a:xfrm>
           <a:prstGeom prst="rect">
             <a:avLst/>
@@ -942,7 +942,7 @@
         <p:spPr>
           <a:xfrm>
             <a:off x="609480" y="273600"/>
-            <a:ext cx="10971000" cy="5301360"/>
+            <a:ext cx="10970640" cy="5299560"/>
           </a:xfrm>
           <a:prstGeom prst="rect">
             <a:avLst/>
@@ -995,7 +995,7 @@
         <p:spPr>
           <a:xfrm>
             <a:off x="609480" y="273600"/>
-            <a:ext cx="10971000" cy="1143360"/>
+            <a:ext cx="10970640" cy="1143000"/>
           </a:xfrm>
           <a:prstGeom prst="rect">
             <a:avLst/>
@@ -1138,7 +1138,7 @@
         <p:spPr>
           <a:xfrm>
             <a:off x="609480" y="273600"/>
-            <a:ext cx="10971000" cy="1143360"/>
+            <a:ext cx="10970640" cy="1143000"/>
           </a:xfrm>
           <a:prstGeom prst="rect">
             <a:avLst/>
@@ -1222,7 +1222,7 @@
         <p:spPr>
           <a:xfrm>
             <a:off x="609480" y="273600"/>
-            <a:ext cx="10971000" cy="1143360"/>
+            <a:ext cx="10970640" cy="1143000"/>
           </a:xfrm>
           <a:prstGeom prst="rect">
             <a:avLst/>
@@ -1365,7 +1365,7 @@
         <p:spPr>
           <a:xfrm>
             <a:off x="609480" y="273600"/>
-            <a:ext cx="10971000" cy="1143360"/>
+            <a:ext cx="10970640" cy="1143000"/>
           </a:xfrm>
           <a:prstGeom prst="rect">
             <a:avLst/>
@@ -1508,7 +1508,7 @@
         <p:spPr>
           <a:xfrm>
             <a:off x="609480" y="273600"/>
-            <a:ext cx="10971000" cy="1143360"/>
+            <a:ext cx="10970640" cy="1143000"/>
           </a:xfrm>
           <a:prstGeom prst="rect">
             <a:avLst/>
@@ -1621,7 +1621,7 @@
         <p:spPr>
           <a:xfrm>
             <a:off x="609480" y="273600"/>
-            <a:ext cx="10971000" cy="1143360"/>
+            <a:ext cx="10970640" cy="1143000"/>
           </a:xfrm>
           <a:prstGeom prst="rect">
             <a:avLst/>
@@ -1794,7 +1794,7 @@
         <p:spPr>
           <a:xfrm>
             <a:off x="609480" y="273600"/>
-            <a:ext cx="10971000" cy="1143360"/>
+            <a:ext cx="10970640" cy="1143000"/>
           </a:xfrm>
           <a:prstGeom prst="rect">
             <a:avLst/>
@@ -2027,7 +2027,7 @@
         <p:spPr>
           <a:xfrm>
             <a:off x="609480" y="273600"/>
-            <a:ext cx="10971000" cy="1143360"/>
+            <a:ext cx="10970640" cy="1143000"/>
           </a:xfrm>
           <a:prstGeom prst="rect">
             <a:avLst/>
@@ -2110,7 +2110,7 @@
         <p:spPr>
           <a:xfrm>
             <a:off x="609480" y="273600"/>
-            <a:ext cx="10971000" cy="1143360"/>
+            <a:ext cx="10970640" cy="1143000"/>
           </a:xfrm>
           <a:prstGeom prst="rect">
             <a:avLst/>
@@ -2223,7 +2223,7 @@
         <p:spPr>
           <a:xfrm>
             <a:off x="609480" y="273600"/>
-            <a:ext cx="10971000" cy="1143360"/>
+            <a:ext cx="10970640" cy="1143000"/>
           </a:xfrm>
           <a:prstGeom prst="rect">
             <a:avLst/>
@@ -2276,7 +2276,7 @@
         <p:spPr>
           <a:xfrm>
             <a:off x="609480" y="273600"/>
-            <a:ext cx="10971000" cy="5301360"/>
+            <a:ext cx="10970640" cy="5299560"/>
           </a:xfrm>
           <a:prstGeom prst="rect">
             <a:avLst/>
@@ -2329,7 +2329,7 @@
         <p:spPr>
           <a:xfrm>
             <a:off x="609480" y="273600"/>
-            <a:ext cx="10971000" cy="1143360"/>
+            <a:ext cx="10970640" cy="1143000"/>
           </a:xfrm>
           <a:prstGeom prst="rect">
             <a:avLst/>
@@ -2472,7 +2472,7 @@
         <p:spPr>
           <a:xfrm>
             <a:off x="609480" y="273600"/>
-            <a:ext cx="10971000" cy="1143360"/>
+            <a:ext cx="10970640" cy="1143000"/>
           </a:xfrm>
           <a:prstGeom prst="rect">
             <a:avLst/>
@@ -2615,7 +2615,7 @@
         <p:spPr>
           <a:xfrm>
             <a:off x="609480" y="273600"/>
-            <a:ext cx="10971000" cy="1143360"/>
+            <a:ext cx="10970640" cy="1143000"/>
           </a:xfrm>
           <a:prstGeom prst="rect">
             <a:avLst/>
@@ -2765,7 +2765,7 @@
         <p:spPr>
           <a:xfrm>
             <a:off x="609480" y="273600"/>
-            <a:ext cx="10971000" cy="1143360"/>
+            <a:ext cx="10970640" cy="1143000"/>
           </a:xfrm>
           <a:prstGeom prst="rect">
             <a:avLst/>
@@ -3025,7 +3025,7 @@
         <p:spPr>
           <a:xfrm>
             <a:off x="609480" y="273600"/>
-            <a:ext cx="10971000" cy="1143360"/>
+            <a:ext cx="10970640" cy="1143000"/>
           </a:xfrm>
           <a:prstGeom prst="rect">
             <a:avLst/>
@@ -3274,7 +3274,7 @@
         <p:spPr>
           <a:xfrm>
             <a:off x="838080" y="444960"/>
-            <a:ext cx="10509120" cy="1319040"/>
+            <a:ext cx="10508760" cy="1318680"/>
           </a:xfrm>
           <a:prstGeom prst="rect">
             <a:avLst/>
@@ -3325,7 +3325,7 @@
         <p:spPr>
           <a:xfrm>
             <a:off x="1744560" y="3378600"/>
-            <a:ext cx="1329840" cy="907920"/>
+            <a:ext cx="1329480" cy="907560"/>
           </a:xfrm>
           <a:prstGeom prst="rect">
             <a:avLst/>
@@ -3381,7 +3381,7 @@
         <p:spPr>
           <a:xfrm>
             <a:off x="3080880" y="3835800"/>
-            <a:ext cx="3458880" cy="6120"/>
+            <a:ext cx="3458520" cy="5760"/>
           </a:xfrm>
           <a:prstGeom prst="curvedConnector3">
             <a:avLst>
@@ -3438,7 +3438,7 @@
             <a:spAutoFit/>
           </a:bodyPr>
           <a:p>
-            <a:pPr marL="343080" indent="-336600">
+            <a:pPr marL="343080" indent="-336240">
               <a:lnSpc>
                 <a:spcPct val="100000"/>
               </a:lnSpc>
@@ -3463,7 +3463,7 @@
             </a:endParaRPr>
           </a:p>
           <a:p>
-            <a:pPr marL="343080" indent="-336600">
+            <a:pPr marL="343080" indent="-336240">
               <a:lnSpc>
                 <a:spcPct val="100000"/>
               </a:lnSpc>
@@ -3488,7 +3488,7 @@
             </a:endParaRPr>
           </a:p>
           <a:p>
-            <a:pPr marL="343080" indent="-336600">
+            <a:pPr marL="343080" indent="-336240">
               <a:lnSpc>
                 <a:spcPct val="100000"/>
               </a:lnSpc>
@@ -3533,7 +3533,7 @@
         <p:spPr>
           <a:xfrm>
             <a:off x="6546240" y="2397960"/>
-            <a:ext cx="3604320" cy="2869200"/>
+            <a:ext cx="3603960" cy="2868840"/>
           </a:xfrm>
           <a:prstGeom prst="roundRect">
             <a:avLst>
@@ -3625,7 +3625,7 @@
         <p:spPr>
           <a:xfrm>
             <a:off x="838080" y="365040"/>
-            <a:ext cx="10511280" cy="1321200"/>
+            <a:ext cx="10510920" cy="1320840"/>
           </a:xfrm>
           <a:prstGeom prst="rect">
             <a:avLst/>
@@ -3676,7 +3676,7 @@
         <p:spPr>
           <a:xfrm>
             <a:off x="6493680" y="3189600"/>
-            <a:ext cx="1623240" cy="579960"/>
+            <a:ext cx="1622880" cy="579600"/>
           </a:xfrm>
           <a:prstGeom prst="cube">
             <a:avLst>
@@ -3765,7 +3765,7 @@
         <p:spPr>
           <a:xfrm>
             <a:off x="6624000" y="4248000"/>
-            <a:ext cx="1274040" cy="534240"/>
+            <a:ext cx="1273680" cy="533880"/>
           </a:xfrm>
           <a:prstGeom prst="roundRect">
             <a:avLst>
@@ -3857,7 +3857,7 @@
         <p:spPr>
           <a:xfrm>
             <a:off x="2035080" y="3097800"/>
-            <a:ext cx="1332000" cy="910080"/>
+            <a:ext cx="1331640" cy="909720"/>
           </a:xfrm>
           <a:prstGeom prst="rect">
             <a:avLst/>
@@ -3912,8 +3912,8 @@
         </p:nvSpPr>
         <p:spPr>
           <a:xfrm flipV="1">
-            <a:off x="3371400" y="3546000"/>
-            <a:ext cx="3119760" cy="360"/>
+            <a:off x="3371400" y="3544920"/>
+            <a:ext cx="3119400" cy="360"/>
           </a:xfrm>
           <a:prstGeom prst="curvedConnector3">
             <a:avLst>
@@ -3949,7 +3949,7 @@
         <p:spPr>
           <a:xfrm>
             <a:off x="6264000" y="2397960"/>
-            <a:ext cx="4245480" cy="2871360"/>
+            <a:ext cx="4245120" cy="2871000"/>
           </a:xfrm>
           <a:prstGeom prst="roundRect">
             <a:avLst>
@@ -4041,7 +4041,7 @@
         <p:spPr>
           <a:xfrm>
             <a:off x="8820000" y="4248000"/>
-            <a:ext cx="1274040" cy="534240"/>
+            <a:ext cx="1273680" cy="533880"/>
           </a:xfrm>
           <a:prstGeom prst="roundRect">
             <a:avLst>
@@ -4166,7 +4166,7 @@
         <p:spPr>
           <a:xfrm>
             <a:off x="8690040" y="3189960"/>
-            <a:ext cx="1623240" cy="579960"/>
+            <a:ext cx="1622880" cy="579600"/>
           </a:xfrm>
           <a:prstGeom prst="cube">
             <a:avLst>
@@ -4208,7 +4208,7 @@
                 <a:latin typeface="Calibri"/>
                 <a:ea typeface="DejaVu Sans"/>
               </a:rPr>
-              <a:t>Costura</a:t>
+              <a:t>Costureira</a:t>
             </a:r>
             <a:endParaRPr b="0" lang="pt-BR" sz="1000" spc="-1" strike="noStrike">
               <a:latin typeface="Arial"/>
@@ -4285,7 +4285,7 @@
         <p:spPr>
           <a:xfrm>
             <a:off x="838080" y="365040"/>
-            <a:ext cx="10511280" cy="1321200"/>
+            <a:ext cx="10510920" cy="1320840"/>
           </a:xfrm>
           <a:prstGeom prst="rect">
             <a:avLst/>
@@ -4335,8 +4335,8 @@
         </p:nvSpPr>
         <p:spPr>
           <a:xfrm>
-            <a:off x="7642080" y="4296240"/>
-            <a:ext cx="1274040" cy="534240"/>
+            <a:off x="7390080" y="4332240"/>
+            <a:ext cx="1273680" cy="533880"/>
           </a:xfrm>
           <a:prstGeom prst="roundRect">
             <a:avLst>
@@ -4428,7 +4428,7 @@
         <p:spPr>
           <a:xfrm>
             <a:off x="2035080" y="3097800"/>
-            <a:ext cx="1332000" cy="910080"/>
+            <a:ext cx="1331640" cy="909720"/>
           </a:xfrm>
           <a:prstGeom prst="rect">
             <a:avLst/>
@@ -4484,7 +4484,7 @@
         <p:spPr>
           <a:xfrm>
             <a:off x="3371400" y="3555000"/>
-            <a:ext cx="4161960" cy="8280"/>
+            <a:ext cx="4161600" cy="7920"/>
           </a:xfrm>
           <a:prstGeom prst="curvedConnector3">
             <a:avLst>
@@ -4519,8 +4519,8 @@
         </p:nvSpPr>
         <p:spPr>
           <a:xfrm>
-            <a:off x="6546240" y="2397960"/>
-            <a:ext cx="4829040" cy="2871360"/>
+            <a:off x="6840000" y="2397960"/>
+            <a:ext cx="4320000" cy="2871000"/>
           </a:xfrm>
           <a:prstGeom prst="roundRect">
             <a:avLst>
@@ -4578,7 +4578,7 @@
         </p:nvSpPr>
         <p:spPr>
           <a:xfrm>
-            <a:off x="8278200" y="3773880"/>
+            <a:off x="8026200" y="3773880"/>
             <a:ext cx="2880" cy="522360"/>
           </a:xfrm>
           <a:prstGeom prst="line">
@@ -4611,8 +4611,8 @@
         </p:nvSpPr>
         <p:spPr>
           <a:xfrm>
-            <a:off x="7537680" y="3225600"/>
-            <a:ext cx="1623240" cy="579960"/>
+            <a:off x="7285680" y="3225600"/>
+            <a:ext cx="1622880" cy="579600"/>
           </a:xfrm>
           <a:prstGeom prst="cube">
             <a:avLst>
@@ -4700,8 +4700,8 @@
         </p:nvSpPr>
         <p:spPr>
           <a:xfrm>
-            <a:off x="9356040" y="3235320"/>
-            <a:ext cx="1623240" cy="579960"/>
+            <a:off x="9284040" y="3199320"/>
+            <a:ext cx="1622880" cy="579600"/>
           </a:xfrm>
           <a:prstGeom prst="cube">
             <a:avLst>
@@ -4743,7 +4743,7 @@
                 <a:latin typeface="Calibri"/>
                 <a:ea typeface="DejaVu Sans"/>
               </a:rPr>
-              <a:t>Costura</a:t>
+              <a:t>Costureira</a:t>
             </a:r>
             <a:endParaRPr b="0" lang="pt-BR" sz="1000" spc="-1" strike="noStrike">
               <a:latin typeface="Arial"/>
@@ -4789,8 +4789,8 @@
         </p:nvSpPr>
         <p:spPr>
           <a:xfrm>
-            <a:off x="9504000" y="4284000"/>
-            <a:ext cx="1274040" cy="534240"/>
+            <a:off x="9360000" y="4320000"/>
+            <a:ext cx="1368000" cy="533880"/>
           </a:xfrm>
           <a:prstGeom prst="roundRect">
             <a:avLst>
@@ -4865,7 +4865,7 @@
                 <a:latin typeface="Calibri"/>
                 <a:ea typeface="DejaVu Sans"/>
               </a:rPr>
-              <a:t>Ajustar traje a rigor Emergencial</a:t>
+              <a:t>Ajustar traje a rigor emergencial</a:t>
             </a:r>
             <a:endParaRPr b="0" lang="pt-BR" sz="1200" spc="-1" strike="noStrike">
               <a:latin typeface="Arial"/>
@@ -4881,7 +4881,7 @@
         </p:nvSpPr>
         <p:spPr>
           <a:xfrm>
-            <a:off x="10149120" y="3816000"/>
+            <a:off x="10041120" y="3816000"/>
             <a:ext cx="2880" cy="522360"/>
           </a:xfrm>
           <a:prstGeom prst="line">
@@ -4945,7 +4945,7 @@
         <p:spPr>
           <a:xfrm>
             <a:off x="838080" y="365040"/>
-            <a:ext cx="10511280" cy="1321200"/>
+            <a:ext cx="10510920" cy="1320840"/>
           </a:xfrm>
           <a:prstGeom prst="rect">
             <a:avLst/>
@@ -4996,7 +4996,7 @@
         <p:spPr>
           <a:xfrm>
             <a:off x="7537680" y="3189600"/>
-            <a:ext cx="1623240" cy="579960"/>
+            <a:ext cx="1622880" cy="579600"/>
           </a:xfrm>
           <a:prstGeom prst="cube">
             <a:avLst>
@@ -5084,8 +5084,8 @@
         </p:nvSpPr>
         <p:spPr>
           <a:xfrm>
-            <a:off x="7642080" y="4296240"/>
-            <a:ext cx="1274040" cy="534240"/>
+            <a:off x="7534080" y="4296240"/>
+            <a:ext cx="1501920" cy="533880"/>
           </a:xfrm>
           <a:prstGeom prst="roundRect">
             <a:avLst>
@@ -5177,7 +5177,7 @@
         <p:spPr>
           <a:xfrm>
             <a:off x="2035080" y="3097800"/>
-            <a:ext cx="1332000" cy="910080"/>
+            <a:ext cx="1331640" cy="909720"/>
           </a:xfrm>
           <a:prstGeom prst="rect">
             <a:avLst/>
@@ -5233,7 +5233,7 @@
         <p:spPr>
           <a:xfrm>
             <a:off x="3371400" y="3555000"/>
-            <a:ext cx="4161960" cy="8280"/>
+            <a:ext cx="4161600" cy="7920"/>
           </a:xfrm>
           <a:prstGeom prst="curvedConnector3">
             <a:avLst>
@@ -5269,7 +5269,7 @@
         <p:spPr>
           <a:xfrm>
             <a:off x="6546240" y="2397960"/>
-            <a:ext cx="3606480" cy="2871360"/>
+            <a:ext cx="3606120" cy="2871000"/>
           </a:xfrm>
           <a:prstGeom prst="roundRect">
             <a:avLst>
